--- a/testing_part2.pptx
+++ b/testing_part2.pptx
@@ -5,10 +5,10 @@
     <p:sldMasterId id="2147483660" r:id="rId1"/>
   </p:sldMasterIdLst>
   <p:notesMasterIdLst>
-    <p:notesMasterId r:id="rId41"/>
+    <p:notesMasterId r:id="rId39"/>
   </p:notesMasterIdLst>
   <p:handoutMasterIdLst>
-    <p:handoutMasterId r:id="rId42"/>
+    <p:handoutMasterId r:id="rId40"/>
   </p:handoutMasterIdLst>
   <p:sldIdLst>
     <p:sldId id="273" r:id="rId2"/>
@@ -19,37 +19,35 @@
     <p:sldId id="350" r:id="rId7"/>
     <p:sldId id="351" r:id="rId8"/>
     <p:sldId id="505" r:id="rId9"/>
-    <p:sldId id="504" r:id="rId10"/>
-    <p:sldId id="519" r:id="rId11"/>
-    <p:sldId id="502" r:id="rId12"/>
-    <p:sldId id="520" r:id="rId13"/>
-    <p:sldId id="508" r:id="rId14"/>
+    <p:sldId id="520" r:id="rId10"/>
+    <p:sldId id="504" r:id="rId11"/>
+    <p:sldId id="529" r:id="rId12"/>
+    <p:sldId id="519" r:id="rId13"/>
+    <p:sldId id="502" r:id="rId14"/>
     <p:sldId id="317" r:id="rId15"/>
     <p:sldId id="503" r:id="rId16"/>
-    <p:sldId id="512" r:id="rId17"/>
-    <p:sldId id="509" r:id="rId18"/>
-    <p:sldId id="521" r:id="rId19"/>
-    <p:sldId id="510" r:id="rId20"/>
-    <p:sldId id="511" r:id="rId21"/>
-    <p:sldId id="513" r:id="rId22"/>
-    <p:sldId id="514" r:id="rId23"/>
-    <p:sldId id="515" r:id="rId24"/>
-    <p:sldId id="506" r:id="rId25"/>
-    <p:sldId id="523" r:id="rId26"/>
-    <p:sldId id="524" r:id="rId27"/>
+    <p:sldId id="506" r:id="rId17"/>
+    <p:sldId id="523" r:id="rId18"/>
+    <p:sldId id="524" r:id="rId19"/>
+    <p:sldId id="528" r:id="rId20"/>
+    <p:sldId id="509" r:id="rId21"/>
+    <p:sldId id="521" r:id="rId22"/>
+    <p:sldId id="518" r:id="rId23"/>
+    <p:sldId id="510" r:id="rId24"/>
+    <p:sldId id="511" r:id="rId25"/>
+    <p:sldId id="513" r:id="rId26"/>
+    <p:sldId id="526" r:id="rId27"/>
     <p:sldId id="525" r:id="rId28"/>
-    <p:sldId id="526" r:id="rId29"/>
+    <p:sldId id="530" r:id="rId29"/>
     <p:sldId id="516" r:id="rId30"/>
-    <p:sldId id="518" r:id="rId31"/>
-    <p:sldId id="527" r:id="rId32"/>
-    <p:sldId id="319" r:id="rId33"/>
-    <p:sldId id="316" r:id="rId34"/>
-    <p:sldId id="494" r:id="rId35"/>
-    <p:sldId id="359" r:id="rId36"/>
-    <p:sldId id="355" r:id="rId37"/>
-    <p:sldId id="476" r:id="rId38"/>
-    <p:sldId id="288" r:id="rId39"/>
-    <p:sldId id="298" r:id="rId40"/>
+    <p:sldId id="319" r:id="rId31"/>
+    <p:sldId id="316" r:id="rId32"/>
+    <p:sldId id="494" r:id="rId33"/>
+    <p:sldId id="359" r:id="rId34"/>
+    <p:sldId id="355" r:id="rId35"/>
+    <p:sldId id="476" r:id="rId36"/>
+    <p:sldId id="288" r:id="rId37"/>
+    <p:sldId id="298" r:id="rId38"/>
   </p:sldIdLst>
   <p:sldSz cx="9144000" cy="6858000" type="screen4x3"/>
   <p:notesSz cx="6858000" cy="9144000"/>
@@ -191,29 +189,27 @@
             <p14:sldId id="350"/>
             <p14:sldId id="351"/>
             <p14:sldId id="505"/>
+            <p14:sldId id="520"/>
             <p14:sldId id="504"/>
+            <p14:sldId id="529"/>
             <p14:sldId id="519"/>
             <p14:sldId id="502"/>
-            <p14:sldId id="520"/>
-            <p14:sldId id="508"/>
             <p14:sldId id="317"/>
             <p14:sldId id="503"/>
-            <p14:sldId id="512"/>
+            <p14:sldId id="506"/>
+            <p14:sldId id="523"/>
+            <p14:sldId id="524"/>
+            <p14:sldId id="528"/>
             <p14:sldId id="509"/>
             <p14:sldId id="521"/>
+            <p14:sldId id="518"/>
             <p14:sldId id="510"/>
             <p14:sldId id="511"/>
             <p14:sldId id="513"/>
-            <p14:sldId id="514"/>
-            <p14:sldId id="515"/>
-            <p14:sldId id="506"/>
-            <p14:sldId id="523"/>
-            <p14:sldId id="524"/>
+            <p14:sldId id="526"/>
             <p14:sldId id="525"/>
-            <p14:sldId id="526"/>
+            <p14:sldId id="530"/>
             <p14:sldId id="516"/>
-            <p14:sldId id="518"/>
-            <p14:sldId id="527"/>
             <p14:sldId id="319"/>
             <p14:sldId id="316"/>
             <p14:sldId id="494"/>
@@ -327,7 +323,7 @@
             <a:fld id="{80AC11AF-147E-0A48-A5B0-8DA858D84551}" type="datetimeFigureOut">
               <a:rPr lang="en-US" smtClean="0"/>
               <a:pPr/>
-              <a:t>8/19/21</a:t>
+              <a:t>8/22/21</a:t>
             </a:fld>
             <a:endParaRPr lang="en-US"/>
           </a:p>
@@ -970,6 +966,147 @@
           <a:bodyPr/>
           <a:lstStyle/>
           <a:p>
+            <a:r>
+              <a:rPr lang="en-US"/>
+              <a:t>in Python2 environment: </a:t>
+            </a:r>
+          </a:p>
+          <a:p>
+            <a:r>
+              <a:rPr lang="en-US" sz="1200" kern="1200">
+                <a:solidFill>
+                  <a:schemeClr val="tx1"/>
+                </a:solidFill>
+                <a:latin typeface="Arial" charset="0"/>
+                <a:ea typeface="ＭＳ Ｐゴシック" pitchFamily="80" charset="-128"/>
+                <a:cs typeface="+mn-cs"/>
+              </a:rPr>
+              <a:t>py.test -v mdp/test/test_node_covariance.py</a:t>
+            </a:r>
+          </a:p>
+          <a:p>
+            <a:r>
+              <a:rPr lang="en-US" sz="1200" kern="1200">
+                <a:solidFill>
+                  <a:schemeClr val="tx1"/>
+                </a:solidFill>
+                <a:latin typeface="Arial" charset="0"/>
+                <a:ea typeface="ＭＳ Ｐゴシック" pitchFamily="80" charset="-128"/>
+                <a:cs typeface="+mn-cs"/>
+              </a:rPr>
+              <a:t>and</a:t>
+            </a:r>
+          </a:p>
+          <a:p>
+            <a:r>
+              <a:rPr lang="en-US" sz="1200" kern="1200">
+                <a:solidFill>
+                  <a:schemeClr val="tx1"/>
+                </a:solidFill>
+                <a:latin typeface="Arial" charset="0"/>
+                <a:ea typeface="ＭＳ Ｐゴシック" pitchFamily="80" charset="-128"/>
+                <a:cs typeface="+mn-cs"/>
+              </a:rPr>
+              <a:t>py.test mdp/test/</a:t>
+            </a:r>
+          </a:p>
+          <a:p>
+            <a:r>
+              <a:rPr lang="en-US" sz="1200" kern="1200">
+                <a:solidFill>
+                  <a:schemeClr val="tx1"/>
+                </a:solidFill>
+                <a:latin typeface="Arial" charset="0"/>
+                <a:ea typeface="ＭＳ Ｐゴシック" pitchFamily="80" charset="-128"/>
+                <a:cs typeface="+mn-cs"/>
+              </a:rPr>
+              <a:t>(it takes one minute)</a:t>
+            </a:r>
+            <a:endParaRPr lang="en-US"/>
+          </a:p>
+        </p:txBody>
+      </p:sp>
+      <p:sp>
+        <p:nvSpPr>
+          <p:cNvPr id="4" name="Slide Number Placeholder 3"/>
+          <p:cNvSpPr>
+            <a:spLocks noGrp="1"/>
+          </p:cNvSpPr>
+          <p:nvPr>
+            <p:ph type="sldNum" sz="quarter" idx="10"/>
+          </p:nvPr>
+        </p:nvSpPr>
+        <p:spPr/>
+        <p:txBody>
+          <a:bodyPr/>
+          <a:lstStyle/>
+          <a:p>
+            <a:fld id="{99B30722-7DAA-4E93-8206-71F83E275281}" type="slidenum">
+              <a:rPr lang="en-US"/>
+              <a:pPr/>
+              <a:t>33</a:t>
+            </a:fld>
+            <a:endParaRPr lang="en-US"/>
+          </a:p>
+        </p:txBody>
+      </p:sp>
+    </p:spTree>
+    <p:extLst>
+      <p:ext uri="{BB962C8B-B14F-4D97-AF65-F5344CB8AC3E}">
+        <p14:creationId xmlns:p14="http://schemas.microsoft.com/office/powerpoint/2010/main" val="2782486048"/>
+      </p:ext>
+    </p:extLst>
+  </p:cSld>
+  <p:clrMapOvr>
+    <a:masterClrMapping/>
+  </p:clrMapOvr>
+</p:notes>
+</file>
+
+<file path=ppt/notesSlides/notesSlide11.xml><?xml version="1.0" encoding="utf-8"?>
+<p:notes xmlns:a="http://schemas.openxmlformats.org/drawingml/2006/main" xmlns:r="http://schemas.openxmlformats.org/officeDocument/2006/relationships" xmlns:p="http://schemas.openxmlformats.org/presentationml/2006/main">
+  <p:cSld>
+    <p:spTree>
+      <p:nvGrpSpPr>
+        <p:cNvPr id="1" name=""/>
+        <p:cNvGrpSpPr/>
+        <p:nvPr/>
+      </p:nvGrpSpPr>
+      <p:grpSpPr>
+        <a:xfrm>
+          <a:off x="0" y="0"/>
+          <a:ext cx="0" cy="0"/>
+          <a:chOff x="0" y="0"/>
+          <a:chExt cx="0" cy="0"/>
+        </a:xfrm>
+      </p:grpSpPr>
+      <p:sp>
+        <p:nvSpPr>
+          <p:cNvPr id="2" name="Slide Image Placeholder 1"/>
+          <p:cNvSpPr>
+            <a:spLocks noGrp="1" noRot="1" noChangeAspect="1"/>
+          </p:cNvSpPr>
+          <p:nvPr>
+            <p:ph type="sldImg"/>
+          </p:nvPr>
+        </p:nvSpPr>
+        <p:spPr/>
+      </p:sp>
+      <p:sp>
+        <p:nvSpPr>
+          <p:cNvPr id="3" name="Notes Placeholder 2"/>
+          <p:cNvSpPr>
+            <a:spLocks noGrp="1"/>
+          </p:cNvSpPr>
+          <p:nvPr>
+            <p:ph type="body" idx="1"/>
+          </p:nvPr>
+        </p:nvSpPr>
+        <p:spPr/>
+        <p:txBody>
+          <a:bodyPr/>
+          <a:lstStyle/>
+          <a:p>
             <a:endParaRPr lang="en-US" dirty="0"/>
           </a:p>
         </p:txBody>
@@ -992,7 +1129,7 @@
             <a:fld id="{99B30722-7DAA-4E93-8206-71F83E275281}" type="slidenum">
               <a:rPr lang="en-US" smtClean="0"/>
               <a:pPr/>
-              <a:t>36</a:t>
+              <a:t>34</a:t>
             </a:fld>
             <a:endParaRPr lang="en-US"/>
           </a:p>
@@ -1579,41 +1716,40 @@
         </p:nvSpPr>
         <p:spPr/>
         <p:txBody>
-          <a:bodyPr>
-            <a:normAutofit/>
-          </a:bodyPr>
-          <a:lstStyle/>
-          <a:p>
-            <a:pPr marL="228600" indent="-228600">
-              <a:buAutoNum type="arabicParenR"/>
-            </a:pPr>
-            <a:r>
-              <a:rPr lang="en-US" baseline="0" dirty="0"/>
-              <a:t>…</a:t>
-            </a:r>
-          </a:p>
-          <a:p>
-            <a:pPr marL="228600" indent="-228600">
-              <a:buAutoNum type="arabicParenR"/>
-            </a:pPr>
-            <a:r>
-              <a:rPr lang="en-US" baseline="0" dirty="0"/>
-              <a:t>There is no general rule for testing these algorithm, for each specific algorithm there are usually validation cases (</a:t>
-            </a:r>
-            <a:r>
-              <a:rPr lang="en-US" baseline="0" dirty="0" err="1"/>
-              <a:t>e.g</a:t>
-            </a:r>
-            <a:r>
-              <a:rPr lang="en-US" baseline="0" dirty="0"/>
-              <a:t>, a classifier might be validated using two classes of very different objects)</a:t>
-            </a:r>
-          </a:p>
-          <a:p>
-            <a:pPr marL="228600" indent="-228600">
-              <a:buNone/>
-            </a:pPr>
-            <a:endParaRPr lang="en-US" baseline="0" dirty="0"/>
+          <a:bodyPr/>
+          <a:lstStyle/>
+          <a:p>
+            <a:r>
+              <a:rPr lang="en-CH"/>
+              <a:t>numpy.random.RandomState!</a:t>
+            </a:r>
+          </a:p>
+          <a:p>
+            <a:endParaRPr lang="en-CH"/>
+          </a:p>
+          <a:p>
+            <a:r>
+              <a:rPr lang="en-CH"/>
+              <a:t>random_state = np.random.RandomState(SEED)</a:t>
+            </a:r>
+          </a:p>
+          <a:p>
+            <a:r>
+              <a:rPr lang="en-CH"/>
+              <a:t>random_state.rand()</a:t>
+            </a:r>
+          </a:p>
+          <a:p>
+            <a:endParaRPr lang="en-CH"/>
+          </a:p>
+          <a:p>
+            <a:r>
+              <a:rPr lang="en-CH"/>
+              <a:t>otherwise using the global seed, if any external library uses np.random it can screw up the determinism</a:t>
+            </a:r>
+          </a:p>
+          <a:p>
+            <a:endParaRPr lang="en-DE" dirty="0"/>
           </a:p>
         </p:txBody>
       </p:sp>
@@ -1624,7 +1760,7 @@
             <a:spLocks noGrp="1"/>
           </p:cNvSpPr>
           <p:nvPr>
-            <p:ph type="sldNum" sz="quarter" idx="10"/>
+            <p:ph type="sldNum" sz="quarter" idx="5"/>
           </p:nvPr>
         </p:nvSpPr>
         <p:spPr/>
@@ -1635,13 +1771,18 @@
             <a:fld id="{99B30722-7DAA-4E93-8206-71F83E275281}" type="slidenum">
               <a:rPr lang="en-US" smtClean="0"/>
               <a:pPr/>
-              <a:t>32</a:t>
+              <a:t>20</a:t>
             </a:fld>
             <a:endParaRPr lang="en-US"/>
           </a:p>
         </p:txBody>
       </p:sp>
     </p:spTree>
+    <p:extLst>
+      <p:ext uri="{BB962C8B-B14F-4D97-AF65-F5344CB8AC3E}">
+        <p14:creationId xmlns:p14="http://schemas.microsoft.com/office/powerpoint/2010/main" val="2584346042"/>
+      </p:ext>
+    </p:extLst>
   </p:cSld>
   <p:clrMapOvr>
     <a:masterClrMapping/>
@@ -1695,7 +1836,36 @@
           </a:bodyPr>
           <a:lstStyle/>
           <a:p>
-            <a:endParaRPr lang="en-GB" dirty="0"/>
+            <a:pPr marL="228600" indent="-228600">
+              <a:buAutoNum type="arabicParenR"/>
+            </a:pPr>
+            <a:r>
+              <a:rPr lang="en-US" baseline="0" dirty="0"/>
+              <a:t>…</a:t>
+            </a:r>
+          </a:p>
+          <a:p>
+            <a:pPr marL="228600" indent="-228600">
+              <a:buAutoNum type="arabicParenR"/>
+            </a:pPr>
+            <a:r>
+              <a:rPr lang="en-US" baseline="0" dirty="0"/>
+              <a:t>There is no general rule for testing these algorithm, for each specific algorithm there are usually validation cases (</a:t>
+            </a:r>
+            <a:r>
+              <a:rPr lang="en-US" baseline="0" dirty="0" err="1"/>
+              <a:t>e.g</a:t>
+            </a:r>
+            <a:r>
+              <a:rPr lang="en-US" baseline="0" dirty="0"/>
+              <a:t>, a classifier might be validated using two classes of very different objects)</a:t>
+            </a:r>
+          </a:p>
+          <a:p>
+            <a:pPr marL="228600" indent="-228600">
+              <a:buNone/>
+            </a:pPr>
+            <a:endParaRPr lang="en-US" baseline="0" dirty="0"/>
           </a:p>
         </p:txBody>
       </p:sp>
@@ -1714,12 +1884,12 @@
           <a:bodyPr/>
           <a:lstStyle/>
           <a:p>
-            <a:fld id="{5F378627-E3FE-44FD-B5FA-4582AC800163}" type="slidenum">
-              <a:rPr lang="en-GB" smtClean="0"/>
+            <a:fld id="{99B30722-7DAA-4E93-8206-71F83E275281}" type="slidenum">
+              <a:rPr lang="en-US" smtClean="0"/>
               <a:pPr/>
-              <a:t>33</a:t>
+              <a:t>30</a:t>
             </a:fld>
-            <a:endParaRPr lang="en-GB"/>
+            <a:endParaRPr lang="en-US"/>
           </a:p>
         </p:txBody>
       </p:sp>
@@ -1772,99 +1942,40 @@
         </p:nvSpPr>
         <p:spPr/>
         <p:txBody>
+          <a:bodyPr>
+            <a:normAutofit/>
+          </a:bodyPr>
+          <a:lstStyle/>
+          <a:p>
+            <a:endParaRPr lang="en-GB" dirty="0"/>
+          </a:p>
+        </p:txBody>
+      </p:sp>
+      <p:sp>
+        <p:nvSpPr>
+          <p:cNvPr id="4" name="Slide Number Placeholder 3"/>
+          <p:cNvSpPr>
+            <a:spLocks noGrp="1"/>
+          </p:cNvSpPr>
+          <p:nvPr>
+            <p:ph type="sldNum" sz="quarter" idx="10"/>
+          </p:nvPr>
+        </p:nvSpPr>
+        <p:spPr/>
+        <p:txBody>
           <a:bodyPr/>
           <a:lstStyle/>
           <a:p>
-            <a:r>
-              <a:rPr lang="en-US"/>
-              <a:t>in Python2 environment: </a:t>
-            </a:r>
-          </a:p>
-          <a:p>
-            <a:r>
-              <a:rPr lang="en-US" sz="1200" kern="1200">
-                <a:solidFill>
-                  <a:schemeClr val="tx1"/>
-                </a:solidFill>
-                <a:latin typeface="Arial" charset="0"/>
-                <a:ea typeface="ＭＳ Ｐゴシック" pitchFamily="80" charset="-128"/>
-                <a:cs typeface="+mn-cs"/>
-              </a:rPr>
-              <a:t>py.test -v mdp/test/test_node_covariance.py</a:t>
-            </a:r>
-          </a:p>
-          <a:p>
-            <a:r>
-              <a:rPr lang="en-US" sz="1200" kern="1200">
-                <a:solidFill>
-                  <a:schemeClr val="tx1"/>
-                </a:solidFill>
-                <a:latin typeface="Arial" charset="0"/>
-                <a:ea typeface="ＭＳ Ｐゴシック" pitchFamily="80" charset="-128"/>
-                <a:cs typeface="+mn-cs"/>
-              </a:rPr>
-              <a:t>and</a:t>
-            </a:r>
-          </a:p>
-          <a:p>
-            <a:r>
-              <a:rPr lang="en-US" sz="1200" kern="1200">
-                <a:solidFill>
-                  <a:schemeClr val="tx1"/>
-                </a:solidFill>
-                <a:latin typeface="Arial" charset="0"/>
-                <a:ea typeface="ＭＳ Ｐゴシック" pitchFamily="80" charset="-128"/>
-                <a:cs typeface="+mn-cs"/>
-              </a:rPr>
-              <a:t>py.test mdp/test/</a:t>
-            </a:r>
-          </a:p>
-          <a:p>
-            <a:r>
-              <a:rPr lang="en-US" sz="1200" kern="1200">
-                <a:solidFill>
-                  <a:schemeClr val="tx1"/>
-                </a:solidFill>
-                <a:latin typeface="Arial" charset="0"/>
-                <a:ea typeface="ＭＳ Ｐゴシック" pitchFamily="80" charset="-128"/>
-                <a:cs typeface="+mn-cs"/>
-              </a:rPr>
-              <a:t>(it takes one minute)</a:t>
-            </a:r>
-            <a:endParaRPr lang="en-US"/>
-          </a:p>
-        </p:txBody>
-      </p:sp>
-      <p:sp>
-        <p:nvSpPr>
-          <p:cNvPr id="4" name="Slide Number Placeholder 3"/>
-          <p:cNvSpPr>
-            <a:spLocks noGrp="1"/>
-          </p:cNvSpPr>
-          <p:nvPr>
-            <p:ph type="sldNum" sz="quarter" idx="10"/>
-          </p:nvPr>
-        </p:nvSpPr>
-        <p:spPr/>
-        <p:txBody>
-          <a:bodyPr/>
-          <a:lstStyle/>
-          <a:p>
-            <a:fld id="{99B30722-7DAA-4E93-8206-71F83E275281}" type="slidenum">
-              <a:rPr lang="en-US"/>
+            <a:fld id="{5F378627-E3FE-44FD-B5FA-4582AC800163}" type="slidenum">
+              <a:rPr lang="en-GB" smtClean="0"/>
               <a:pPr/>
-              <a:t>35</a:t>
+              <a:t>31</a:t>
             </a:fld>
-            <a:endParaRPr lang="en-US"/>
+            <a:endParaRPr lang="en-GB"/>
           </a:p>
         </p:txBody>
       </p:sp>
     </p:spTree>
-    <p:extLst>
-      <p:ext uri="{BB962C8B-B14F-4D97-AF65-F5344CB8AC3E}">
-        <p14:creationId xmlns:p14="http://schemas.microsoft.com/office/powerpoint/2010/main" val="2782486048"/>
-      </p:ext>
-    </p:extLst>
   </p:cSld>
   <p:clrMapOvr>
     <a:masterClrMapping/>
@@ -5681,7 +5792,7 @@
           <p:cNvPr id="2" name="Title 1">
             <a:extLst>
               <a:ext uri="{FF2B5EF4-FFF2-40B4-BE49-F238E27FC236}">
-                <a16:creationId xmlns:a16="http://schemas.microsoft.com/office/drawing/2014/main" id="{2C7DEA30-B46C-844A-BD7C-F8D9AEABD0AC}"/>
+                <a16:creationId xmlns:a16="http://schemas.microsoft.com/office/drawing/2014/main" id="{87005CDB-6463-B741-94CA-651D12044853}"/>
               </a:ext>
             </a:extLst>
           </p:cNvPr>
@@ -5715,10 +5826,43 @@
       </p:sp>
       <p:sp>
         <p:nvSpPr>
+          <p:cNvPr id="3" name="Content Placeholder 2">
+            <a:extLst>
+              <a:ext uri="{FF2B5EF4-FFF2-40B4-BE49-F238E27FC236}">
+                <a16:creationId xmlns:a16="http://schemas.microsoft.com/office/drawing/2014/main" id="{7E728BE7-2DBF-E146-89FA-99BFF5729CAD}"/>
+              </a:ext>
+            </a:extLst>
+          </p:cNvPr>
+          <p:cNvSpPr>
+            <a:spLocks noGrp="1"/>
+          </p:cNvSpPr>
+          <p:nvPr>
+            <p:ph sz="quarter" idx="1"/>
+          </p:nvPr>
+        </p:nvSpPr>
+        <p:spPr>
+          <a:xfrm>
+            <a:off x="457200" y="1219200"/>
+            <a:ext cx="8229600" cy="2209800"/>
+          </a:xfrm>
+        </p:spPr>
+        <p:txBody>
+          <a:bodyPr/>
+          <a:lstStyle/>
+          <a:p>
+            <a:r>
+              <a:rPr lang="en-DE" dirty="0"/>
+              <a:t>Sometimes used as a simple model for population growth</a:t>
+            </a:r>
+          </a:p>
+        </p:txBody>
+      </p:sp>
+      <p:sp>
+        <p:nvSpPr>
           <p:cNvPr id="4" name="Date Placeholder 3">
             <a:extLst>
               <a:ext uri="{FF2B5EF4-FFF2-40B4-BE49-F238E27FC236}">
-                <a16:creationId xmlns:a16="http://schemas.microsoft.com/office/drawing/2014/main" id="{3FEB4174-CB56-8F4A-95E3-858510FBA470}"/>
+                <a16:creationId xmlns:a16="http://schemas.microsoft.com/office/drawing/2014/main" id="{EB90D210-69C2-254F-A712-34EDC8A34BCE}"/>
               </a:ext>
             </a:extLst>
           </p:cNvPr>
@@ -5747,7 +5891,7 @@
           <p:cNvPr id="5" name="Footer Placeholder 4">
             <a:extLst>
               <a:ext uri="{FF2B5EF4-FFF2-40B4-BE49-F238E27FC236}">
-                <a16:creationId xmlns:a16="http://schemas.microsoft.com/office/drawing/2014/main" id="{615B3AEB-DA99-9749-913F-A2D7F6CD1D80}"/>
+                <a16:creationId xmlns:a16="http://schemas.microsoft.com/office/drawing/2014/main" id="{61CF89F0-6046-F74F-9841-B0C36739D201}"/>
               </a:ext>
             </a:extLst>
           </p:cNvPr>
@@ -5771,53 +5915,47 @@
           </a:p>
         </p:txBody>
       </p:sp>
-      <p:sp>
-        <p:nvSpPr>
-          <p:cNvPr id="6" name="Content Placeholder 2">
+      <p:pic>
+        <p:nvPicPr>
+          <p:cNvPr id="9" name="Picture 8" descr="Chart, line chart, histogram&#10;&#10;Description automatically generated">
             <a:extLst>
               <a:ext uri="{FF2B5EF4-FFF2-40B4-BE49-F238E27FC236}">
-                <a16:creationId xmlns:a16="http://schemas.microsoft.com/office/drawing/2014/main" id="{B35E2194-AD6F-9349-8E75-FDA9FB4D662F}"/>
+                <a16:creationId xmlns:a16="http://schemas.microsoft.com/office/drawing/2014/main" id="{A1CD8341-230D-BB4B-A97D-9A729ED3F643}"/>
               </a:ext>
             </a:extLst>
           </p:cNvPr>
-          <p:cNvSpPr>
-            <a:spLocks noGrp="1"/>
-          </p:cNvSpPr>
-          <p:nvPr>
-            <p:ph sz="quarter" idx="1"/>
-          </p:nvPr>
-        </p:nvSpPr>
-        <p:spPr/>
-        <p:txBody>
-          <a:bodyPr/>
-          <a:lstStyle/>
-          <a:p>
-            <a:pPr marL="0" indent="0">
-              <a:buNone/>
-            </a:pPr>
-            <a:endParaRPr lang="en-DE" dirty="0"/>
-          </a:p>
-          <a:p>
-            <a:r>
-              <a:rPr lang="en-GB" dirty="0"/>
-              <a:t>L</a:t>
-            </a:r>
-            <a:r>
-              <a:rPr lang="en-DE" dirty="0"/>
-              <a:t>ooking at these plots, what could you test?</a:t>
-            </a:r>
-          </a:p>
-          <a:p>
-            <a:endParaRPr lang="en-DE" dirty="0"/>
-          </a:p>
-        </p:txBody>
-      </p:sp>
+          <p:cNvPicPr>
+            <a:picLocks noChangeAspect="1"/>
+          </p:cNvPicPr>
+          <p:nvPr/>
+        </p:nvPicPr>
+        <p:blipFill rotWithShape="1">
+          <a:blip r:embed="rId2">
+            <a:extLst>
+              <a:ext uri="{28A0092B-C50C-407E-A947-70E740481C1C}">
+                <a14:useLocalDpi xmlns:a14="http://schemas.microsoft.com/office/drawing/2010/main" val="0"/>
+              </a:ext>
+            </a:extLst>
+          </a:blip>
+          <a:srcRect l="8006" r="63646"/>
+          <a:stretch/>
+        </p:blipFill>
+        <p:spPr>
+          <a:xfrm>
+            <a:off x="827584" y="1675062"/>
+            <a:ext cx="3818474" cy="4490242"/>
+          </a:xfrm>
+          <a:prstGeom prst="rect">
+            <a:avLst/>
+          </a:prstGeom>
+        </p:spPr>
+      </p:pic>
       <p:pic>
         <p:nvPicPr>
-          <p:cNvPr id="7" name="Picture 6" descr="Chart&#10;&#10;Description automatically generated with medium confidence">
+          <p:cNvPr id="11" name="Picture 10" descr="A picture containing lagomorph, mammal, standing, staring&#10;&#10;Description automatically generated">
             <a:extLst>
               <a:ext uri="{FF2B5EF4-FFF2-40B4-BE49-F238E27FC236}">
-                <a16:creationId xmlns:a16="http://schemas.microsoft.com/office/drawing/2014/main" id="{2732563C-DC06-F74C-9693-71205DD56008}"/>
+                <a16:creationId xmlns:a16="http://schemas.microsoft.com/office/drawing/2014/main" id="{877EADEF-8685-2644-9F1E-6EA1BE973747}"/>
               </a:ext>
             </a:extLst>
           </p:cNvPr>
@@ -5827,7 +5965,7 @@
           <p:nvPr/>
         </p:nvPicPr>
         <p:blipFill>
-          <a:blip r:embed="rId2">
+          <a:blip r:embed="rId3">
             <a:extLst>
               <a:ext uri="{28A0092B-C50C-407E-A947-70E740481C1C}">
                 <a14:useLocalDpi xmlns:a14="http://schemas.microsoft.com/office/drawing/2010/main" val="0"/>
@@ -5840,8 +5978,8 @@
         </p:blipFill>
         <p:spPr>
           <a:xfrm>
-            <a:off x="687524" y="2348684"/>
-            <a:ext cx="7768952" cy="3884476"/>
+            <a:off x="4854332" y="2708920"/>
+            <a:ext cx="3624194" cy="3140968"/>
           </a:xfrm>
           <a:prstGeom prst="rect">
             <a:avLst/>
@@ -5851,7 +5989,7 @@
     </p:spTree>
     <p:extLst>
       <p:ext uri="{BB962C8B-B14F-4D97-AF65-F5344CB8AC3E}">
-        <p14:creationId xmlns:p14="http://schemas.microsoft.com/office/powerpoint/2010/main" val="911639345"/>
+        <p14:creationId xmlns:p14="http://schemas.microsoft.com/office/powerpoint/2010/main" val="987225325"/>
       </p:ext>
     </p:extLst>
   </p:cSld>
@@ -5880,7 +6018,13 @@
       </p:grpSpPr>
       <p:sp>
         <p:nvSpPr>
-          <p:cNvPr id="2" name="Title 1"/>
+          <p:cNvPr id="2" name="Title 1">
+            <a:extLst>
+              <a:ext uri="{FF2B5EF4-FFF2-40B4-BE49-F238E27FC236}">
+                <a16:creationId xmlns:a16="http://schemas.microsoft.com/office/drawing/2014/main" id="{87005CDB-6463-B741-94CA-651D12044853}"/>
+              </a:ext>
+            </a:extLst>
+          </p:cNvPr>
           <p:cNvSpPr>
             <a:spLocks noGrp="1"/>
           </p:cNvSpPr>
@@ -5894,9 +6038,18 @@
           <a:lstStyle/>
           <a:p>
             <a:r>
+              <a:rPr lang="en-DE" dirty="0"/>
+              <a:t>Excursion: </a:t>
+            </a:r>
+            <a:r>
+              <a:rPr lang="en-DE"/>
+              <a:t>Logistic </a:t>
+            </a:r>
+            <a:r>
               <a:rPr lang="en-US" dirty="0"/>
-              <a:t>Hands-on!</a:t>
-            </a:r>
+              <a:t>Map</a:t>
+            </a:r>
+            <a:endParaRPr lang="en-DE" dirty="0"/>
           </a:p>
         </p:txBody>
       </p:sp>
@@ -5904,7 +6057,13 @@
         <mc:Choice xmlns:a14="http://schemas.microsoft.com/office/drawing/2010/main" Requires="a14">
           <p:sp>
             <p:nvSpPr>
-              <p:cNvPr id="3" name="Content Placeholder 2"/>
+              <p:cNvPr id="3" name="Content Placeholder 2">
+                <a:extLst>
+                  <a:ext uri="{FF2B5EF4-FFF2-40B4-BE49-F238E27FC236}">
+                    <a16:creationId xmlns:a16="http://schemas.microsoft.com/office/drawing/2014/main" id="{7E728BE7-2DBF-E146-89FA-99BFF5729CAD}"/>
+                  </a:ext>
+                </a:extLst>
+              </p:cNvPr>
               <p:cNvSpPr>
                 <a:spLocks noGrp="1"/>
               </p:cNvSpPr>
@@ -5912,45 +6071,37 @@
                 <p:ph sz="quarter" idx="1"/>
               </p:nvPr>
             </p:nvSpPr>
-            <p:spPr/>
+            <p:spPr>
+              <a:xfrm>
+                <a:off x="457200" y="1219200"/>
+                <a:ext cx="8229600" cy="1633736"/>
+              </a:xfrm>
+            </p:spPr>
             <p:txBody>
-              <a:bodyPr>
-                <a:normAutofit lnSpcReduction="10000"/>
-              </a:bodyPr>
+              <a:bodyPr/>
               <a:lstStyle/>
               <a:p>
                 <a:r>
-                  <a:rPr lang="en-US" dirty="0"/>
-                  <a:t>Submit a Pull Request for Issue #?? on GitHub</a:t>
+                  <a:rPr lang="en-GB" dirty="0"/>
+                  <a:t>x</a:t>
+                </a:r>
+                <a:r>
+                  <a:rPr lang="en-DE" baseline="-25000" dirty="0"/>
+                  <a:t>0</a:t>
+                </a:r>
+                <a:r>
+                  <a:rPr lang="en-DE" dirty="0"/>
+                  <a:t> should be between 0 and 1</a:t>
                 </a:r>
               </a:p>
               <a:p>
-                <a:r>
-                  <a:rPr lang="en-US" dirty="0"/>
-                  <a:t>In the file </a:t>
-                </a:r>
-                <a:r>
-                  <a:rPr lang="en-US" dirty="0" err="1"/>
-                  <a:t>logistic.py</a:t>
-                </a:r>
-                <a:r>
-                  <a:rPr lang="en-US" dirty="0"/>
-                  <a:t> complete the code for the two functions</a:t>
-                </a:r>
-              </a:p>
-              <a:p>
-                <a:pPr lvl="1"/>
-                <a:r>
-                  <a:rPr lang="en-US" dirty="0"/>
-                  <a:t>Implement the logistic map </a:t>
-                </a:r>
                 <a14:m>
                   <m:oMath xmlns:m="http://schemas.openxmlformats.org/officeDocument/2006/math">
                     <m:r>
                       <m:rPr>
                         <m:sty m:val="p"/>
                       </m:rPr>
-                      <a:rPr lang="de-DE" b="0" i="0" smtClean="0">
+                      <a:rPr lang="de-DE">
                         <a:latin typeface="Cambria Math" panose="02040503050406030204" pitchFamily="18" charset="0"/>
                       </a:rPr>
                       <m:t>f</m:t>
@@ -5958,14 +6109,14 @@
                     <m:d>
                       <m:dPr>
                         <m:ctrlPr>
-                          <a:rPr lang="de-DE" b="0" i="1" smtClean="0">
+                          <a:rPr lang="de-DE" i="1">
                             <a:latin typeface="Cambria Math" panose="02040503050406030204" pitchFamily="18" charset="0"/>
                           </a:rPr>
                         </m:ctrlPr>
                       </m:dPr>
                       <m:e>
                         <m:r>
-                          <a:rPr lang="de-DE" b="0" i="1" smtClean="0">
+                          <a:rPr lang="de-DE" i="1">
                             <a:latin typeface="Cambria Math" panose="02040503050406030204" pitchFamily="18" charset="0"/>
                           </a:rPr>
                           <m:t>𝑥</m:t>
@@ -5973,43 +6124,43 @@
                       </m:e>
                     </m:d>
                     <m:r>
-                      <a:rPr lang="de-DE" b="0" i="0" smtClean="0">
+                      <a:rPr lang="de-DE">
                         <a:latin typeface="Cambria Math" panose="02040503050406030204" pitchFamily="18" charset="0"/>
                       </a:rPr>
                       <m:t>=</m:t>
                     </m:r>
                     <m:r>
-                      <a:rPr lang="de-DE" b="0" i="1" smtClean="0">
+                      <a:rPr lang="de-DE" i="1">
                         <a:latin typeface="Cambria Math" panose="02040503050406030204" pitchFamily="18" charset="0"/>
                       </a:rPr>
                       <m:t>𝑟</m:t>
                     </m:r>
                     <m:r>
-                      <a:rPr lang="de-DE" b="0" i="1" smtClean="0">
+                      <a:rPr lang="de-DE" i="1">
                         <a:latin typeface="Cambria Math" panose="02040503050406030204" pitchFamily="18" charset="0"/>
                       </a:rPr>
                       <m:t>∗</m:t>
                     </m:r>
                     <m:r>
-                      <a:rPr lang="de-DE" b="0" i="1" smtClean="0">
+                      <a:rPr lang="de-DE" i="1">
                         <a:latin typeface="Cambria Math" panose="02040503050406030204" pitchFamily="18" charset="0"/>
                       </a:rPr>
                       <m:t>𝑥</m:t>
                     </m:r>
                     <m:r>
-                      <a:rPr lang="de-DE" b="0" i="1" smtClean="0">
+                      <a:rPr lang="de-DE" i="1">
                         <a:latin typeface="Cambria Math" panose="02040503050406030204" pitchFamily="18" charset="0"/>
                       </a:rPr>
                       <m:t>∗(1−</m:t>
                     </m:r>
                     <m:r>
-                      <a:rPr lang="de-DE" b="0" i="1" smtClean="0">
+                      <a:rPr lang="de-DE" i="1">
                         <a:latin typeface="Cambria Math" panose="02040503050406030204" pitchFamily="18" charset="0"/>
                       </a:rPr>
                       <m:t>𝑥</m:t>
                     </m:r>
                     <m:r>
-                      <a:rPr lang="de-DE" b="0" i="1" smtClean="0">
+                      <a:rPr lang="de-DE" i="1">
                         <a:latin typeface="Cambria Math" panose="02040503050406030204" pitchFamily="18" charset="0"/>
                       </a:rPr>
                       <m:t>)</m:t>
@@ -6019,70 +6170,112 @@
                 <a:endParaRPr lang="en-US" dirty="0"/>
               </a:p>
               <a:p>
-                <a:pPr lvl="1"/>
                 <a:r>
                   <a:rPr lang="en-US" dirty="0"/>
-                  <a:t>Implement a function that runs the logistic map for n iterations, each time passing the result back into f. This is called an iterated function.</a:t>
-                </a:r>
-              </a:p>
-              <a:p>
-                <a:r>
-                  <a:rPr lang="en-US" dirty="0"/>
-                  <a:t>Run </a:t>
+                  <a:t>Iterated function: </a:t>
                 </a:r>
                 <a:r>
-                  <a:rPr lang="en-US" dirty="0" err="1"/>
-                  <a:t>plot_logfun.py</a:t>
+                  <a:rPr lang="en-US" dirty="0">
+                    <a:latin typeface="Courier New" panose="02070309020205020404" pitchFamily="49" charset="0"/>
+                    <a:cs typeface="Courier New" panose="02070309020205020404" pitchFamily="49" charset="0"/>
+                  </a:rPr>
+                  <a:t>f(x</a:t>
                 </a:r>
                 <a:r>
-                  <a:rPr lang="en-US" dirty="0"/>
-                  <a:t> with</a:t>
-                </a:r>
-              </a:p>
-              <a:p>
-                <a:pPr lvl="1"/>
-                <a:r>
-                  <a:rPr lang="en-US" dirty="0"/>
-                  <a:t>r = 1.5</a:t>
-                </a:r>
-              </a:p>
-              <a:p>
-                <a:pPr lvl="1"/>
-                <a:r>
-                  <a:rPr lang="en-US" dirty="0"/>
-                  <a:t>x0 = 0.1</a:t>
-                </a:r>
-              </a:p>
-              <a:p>
-                <a:pPr marL="0" indent="0">
-                  <a:buNone/>
-                </a:pPr>
-                <a:r>
-                  <a:rPr lang="en-US" dirty="0"/>
-                  <a:t>and look at the plots that it generates</a:t>
-                </a:r>
-              </a:p>
-              <a:p>
-                <a:r>
-                  <a:rPr lang="en-US" dirty="0"/>
-                  <a:t>Write a stability test for your module in the </a:t>
+                  <a:rPr lang="en-US" baseline="-25000" dirty="0">
+                    <a:latin typeface="Courier New" panose="02070309020205020404" pitchFamily="49" charset="0"/>
+                    <a:cs typeface="Courier New" panose="02070309020205020404" pitchFamily="49" charset="0"/>
+                  </a:rPr>
+                  <a:t>0</a:t>
                 </a:r>
                 <a:r>
-                  <a:rPr lang="en-US" dirty="0" err="1"/>
-                  <a:t>test_logistic.py</a:t>
+                  <a:rPr lang="en-US" dirty="0">
+                    <a:latin typeface="Courier New" panose="02070309020205020404" pitchFamily="49" charset="0"/>
+                    <a:cs typeface="Courier New" panose="02070309020205020404" pitchFamily="49" charset="0"/>
+                  </a:rPr>
+                  <a:t>)=x</a:t>
                 </a:r>
                 <a:r>
-                  <a:rPr lang="en-US" dirty="0"/>
-                  <a:t> (</a:t>
+                  <a:rPr lang="en-US" baseline="-25000" dirty="0">
+                    <a:latin typeface="Courier New" panose="02070309020205020404" pitchFamily="49" charset="0"/>
+                    <a:cs typeface="Courier New" panose="02070309020205020404" pitchFamily="49" charset="0"/>
+                  </a:rPr>
+                  <a:t>1 </a:t>
                 </a:r>
                 <a:r>
-                  <a:rPr lang="en-US" dirty="0" err="1"/>
-                  <a:t>Exersize</a:t>
+                  <a:rPr lang="en-US" b="1" dirty="0">
+                    <a:latin typeface="Courier New" panose="02070309020205020404" pitchFamily="49" charset="0"/>
+                    <a:cs typeface="Courier New" panose="02070309020205020404" pitchFamily="49" charset="0"/>
+                  </a:rPr>
+                  <a:t>-&gt;</a:t>
                 </a:r>
                 <a:r>
-                  <a:rPr lang="en-US" dirty="0"/>
-                  <a:t> 1)</a:t>
+                  <a:rPr lang="en-US" dirty="0">
+                    <a:latin typeface="Courier New" panose="02070309020205020404" pitchFamily="49" charset="0"/>
+                    <a:cs typeface="Courier New" panose="02070309020205020404" pitchFamily="49" charset="0"/>
+                  </a:rPr>
+                  <a:t> f(x</a:t>
                 </a:r>
+                <a:r>
+                  <a:rPr lang="en-US" baseline="-25000" dirty="0">
+                    <a:latin typeface="Courier New" panose="02070309020205020404" pitchFamily="49" charset="0"/>
+                    <a:cs typeface="Courier New" panose="02070309020205020404" pitchFamily="49" charset="0"/>
+                  </a:rPr>
+                  <a:t>1</a:t>
+                </a:r>
+                <a:r>
+                  <a:rPr lang="en-US" dirty="0">
+                    <a:latin typeface="Courier New" panose="02070309020205020404" pitchFamily="49" charset="0"/>
+                    <a:cs typeface="Courier New" panose="02070309020205020404" pitchFamily="49" charset="0"/>
+                  </a:rPr>
+                  <a:t>)=x</a:t>
+                </a:r>
+                <a:r>
+                  <a:rPr lang="en-US" baseline="-25000" dirty="0">
+                    <a:latin typeface="Courier New" panose="02070309020205020404" pitchFamily="49" charset="0"/>
+                    <a:cs typeface="Courier New" panose="02070309020205020404" pitchFamily="49" charset="0"/>
+                  </a:rPr>
+                  <a:t>2 </a:t>
+                </a:r>
+                <a:r>
+                  <a:rPr lang="en-US" b="1" dirty="0">
+                    <a:latin typeface="Courier New" panose="02070309020205020404" pitchFamily="49" charset="0"/>
+                    <a:cs typeface="Courier New" panose="02070309020205020404" pitchFamily="49" charset="0"/>
+                  </a:rPr>
+                  <a:t>-&gt;</a:t>
+                </a:r>
+                <a:r>
+                  <a:rPr lang="en-US" dirty="0">
+                    <a:latin typeface="Courier New" panose="02070309020205020404" pitchFamily="49" charset="0"/>
+                    <a:cs typeface="Courier New" panose="02070309020205020404" pitchFamily="49" charset="0"/>
+                  </a:rPr>
+                  <a:t> f(x</a:t>
+                </a:r>
+                <a:r>
+                  <a:rPr lang="en-US" baseline="-25000" dirty="0">
+                    <a:latin typeface="Courier New" panose="02070309020205020404" pitchFamily="49" charset="0"/>
+                    <a:cs typeface="Courier New" panose="02070309020205020404" pitchFamily="49" charset="0"/>
+                  </a:rPr>
+                  <a:t>2</a:t>
+                </a:r>
+                <a:r>
+                  <a:rPr lang="en-US" dirty="0">
+                    <a:latin typeface="Courier New" panose="02070309020205020404" pitchFamily="49" charset="0"/>
+                    <a:cs typeface="Courier New" panose="02070309020205020404" pitchFamily="49" charset="0"/>
+                  </a:rPr>
+                  <a:t>)=x</a:t>
+                </a:r>
+                <a:r>
+                  <a:rPr lang="en-US" baseline="-25000" dirty="0">
+                    <a:latin typeface="Courier New" panose="02070309020205020404" pitchFamily="49" charset="0"/>
+                    <a:cs typeface="Courier New" panose="02070309020205020404" pitchFamily="49" charset="0"/>
+                  </a:rPr>
+                  <a:t>3</a:t>
+                </a:r>
+                <a:endParaRPr lang="en-US" dirty="0">
+                  <a:latin typeface="Courier New" panose="02070309020205020404" pitchFamily="49" charset="0"/>
+                  <a:cs typeface="Courier New" panose="02070309020205020404" pitchFamily="49" charset="0"/>
+                </a:endParaRPr>
               </a:p>
               <a:p>
                 <a:endParaRPr lang="en-US" dirty="0"/>
@@ -6093,7 +6286,13 @@
         <mc:Fallback>
           <p:sp>
             <p:nvSpPr>
-              <p:cNvPr id="3" name="Content Placeholder 2"/>
+              <p:cNvPr id="3" name="Content Placeholder 2">
+                <a:extLst>
+                  <a:ext uri="{FF2B5EF4-FFF2-40B4-BE49-F238E27FC236}">
+                    <a16:creationId xmlns:a16="http://schemas.microsoft.com/office/drawing/2014/main" id="{7E728BE7-2DBF-E146-89FA-99BFF5729CAD}"/>
+                  </a:ext>
+                </a:extLst>
+              </p:cNvPr>
               <p:cNvSpPr>
                 <a:spLocks noGrp="1" noRot="1" noChangeAspect="1" noMove="1" noResize="1" noEditPoints="1" noAdjustHandles="1" noChangeArrowheads="1" noChangeShapeType="1" noTextEdit="1"/>
               </p:cNvSpPr>
@@ -6102,10 +6301,14 @@
               </p:nvPr>
             </p:nvSpPr>
             <p:spPr>
+              <a:xfrm>
+                <a:off x="457200" y="1219200"/>
+                <a:ext cx="8229600" cy="1633736"/>
+              </a:xfrm>
               <a:blipFill>
                 <a:blip r:embed="rId2"/>
                 <a:stretch>
-                  <a:fillRect l="-1235" t="-1799"/>
+                  <a:fillRect l="-617" t="-3101" b="-775"/>
                 </a:stretch>
               </a:blipFill>
             </p:spPr>
@@ -6114,7 +6317,7 @@
               <a:lstStyle/>
               <a:p>
                 <a:r>
-                  <a:rPr lang="en-CH">
+                  <a:rPr lang="en-DE">
                     <a:noFill/>
                   </a:rPr>
                   <a:t> </a:t>
@@ -6126,89 +6329,101 @@
       </mc:AlternateContent>
       <p:sp>
         <p:nvSpPr>
-          <p:cNvPr id="6" name="Date Placeholder 5"/>
-          <p:cNvSpPr>
-            <a:spLocks noGrp="1"/>
-          </p:cNvSpPr>
-          <p:nvPr>
-            <p:ph type="dt" sz="half" idx="10"/>
-          </p:nvPr>
-        </p:nvSpPr>
-        <p:spPr/>
-        <p:txBody>
-          <a:bodyPr/>
-          <a:lstStyle/>
-          <a:p>
-            <a:r>
-              <a:rPr lang="en-US"/>
-              <a:t>August 2019, CC BY-SA 4.0</a:t>
-            </a:r>
-          </a:p>
-        </p:txBody>
-      </p:sp>
-      <p:sp>
-        <p:nvSpPr>
-          <p:cNvPr id="7" name="Footer Placeholder 6"/>
-          <p:cNvSpPr>
-            <a:spLocks noGrp="1"/>
-          </p:cNvSpPr>
-          <p:nvPr>
-            <p:ph type="ftr" sz="quarter" idx="11"/>
-          </p:nvPr>
-        </p:nvSpPr>
-        <p:spPr/>
-        <p:txBody>
-          <a:bodyPr/>
-          <a:lstStyle/>
-          <a:p>
-            <a:r>
-              <a:rPr lang="en-US"/>
-              <a:t>Testing scientific code, v12.0</a:t>
-            </a:r>
-          </a:p>
-        </p:txBody>
-      </p:sp>
-      <p:sp>
-        <p:nvSpPr>
-          <p:cNvPr id="4" name="TextBox 3">
+          <p:cNvPr id="4" name="Date Placeholder 3">
             <a:extLst>
               <a:ext uri="{FF2B5EF4-FFF2-40B4-BE49-F238E27FC236}">
-                <a16:creationId xmlns:a16="http://schemas.microsoft.com/office/drawing/2014/main" id="{2E0E42DF-4D2B-2648-92E6-84CBB97C5AF0}"/>
+                <a16:creationId xmlns:a16="http://schemas.microsoft.com/office/drawing/2014/main" id="{EB90D210-69C2-254F-A712-34EDC8A34BCE}"/>
               </a:ext>
             </a:extLst>
           </p:cNvPr>
-          <p:cNvSpPr txBox="1"/>
+          <p:cNvSpPr>
+            <a:spLocks noGrp="1"/>
+          </p:cNvSpPr>
+          <p:nvPr>
+            <p:ph type="dt" sz="half" idx="10"/>
+          </p:nvPr>
+        </p:nvSpPr>
+        <p:spPr/>
+        <p:txBody>
+          <a:bodyPr/>
+          <a:lstStyle/>
+          <a:p>
+            <a:r>
+              <a:rPr lang="en-US" sz="1000"/>
+              <a:t>August 2019, CC BY-SA 4.0</a:t>
+            </a:r>
+            <a:endParaRPr lang="en-US" sz="1000" dirty="0"/>
+          </a:p>
+        </p:txBody>
+      </p:sp>
+      <p:sp>
+        <p:nvSpPr>
+          <p:cNvPr id="5" name="Footer Placeholder 4">
+            <a:extLst>
+              <a:ext uri="{FF2B5EF4-FFF2-40B4-BE49-F238E27FC236}">
+                <a16:creationId xmlns:a16="http://schemas.microsoft.com/office/drawing/2014/main" id="{61CF89F0-6046-F74F-9841-B0C36739D201}"/>
+              </a:ext>
+            </a:extLst>
+          </p:cNvPr>
+          <p:cNvSpPr>
+            <a:spLocks noGrp="1"/>
+          </p:cNvSpPr>
+          <p:nvPr>
+            <p:ph type="ftr" sz="quarter" idx="11"/>
+          </p:nvPr>
+        </p:nvSpPr>
+        <p:spPr/>
+        <p:txBody>
+          <a:bodyPr/>
+          <a:lstStyle/>
+          <a:p>
+            <a:r>
+              <a:rPr lang="en-US"/>
+              <a:t>Testing scientific code, v12.0</a:t>
+            </a:r>
+            <a:endParaRPr lang="en-US" dirty="0"/>
+          </a:p>
+        </p:txBody>
+      </p:sp>
+      <p:pic>
+        <p:nvPicPr>
+          <p:cNvPr id="9" name="Picture 8" descr="Chart, line chart, histogram&#10;&#10;Description automatically generated">
+            <a:extLst>
+              <a:ext uri="{FF2B5EF4-FFF2-40B4-BE49-F238E27FC236}">
+                <a16:creationId xmlns:a16="http://schemas.microsoft.com/office/drawing/2014/main" id="{A1CD8341-230D-BB4B-A97D-9A729ED3F643}"/>
+              </a:ext>
+            </a:extLst>
+          </p:cNvPr>
+          <p:cNvPicPr>
+            <a:picLocks noChangeAspect="1"/>
+          </p:cNvPicPr>
           <p:nvPr/>
-        </p:nvSpPr>
+        </p:nvPicPr>
+        <p:blipFill rotWithShape="1">
+          <a:blip r:embed="rId3">
+            <a:extLst>
+              <a:ext uri="{28A0092B-C50C-407E-A947-70E740481C1C}">
+                <a14:useLocalDpi xmlns:a14="http://schemas.microsoft.com/office/drawing/2010/main" val="0"/>
+              </a:ext>
+            </a:extLst>
+          </a:blip>
+          <a:srcRect l="8003" r="7754"/>
+          <a:stretch/>
+        </p:blipFill>
         <p:spPr>
           <a:xfrm>
-            <a:off x="5867224" y="245345"/>
-            <a:ext cx="2737224" cy="461665"/>
+            <a:off x="198000" y="2708920"/>
+            <a:ext cx="8748000" cy="3461494"/>
           </a:xfrm>
           <a:prstGeom prst="rect">
             <a:avLst/>
           </a:prstGeom>
-          <a:solidFill>
-            <a:srgbClr val="FFFF00"/>
-          </a:solidFill>
         </p:spPr>
-        <p:txBody>
-          <a:bodyPr wrap="square" rtlCol="0">
-            <a:spAutoFit/>
-          </a:bodyPr>
-          <a:lstStyle/>
-          <a:p>
-            <a:r>
-              <a:rPr lang="en-CH" dirty="0"/>
-              <a:t>TODO update</a:t>
-            </a:r>
-          </a:p>
-        </p:txBody>
-      </p:sp>
+      </p:pic>
     </p:spTree>
     <p:extLst>
       <p:ext uri="{BB962C8B-B14F-4D97-AF65-F5344CB8AC3E}">
-        <p14:creationId xmlns:p14="http://schemas.microsoft.com/office/powerpoint/2010/main" val="4084505966"/>
+        <p14:creationId xmlns:p14="http://schemas.microsoft.com/office/powerpoint/2010/main" val="2855950525"/>
       </p:ext>
     </p:extLst>
   </p:cSld>
@@ -6240,7 +6455,7 @@
           <p:cNvPr id="2" name="Title 1">
             <a:extLst>
               <a:ext uri="{FF2B5EF4-FFF2-40B4-BE49-F238E27FC236}">
-                <a16:creationId xmlns:a16="http://schemas.microsoft.com/office/drawing/2014/main" id="{B20CC58F-E090-D34D-85F4-0A7380E0CEC3}"/>
+                <a16:creationId xmlns:a16="http://schemas.microsoft.com/office/drawing/2014/main" id="{2C7DEA30-B46C-844A-BD7C-F8D9AEABD0AC}"/>
               </a:ext>
             </a:extLst>
           </p:cNvPr>
@@ -6258,17 +6473,26 @@
           <a:p>
             <a:r>
               <a:rPr lang="en-DE" dirty="0"/>
-              <a:t>Parametrize</a:t>
-            </a:r>
-          </a:p>
-        </p:txBody>
-      </p:sp>
-      <p:sp>
-        <p:nvSpPr>
-          <p:cNvPr id="3" name="Content Placeholder 2">
+              <a:t>Excursion: </a:t>
+            </a:r>
+            <a:r>
+              <a:rPr lang="en-DE"/>
+              <a:t>Logistic </a:t>
+            </a:r>
+            <a:r>
+              <a:rPr lang="en-US" dirty="0"/>
+              <a:t>Map</a:t>
+            </a:r>
+            <a:endParaRPr lang="en-DE" dirty="0"/>
+          </a:p>
+        </p:txBody>
+      </p:sp>
+      <p:sp>
+        <p:nvSpPr>
+          <p:cNvPr id="4" name="Date Placeholder 3">
             <a:extLst>
               <a:ext uri="{FF2B5EF4-FFF2-40B4-BE49-F238E27FC236}">
-                <a16:creationId xmlns:a16="http://schemas.microsoft.com/office/drawing/2014/main" id="{53185C21-F79C-E449-A60A-2B23A19C4CE5}"/>
+                <a16:creationId xmlns:a16="http://schemas.microsoft.com/office/drawing/2014/main" id="{3FEB4174-CB56-8F4A-95E3-858510FBA470}"/>
               </a:ext>
             </a:extLst>
           </p:cNvPr>
@@ -6276,32 +6500,28 @@
             <a:spLocks noGrp="1"/>
           </p:cNvSpPr>
           <p:nvPr>
-            <p:ph sz="quarter" idx="1"/>
-          </p:nvPr>
-        </p:nvSpPr>
-        <p:spPr>
-          <a:xfrm>
-            <a:off x="457200" y="1219200"/>
-            <a:ext cx="8229600" cy="990600"/>
-          </a:xfrm>
-        </p:spPr>
+            <p:ph type="dt" sz="half" idx="10"/>
+          </p:nvPr>
+        </p:nvSpPr>
+        <p:spPr/>
         <p:txBody>
           <a:bodyPr/>
           <a:lstStyle/>
           <a:p>
             <a:r>
-              <a:rPr lang="en-DE" dirty="0"/>
-              <a:t>… is also useful when you want to test different cases and their outcomes!</a:t>
-            </a:r>
-          </a:p>
-        </p:txBody>
-      </p:sp>
-      <p:sp>
-        <p:nvSpPr>
-          <p:cNvPr id="4" name="Date Placeholder 3">
+              <a:rPr lang="en-US" sz="1000"/>
+              <a:t>August 2019, CC BY-SA 4.0</a:t>
+            </a:r>
+            <a:endParaRPr lang="en-US" sz="1000" dirty="0"/>
+          </a:p>
+        </p:txBody>
+      </p:sp>
+      <p:sp>
+        <p:nvSpPr>
+          <p:cNvPr id="5" name="Footer Placeholder 4">
             <a:extLst>
               <a:ext uri="{FF2B5EF4-FFF2-40B4-BE49-F238E27FC236}">
-                <a16:creationId xmlns:a16="http://schemas.microsoft.com/office/drawing/2014/main" id="{37E2CDE8-4AD6-914B-AEE9-DA0E40FD163E}"/>
+                <a16:creationId xmlns:a16="http://schemas.microsoft.com/office/drawing/2014/main" id="{615B3AEB-DA99-9749-913F-A2D7F6CD1D80}"/>
               </a:ext>
             </a:extLst>
           </p:cNvPr>
@@ -6309,7 +6529,7 @@
             <a:spLocks noGrp="1"/>
           </p:cNvSpPr>
           <p:nvPr>
-            <p:ph type="dt" sz="half" idx="10"/>
+            <p:ph type="ftr" sz="quarter" idx="11"/>
           </p:nvPr>
         </p:nvSpPr>
         <p:spPr/>
@@ -6318,19 +6538,19 @@
           <a:lstStyle/>
           <a:p>
             <a:r>
-              <a:rPr lang="en-US" sz="1000"/>
-              <a:t>August 2019, CC BY-SA 4.0</a:t>
-            </a:r>
-            <a:endParaRPr lang="en-US" sz="1000" dirty="0"/>
-          </a:p>
-        </p:txBody>
-      </p:sp>
-      <p:sp>
-        <p:nvSpPr>
-          <p:cNvPr id="5" name="Footer Placeholder 4">
+              <a:rPr lang="en-US"/>
+              <a:t>Testing scientific code, v12.0</a:t>
+            </a:r>
+            <a:endParaRPr lang="en-US" dirty="0"/>
+          </a:p>
+        </p:txBody>
+      </p:sp>
+      <p:sp>
+        <p:nvSpPr>
+          <p:cNvPr id="6" name="Content Placeholder 2">
             <a:extLst>
               <a:ext uri="{FF2B5EF4-FFF2-40B4-BE49-F238E27FC236}">
-                <a16:creationId xmlns:a16="http://schemas.microsoft.com/office/drawing/2014/main" id="{35A6C6E4-EB1C-F64A-947A-925A661434EA}"/>
+                <a16:creationId xmlns:a16="http://schemas.microsoft.com/office/drawing/2014/main" id="{B35E2194-AD6F-9349-8E75-FDA9FB4D662F}"/>
               </a:ext>
             </a:extLst>
           </p:cNvPr>
@@ -6338,7 +6558,7 @@
             <a:spLocks noGrp="1"/>
           </p:cNvSpPr>
           <p:nvPr>
-            <p:ph type="ftr" sz="quarter" idx="11"/>
+            <p:ph sz="quarter" idx="1"/>
           </p:nvPr>
         </p:nvSpPr>
         <p:spPr/>
@@ -6346,309 +6566,65 @@
           <a:bodyPr/>
           <a:lstStyle/>
           <a:p>
-            <a:r>
-              <a:rPr lang="en-US"/>
-              <a:t>Testing scientific code, v12.0</a:t>
-            </a:r>
-            <a:endParaRPr lang="en-US" dirty="0"/>
-          </a:p>
-        </p:txBody>
-      </p:sp>
-      <p:sp>
-        <p:nvSpPr>
-          <p:cNvPr id="6" name="TextBox 5">
+            <a:pPr marL="0" indent="0">
+              <a:buNone/>
+            </a:pPr>
+            <a:endParaRPr lang="en-DE" dirty="0"/>
+          </a:p>
+          <a:p>
+            <a:r>
+              <a:rPr lang="en-GB" dirty="0"/>
+              <a:t>L</a:t>
+            </a:r>
+            <a:r>
+              <a:rPr lang="en-DE" dirty="0"/>
+              <a:t>ooking at these plots, what could you test?</a:t>
+            </a:r>
+          </a:p>
+          <a:p>
+            <a:endParaRPr lang="en-DE" dirty="0"/>
+          </a:p>
+        </p:txBody>
+      </p:sp>
+      <p:pic>
+        <p:nvPicPr>
+          <p:cNvPr id="10" name="Picture 9" descr="Chart, line chart, histogram&#10;&#10;Description automatically generated">
             <a:extLst>
               <a:ext uri="{FF2B5EF4-FFF2-40B4-BE49-F238E27FC236}">
-                <a16:creationId xmlns:a16="http://schemas.microsoft.com/office/drawing/2014/main" id="{0113DD6C-E1D1-F34C-BC47-6E4C8852B03D}"/>
+                <a16:creationId xmlns:a16="http://schemas.microsoft.com/office/drawing/2014/main" id="{A324366A-3EA5-CC46-816B-C1013C9C6E60}"/>
               </a:ext>
             </a:extLst>
           </p:cNvPr>
-          <p:cNvSpPr txBox="1"/>
+          <p:cNvPicPr>
+            <a:picLocks noChangeAspect="1"/>
+          </p:cNvPicPr>
           <p:nvPr/>
-        </p:nvSpPr>
+        </p:nvPicPr>
+        <p:blipFill rotWithShape="1">
+          <a:blip r:embed="rId2">
+            <a:extLst>
+              <a:ext uri="{28A0092B-C50C-407E-A947-70E740481C1C}">
+                <a14:useLocalDpi xmlns:a14="http://schemas.microsoft.com/office/drawing/2010/main" val="0"/>
+              </a:ext>
+            </a:extLst>
+          </a:blip>
+          <a:srcRect l="8003" r="7754"/>
+          <a:stretch/>
+        </p:blipFill>
         <p:spPr>
           <a:xfrm>
-            <a:off x="323528" y="2636913"/>
-            <a:ext cx="8712968" cy="2308324"/>
+            <a:off x="198000" y="2695466"/>
+            <a:ext cx="8748000" cy="3461494"/>
           </a:xfrm>
           <a:prstGeom prst="rect">
             <a:avLst/>
           </a:prstGeom>
-          <a:noFill/>
         </p:spPr>
-        <p:txBody>
-          <a:bodyPr wrap="square" rtlCol="0">
-            <a:spAutoFit/>
-          </a:bodyPr>
-          <a:lstStyle/>
-          <a:p>
-            <a:r>
-              <a:rPr lang="en-GB" sz="1600" b="1" dirty="0">
-                <a:solidFill>
-                  <a:srgbClr val="555555"/>
-                </a:solidFill>
-                <a:latin typeface="Courier New" panose="02070309020205020404" pitchFamily="49" charset="0"/>
-                <a:cs typeface="Courier New" panose="02070309020205020404" pitchFamily="49" charset="0"/>
-              </a:rPr>
-              <a:t>@</a:t>
-            </a:r>
-            <a:r>
-              <a:rPr lang="en-GB" sz="1600" b="1" dirty="0" err="1">
-                <a:solidFill>
-                  <a:srgbClr val="555555"/>
-                </a:solidFill>
-                <a:latin typeface="Courier New" panose="02070309020205020404" pitchFamily="49" charset="0"/>
-                <a:cs typeface="Courier New" panose="02070309020205020404" pitchFamily="49" charset="0"/>
-              </a:rPr>
-              <a:t>pytest.mark.parametrize</a:t>
-            </a:r>
-            <a:r>
-              <a:rPr lang="en-GB" sz="1600" dirty="0">
-                <a:latin typeface="Courier New" panose="02070309020205020404" pitchFamily="49" charset="0"/>
-                <a:cs typeface="Courier New" panose="02070309020205020404" pitchFamily="49" charset="0"/>
-              </a:rPr>
-              <a:t>("string, expected", </a:t>
-            </a:r>
-          </a:p>
-          <a:p>
-            <a:r>
-              <a:rPr lang="en-GB" sz="1600" dirty="0">
-                <a:latin typeface="Courier New" panose="02070309020205020404" pitchFamily="49" charset="0"/>
-                <a:cs typeface="Courier New" panose="02070309020205020404" pitchFamily="49" charset="0"/>
-              </a:rPr>
-              <a:t>			   [('</a:t>
-            </a:r>
-            <a:r>
-              <a:rPr lang="en-GB" sz="1600" dirty="0" err="1">
-                <a:latin typeface="Courier New" panose="02070309020205020404" pitchFamily="49" charset="0"/>
-                <a:cs typeface="Courier New" panose="02070309020205020404" pitchFamily="49" charset="0"/>
-              </a:rPr>
-              <a:t>HeLlO</a:t>
-            </a:r>
-            <a:r>
-              <a:rPr lang="en-GB" sz="1600" dirty="0">
-                <a:latin typeface="Courier New" panose="02070309020205020404" pitchFamily="49" charset="0"/>
-                <a:cs typeface="Courier New" panose="02070309020205020404" pitchFamily="49" charset="0"/>
-              </a:rPr>
-              <a:t> </a:t>
-            </a:r>
-            <a:r>
-              <a:rPr lang="en-GB" sz="1600" dirty="0" err="1">
-                <a:latin typeface="Courier New" panose="02070309020205020404" pitchFamily="49" charset="0"/>
-                <a:cs typeface="Courier New" panose="02070309020205020404" pitchFamily="49" charset="0"/>
-              </a:rPr>
-              <a:t>wOrld</a:t>
-            </a:r>
-            <a:r>
-              <a:rPr lang="en-GB" sz="1600" dirty="0">
-                <a:latin typeface="Courier New" panose="02070309020205020404" pitchFamily="49" charset="0"/>
-                <a:cs typeface="Courier New" panose="02070309020205020404" pitchFamily="49" charset="0"/>
-              </a:rPr>
-              <a:t>', 'hello world’), </a:t>
-            </a:r>
-          </a:p>
-          <a:p>
-            <a:r>
-              <a:rPr lang="en-GB" sz="1600" dirty="0">
-                <a:latin typeface="Courier New" panose="02070309020205020404" pitchFamily="49" charset="0"/>
-                <a:cs typeface="Courier New" panose="02070309020205020404" pitchFamily="49" charset="0"/>
-              </a:rPr>
-              <a:t>			    ('hi', 'hi’), </a:t>
-            </a:r>
-          </a:p>
-          <a:p>
-            <a:r>
-              <a:rPr lang="en-GB" sz="1600" dirty="0">
-                <a:latin typeface="Courier New" panose="02070309020205020404" pitchFamily="49" charset="0"/>
-                <a:cs typeface="Courier New" panose="02070309020205020404" pitchFamily="49" charset="0"/>
-              </a:rPr>
-              <a:t>                           ('','')])</a:t>
-            </a:r>
-          </a:p>
-          <a:p>
-            <a:r>
-              <a:rPr lang="en-GB" sz="1600" b="1" dirty="0">
-                <a:solidFill>
-                  <a:srgbClr val="008800"/>
-                </a:solidFill>
-                <a:latin typeface="Courier New" panose="02070309020205020404" pitchFamily="49" charset="0"/>
-                <a:cs typeface="Courier New" panose="02070309020205020404" pitchFamily="49" charset="0"/>
-              </a:rPr>
-              <a:t>def</a:t>
-            </a:r>
-            <a:r>
-              <a:rPr lang="en-GB" sz="1600" dirty="0">
-                <a:latin typeface="Courier New" panose="02070309020205020404" pitchFamily="49" charset="0"/>
-                <a:cs typeface="Courier New" panose="02070309020205020404" pitchFamily="49" charset="0"/>
-              </a:rPr>
-              <a:t> </a:t>
-            </a:r>
-            <a:r>
-              <a:rPr lang="en-GB" sz="1600" b="1" dirty="0" err="1">
-                <a:solidFill>
-                  <a:srgbClr val="0066BB"/>
-                </a:solidFill>
-                <a:latin typeface="Courier New" panose="02070309020205020404" pitchFamily="49" charset="0"/>
-                <a:cs typeface="Courier New" panose="02070309020205020404" pitchFamily="49" charset="0"/>
-              </a:rPr>
-              <a:t>test_lower</a:t>
-            </a:r>
-            <a:r>
-              <a:rPr lang="en-GB" sz="1600" dirty="0">
-                <a:latin typeface="Courier New" panose="02070309020205020404" pitchFamily="49" charset="0"/>
-                <a:cs typeface="Courier New" panose="02070309020205020404" pitchFamily="49" charset="0"/>
-              </a:rPr>
-              <a:t>(string, expected): </a:t>
-            </a:r>
-          </a:p>
-          <a:p>
-            <a:r>
-              <a:rPr lang="en-GB" sz="1600" dirty="0">
-                <a:solidFill>
-                  <a:srgbClr val="888888"/>
-                </a:solidFill>
-                <a:latin typeface="Courier New" panose="02070309020205020404" pitchFamily="49" charset="0"/>
-                <a:cs typeface="Courier New" panose="02070309020205020404" pitchFamily="49" charset="0"/>
-              </a:rPr>
-              <a:t>	# When</a:t>
-            </a:r>
-            <a:br>
-              <a:rPr lang="en-GB" sz="1600" dirty="0">
-                <a:solidFill>
-                  <a:srgbClr val="888888"/>
-                </a:solidFill>
-                <a:latin typeface="Courier New" panose="02070309020205020404" pitchFamily="49" charset="0"/>
-                <a:cs typeface="Courier New" panose="02070309020205020404" pitchFamily="49" charset="0"/>
-              </a:rPr>
-            </a:br>
-            <a:r>
-              <a:rPr lang="en-GB" sz="1600" dirty="0">
-                <a:latin typeface="Courier New" panose="02070309020205020404" pitchFamily="49" charset="0"/>
-                <a:cs typeface="Courier New" panose="02070309020205020404" pitchFamily="49" charset="0"/>
-              </a:rPr>
-              <a:t> 	output </a:t>
-            </a:r>
-            <a:r>
-              <a:rPr lang="en-GB" sz="1600" dirty="0">
-                <a:solidFill>
-                  <a:srgbClr val="333333"/>
-                </a:solidFill>
-                <a:latin typeface="Courier New" panose="02070309020205020404" pitchFamily="49" charset="0"/>
-                <a:cs typeface="Courier New" panose="02070309020205020404" pitchFamily="49" charset="0"/>
-              </a:rPr>
-              <a:t>=</a:t>
-            </a:r>
-            <a:r>
-              <a:rPr lang="en-GB" sz="1600" dirty="0">
-                <a:latin typeface="Courier New" panose="02070309020205020404" pitchFamily="49" charset="0"/>
-                <a:cs typeface="Courier New" panose="02070309020205020404" pitchFamily="49" charset="0"/>
-              </a:rPr>
-              <a:t> </a:t>
-            </a:r>
-            <a:r>
-              <a:rPr lang="en-GB" sz="1600" dirty="0" err="1">
-                <a:latin typeface="Courier New" panose="02070309020205020404" pitchFamily="49" charset="0"/>
-                <a:cs typeface="Courier New" panose="02070309020205020404" pitchFamily="49" charset="0"/>
-              </a:rPr>
-              <a:t>string</a:t>
-            </a:r>
-            <a:r>
-              <a:rPr lang="en-GB" sz="1600" dirty="0" err="1">
-                <a:solidFill>
-                  <a:srgbClr val="333333"/>
-                </a:solidFill>
-                <a:latin typeface="Courier New" panose="02070309020205020404" pitchFamily="49" charset="0"/>
-                <a:cs typeface="Courier New" panose="02070309020205020404" pitchFamily="49" charset="0"/>
-              </a:rPr>
-              <a:t>.</a:t>
-            </a:r>
-            <a:r>
-              <a:rPr lang="en-GB" sz="1600" dirty="0" err="1">
-                <a:latin typeface="Courier New" panose="02070309020205020404" pitchFamily="49" charset="0"/>
-                <a:cs typeface="Courier New" panose="02070309020205020404" pitchFamily="49" charset="0"/>
-              </a:rPr>
-              <a:t>lower</a:t>
-            </a:r>
-            <a:r>
-              <a:rPr lang="en-GB" sz="1600" dirty="0">
-                <a:latin typeface="Courier New" panose="02070309020205020404" pitchFamily="49" charset="0"/>
-                <a:cs typeface="Courier New" panose="02070309020205020404" pitchFamily="49" charset="0"/>
-              </a:rPr>
-              <a:t>() </a:t>
-            </a:r>
-          </a:p>
-          <a:p>
-            <a:r>
-              <a:rPr lang="en-GB" sz="1600" dirty="0">
-                <a:solidFill>
-                  <a:srgbClr val="888888"/>
-                </a:solidFill>
-                <a:latin typeface="Courier New" panose="02070309020205020404" pitchFamily="49" charset="0"/>
-                <a:cs typeface="Courier New" panose="02070309020205020404" pitchFamily="49" charset="0"/>
-              </a:rPr>
-              <a:t>	# Then</a:t>
-            </a:r>
-            <a:br>
-              <a:rPr lang="en-GB" sz="1600" dirty="0">
-                <a:solidFill>
-                  <a:srgbClr val="888888"/>
-                </a:solidFill>
-                <a:latin typeface="Courier New" panose="02070309020205020404" pitchFamily="49" charset="0"/>
-                <a:cs typeface="Courier New" panose="02070309020205020404" pitchFamily="49" charset="0"/>
-              </a:rPr>
-            </a:br>
-            <a:r>
-              <a:rPr lang="en-GB" sz="1600" dirty="0">
-                <a:latin typeface="Courier New" panose="02070309020205020404" pitchFamily="49" charset="0"/>
-                <a:cs typeface="Courier New" panose="02070309020205020404" pitchFamily="49" charset="0"/>
-              </a:rPr>
-              <a:t> 	</a:t>
-            </a:r>
-            <a:r>
-              <a:rPr lang="en-GB" sz="1600" b="1" dirty="0">
-                <a:solidFill>
-                  <a:srgbClr val="008800"/>
-                </a:solidFill>
-                <a:latin typeface="Courier New" panose="02070309020205020404" pitchFamily="49" charset="0"/>
-                <a:cs typeface="Courier New" panose="02070309020205020404" pitchFamily="49" charset="0"/>
-              </a:rPr>
-              <a:t>assert</a:t>
-            </a:r>
-            <a:r>
-              <a:rPr lang="en-GB" sz="1600" dirty="0">
-                <a:latin typeface="Courier New" panose="02070309020205020404" pitchFamily="49" charset="0"/>
-                <a:cs typeface="Courier New" panose="02070309020205020404" pitchFamily="49" charset="0"/>
-              </a:rPr>
-              <a:t> output </a:t>
-            </a:r>
-            <a:r>
-              <a:rPr lang="en-GB" sz="1600" dirty="0">
-                <a:solidFill>
-                  <a:srgbClr val="333333"/>
-                </a:solidFill>
-                <a:latin typeface="Courier New" panose="02070309020205020404" pitchFamily="49" charset="0"/>
-                <a:cs typeface="Courier New" panose="02070309020205020404" pitchFamily="49" charset="0"/>
-              </a:rPr>
-              <a:t>==</a:t>
-            </a:r>
-            <a:r>
-              <a:rPr lang="en-GB" sz="1600" dirty="0">
-                <a:latin typeface="Courier New" panose="02070309020205020404" pitchFamily="49" charset="0"/>
-                <a:cs typeface="Courier New" panose="02070309020205020404" pitchFamily="49" charset="0"/>
-              </a:rPr>
-              <a:t> expected</a:t>
-            </a:r>
-            <a:endParaRPr lang="en-DE" sz="1600" dirty="0">
-              <a:latin typeface="Courier New" panose="02070309020205020404" pitchFamily="49" charset="0"/>
-              <a:cs typeface="Courier New" panose="02070309020205020404" pitchFamily="49" charset="0"/>
-            </a:endParaRPr>
-          </a:p>
-        </p:txBody>
-      </p:sp>
+      </p:pic>
     </p:spTree>
     <p:extLst>
       <p:ext uri="{BB962C8B-B14F-4D97-AF65-F5344CB8AC3E}">
-        <p14:creationId xmlns:p14="http://schemas.microsoft.com/office/powerpoint/2010/main" val="4047186870"/>
+        <p14:creationId xmlns:p14="http://schemas.microsoft.com/office/powerpoint/2010/main" val="911639345"/>
       </p:ext>
     </p:extLst>
   </p:cSld>
@@ -6677,169 +6653,376 @@
       </p:grpSpPr>
       <p:sp>
         <p:nvSpPr>
-          <p:cNvPr id="2" name="Title 1">
+          <p:cNvPr id="2" name="Title 1"/>
+          <p:cNvSpPr>
+            <a:spLocks noGrp="1"/>
+          </p:cNvSpPr>
+          <p:nvPr>
+            <p:ph type="title"/>
+          </p:nvPr>
+        </p:nvSpPr>
+        <p:spPr/>
+        <p:txBody>
+          <a:bodyPr/>
+          <a:lstStyle/>
+          <a:p>
+            <a:r>
+              <a:rPr lang="en-US" dirty="0"/>
+              <a:t>Hands-on!</a:t>
+            </a:r>
+          </a:p>
+        </p:txBody>
+      </p:sp>
+      <p:sp>
+        <p:nvSpPr>
+          <p:cNvPr id="3" name="Content Placeholder 2"/>
+          <p:cNvSpPr>
+            <a:spLocks noGrp="1"/>
+          </p:cNvSpPr>
+          <p:nvPr>
+            <p:ph sz="quarter" idx="1"/>
+          </p:nvPr>
+        </p:nvSpPr>
+        <p:spPr>
+          <a:xfrm>
+            <a:off x="454152" y="1219200"/>
+            <a:ext cx="8232648" cy="5137150"/>
+          </a:xfrm>
+        </p:spPr>
+        <p:txBody>
+          <a:bodyPr>
+            <a:normAutofit fontScale="92500" lnSpcReduction="20000"/>
+          </a:bodyPr>
+          <a:lstStyle/>
+          <a:p>
+            <a:pPr marL="0" indent="0">
+              <a:buNone/>
+            </a:pPr>
+            <a:r>
+              <a:rPr lang="en-GB" dirty="0"/>
+              <a:t>First fork the repo XY on GitHub and clone your own copy!</a:t>
+            </a:r>
+          </a:p>
+          <a:p>
+            <a:pPr marL="274320" lvl="1" indent="0">
+              <a:buNone/>
+            </a:pPr>
+            <a:r>
+              <a:rPr lang="en-GB" dirty="0"/>
+              <a:t>a) Implement the logistic function f(𝑥)=𝑟∗𝑥∗(1−𝑥) . Use `@parametrize` to test the function for the following cases:</a:t>
+            </a:r>
+          </a:p>
+          <a:p>
+            <a:pPr lvl="2"/>
+            <a:r>
+              <a:rPr lang="en-GB" dirty="0">
+                <a:latin typeface="Courier New" panose="02070309020205020404" pitchFamily="49" charset="0"/>
+                <a:cs typeface="Courier New" panose="02070309020205020404" pitchFamily="49" charset="0"/>
+              </a:rPr>
+              <a:t>x=0.1, r=2.2 =&gt; f(x, r)=0.198</a:t>
+            </a:r>
+          </a:p>
+          <a:p>
+            <a:pPr lvl="2"/>
+            <a:r>
+              <a:rPr lang="en-GB" dirty="0">
+                <a:latin typeface="Courier New" panose="02070309020205020404" pitchFamily="49" charset="0"/>
+                <a:cs typeface="Courier New" panose="02070309020205020404" pitchFamily="49" charset="0"/>
+              </a:rPr>
+              <a:t>x=0.2, r=3.4 =&gt; f(x, r)=0.544</a:t>
+            </a:r>
+          </a:p>
+          <a:p>
+            <a:pPr lvl="2"/>
+            <a:r>
+              <a:rPr lang="en-GB" dirty="0">
+                <a:latin typeface="Courier New" panose="02070309020205020404" pitchFamily="49" charset="0"/>
+                <a:cs typeface="Courier New" panose="02070309020205020404" pitchFamily="49" charset="0"/>
+              </a:rPr>
+              <a:t>x=0.75, r=1.7 =&gt; f(x, r)=0.31875</a:t>
+            </a:r>
+            <a:endParaRPr lang="en-GB" dirty="0"/>
+          </a:p>
+          <a:p>
+            <a:pPr marL="274320" lvl="1" indent="0">
+              <a:buNone/>
+            </a:pPr>
+            <a:r>
+              <a:rPr lang="en-GB" dirty="0"/>
+              <a:t>b) Implement the function </a:t>
+            </a:r>
+            <a:r>
+              <a:rPr lang="en-GB" dirty="0" err="1">
+                <a:latin typeface="Courier New" panose="02070309020205020404" pitchFamily="49" charset="0"/>
+                <a:cs typeface="Courier New" panose="02070309020205020404" pitchFamily="49" charset="0"/>
+              </a:rPr>
+              <a:t>iterate_f</a:t>
+            </a:r>
+            <a:r>
+              <a:rPr lang="en-GB" dirty="0"/>
+              <a:t> that runs </a:t>
+            </a:r>
+            <a:r>
+              <a:rPr lang="en-GB" dirty="0">
+                <a:latin typeface="Courier New" panose="02070309020205020404" pitchFamily="49" charset="0"/>
+                <a:cs typeface="Courier New" panose="02070309020205020404" pitchFamily="49" charset="0"/>
+              </a:rPr>
+              <a:t>f</a:t>
+            </a:r>
+            <a:r>
+              <a:rPr lang="en-GB" dirty="0"/>
+              <a:t> for </a:t>
+            </a:r>
+            <a:r>
+              <a:rPr lang="en-GB" dirty="0">
+                <a:latin typeface="Courier New" panose="02070309020205020404" pitchFamily="49" charset="0"/>
+                <a:cs typeface="Courier New" panose="02070309020205020404" pitchFamily="49" charset="0"/>
+              </a:rPr>
+              <a:t>it</a:t>
+            </a:r>
+            <a:r>
+              <a:rPr lang="en-GB" dirty="0"/>
+              <a:t> iterations, each time passing the result back into f. Use </a:t>
+            </a:r>
+            <a:r>
+              <a:rPr lang="en-GB" dirty="0">
+                <a:latin typeface="Courier New" panose="02070309020205020404" pitchFamily="49" charset="0"/>
+                <a:cs typeface="Courier New" panose="02070309020205020404" pitchFamily="49" charset="0"/>
+              </a:rPr>
+              <a:t>@parametrize</a:t>
+            </a:r>
+            <a:r>
+              <a:rPr lang="en-GB" dirty="0"/>
+              <a:t> to test the function for the following cases:</a:t>
+            </a:r>
+          </a:p>
+          <a:p>
+            <a:pPr lvl="2"/>
+            <a:r>
+              <a:rPr lang="en-GB" dirty="0">
+                <a:latin typeface="Courier New" panose="02070309020205020404" pitchFamily="49" charset="0"/>
+                <a:cs typeface="Courier New" panose="02070309020205020404" pitchFamily="49" charset="0"/>
+              </a:rPr>
+              <a:t>x=0.1, r=2.2, it=1 =&gt; </a:t>
+            </a:r>
+            <a:r>
+              <a:rPr lang="en-GB" dirty="0" err="1">
+                <a:latin typeface="Courier New" panose="02070309020205020404" pitchFamily="49" charset="0"/>
+                <a:cs typeface="Courier New" panose="02070309020205020404" pitchFamily="49" charset="0"/>
+              </a:rPr>
+              <a:t>iterate_f</a:t>
+            </a:r>
+            <a:r>
+              <a:rPr lang="en-GB" dirty="0">
+                <a:latin typeface="Courier New" panose="02070309020205020404" pitchFamily="49" charset="0"/>
+                <a:cs typeface="Courier New" panose="02070309020205020404" pitchFamily="49" charset="0"/>
+              </a:rPr>
+              <a:t>(it, x, r)=[0.198]</a:t>
+            </a:r>
+          </a:p>
+          <a:p>
+            <a:pPr lvl="2"/>
+            <a:r>
+              <a:rPr lang="en-GB" dirty="0">
+                <a:latin typeface="Courier New" panose="02070309020205020404" pitchFamily="49" charset="0"/>
+                <a:cs typeface="Courier New" panose="02070309020205020404" pitchFamily="49" charset="0"/>
+              </a:rPr>
+              <a:t>x=0.2, r=3.4, it=4 =&gt; f(x, r)=[0.544, 0.843418, 0.449019, 0.841163]</a:t>
+            </a:r>
+          </a:p>
+          <a:p>
+            <a:pPr lvl="2"/>
+            <a:r>
+              <a:rPr lang="en-GB" dirty="0">
+                <a:latin typeface="Courier New" panose="02070309020205020404" pitchFamily="49" charset="0"/>
+                <a:cs typeface="Courier New" panose="02070309020205020404" pitchFamily="49" charset="0"/>
+              </a:rPr>
+              <a:t>x=0.75, r=1.7, it=2 =&gt; f(x, r)=[0.31875, 0.369152]]</a:t>
+            </a:r>
+          </a:p>
+          <a:p>
+            <a:pPr marL="274320" lvl="1" indent="0">
+              <a:buNone/>
+            </a:pPr>
+            <a:r>
+              <a:rPr lang="en-GB" dirty="0"/>
+              <a:t>c) Use the </a:t>
+            </a:r>
+            <a:r>
+              <a:rPr lang="en-GB" dirty="0" err="1">
+                <a:latin typeface="Courier New" panose="02070309020205020404" pitchFamily="49" charset="0"/>
+                <a:cs typeface="Courier New" panose="02070309020205020404" pitchFamily="49" charset="0"/>
+              </a:rPr>
+              <a:t>plot_trajectory</a:t>
+            </a:r>
+            <a:r>
+              <a:rPr lang="en-GB" dirty="0">
+                <a:latin typeface="Courier New" panose="02070309020205020404" pitchFamily="49" charset="0"/>
+                <a:cs typeface="Courier New" panose="02070309020205020404" pitchFamily="49" charset="0"/>
+              </a:rPr>
+              <a:t> </a:t>
+            </a:r>
+            <a:r>
+              <a:rPr lang="en-GB" dirty="0"/>
+              <a:t>function from the </a:t>
+            </a:r>
+            <a:r>
+              <a:rPr lang="en-GB" dirty="0" err="1">
+                <a:latin typeface="Courier New" panose="02070309020205020404" pitchFamily="49" charset="0"/>
+                <a:cs typeface="Courier New" panose="02070309020205020404" pitchFamily="49" charset="0"/>
+              </a:rPr>
+              <a:t>plot_logfun</a:t>
+            </a:r>
+            <a:r>
+              <a:rPr lang="en-GB" dirty="0"/>
+              <a:t> module to look at the trajectories generated by your code. Try with values </a:t>
+            </a:r>
+            <a:r>
+              <a:rPr lang="en-GB" dirty="0">
+                <a:latin typeface="Courier New" panose="02070309020205020404" pitchFamily="49" charset="0"/>
+                <a:cs typeface="Courier New" panose="02070309020205020404" pitchFamily="49" charset="0"/>
+              </a:rPr>
+              <a:t>r&lt;3</a:t>
+            </a:r>
+            <a:r>
+              <a:rPr lang="en-GB" dirty="0"/>
+              <a:t>, </a:t>
+            </a:r>
+            <a:r>
+              <a:rPr lang="en-GB" dirty="0">
+                <a:latin typeface="Courier New" panose="02070309020205020404" pitchFamily="49" charset="0"/>
+                <a:cs typeface="Courier New" panose="02070309020205020404" pitchFamily="49" charset="0"/>
+              </a:rPr>
+              <a:t>r&gt;4,</a:t>
+            </a:r>
+            <a:r>
+              <a:rPr lang="en-GB" dirty="0"/>
+              <a:t> and </a:t>
+            </a:r>
+            <a:r>
+              <a:rPr lang="en-GB" dirty="0">
+                <a:latin typeface="Courier New" panose="02070309020205020404" pitchFamily="49" charset="0"/>
+                <a:cs typeface="Courier New" panose="02070309020205020404" pitchFamily="49" charset="0"/>
+              </a:rPr>
+              <a:t>3&lt;r&lt;4</a:t>
+            </a:r>
+            <a:r>
+              <a:rPr lang="en-GB" dirty="0"/>
+              <a:t> to get an intuition for how the function behaves differently with different parameters.</a:t>
+            </a:r>
+          </a:p>
+          <a:p>
+            <a:pPr marL="0" indent="0">
+              <a:buNone/>
+            </a:pPr>
+            <a:endParaRPr lang="en-US" dirty="0"/>
+          </a:p>
+          <a:p>
+            <a:endParaRPr lang="en-US" dirty="0"/>
+          </a:p>
+        </p:txBody>
+      </p:sp>
+      <p:sp>
+        <p:nvSpPr>
+          <p:cNvPr id="6" name="Date Placeholder 5"/>
+          <p:cNvSpPr>
+            <a:spLocks noGrp="1"/>
+          </p:cNvSpPr>
+          <p:nvPr>
+            <p:ph type="dt" sz="half" idx="10"/>
+          </p:nvPr>
+        </p:nvSpPr>
+        <p:spPr/>
+        <p:txBody>
+          <a:bodyPr/>
+          <a:lstStyle/>
+          <a:p>
+            <a:r>
+              <a:rPr lang="en-US"/>
+              <a:t>August 2019, CC BY-SA 4.0</a:t>
+            </a:r>
+          </a:p>
+        </p:txBody>
+      </p:sp>
+      <p:sp>
+        <p:nvSpPr>
+          <p:cNvPr id="7" name="Footer Placeholder 6"/>
+          <p:cNvSpPr>
+            <a:spLocks noGrp="1"/>
+          </p:cNvSpPr>
+          <p:nvPr>
+            <p:ph type="ftr" sz="quarter" idx="11"/>
+          </p:nvPr>
+        </p:nvSpPr>
+        <p:spPr/>
+        <p:txBody>
+          <a:bodyPr/>
+          <a:lstStyle/>
+          <a:p>
+            <a:r>
+              <a:rPr lang="en-US"/>
+              <a:t>Testing scientific code, v12.0</a:t>
+            </a:r>
+          </a:p>
+        </p:txBody>
+      </p:sp>
+      <p:sp>
+        <p:nvSpPr>
+          <p:cNvPr id="5" name="Rectangle 4">
             <a:extLst>
               <a:ext uri="{FF2B5EF4-FFF2-40B4-BE49-F238E27FC236}">
-                <a16:creationId xmlns:a16="http://schemas.microsoft.com/office/drawing/2014/main" id="{87005CDB-6463-B741-94CA-651D12044853}"/>
+                <a16:creationId xmlns:a16="http://schemas.microsoft.com/office/drawing/2014/main" id="{B10C0E68-7AC2-DD4C-BE07-D1DA700766ED}"/>
               </a:ext>
             </a:extLst>
           </p:cNvPr>
-          <p:cNvSpPr>
-            <a:spLocks noGrp="1"/>
-          </p:cNvSpPr>
-          <p:nvPr>
-            <p:ph type="title"/>
-          </p:nvPr>
-        </p:nvSpPr>
-        <p:spPr/>
-        <p:txBody>
-          <a:bodyPr/>
-          <a:lstStyle/>
-          <a:p>
-            <a:r>
-              <a:rPr lang="en-DE" dirty="0"/>
-              <a:t>Hands On!</a:t>
-            </a:r>
-          </a:p>
-        </p:txBody>
-      </p:sp>
-      <p:sp>
-        <p:nvSpPr>
-          <p:cNvPr id="3" name="Content Placeholder 2">
-            <a:extLst>
-              <a:ext uri="{FF2B5EF4-FFF2-40B4-BE49-F238E27FC236}">
-                <a16:creationId xmlns:a16="http://schemas.microsoft.com/office/drawing/2014/main" id="{7E728BE7-2DBF-E146-89FA-99BFF5729CAD}"/>
-              </a:ext>
-            </a:extLst>
-          </p:cNvPr>
-          <p:cNvSpPr>
-            <a:spLocks noGrp="1"/>
-          </p:cNvSpPr>
-          <p:nvPr>
-            <p:ph sz="quarter" idx="1"/>
-          </p:nvPr>
-        </p:nvSpPr>
-        <p:spPr/>
-        <p:txBody>
-          <a:bodyPr/>
-          <a:lstStyle/>
-          <a:p>
-            <a:r>
-              <a:rPr lang="en-DE" dirty="0"/>
-              <a:t>Write a convergence test for the logistic function with r=1.5</a:t>
-            </a:r>
-          </a:p>
-          <a:p>
-            <a:r>
-              <a:rPr lang="en-GB" dirty="0"/>
-              <a:t>N</a:t>
-            </a:r>
-            <a:r>
-              <a:rPr lang="en-DE" dirty="0"/>
-              <a:t>ow parametrize the starting value to check that all starting values converge</a:t>
-            </a:r>
-          </a:p>
-        </p:txBody>
-      </p:sp>
-      <p:sp>
-        <p:nvSpPr>
-          <p:cNvPr id="4" name="Date Placeholder 3">
-            <a:extLst>
-              <a:ext uri="{FF2B5EF4-FFF2-40B4-BE49-F238E27FC236}">
-                <a16:creationId xmlns:a16="http://schemas.microsoft.com/office/drawing/2014/main" id="{EB90D210-69C2-254F-A712-34EDC8A34BCE}"/>
-              </a:ext>
-            </a:extLst>
-          </p:cNvPr>
-          <p:cNvSpPr>
-            <a:spLocks noGrp="1"/>
-          </p:cNvSpPr>
-          <p:nvPr>
-            <p:ph type="dt" sz="half" idx="10"/>
-          </p:nvPr>
-        </p:nvSpPr>
-        <p:spPr/>
-        <p:txBody>
-          <a:bodyPr/>
-          <a:lstStyle/>
-          <a:p>
-            <a:r>
-              <a:rPr lang="en-US" sz="1000"/>
-              <a:t>August 2019, CC BY-SA 4.0</a:t>
-            </a:r>
-            <a:endParaRPr lang="en-US" sz="1000" dirty="0"/>
-          </a:p>
-        </p:txBody>
-      </p:sp>
-      <p:sp>
-        <p:nvSpPr>
-          <p:cNvPr id="5" name="Footer Placeholder 4">
-            <a:extLst>
-              <a:ext uri="{FF2B5EF4-FFF2-40B4-BE49-F238E27FC236}">
-                <a16:creationId xmlns:a16="http://schemas.microsoft.com/office/drawing/2014/main" id="{61CF89F0-6046-F74F-9841-B0C36739D201}"/>
-              </a:ext>
-            </a:extLst>
-          </p:cNvPr>
-          <p:cNvSpPr>
-            <a:spLocks noGrp="1"/>
-          </p:cNvSpPr>
-          <p:nvPr>
-            <p:ph type="ftr" sz="quarter" idx="11"/>
-          </p:nvPr>
-        </p:nvSpPr>
-        <p:spPr/>
-        <p:txBody>
-          <a:bodyPr/>
-          <a:lstStyle/>
-          <a:p>
-            <a:r>
-              <a:rPr lang="en-US"/>
-              <a:t>Testing scientific code, v12.0</a:t>
-            </a:r>
-            <a:endParaRPr lang="en-US" dirty="0"/>
-          </a:p>
-        </p:txBody>
-      </p:sp>
-      <p:sp>
-        <p:nvSpPr>
-          <p:cNvPr id="6" name="TextBox 5">
-            <a:extLst>
-              <a:ext uri="{FF2B5EF4-FFF2-40B4-BE49-F238E27FC236}">
-                <a16:creationId xmlns:a16="http://schemas.microsoft.com/office/drawing/2014/main" id="{24A9D535-C265-9A49-90A5-C06641E57ACC}"/>
-              </a:ext>
-            </a:extLst>
-          </p:cNvPr>
-          <p:cNvSpPr txBox="1"/>
+          <p:cNvSpPr/>
           <p:nvPr/>
         </p:nvSpPr>
         <p:spPr>
           <a:xfrm>
-            <a:off x="5867224" y="245345"/>
-            <a:ext cx="2737224" cy="461665"/>
+            <a:off x="0" y="0"/>
+            <a:ext cx="9144000" cy="6858000"/>
           </a:xfrm>
           <a:prstGeom prst="rect">
             <a:avLst/>
           </a:prstGeom>
-          <a:solidFill>
-            <a:srgbClr val="FFFF00"/>
-          </a:solidFill>
+          <a:noFill/>
+          <a:ln w="165100">
+            <a:solidFill>
+              <a:srgbClr val="00B050"/>
+            </a:solidFill>
+            <a:miter lim="800000"/>
+          </a:ln>
         </p:spPr>
-        <p:txBody>
-          <a:bodyPr wrap="square" rtlCol="0">
-            <a:spAutoFit/>
-          </a:bodyPr>
-          <a:lstStyle/>
-          <a:p>
-            <a:r>
-              <a:rPr lang="en-CH" dirty="0"/>
-              <a:t>TODO update</a:t>
-            </a:r>
+        <p:style>
+          <a:lnRef idx="2">
+            <a:schemeClr val="accent1">
+              <a:shade val="50000"/>
+            </a:schemeClr>
+          </a:lnRef>
+          <a:fillRef idx="1">
+            <a:schemeClr val="accent1"/>
+          </a:fillRef>
+          <a:effectRef idx="0">
+            <a:schemeClr val="accent1"/>
+          </a:effectRef>
+          <a:fontRef idx="minor">
+            <a:schemeClr val="lt1"/>
+          </a:fontRef>
+        </p:style>
+        <p:txBody>
+          <a:bodyPr rtlCol="0" anchor="ctr"/>
+          <a:lstStyle/>
+          <a:p>
+            <a:pPr algn="ctr"/>
+            <a:endParaRPr lang="en-DE"/>
           </a:p>
         </p:txBody>
       </p:sp>
     </p:spTree>
     <p:extLst>
       <p:ext uri="{BB962C8B-B14F-4D97-AF65-F5344CB8AC3E}">
-        <p14:creationId xmlns:p14="http://schemas.microsoft.com/office/powerpoint/2010/main" val="1086686328"/>
+        <p14:creationId xmlns:p14="http://schemas.microsoft.com/office/powerpoint/2010/main" val="4084505966"/>
       </p:ext>
     </p:extLst>
   </p:cSld>
@@ -7843,7 +8026,7 @@
           <p:cNvPr id="2" name="Title 1">
             <a:extLst>
               <a:ext uri="{FF2B5EF4-FFF2-40B4-BE49-F238E27FC236}">
-                <a16:creationId xmlns:a16="http://schemas.microsoft.com/office/drawing/2014/main" id="{69A6C49B-41A4-C340-B6FC-E619207A81A8}"/>
+                <a16:creationId xmlns:a16="http://schemas.microsoft.com/office/drawing/2014/main" id="{87005CDB-6463-B741-94CA-651D12044853}"/>
               </a:ext>
             </a:extLst>
           </p:cNvPr>
@@ -7861,7 +8044,7 @@
           <a:p>
             <a:r>
               <a:rPr lang="en-DE" dirty="0"/>
-              <a:t>Hands On!</a:t>
+              <a:t>Marking tests (xfail)</a:t>
             </a:r>
           </a:p>
         </p:txBody>
@@ -7871,7 +8054,7 @@
           <p:cNvPr id="3" name="Content Placeholder 2">
             <a:extLst>
               <a:ext uri="{FF2B5EF4-FFF2-40B4-BE49-F238E27FC236}">
-                <a16:creationId xmlns:a16="http://schemas.microsoft.com/office/drawing/2014/main" id="{686A027C-A397-FA41-9D14-CCA01BAFEB9D}"/>
+                <a16:creationId xmlns:a16="http://schemas.microsoft.com/office/drawing/2014/main" id="{7E728BE7-2DBF-E146-89FA-99BFF5729CAD}"/>
               </a:ext>
             </a:extLst>
           </p:cNvPr>
@@ -7882,35 +8065,48 @@
             <p:ph sz="quarter" idx="1"/>
           </p:nvPr>
         </p:nvSpPr>
-        <p:spPr/>
-        <p:txBody>
-          <a:bodyPr/>
-          <a:lstStyle/>
-          <a:p>
-            <a:r>
-              <a:rPr lang="en-DE" dirty="0"/>
-              <a:t>Test divergence for values above r=4</a:t>
-            </a:r>
-          </a:p>
-          <a:p>
-            <a:r>
-              <a:rPr lang="en-DE" dirty="0"/>
-              <a:t>Use numerical fuzzing to try different values of r&gt;4 within a determined range </a:t>
-            </a:r>
-          </a:p>
-          <a:p>
-            <a:r>
-              <a:rPr lang="en-DE" dirty="0"/>
-              <a:t>Change the lower bound of r to r = 3. Run it a couple of times: do you run into any problems?</a:t>
-            </a:r>
-          </a:p>
-          <a:p>
-            <a:pPr marL="0" indent="0">
-              <a:buNone/>
-            </a:pPr>
-            <a:endParaRPr lang="en-DE" dirty="0"/>
-          </a:p>
-          <a:p>
+        <p:spPr>
+          <a:xfrm>
+            <a:off x="457200" y="1219200"/>
+            <a:ext cx="8229600" cy="2137792"/>
+          </a:xfrm>
+        </p:spPr>
+        <p:txBody>
+          <a:bodyPr>
+            <a:normAutofit fontScale="92500" lnSpcReduction="10000"/>
+          </a:bodyPr>
+          <a:lstStyle/>
+          <a:p>
+            <a:r>
+              <a:rPr lang="en-GB" dirty="0"/>
+              <a:t>Aside from parametrize, there are some other built in markers</a:t>
+            </a:r>
+          </a:p>
+          <a:p>
+            <a:r>
+              <a:rPr lang="en-GB" dirty="0"/>
+              <a:t>Sometimes you have a test that fails, but for good reason or you just want to deal with it later… </a:t>
+            </a:r>
+          </a:p>
+          <a:p>
+            <a:r>
+              <a:rPr lang="en-GB" dirty="0"/>
+              <a:t>Expected failure (</a:t>
+            </a:r>
+            <a:r>
+              <a:rPr lang="en-GB" dirty="0" err="1"/>
+              <a:t>xfail</a:t>
+            </a:r>
+            <a:r>
+              <a:rPr lang="en-GB" dirty="0"/>
+              <a:t>)</a:t>
+            </a:r>
+          </a:p>
+          <a:p>
+            <a:r>
+              <a:rPr lang="en-GB" dirty="0"/>
+              <a:t>Outputs an “x” (or “X”) in place of the “.”</a:t>
+            </a:r>
             <a:endParaRPr lang="en-DE" dirty="0"/>
           </a:p>
         </p:txBody>
@@ -7920,7 +8116,7 @@
           <p:cNvPr id="4" name="Date Placeholder 3">
             <a:extLst>
               <a:ext uri="{FF2B5EF4-FFF2-40B4-BE49-F238E27FC236}">
-                <a16:creationId xmlns:a16="http://schemas.microsoft.com/office/drawing/2014/main" id="{85288F72-525D-7048-8D68-7D6EEED48D66}"/>
+                <a16:creationId xmlns:a16="http://schemas.microsoft.com/office/drawing/2014/main" id="{EB90D210-69C2-254F-A712-34EDC8A34BCE}"/>
               </a:ext>
             </a:extLst>
           </p:cNvPr>
@@ -7949,7 +8145,7 @@
           <p:cNvPr id="5" name="Footer Placeholder 4">
             <a:extLst>
               <a:ext uri="{FF2B5EF4-FFF2-40B4-BE49-F238E27FC236}">
-                <a16:creationId xmlns:a16="http://schemas.microsoft.com/office/drawing/2014/main" id="{F622E371-234A-FB41-8502-5E8F50529D21}"/>
+                <a16:creationId xmlns:a16="http://schemas.microsoft.com/office/drawing/2014/main" id="{61CF89F0-6046-F74F-9841-B0C36739D201}"/>
               </a:ext>
             </a:extLst>
           </p:cNvPr>
@@ -7975,45 +8171,114 @@
       </p:sp>
       <p:sp>
         <p:nvSpPr>
-          <p:cNvPr id="6" name="TextBox 5">
+          <p:cNvPr id="6" name="Rectangle 5">
             <a:extLst>
               <a:ext uri="{FF2B5EF4-FFF2-40B4-BE49-F238E27FC236}">
-                <a16:creationId xmlns:a16="http://schemas.microsoft.com/office/drawing/2014/main" id="{BE48088B-977B-C545-AB32-F01DF402EE26}"/>
+                <a16:creationId xmlns:a16="http://schemas.microsoft.com/office/drawing/2014/main" id="{E239EA3C-046A-4340-B98A-74523E6444C4}"/>
               </a:ext>
             </a:extLst>
           </p:cNvPr>
-          <p:cNvSpPr txBox="1"/>
+          <p:cNvSpPr/>
           <p:nvPr/>
         </p:nvSpPr>
         <p:spPr>
           <a:xfrm>
-            <a:off x="5867224" y="245345"/>
-            <a:ext cx="2737224" cy="461665"/>
+            <a:off x="2563016" y="4005064"/>
+            <a:ext cx="4176464" cy="1107996"/>
           </a:xfrm>
           <a:prstGeom prst="rect">
             <a:avLst/>
           </a:prstGeom>
-          <a:solidFill>
-            <a:srgbClr val="FFFF00"/>
-          </a:solidFill>
         </p:spPr>
         <p:txBody>
-          <a:bodyPr wrap="square" rtlCol="0">
+          <a:bodyPr wrap="square">
             <a:spAutoFit/>
           </a:bodyPr>
           <a:lstStyle/>
           <a:p>
             <a:r>
-              <a:rPr lang="en-CH" dirty="0"/>
-              <a:t>TODO update</a:t>
-            </a:r>
+              <a:rPr lang="en-GB" sz="2200" b="1" dirty="0">
+                <a:solidFill>
+                  <a:srgbClr val="555555"/>
+                </a:solidFill>
+                <a:latin typeface="Courier New" panose="02070309020205020404" pitchFamily="49" charset="0"/>
+                <a:cs typeface="Courier New" panose="02070309020205020404" pitchFamily="49" charset="0"/>
+              </a:rPr>
+              <a:t>@</a:t>
+            </a:r>
+            <a:r>
+              <a:rPr lang="en-GB" sz="2200" b="1" dirty="0" err="1">
+                <a:solidFill>
+                  <a:srgbClr val="555555"/>
+                </a:solidFill>
+                <a:latin typeface="Courier New" panose="02070309020205020404" pitchFamily="49" charset="0"/>
+                <a:cs typeface="Courier New" panose="02070309020205020404" pitchFamily="49" charset="0"/>
+              </a:rPr>
+              <a:t>pytest.mark.xfail</a:t>
+            </a:r>
+            <a:endParaRPr lang="en-GB" sz="2200" b="1" dirty="0">
+              <a:solidFill>
+                <a:srgbClr val="555555"/>
+              </a:solidFill>
+              <a:latin typeface="Courier New" panose="02070309020205020404" pitchFamily="49" charset="0"/>
+              <a:cs typeface="Courier New" panose="02070309020205020404" pitchFamily="49" charset="0"/>
+            </a:endParaRPr>
+          </a:p>
+          <a:p>
+            <a:r>
+              <a:rPr lang="en-GB" sz="2200" b="1" dirty="0">
+                <a:solidFill>
+                  <a:srgbClr val="008800"/>
+                </a:solidFill>
+                <a:latin typeface="Courier New" panose="02070309020205020404" pitchFamily="49" charset="0"/>
+                <a:cs typeface="Courier New" panose="02070309020205020404" pitchFamily="49" charset="0"/>
+              </a:rPr>
+              <a:t>def</a:t>
+            </a:r>
+            <a:r>
+              <a:rPr lang="en-GB" sz="2200" dirty="0">
+                <a:latin typeface="Courier New" panose="02070309020205020404" pitchFamily="49" charset="0"/>
+                <a:cs typeface="Courier New" panose="02070309020205020404" pitchFamily="49" charset="0"/>
+              </a:rPr>
+              <a:t> </a:t>
+            </a:r>
+            <a:r>
+              <a:rPr lang="en-GB" sz="2200" b="1" dirty="0" err="1">
+                <a:solidFill>
+                  <a:srgbClr val="0066BB"/>
+                </a:solidFill>
+                <a:latin typeface="Courier New" panose="02070309020205020404" pitchFamily="49" charset="0"/>
+                <a:cs typeface="Courier New" panose="02070309020205020404" pitchFamily="49" charset="0"/>
+              </a:rPr>
+              <a:t>test_something</a:t>
+            </a:r>
+            <a:r>
+              <a:rPr lang="en-GB" sz="2200" dirty="0">
+                <a:latin typeface="Courier New" panose="02070309020205020404" pitchFamily="49" charset="0"/>
+                <a:cs typeface="Courier New" panose="02070309020205020404" pitchFamily="49" charset="0"/>
+              </a:rPr>
+              <a:t>():</a:t>
+            </a:r>
+          </a:p>
+          <a:p>
+            <a:r>
+              <a:rPr lang="en-GB" sz="2200" dirty="0">
+                <a:latin typeface="Courier New" panose="02070309020205020404" pitchFamily="49" charset="0"/>
+                <a:cs typeface="Courier New" panose="02070309020205020404" pitchFamily="49" charset="0"/>
+              </a:rPr>
+              <a:t>	...</a:t>
+            </a:r>
+            <a:endParaRPr lang="en-DE" sz="2200" dirty="0">
+              <a:latin typeface="Courier New" panose="02070309020205020404" pitchFamily="49" charset="0"/>
+              <a:cs typeface="Courier New" panose="02070309020205020404" pitchFamily="49" charset="0"/>
+            </a:endParaRPr>
           </a:p>
         </p:txBody>
       </p:sp>
     </p:spTree>
     <p:extLst>
       <p:ext uri="{BB962C8B-B14F-4D97-AF65-F5344CB8AC3E}">
-        <p14:creationId xmlns:p14="http://schemas.microsoft.com/office/powerpoint/2010/main" val="1091140845"/>
+        <p14:creationId xmlns:p14="http://schemas.microsoft.com/office/powerpoint/2010/main" val="3757634505"/>
       </p:ext>
     </p:extLst>
   </p:cSld>
@@ -8045,7 +8310,7 @@
           <p:cNvPr id="2" name="Title 1">
             <a:extLst>
               <a:ext uri="{FF2B5EF4-FFF2-40B4-BE49-F238E27FC236}">
-                <a16:creationId xmlns:a16="http://schemas.microsoft.com/office/drawing/2014/main" id="{70998DF7-5638-9045-BD48-E426C93887A9}"/>
+                <a16:creationId xmlns:a16="http://schemas.microsoft.com/office/drawing/2014/main" id="{87005CDB-6463-B741-94CA-651D12044853}"/>
               </a:ext>
             </a:extLst>
           </p:cNvPr>
@@ -8063,7 +8328,7 @@
           <a:p>
             <a:r>
               <a:rPr lang="en-DE" dirty="0"/>
-              <a:t>Random Seeds and Reproducibility</a:t>
+              <a:t>Marking tests (skip)</a:t>
             </a:r>
           </a:p>
         </p:txBody>
@@ -8073,7 +8338,7 @@
           <p:cNvPr id="3" name="Content Placeholder 2">
             <a:extLst>
               <a:ext uri="{FF2B5EF4-FFF2-40B4-BE49-F238E27FC236}">
-                <a16:creationId xmlns:a16="http://schemas.microsoft.com/office/drawing/2014/main" id="{A88E4B5F-912F-5243-875B-22AD058AD69D}"/>
+                <a16:creationId xmlns:a16="http://schemas.microsoft.com/office/drawing/2014/main" id="{7E728BE7-2DBF-E146-89FA-99BFF5729CAD}"/>
               </a:ext>
             </a:extLst>
           </p:cNvPr>
@@ -8084,40 +8349,26 @@
             <p:ph sz="quarter" idx="1"/>
           </p:nvPr>
         </p:nvSpPr>
-        <p:spPr/>
+        <p:spPr>
+          <a:xfrm>
+            <a:off x="457200" y="1219200"/>
+            <a:ext cx="8229600" cy="1705744"/>
+          </a:xfrm>
+        </p:spPr>
         <p:txBody>
           <a:bodyPr/>
           <a:lstStyle/>
           <a:p>
             <a:r>
-              <a:rPr lang="en-DE" dirty="0"/>
-              <a:t>When running fuzzy tests and some test doesn’t pass it is vital to be able to reproduce that test exactly!</a:t>
-            </a:r>
-          </a:p>
-          <a:p>
-            <a:r>
-              <a:rPr lang="en-DE" dirty="0"/>
-              <a:t>Computers produce pseudo-random numbers: setting a seed resets the basis for the random number generator</a:t>
-            </a:r>
-          </a:p>
-          <a:p>
-            <a:r>
-              <a:rPr lang="en-DE" dirty="0"/>
-              <a:t>This is essential for reproducibility</a:t>
-            </a:r>
-          </a:p>
-          <a:p>
-            <a:r>
               <a:rPr lang="en-GB" dirty="0"/>
-              <a:t>A</a:t>
-            </a:r>
-            <a:r>
-              <a:rPr lang="en-DE" dirty="0"/>
-              <a:t>t a minimum, you should manually set the seed for your fuzzy test</a:t>
-            </a:r>
-          </a:p>
-          <a:p>
-            <a:endParaRPr lang="en-DE" dirty="0"/>
+              <a:t>It is also possible to skip tests</a:t>
+            </a:r>
+          </a:p>
+          <a:p>
+            <a:r>
+              <a:rPr lang="en-GB" dirty="0"/>
+              <a:t>Useful when the feature doesn’t exist yet or the test is very slow</a:t>
+            </a:r>
           </a:p>
         </p:txBody>
       </p:sp>
@@ -8126,7 +8377,7 @@
           <p:cNvPr id="4" name="Date Placeholder 3">
             <a:extLst>
               <a:ext uri="{FF2B5EF4-FFF2-40B4-BE49-F238E27FC236}">
-                <a16:creationId xmlns:a16="http://schemas.microsoft.com/office/drawing/2014/main" id="{067BFEB4-E600-9048-875D-D20F2AC618F0}"/>
+                <a16:creationId xmlns:a16="http://schemas.microsoft.com/office/drawing/2014/main" id="{EB90D210-69C2-254F-A712-34EDC8A34BCE}"/>
               </a:ext>
             </a:extLst>
           </p:cNvPr>
@@ -8155,7 +8406,7 @@
           <p:cNvPr id="5" name="Footer Placeholder 4">
             <a:extLst>
               <a:ext uri="{FF2B5EF4-FFF2-40B4-BE49-F238E27FC236}">
-                <a16:creationId xmlns:a16="http://schemas.microsoft.com/office/drawing/2014/main" id="{D0EDE482-0C99-974F-9192-67416059FE1C}"/>
+                <a16:creationId xmlns:a16="http://schemas.microsoft.com/office/drawing/2014/main" id="{61CF89F0-6046-F74F-9841-B0C36739D201}"/>
               </a:ext>
             </a:extLst>
           </p:cNvPr>
@@ -8181,245 +8432,137 @@
       </p:sp>
       <p:sp>
         <p:nvSpPr>
-          <p:cNvPr id="6" name="TextBox 5">
+          <p:cNvPr id="6" name="Rectangle 5">
             <a:extLst>
               <a:ext uri="{FF2B5EF4-FFF2-40B4-BE49-F238E27FC236}">
-                <a16:creationId xmlns:a16="http://schemas.microsoft.com/office/drawing/2014/main" id="{E13E255F-F5D9-744B-9D99-5CA2F4AA59DD}"/>
+                <a16:creationId xmlns:a16="http://schemas.microsoft.com/office/drawing/2014/main" id="{E239EA3C-046A-4340-B98A-74523E6444C4}"/>
               </a:ext>
             </a:extLst>
           </p:cNvPr>
-          <p:cNvSpPr txBox="1"/>
+          <p:cNvSpPr/>
           <p:nvPr/>
         </p:nvSpPr>
         <p:spPr>
           <a:xfrm>
-            <a:off x="2699792" y="4581128"/>
-            <a:ext cx="4055919" cy="1200329"/>
+            <a:off x="683568" y="3001144"/>
+            <a:ext cx="7488832" cy="1323439"/>
           </a:xfrm>
           <a:prstGeom prst="rect">
             <a:avLst/>
           </a:prstGeom>
-          <a:noFill/>
         </p:spPr>
         <p:txBody>
-          <a:bodyPr wrap="none" rtlCol="0">
+          <a:bodyPr wrap="square">
             <a:spAutoFit/>
           </a:bodyPr>
           <a:lstStyle/>
           <a:p>
             <a:r>
-              <a:rPr lang="en-GB" dirty="0">
+              <a:rPr lang="en-GB" sz="2000" b="1" dirty="0">
+                <a:solidFill>
+                  <a:srgbClr val="555555"/>
+                </a:solidFill>
                 <a:latin typeface="Courier New" panose="02070309020205020404" pitchFamily="49" charset="0"/>
                 <a:cs typeface="Courier New" panose="02070309020205020404" pitchFamily="49" charset="0"/>
               </a:rPr>
-              <a:t>SEED </a:t>
-            </a:r>
-            <a:r>
-              <a:rPr lang="en-GB" dirty="0">
-                <a:solidFill>
-                  <a:srgbClr val="333333"/>
+              <a:t>@</a:t>
+            </a:r>
+            <a:r>
+              <a:rPr lang="en-GB" sz="2000" b="1" dirty="0" err="1">
+                <a:solidFill>
+                  <a:srgbClr val="555555"/>
                 </a:solidFill>
                 <a:latin typeface="Courier New" panose="02070309020205020404" pitchFamily="49" charset="0"/>
                 <a:cs typeface="Courier New" panose="02070309020205020404" pitchFamily="49" charset="0"/>
               </a:rPr>
-              <a:t>=</a:t>
-            </a:r>
-            <a:r>
-              <a:rPr lang="en-GB" dirty="0">
+              <a:t>pytest.mark.skip</a:t>
+            </a:r>
+            <a:r>
+              <a:rPr lang="en-GB" sz="2000" b="1" dirty="0">
+                <a:solidFill>
+                  <a:srgbClr val="555555"/>
+                </a:solidFill>
                 <a:latin typeface="Courier New" panose="02070309020205020404" pitchFamily="49" charset="0"/>
                 <a:cs typeface="Courier New" panose="02070309020205020404" pitchFamily="49" charset="0"/>
               </a:rPr>
+              <a:t>(</a:t>
+            </a:r>
+            <a:r>
+              <a:rPr lang="en-GB" sz="2000" dirty="0">
+                <a:solidFill>
+                  <a:srgbClr val="555555"/>
+                </a:solidFill>
+                <a:latin typeface="Courier New" panose="02070309020205020404" pitchFamily="49" charset="0"/>
+                <a:cs typeface="Courier New" panose="02070309020205020404" pitchFamily="49" charset="0"/>
+              </a:rPr>
+              <a:t>reason=“functionality not yet implemented”</a:t>
+            </a:r>
+            <a:r>
+              <a:rPr lang="en-GB" sz="2000" b="1" dirty="0">
+                <a:solidFill>
+                  <a:srgbClr val="555555"/>
+                </a:solidFill>
+                <a:latin typeface="Courier New" panose="02070309020205020404" pitchFamily="49" charset="0"/>
+                <a:cs typeface="Courier New" panose="02070309020205020404" pitchFamily="49" charset="0"/>
+              </a:rPr>
+              <a:t>)</a:t>
+            </a:r>
+          </a:p>
+          <a:p>
+            <a:r>
+              <a:rPr lang="en-GB" sz="2000" b="1" dirty="0">
+                <a:solidFill>
+                  <a:srgbClr val="008800"/>
+                </a:solidFill>
+                <a:latin typeface="Courier New" panose="02070309020205020404" pitchFamily="49" charset="0"/>
+                <a:cs typeface="Courier New" panose="02070309020205020404" pitchFamily="49" charset="0"/>
+              </a:rPr>
+              <a:t>def</a:t>
+            </a:r>
+            <a:r>
+              <a:rPr lang="en-GB" sz="2000" dirty="0">
+                <a:latin typeface="Courier New" panose="02070309020205020404" pitchFamily="49" charset="0"/>
+                <a:cs typeface="Courier New" panose="02070309020205020404" pitchFamily="49" charset="0"/>
+              </a:rPr>
               <a:t> </a:t>
             </a:r>
             <a:r>
-              <a:rPr lang="en-GB" b="1" dirty="0">
-                <a:solidFill>
-                  <a:srgbClr val="0000DD"/>
+              <a:rPr lang="en-GB" sz="2000" b="1" dirty="0" err="1">
+                <a:solidFill>
+                  <a:srgbClr val="0066BB"/>
                 </a:solidFill>
                 <a:latin typeface="Courier New" panose="02070309020205020404" pitchFamily="49" charset="0"/>
                 <a:cs typeface="Courier New" panose="02070309020205020404" pitchFamily="49" charset="0"/>
               </a:rPr>
-              <a:t>42</a:t>
-            </a:r>
-            <a:r>
-              <a:rPr lang="en-GB" dirty="0">
+              <a:t>test_something</a:t>
+            </a:r>
+            <a:r>
+              <a:rPr lang="en-GB" sz="2000" dirty="0">
                 <a:latin typeface="Courier New" panose="02070309020205020404" pitchFamily="49" charset="0"/>
                 <a:cs typeface="Courier New" panose="02070309020205020404" pitchFamily="49" charset="0"/>
               </a:rPr>
-              <a:t> </a:t>
-            </a:r>
-          </a:p>
-          <a:p>
-            <a:r>
-              <a:rPr lang="en-GB" dirty="0" err="1">
+              <a:t>():</a:t>
+            </a:r>
+          </a:p>
+          <a:p>
+            <a:r>
+              <a:rPr lang="en-GB" sz="2000" dirty="0">
                 <a:latin typeface="Courier New" panose="02070309020205020404" pitchFamily="49" charset="0"/>
                 <a:cs typeface="Courier New" panose="02070309020205020404" pitchFamily="49" charset="0"/>
               </a:rPr>
-              <a:t>np</a:t>
-            </a:r>
-            <a:r>
-              <a:rPr lang="en-GB" dirty="0" err="1">
-                <a:solidFill>
-                  <a:srgbClr val="333333"/>
-                </a:solidFill>
-                <a:latin typeface="Courier New" panose="02070309020205020404" pitchFamily="49" charset="0"/>
-                <a:cs typeface="Courier New" panose="02070309020205020404" pitchFamily="49" charset="0"/>
-              </a:rPr>
-              <a:t>.</a:t>
-            </a:r>
-            <a:r>
-              <a:rPr lang="en-GB" dirty="0" err="1">
-                <a:latin typeface="Courier New" panose="02070309020205020404" pitchFamily="49" charset="0"/>
-                <a:cs typeface="Courier New" panose="02070309020205020404" pitchFamily="49" charset="0"/>
-              </a:rPr>
-              <a:t>random</a:t>
-            </a:r>
-            <a:r>
-              <a:rPr lang="en-GB" dirty="0" err="1">
-                <a:solidFill>
-                  <a:srgbClr val="333333"/>
-                </a:solidFill>
-                <a:latin typeface="Courier New" panose="02070309020205020404" pitchFamily="49" charset="0"/>
-                <a:cs typeface="Courier New" panose="02070309020205020404" pitchFamily="49" charset="0"/>
-              </a:rPr>
-              <a:t>.</a:t>
-            </a:r>
-            <a:r>
-              <a:rPr lang="en-GB" dirty="0" err="1">
-                <a:latin typeface="Courier New" panose="02070309020205020404" pitchFamily="49" charset="0"/>
-                <a:cs typeface="Courier New" panose="02070309020205020404" pitchFamily="49" charset="0"/>
-              </a:rPr>
-              <a:t>seed</a:t>
-            </a:r>
-            <a:r>
-              <a:rPr lang="en-GB" dirty="0">
-                <a:latin typeface="Courier New" panose="02070309020205020404" pitchFamily="49" charset="0"/>
-                <a:cs typeface="Courier New" panose="02070309020205020404" pitchFamily="49" charset="0"/>
-              </a:rPr>
-              <a:t>(SEED) </a:t>
-            </a:r>
-          </a:p>
-          <a:p>
-            <a:r>
-              <a:rPr lang="en-GB" dirty="0" err="1">
-                <a:latin typeface="Courier New" panose="02070309020205020404" pitchFamily="49" charset="0"/>
-                <a:cs typeface="Courier New" panose="02070309020205020404" pitchFamily="49" charset="0"/>
-              </a:rPr>
-              <a:t>np</a:t>
-            </a:r>
-            <a:r>
-              <a:rPr lang="en-GB" dirty="0" err="1">
-                <a:solidFill>
-                  <a:srgbClr val="333333"/>
-                </a:solidFill>
-                <a:latin typeface="Courier New" panose="02070309020205020404" pitchFamily="49" charset="0"/>
-                <a:cs typeface="Courier New" panose="02070309020205020404" pitchFamily="49" charset="0"/>
-              </a:rPr>
-              <a:t>.</a:t>
-            </a:r>
-            <a:r>
-              <a:rPr lang="en-GB" dirty="0" err="1">
-                <a:latin typeface="Courier New" panose="02070309020205020404" pitchFamily="49" charset="0"/>
-                <a:cs typeface="Courier New" panose="02070309020205020404" pitchFamily="49" charset="0"/>
-              </a:rPr>
-              <a:t>random</a:t>
-            </a:r>
-            <a:r>
-              <a:rPr lang="en-GB" dirty="0" err="1">
-                <a:solidFill>
-                  <a:srgbClr val="333333"/>
-                </a:solidFill>
-                <a:latin typeface="Courier New" panose="02070309020205020404" pitchFamily="49" charset="0"/>
-                <a:cs typeface="Courier New" panose="02070309020205020404" pitchFamily="49" charset="0"/>
-              </a:rPr>
-              <a:t>.</a:t>
-            </a:r>
-            <a:r>
-              <a:rPr lang="en-GB" dirty="0" err="1">
-                <a:latin typeface="Courier New" panose="02070309020205020404" pitchFamily="49" charset="0"/>
-                <a:cs typeface="Courier New" panose="02070309020205020404" pitchFamily="49" charset="0"/>
-              </a:rPr>
-              <a:t>rand</a:t>
-            </a:r>
-            <a:r>
-              <a:rPr lang="en-GB" dirty="0">
-                <a:latin typeface="Courier New" panose="02070309020205020404" pitchFamily="49" charset="0"/>
-                <a:cs typeface="Courier New" panose="02070309020205020404" pitchFamily="49" charset="0"/>
-              </a:rPr>
-              <a:t>()</a:t>
-            </a:r>
-            <a:endParaRPr lang="en-DE" dirty="0">
+              <a:t>	...</a:t>
+            </a:r>
+            <a:endParaRPr lang="en-DE" sz="2000" dirty="0">
               <a:latin typeface="Courier New" panose="02070309020205020404" pitchFamily="49" charset="0"/>
               <a:cs typeface="Courier New" panose="02070309020205020404" pitchFamily="49" charset="0"/>
             </a:endParaRPr>
           </a:p>
         </p:txBody>
       </p:sp>
-      <p:sp>
-        <p:nvSpPr>
-          <p:cNvPr id="7" name="TextBox 6">
-            <a:extLst>
-              <a:ext uri="{FF2B5EF4-FFF2-40B4-BE49-F238E27FC236}">
-                <a16:creationId xmlns:a16="http://schemas.microsoft.com/office/drawing/2014/main" id="{E319F9F7-570D-1948-9A8F-50EF44EC2EEA}"/>
-              </a:ext>
-            </a:extLst>
-          </p:cNvPr>
-          <p:cNvSpPr txBox="1"/>
-          <p:nvPr/>
-        </p:nvSpPr>
-        <p:spPr>
-          <a:xfrm>
-            <a:off x="3059832" y="2708920"/>
-            <a:ext cx="5373887" cy="3785652"/>
-          </a:xfrm>
-          <a:prstGeom prst="rect">
-            <a:avLst/>
-          </a:prstGeom>
-          <a:solidFill>
-            <a:srgbClr val="FFFF00"/>
-          </a:solidFill>
-        </p:spPr>
-        <p:txBody>
-          <a:bodyPr wrap="square" rtlCol="0">
-            <a:spAutoFit/>
-          </a:bodyPr>
-          <a:lstStyle/>
-          <a:p>
-            <a:r>
-              <a:rPr lang="en-CH" dirty="0"/>
-              <a:t>TODO better to use numpy.random.RandomState!</a:t>
-            </a:r>
-          </a:p>
-          <a:p>
-            <a:endParaRPr lang="en-CH" dirty="0"/>
-          </a:p>
-          <a:p>
-            <a:r>
-              <a:rPr lang="en-CH" dirty="0"/>
-              <a:t>random_state = np.random.RandomState(SEED)</a:t>
-            </a:r>
-          </a:p>
-          <a:p>
-            <a:r>
-              <a:rPr lang="en-CH" dirty="0"/>
-              <a:t>random_state.rand()</a:t>
-            </a:r>
-          </a:p>
-          <a:p>
-            <a:endParaRPr lang="en-CH" dirty="0"/>
-          </a:p>
-          <a:p>
-            <a:r>
-              <a:rPr lang="en-CH" dirty="0"/>
-              <a:t>otherwise using the global seed, if any external library uses np.random it can screw up the determinism</a:t>
-            </a:r>
-          </a:p>
-        </p:txBody>
-      </p:sp>
     </p:spTree>
     <p:extLst>
       <p:ext uri="{BB962C8B-B14F-4D97-AF65-F5344CB8AC3E}">
-        <p14:creationId xmlns:p14="http://schemas.microsoft.com/office/powerpoint/2010/main" val="1287686788"/>
+        <p14:creationId xmlns:p14="http://schemas.microsoft.com/office/powerpoint/2010/main" val="114089050"/>
       </p:ext>
     </p:extLst>
   </p:cSld>
@@ -8448,10 +8591,62 @@
       </p:grpSpPr>
       <p:sp>
         <p:nvSpPr>
+          <p:cNvPr id="8" name="Rectangle 7">
+            <a:extLst>
+              <a:ext uri="{FF2B5EF4-FFF2-40B4-BE49-F238E27FC236}">
+                <a16:creationId xmlns:a16="http://schemas.microsoft.com/office/drawing/2014/main" id="{E70779E2-5350-864A-850F-9F70861EFBFC}"/>
+              </a:ext>
+            </a:extLst>
+          </p:cNvPr>
+          <p:cNvSpPr/>
+          <p:nvPr/>
+        </p:nvSpPr>
+        <p:spPr>
+          <a:xfrm>
+            <a:off x="1403648" y="4869160"/>
+            <a:ext cx="6408712" cy="1132395"/>
+          </a:xfrm>
+          <a:prstGeom prst="rect">
+            <a:avLst/>
+          </a:prstGeom>
+          <a:solidFill>
+            <a:schemeClr val="tx1">
+              <a:lumMod val="75000"/>
+              <a:lumOff val="25000"/>
+            </a:schemeClr>
+          </a:solidFill>
+        </p:spPr>
+        <p:style>
+          <a:lnRef idx="2">
+            <a:schemeClr val="dk1">
+              <a:shade val="50000"/>
+            </a:schemeClr>
+          </a:lnRef>
+          <a:fillRef idx="1">
+            <a:schemeClr val="dk1"/>
+          </a:fillRef>
+          <a:effectRef idx="0">
+            <a:schemeClr val="dk1"/>
+          </a:effectRef>
+          <a:fontRef idx="minor">
+            <a:schemeClr val="lt1"/>
+          </a:fontRef>
+        </p:style>
+        <p:txBody>
+          <a:bodyPr rtlCol="0" anchor="ctr"/>
+          <a:lstStyle/>
+          <a:p>
+            <a:pPr algn="ctr"/>
+            <a:endParaRPr lang="en-DE" dirty="0"/>
+          </a:p>
+        </p:txBody>
+      </p:sp>
+      <p:sp>
+        <p:nvSpPr>
           <p:cNvPr id="2" name="Title 1">
             <a:extLst>
               <a:ext uri="{FF2B5EF4-FFF2-40B4-BE49-F238E27FC236}">
-                <a16:creationId xmlns:a16="http://schemas.microsoft.com/office/drawing/2014/main" id="{1D4EF265-BE39-9143-ACA3-F64DC2A5DE1D}"/>
+                <a16:creationId xmlns:a16="http://schemas.microsoft.com/office/drawing/2014/main" id="{87005CDB-6463-B741-94CA-651D12044853}"/>
               </a:ext>
             </a:extLst>
           </p:cNvPr>
@@ -8469,7 +8664,7 @@
           <a:p>
             <a:r>
               <a:rPr lang="en-DE" dirty="0"/>
-              <a:t>A Pytest Solution?</a:t>
+              <a:t>Marking tests with custom markers</a:t>
             </a:r>
           </a:p>
         </p:txBody>
@@ -8479,7 +8674,7 @@
           <p:cNvPr id="3" name="Content Placeholder 2">
             <a:extLst>
               <a:ext uri="{FF2B5EF4-FFF2-40B4-BE49-F238E27FC236}">
-                <a16:creationId xmlns:a16="http://schemas.microsoft.com/office/drawing/2014/main" id="{0F26FFFB-9D64-EE4D-A985-F51537481E3C}"/>
+                <a16:creationId xmlns:a16="http://schemas.microsoft.com/office/drawing/2014/main" id="{7E728BE7-2DBF-E146-89FA-99BFF5729CAD}"/>
               </a:ext>
             </a:extLst>
           </p:cNvPr>
@@ -8490,55 +8685,45 @@
             <p:ph sz="quarter" idx="1"/>
           </p:nvPr>
         </p:nvSpPr>
-        <p:spPr/>
-        <p:txBody>
-          <a:bodyPr/>
-          <a:lstStyle/>
-          <a:p>
+        <p:spPr>
+          <a:xfrm>
+            <a:off x="457200" y="1219200"/>
+            <a:ext cx="8229600" cy="2137792"/>
+          </a:xfrm>
+        </p:spPr>
+        <p:txBody>
+          <a:bodyPr>
+            <a:normAutofit fontScale="92500" lnSpcReduction="10000"/>
+          </a:bodyPr>
+          <a:lstStyle/>
+          <a:p>
+            <a:r>
+              <a:rPr lang="en-GB" dirty="0"/>
+              <a:t>If you have lots of tests, you can categorize them with your own markers</a:t>
+            </a:r>
+          </a:p>
+          <a:p>
+            <a:r>
+              <a:rPr lang="en-GB" dirty="0"/>
+              <a:t>Example:</a:t>
+            </a:r>
+          </a:p>
+          <a:p>
+            <a:pPr lvl="1"/>
+            <a:r>
+              <a:rPr lang="en-GB" dirty="0"/>
+              <a:t>Smoke tests check for really basic failure: run these frequently</a:t>
+            </a:r>
+          </a:p>
+          <a:p>
+            <a:pPr lvl="1"/>
+            <a:r>
+              <a:rPr lang="en-GB" dirty="0"/>
+              <a:t>O</a:t>
+            </a:r>
             <a:r>
               <a:rPr lang="en-DE" dirty="0"/>
-              <a:t>This is not so prominent in the docs, because non-scientific coding uses fuzzy testing more rarely</a:t>
-            </a:r>
-          </a:p>
-          <a:p>
-            <a:r>
-              <a:rPr lang="en-DE" dirty="0"/>
-              <a:t>In scientific coding, when you deal with randomness it is very relevant</a:t>
-            </a:r>
-          </a:p>
-          <a:p>
-            <a:r>
-              <a:rPr lang="en-DE" dirty="0"/>
-              <a:t>What do we want?</a:t>
-            </a:r>
-          </a:p>
-          <a:p>
-            <a:pPr lvl="1"/>
-            <a:r>
-              <a:rPr lang="en-DE" dirty="0"/>
-              <a:t>For each (fuzzy) test there should be a seed</a:t>
-            </a:r>
-          </a:p>
-          <a:p>
-            <a:pPr lvl="1"/>
-            <a:r>
-              <a:rPr lang="en-GB" dirty="0"/>
-              <a:t>T</a:t>
-            </a:r>
-            <a:r>
-              <a:rPr lang="en-DE" dirty="0"/>
-              <a:t>hat seed should be printed with the test result</a:t>
-            </a:r>
-          </a:p>
-          <a:p>
-            <a:pPr lvl="1"/>
-            <a:r>
-              <a:rPr lang="en-GB" dirty="0"/>
-              <a:t>I</a:t>
-            </a:r>
-            <a:r>
-              <a:rPr lang="en-DE" dirty="0"/>
-              <a:t>t needs to be possible to explicitely run the test again with that seed!</a:t>
+              <a:t>ther tests may be many or too slow to run every time and test for more edge cases</a:t>
             </a:r>
           </a:p>
         </p:txBody>
@@ -8548,7 +8733,7 @@
           <p:cNvPr id="4" name="Date Placeholder 3">
             <a:extLst>
               <a:ext uri="{FF2B5EF4-FFF2-40B4-BE49-F238E27FC236}">
-                <a16:creationId xmlns:a16="http://schemas.microsoft.com/office/drawing/2014/main" id="{71EA0052-A922-3C42-A831-D015ED172EB5}"/>
+                <a16:creationId xmlns:a16="http://schemas.microsoft.com/office/drawing/2014/main" id="{EB90D210-69C2-254F-A712-34EDC8A34BCE}"/>
               </a:ext>
             </a:extLst>
           </p:cNvPr>
@@ -8577,7 +8762,7 @@
           <p:cNvPr id="5" name="Footer Placeholder 4">
             <a:extLst>
               <a:ext uri="{FF2B5EF4-FFF2-40B4-BE49-F238E27FC236}">
-                <a16:creationId xmlns:a16="http://schemas.microsoft.com/office/drawing/2014/main" id="{462DA3B7-CEDF-984B-A832-8462FC4C75F4}"/>
+                <a16:creationId xmlns:a16="http://schemas.microsoft.com/office/drawing/2014/main" id="{61CF89F0-6046-F74F-9841-B0C36739D201}"/>
               </a:ext>
             </a:extLst>
           </p:cNvPr>
@@ -8601,10 +8786,169 @@
           </a:p>
         </p:txBody>
       </p:sp>
+      <p:sp>
+        <p:nvSpPr>
+          <p:cNvPr id="6" name="Rectangle 5">
+            <a:extLst>
+              <a:ext uri="{FF2B5EF4-FFF2-40B4-BE49-F238E27FC236}">
+                <a16:creationId xmlns:a16="http://schemas.microsoft.com/office/drawing/2014/main" id="{E239EA3C-046A-4340-B98A-74523E6444C4}"/>
+              </a:ext>
+            </a:extLst>
+          </p:cNvPr>
+          <p:cNvSpPr/>
+          <p:nvPr/>
+        </p:nvSpPr>
+        <p:spPr>
+          <a:xfrm>
+            <a:off x="709064" y="3611039"/>
+            <a:ext cx="7884368" cy="1015663"/>
+          </a:xfrm>
+          <a:prstGeom prst="rect">
+            <a:avLst/>
+          </a:prstGeom>
+        </p:spPr>
+        <p:txBody>
+          <a:bodyPr wrap="square">
+            <a:spAutoFit/>
+          </a:bodyPr>
+          <a:lstStyle/>
+          <a:p>
+            <a:r>
+              <a:rPr lang="en-GB" sz="2000" b="1" dirty="0">
+                <a:solidFill>
+                  <a:srgbClr val="555555"/>
+                </a:solidFill>
+                <a:latin typeface="Courier New" panose="02070309020205020404" pitchFamily="49" charset="0"/>
+                <a:cs typeface="Courier New" panose="02070309020205020404" pitchFamily="49" charset="0"/>
+              </a:rPr>
+              <a:t>@</a:t>
+            </a:r>
+            <a:r>
+              <a:rPr lang="en-GB" sz="2000" b="1" dirty="0" err="1">
+                <a:solidFill>
+                  <a:srgbClr val="555555"/>
+                </a:solidFill>
+                <a:latin typeface="Courier New" panose="02070309020205020404" pitchFamily="49" charset="0"/>
+                <a:cs typeface="Courier New" panose="02070309020205020404" pitchFamily="49" charset="0"/>
+              </a:rPr>
+              <a:t>pytest.mark.smoke</a:t>
+            </a:r>
+            <a:endParaRPr lang="en-GB" sz="2000" b="1" dirty="0">
+              <a:solidFill>
+                <a:srgbClr val="555555"/>
+              </a:solidFill>
+              <a:latin typeface="Courier New" panose="02070309020205020404" pitchFamily="49" charset="0"/>
+              <a:cs typeface="Courier New" panose="02070309020205020404" pitchFamily="49" charset="0"/>
+            </a:endParaRPr>
+          </a:p>
+          <a:p>
+            <a:r>
+              <a:rPr lang="en-GB" sz="2000" b="1" dirty="0">
+                <a:solidFill>
+                  <a:srgbClr val="008800"/>
+                </a:solidFill>
+                <a:latin typeface="Courier New" panose="02070309020205020404" pitchFamily="49" charset="0"/>
+                <a:cs typeface="Courier New" panose="02070309020205020404" pitchFamily="49" charset="0"/>
+              </a:rPr>
+              <a:t>def</a:t>
+            </a:r>
+            <a:r>
+              <a:rPr lang="en-GB" sz="2000" dirty="0">
+                <a:latin typeface="Courier New" panose="02070309020205020404" pitchFamily="49" charset="0"/>
+                <a:cs typeface="Courier New" panose="02070309020205020404" pitchFamily="49" charset="0"/>
+              </a:rPr>
+              <a:t> </a:t>
+            </a:r>
+            <a:r>
+              <a:rPr lang="en-GB" sz="2000" b="1" dirty="0" err="1">
+                <a:solidFill>
+                  <a:srgbClr val="0066BB"/>
+                </a:solidFill>
+                <a:latin typeface="Courier New" panose="02070309020205020404" pitchFamily="49" charset="0"/>
+                <a:cs typeface="Courier New" panose="02070309020205020404" pitchFamily="49" charset="0"/>
+              </a:rPr>
+              <a:t>test_something_basic</a:t>
+            </a:r>
+            <a:r>
+              <a:rPr lang="en-GB" sz="2000" dirty="0">
+                <a:latin typeface="Courier New" panose="02070309020205020404" pitchFamily="49" charset="0"/>
+                <a:cs typeface="Courier New" panose="02070309020205020404" pitchFamily="49" charset="0"/>
+              </a:rPr>
+              <a:t>():</a:t>
+            </a:r>
+          </a:p>
+          <a:p>
+            <a:r>
+              <a:rPr lang="en-GB" sz="2000" dirty="0">
+                <a:latin typeface="Courier New" panose="02070309020205020404" pitchFamily="49" charset="0"/>
+                <a:cs typeface="Courier New" panose="02070309020205020404" pitchFamily="49" charset="0"/>
+              </a:rPr>
+              <a:t>	...</a:t>
+            </a:r>
+            <a:endParaRPr lang="en-DE" sz="2000" dirty="0">
+              <a:latin typeface="Courier New" panose="02070309020205020404" pitchFamily="49" charset="0"/>
+              <a:cs typeface="Courier New" panose="02070309020205020404" pitchFamily="49" charset="0"/>
+            </a:endParaRPr>
+          </a:p>
+        </p:txBody>
+      </p:sp>
+      <p:sp>
+        <p:nvSpPr>
+          <p:cNvPr id="7" name="TextBox 6">
+            <a:extLst>
+              <a:ext uri="{FF2B5EF4-FFF2-40B4-BE49-F238E27FC236}">
+                <a16:creationId xmlns:a16="http://schemas.microsoft.com/office/drawing/2014/main" id="{D972F30D-0D6B-4C4C-B6B7-2E9C84733A93}"/>
+              </a:ext>
+            </a:extLst>
+          </p:cNvPr>
+          <p:cNvSpPr txBox="1"/>
+          <p:nvPr/>
+        </p:nvSpPr>
+        <p:spPr>
+          <a:xfrm>
+            <a:off x="1403648" y="5044509"/>
+            <a:ext cx="6083717" cy="830997"/>
+          </a:xfrm>
+          <a:prstGeom prst="rect">
+            <a:avLst/>
+          </a:prstGeom>
+          <a:noFill/>
+        </p:spPr>
+        <p:txBody>
+          <a:bodyPr wrap="none" rtlCol="0">
+            <a:spAutoFit/>
+          </a:bodyPr>
+          <a:lstStyle/>
+          <a:p>
+            <a:r>
+              <a:rPr lang="en-DE" dirty="0">
+                <a:solidFill>
+                  <a:srgbClr val="00B050"/>
+                </a:solidFill>
+                <a:latin typeface="Courier New" panose="02070309020205020404" pitchFamily="49" charset="0"/>
+                <a:cs typeface="Courier New" panose="02070309020205020404" pitchFamily="49" charset="0"/>
+              </a:rPr>
+              <a:t>&gt; pytest –m smoke</a:t>
+            </a:r>
+          </a:p>
+          <a:p>
+            <a:r>
+              <a:rPr lang="en-DE" dirty="0">
+                <a:solidFill>
+                  <a:srgbClr val="00B050"/>
+                </a:solidFill>
+                <a:latin typeface="Courier New" panose="02070309020205020404" pitchFamily="49" charset="0"/>
+                <a:cs typeface="Courier New" panose="02070309020205020404" pitchFamily="49" charset="0"/>
+              </a:rPr>
+              <a:t>&gt; pytest –m ”smoke and not slow”</a:t>
+            </a:r>
+          </a:p>
+        </p:txBody>
+      </p:sp>
     </p:spTree>
     <p:extLst>
       <p:ext uri="{BB962C8B-B14F-4D97-AF65-F5344CB8AC3E}">
-        <p14:creationId xmlns:p14="http://schemas.microsoft.com/office/powerpoint/2010/main" val="2169386763"/>
+        <p14:creationId xmlns:p14="http://schemas.microsoft.com/office/powerpoint/2010/main" val="4266619671"/>
       </p:ext>
     </p:extLst>
   </p:cSld>
@@ -8636,7 +8980,7 @@
           <p:cNvPr id="2" name="Title 1">
             <a:extLst>
               <a:ext uri="{FF2B5EF4-FFF2-40B4-BE49-F238E27FC236}">
-                <a16:creationId xmlns:a16="http://schemas.microsoft.com/office/drawing/2014/main" id="{70998DF7-5638-9045-BD48-E426C93887A9}"/>
+                <a16:creationId xmlns:a16="http://schemas.microsoft.com/office/drawing/2014/main" id="{69A6C49B-41A4-C340-B6FC-E619207A81A8}"/>
               </a:ext>
             </a:extLst>
           </p:cNvPr>
@@ -8654,7 +8998,7 @@
           <a:p>
             <a:r>
               <a:rPr lang="en-DE" dirty="0"/>
-              <a:t>Fixtures (minimal solution)</a:t>
+              <a:t>Hands On!</a:t>
             </a:r>
           </a:p>
         </p:txBody>
@@ -8664,7 +9008,7 @@
           <p:cNvPr id="3" name="Content Placeholder 2">
             <a:extLst>
               <a:ext uri="{FF2B5EF4-FFF2-40B4-BE49-F238E27FC236}">
-                <a16:creationId xmlns:a16="http://schemas.microsoft.com/office/drawing/2014/main" id="{A88E4B5F-912F-5243-875B-22AD058AD69D}"/>
+                <a16:creationId xmlns:a16="http://schemas.microsoft.com/office/drawing/2014/main" id="{686A027C-A397-FA41-9D14-CCA01BAFEB9D}"/>
               </a:ext>
             </a:extLst>
           </p:cNvPr>
@@ -8675,53 +9019,97 @@
             <p:ph sz="quarter" idx="1"/>
           </p:nvPr>
         </p:nvSpPr>
-        <p:spPr>
-          <a:xfrm>
-            <a:off x="457200" y="1219200"/>
-            <a:ext cx="8229600" cy="2209800"/>
-          </a:xfrm>
-        </p:spPr>
+        <p:spPr/>
         <p:txBody>
           <a:bodyPr>
-            <a:normAutofit lnSpcReduction="10000"/>
+            <a:normAutofit/>
           </a:bodyPr>
           <a:lstStyle/>
           <a:p>
-            <a:r>
-              <a:rPr lang="en-DE" dirty="0"/>
-              <a:t>Fixtures are functions that are run before the tests are executed</a:t>
-            </a:r>
-          </a:p>
-          <a:p>
+            <a:pPr marL="0" indent="0">
+              <a:buNone/>
+            </a:pPr>
             <a:r>
               <a:rPr lang="en-GB" dirty="0"/>
-              <a:t>W</a:t>
-            </a:r>
-            <a:r>
-              <a:rPr lang="en-DE" dirty="0"/>
-              <a:t>ith autouse, it is executed once before each test</a:t>
-            </a:r>
-          </a:p>
-          <a:p>
+              <a:t>Check the convergence of an attractor using fuzzing</a:t>
+            </a:r>
+          </a:p>
+          <a:p>
+            <a:pPr marL="274320" lvl="1" indent="0">
+              <a:buNone/>
+            </a:pPr>
+            <a:endParaRPr lang="en-GB" dirty="0"/>
+          </a:p>
+          <a:p>
+            <a:pPr marL="274320" lvl="1" indent="0">
+              <a:buNone/>
+            </a:pPr>
             <a:r>
               <a:rPr lang="en-GB" dirty="0"/>
-              <a:t>T</a:t>
-            </a:r>
-            <a:r>
-              <a:rPr lang="en-DE" dirty="0"/>
-              <a:t>hey are defined in a file called </a:t>
-            </a:r>
-            <a:r>
-              <a:rPr lang="en-DE" dirty="0">
+              <a:t>a) Write a numerical fuzzing test that checks that, for </a:t>
+            </a:r>
+            <a:r>
+              <a:rPr lang="en-GB" dirty="0">
                 <a:latin typeface="Courier New" panose="02070309020205020404" pitchFamily="49" charset="0"/>
                 <a:cs typeface="Courier New" panose="02070309020205020404" pitchFamily="49" charset="0"/>
               </a:rPr>
-              <a:t>conftest.py</a:t>
-            </a:r>
-            <a:r>
-              <a:rPr lang="en-DE" dirty="0"/>
-              <a:t>, in the same directory as the tests</a:t>
-            </a:r>
+              <a:t>r=1.5</a:t>
+            </a:r>
+            <a:r>
+              <a:rPr lang="en-GB" dirty="0"/>
+              <a:t>, all starting points converge to the attractor </a:t>
+            </a:r>
+            <a:r>
+              <a:rPr lang="en-GB" dirty="0">
+                <a:latin typeface="Courier New" panose="02070309020205020404" pitchFamily="49" charset="0"/>
+                <a:cs typeface="Courier New" panose="02070309020205020404" pitchFamily="49" charset="0"/>
+              </a:rPr>
+              <a:t>f(x, r) = 1/3</a:t>
+            </a:r>
+            <a:r>
+              <a:rPr lang="en-GB" dirty="0"/>
+              <a:t>.</a:t>
+            </a:r>
+          </a:p>
+          <a:p>
+            <a:pPr marL="274320" lvl="1" indent="0">
+              <a:buNone/>
+            </a:pPr>
+            <a:endParaRPr lang="en-GB" dirty="0"/>
+          </a:p>
+          <a:p>
+            <a:pPr marL="274320" lvl="1" indent="0">
+              <a:buNone/>
+            </a:pPr>
+            <a:r>
+              <a:rPr lang="en-GB" dirty="0"/>
+              <a:t>b) Use </a:t>
+            </a:r>
+            <a:r>
+              <a:rPr lang="en-GB" dirty="0" err="1">
+                <a:latin typeface="Courier New" panose="02070309020205020404" pitchFamily="49" charset="0"/>
+                <a:cs typeface="Courier New" panose="02070309020205020404" pitchFamily="49" charset="0"/>
+              </a:rPr>
+              <a:t>pytest.mark</a:t>
+            </a:r>
+            <a:r>
+              <a:rPr lang="en-GB" dirty="0"/>
+              <a:t> to mark the tests from the previous exercise with one mark (they relate to the correct implementation of the logistic function) and the test from this exercise with another (relates to the </a:t>
+            </a:r>
+            <a:r>
+              <a:rPr lang="en-GB" dirty="0" err="1"/>
+              <a:t>behavior</a:t>
+            </a:r>
+            <a:r>
+              <a:rPr lang="en-GB" dirty="0"/>
+              <a:t> of the logistic function). Try executing first the first set of tests and then the second set of tests separately.</a:t>
+            </a:r>
+          </a:p>
+          <a:p>
+            <a:pPr marL="274320" lvl="1" indent="0">
+              <a:buNone/>
+            </a:pPr>
+            <a:endParaRPr lang="en-GB" dirty="0"/>
           </a:p>
         </p:txBody>
       </p:sp>
@@ -8730,7 +9118,7 @@
           <p:cNvPr id="4" name="Date Placeholder 3">
             <a:extLst>
               <a:ext uri="{FF2B5EF4-FFF2-40B4-BE49-F238E27FC236}">
-                <a16:creationId xmlns:a16="http://schemas.microsoft.com/office/drawing/2014/main" id="{067BFEB4-E600-9048-875D-D20F2AC618F0}"/>
+                <a16:creationId xmlns:a16="http://schemas.microsoft.com/office/drawing/2014/main" id="{85288F72-525D-7048-8D68-7D6EEED48D66}"/>
               </a:ext>
             </a:extLst>
           </p:cNvPr>
@@ -8759,7 +9147,7 @@
           <p:cNvPr id="5" name="Footer Placeholder 4">
             <a:extLst>
               <a:ext uri="{FF2B5EF4-FFF2-40B4-BE49-F238E27FC236}">
-                <a16:creationId xmlns:a16="http://schemas.microsoft.com/office/drawing/2014/main" id="{D0EDE482-0C99-974F-9192-67416059FE1C}"/>
+                <a16:creationId xmlns:a16="http://schemas.microsoft.com/office/drawing/2014/main" id="{F622E371-234A-FB41-8502-5E8F50529D21}"/>
               </a:ext>
             </a:extLst>
           </p:cNvPr>
@@ -8785,529 +9173,61 @@
       </p:sp>
       <p:sp>
         <p:nvSpPr>
-          <p:cNvPr id="6" name="TextBox 5">
+          <p:cNvPr id="7" name="Rectangle 6">
             <a:extLst>
               <a:ext uri="{FF2B5EF4-FFF2-40B4-BE49-F238E27FC236}">
-                <a16:creationId xmlns:a16="http://schemas.microsoft.com/office/drawing/2014/main" id="{611C5DE2-1B21-D540-9A4E-7F245A136CC9}"/>
+                <a16:creationId xmlns:a16="http://schemas.microsoft.com/office/drawing/2014/main" id="{58A93890-C992-7341-AC12-A9E91013F918}"/>
               </a:ext>
             </a:extLst>
           </p:cNvPr>
-          <p:cNvSpPr txBox="1"/>
+          <p:cNvSpPr/>
           <p:nvPr/>
         </p:nvSpPr>
         <p:spPr>
           <a:xfrm>
-            <a:off x="1835696" y="3578736"/>
-            <a:ext cx="5616624" cy="2308324"/>
+            <a:off x="0" y="0"/>
+            <a:ext cx="9144000" cy="6858000"/>
           </a:xfrm>
           <a:prstGeom prst="rect">
             <a:avLst/>
           </a:prstGeom>
           <a:noFill/>
+          <a:ln w="165100">
+            <a:solidFill>
+              <a:srgbClr val="00B050"/>
+            </a:solidFill>
+            <a:miter lim="800000"/>
+          </a:ln>
         </p:spPr>
-        <p:txBody>
-          <a:bodyPr wrap="square" rtlCol="0">
-            <a:spAutoFit/>
-          </a:bodyPr>
-          <a:lstStyle/>
-          <a:p>
-            <a:r>
-              <a:rPr lang="en-GB" sz="1600" b="1" dirty="0">
-                <a:solidFill>
-                  <a:srgbClr val="008800"/>
-                </a:solidFill>
-                <a:latin typeface="Courier New" panose="02070309020205020404" pitchFamily="49" charset="0"/>
-                <a:cs typeface="Courier New" panose="02070309020205020404" pitchFamily="49" charset="0"/>
-              </a:rPr>
-              <a:t>import</a:t>
-            </a:r>
-            <a:r>
-              <a:rPr lang="en-GB" sz="1600" dirty="0">
-                <a:latin typeface="Courier New" panose="02070309020205020404" pitchFamily="49" charset="0"/>
-                <a:cs typeface="Courier New" panose="02070309020205020404" pitchFamily="49" charset="0"/>
-              </a:rPr>
-              <a:t> </a:t>
-            </a:r>
-            <a:r>
-              <a:rPr lang="en-GB" sz="1600" b="1" dirty="0" err="1">
-                <a:solidFill>
-                  <a:srgbClr val="0E84B5"/>
-                </a:solidFill>
-                <a:latin typeface="Courier New" panose="02070309020205020404" pitchFamily="49" charset="0"/>
-                <a:cs typeface="Courier New" panose="02070309020205020404" pitchFamily="49" charset="0"/>
-              </a:rPr>
-              <a:t>numpy</a:t>
-            </a:r>
-            <a:r>
-              <a:rPr lang="en-GB" sz="1600" dirty="0">
-                <a:latin typeface="Courier New" panose="02070309020205020404" pitchFamily="49" charset="0"/>
-                <a:cs typeface="Courier New" panose="02070309020205020404" pitchFamily="49" charset="0"/>
-              </a:rPr>
-              <a:t> </a:t>
-            </a:r>
-            <a:r>
-              <a:rPr lang="en-GB" sz="1600" b="1" dirty="0">
-                <a:solidFill>
-                  <a:srgbClr val="008800"/>
-                </a:solidFill>
-                <a:latin typeface="Courier New" panose="02070309020205020404" pitchFamily="49" charset="0"/>
-                <a:cs typeface="Courier New" panose="02070309020205020404" pitchFamily="49" charset="0"/>
-              </a:rPr>
-              <a:t>as</a:t>
-            </a:r>
-            <a:r>
-              <a:rPr lang="en-GB" sz="1600" dirty="0">
-                <a:latin typeface="Courier New" panose="02070309020205020404" pitchFamily="49" charset="0"/>
-                <a:cs typeface="Courier New" panose="02070309020205020404" pitchFamily="49" charset="0"/>
-              </a:rPr>
-              <a:t> </a:t>
-            </a:r>
-            <a:r>
-              <a:rPr lang="en-GB" sz="1600" b="1" dirty="0">
-                <a:solidFill>
-                  <a:srgbClr val="0E84B5"/>
-                </a:solidFill>
-                <a:latin typeface="Courier New" panose="02070309020205020404" pitchFamily="49" charset="0"/>
-                <a:cs typeface="Courier New" panose="02070309020205020404" pitchFamily="49" charset="0"/>
-              </a:rPr>
-              <a:t>np</a:t>
-            </a:r>
-            <a:r>
-              <a:rPr lang="en-GB" sz="1600" dirty="0">
-                <a:latin typeface="Courier New" panose="02070309020205020404" pitchFamily="49" charset="0"/>
-                <a:cs typeface="Courier New" panose="02070309020205020404" pitchFamily="49" charset="0"/>
-              </a:rPr>
-              <a:t> </a:t>
-            </a:r>
-          </a:p>
-          <a:p>
-            <a:r>
-              <a:rPr lang="en-GB" sz="1600" b="1" dirty="0">
-                <a:solidFill>
-                  <a:srgbClr val="008800"/>
-                </a:solidFill>
-                <a:latin typeface="Courier New" panose="02070309020205020404" pitchFamily="49" charset="0"/>
-                <a:cs typeface="Courier New" panose="02070309020205020404" pitchFamily="49" charset="0"/>
-              </a:rPr>
-              <a:t>import</a:t>
-            </a:r>
-            <a:r>
-              <a:rPr lang="en-GB" sz="1600" dirty="0">
-                <a:latin typeface="Courier New" panose="02070309020205020404" pitchFamily="49" charset="0"/>
-                <a:cs typeface="Courier New" panose="02070309020205020404" pitchFamily="49" charset="0"/>
-              </a:rPr>
-              <a:t> </a:t>
-            </a:r>
-            <a:r>
-              <a:rPr lang="en-GB" sz="1600" b="1" dirty="0" err="1">
-                <a:solidFill>
-                  <a:srgbClr val="0E84B5"/>
-                </a:solidFill>
-                <a:latin typeface="Courier New" panose="02070309020205020404" pitchFamily="49" charset="0"/>
-                <a:cs typeface="Courier New" panose="02070309020205020404" pitchFamily="49" charset="0"/>
-              </a:rPr>
-              <a:t>pytest</a:t>
-            </a:r>
-            <a:r>
-              <a:rPr lang="en-GB" sz="1600" dirty="0">
-                <a:latin typeface="Courier New" panose="02070309020205020404" pitchFamily="49" charset="0"/>
-                <a:cs typeface="Courier New" panose="02070309020205020404" pitchFamily="49" charset="0"/>
-              </a:rPr>
-              <a:t> </a:t>
-            </a:r>
-          </a:p>
-          <a:p>
-            <a:r>
-              <a:rPr lang="en-GB" sz="1600" dirty="0">
-                <a:solidFill>
-                  <a:srgbClr val="888888"/>
-                </a:solidFill>
-                <a:latin typeface="Courier New" panose="02070309020205020404" pitchFamily="49" charset="0"/>
-                <a:cs typeface="Courier New" panose="02070309020205020404" pitchFamily="49" charset="0"/>
-              </a:rPr>
-              <a:t># set the random seed for once here</a:t>
-            </a:r>
-            <a:r>
-              <a:rPr lang="en-GB" sz="1600" dirty="0">
-                <a:latin typeface="Courier New" panose="02070309020205020404" pitchFamily="49" charset="0"/>
-                <a:cs typeface="Courier New" panose="02070309020205020404" pitchFamily="49" charset="0"/>
-              </a:rPr>
-              <a:t> </a:t>
-            </a:r>
-          </a:p>
-          <a:p>
-            <a:r>
-              <a:rPr lang="en-GB" sz="1600" dirty="0">
-                <a:latin typeface="Courier New" panose="02070309020205020404" pitchFamily="49" charset="0"/>
-                <a:cs typeface="Courier New" panose="02070309020205020404" pitchFamily="49" charset="0"/>
-              </a:rPr>
-              <a:t>SEED </a:t>
-            </a:r>
-            <a:r>
-              <a:rPr lang="en-GB" sz="1600" dirty="0">
-                <a:solidFill>
-                  <a:srgbClr val="333333"/>
-                </a:solidFill>
-                <a:latin typeface="Courier New" panose="02070309020205020404" pitchFamily="49" charset="0"/>
-                <a:cs typeface="Courier New" panose="02070309020205020404" pitchFamily="49" charset="0"/>
-              </a:rPr>
-              <a:t>=</a:t>
-            </a:r>
-            <a:r>
-              <a:rPr lang="en-GB" sz="1600" dirty="0">
-                <a:latin typeface="Courier New" panose="02070309020205020404" pitchFamily="49" charset="0"/>
-                <a:cs typeface="Courier New" panose="02070309020205020404" pitchFamily="49" charset="0"/>
-              </a:rPr>
-              <a:t> </a:t>
-            </a:r>
-            <a:r>
-              <a:rPr lang="en-GB" sz="1600" dirty="0" err="1">
-                <a:latin typeface="Courier New" panose="02070309020205020404" pitchFamily="49" charset="0"/>
-                <a:cs typeface="Courier New" panose="02070309020205020404" pitchFamily="49" charset="0"/>
-              </a:rPr>
-              <a:t>np</a:t>
-            </a:r>
-            <a:r>
-              <a:rPr lang="en-GB" sz="1600" dirty="0" err="1">
-                <a:solidFill>
-                  <a:srgbClr val="333333"/>
-                </a:solidFill>
-                <a:latin typeface="Courier New" panose="02070309020205020404" pitchFamily="49" charset="0"/>
-                <a:cs typeface="Courier New" panose="02070309020205020404" pitchFamily="49" charset="0"/>
-              </a:rPr>
-              <a:t>.</a:t>
-            </a:r>
-            <a:r>
-              <a:rPr lang="en-GB" sz="1600" dirty="0" err="1">
-                <a:latin typeface="Courier New" panose="02070309020205020404" pitchFamily="49" charset="0"/>
-                <a:cs typeface="Courier New" panose="02070309020205020404" pitchFamily="49" charset="0"/>
-              </a:rPr>
-              <a:t>random</a:t>
-            </a:r>
-            <a:r>
-              <a:rPr lang="en-GB" sz="1600" dirty="0" err="1">
-                <a:solidFill>
-                  <a:srgbClr val="333333"/>
-                </a:solidFill>
-                <a:latin typeface="Courier New" panose="02070309020205020404" pitchFamily="49" charset="0"/>
-                <a:cs typeface="Courier New" panose="02070309020205020404" pitchFamily="49" charset="0"/>
-              </a:rPr>
-              <a:t>.</a:t>
-            </a:r>
-            <a:r>
-              <a:rPr lang="en-GB" sz="1600" dirty="0" err="1">
-                <a:latin typeface="Courier New" panose="02070309020205020404" pitchFamily="49" charset="0"/>
-                <a:cs typeface="Courier New" panose="02070309020205020404" pitchFamily="49" charset="0"/>
-              </a:rPr>
-              <a:t>randint</a:t>
-            </a:r>
-            <a:r>
-              <a:rPr lang="en-GB" sz="1600" dirty="0">
-                <a:latin typeface="Courier New" panose="02070309020205020404" pitchFamily="49" charset="0"/>
-                <a:cs typeface="Courier New" panose="02070309020205020404" pitchFamily="49" charset="0"/>
-              </a:rPr>
-              <a:t>(</a:t>
-            </a:r>
-            <a:r>
-              <a:rPr lang="en-GB" sz="1600" b="1" dirty="0">
-                <a:solidFill>
-                  <a:srgbClr val="0000DD"/>
-                </a:solidFill>
-                <a:latin typeface="Courier New" panose="02070309020205020404" pitchFamily="49" charset="0"/>
-                <a:cs typeface="Courier New" panose="02070309020205020404" pitchFamily="49" charset="0"/>
-              </a:rPr>
-              <a:t>0</a:t>
-            </a:r>
-            <a:r>
-              <a:rPr lang="en-GB" sz="1600" dirty="0">
-                <a:latin typeface="Courier New" panose="02070309020205020404" pitchFamily="49" charset="0"/>
-                <a:cs typeface="Courier New" panose="02070309020205020404" pitchFamily="49" charset="0"/>
-              </a:rPr>
-              <a:t>,</a:t>
-            </a:r>
-            <a:r>
-              <a:rPr lang="en-GB" sz="1600" b="1" dirty="0">
-                <a:solidFill>
-                  <a:srgbClr val="0000DD"/>
-                </a:solidFill>
-                <a:latin typeface="Courier New" panose="02070309020205020404" pitchFamily="49" charset="0"/>
-                <a:cs typeface="Courier New" panose="02070309020205020404" pitchFamily="49" charset="0"/>
-              </a:rPr>
-              <a:t>2</a:t>
-            </a:r>
-            <a:r>
-              <a:rPr lang="en-GB" sz="1600" dirty="0">
-                <a:solidFill>
-                  <a:srgbClr val="333333"/>
-                </a:solidFill>
-                <a:latin typeface="Courier New" panose="02070309020205020404" pitchFamily="49" charset="0"/>
-                <a:cs typeface="Courier New" panose="02070309020205020404" pitchFamily="49" charset="0"/>
-              </a:rPr>
-              <a:t>**</a:t>
-            </a:r>
-            <a:r>
-              <a:rPr lang="en-GB" sz="1600" b="1" dirty="0">
-                <a:solidFill>
-                  <a:srgbClr val="0000DD"/>
-                </a:solidFill>
-                <a:latin typeface="Courier New" panose="02070309020205020404" pitchFamily="49" charset="0"/>
-                <a:cs typeface="Courier New" panose="02070309020205020404" pitchFamily="49" charset="0"/>
-              </a:rPr>
-              <a:t>31</a:t>
-            </a:r>
-            <a:r>
-              <a:rPr lang="en-GB" sz="1600" dirty="0">
-                <a:latin typeface="Courier New" panose="02070309020205020404" pitchFamily="49" charset="0"/>
-                <a:cs typeface="Courier New" panose="02070309020205020404" pitchFamily="49" charset="0"/>
-              </a:rPr>
-              <a:t>) </a:t>
-            </a:r>
-          </a:p>
-          <a:p>
-            <a:endParaRPr lang="en-GB" sz="1600" b="1" dirty="0">
-              <a:solidFill>
-                <a:srgbClr val="555555"/>
-              </a:solidFill>
-              <a:latin typeface="Courier New" panose="02070309020205020404" pitchFamily="49" charset="0"/>
-              <a:cs typeface="Courier New" panose="02070309020205020404" pitchFamily="49" charset="0"/>
-            </a:endParaRPr>
-          </a:p>
-          <a:p>
-            <a:r>
-              <a:rPr lang="en-GB" sz="1600" b="1" dirty="0">
-                <a:solidFill>
-                  <a:srgbClr val="555555"/>
-                </a:solidFill>
-                <a:latin typeface="Courier New" panose="02070309020205020404" pitchFamily="49" charset="0"/>
-                <a:cs typeface="Courier New" panose="02070309020205020404" pitchFamily="49" charset="0"/>
-              </a:rPr>
-              <a:t>@</a:t>
-            </a:r>
-            <a:r>
-              <a:rPr lang="en-GB" sz="1600" b="1" dirty="0" err="1">
-                <a:solidFill>
-                  <a:srgbClr val="555555"/>
-                </a:solidFill>
-                <a:latin typeface="Courier New" panose="02070309020205020404" pitchFamily="49" charset="0"/>
-                <a:cs typeface="Courier New" panose="02070309020205020404" pitchFamily="49" charset="0"/>
-              </a:rPr>
-              <a:t>pytest.fixture</a:t>
-            </a:r>
-            <a:r>
-              <a:rPr lang="en-GB" sz="1600" dirty="0">
-                <a:latin typeface="Courier New" panose="02070309020205020404" pitchFamily="49" charset="0"/>
-                <a:cs typeface="Courier New" panose="02070309020205020404" pitchFamily="49" charset="0"/>
-              </a:rPr>
-              <a:t>(</a:t>
-            </a:r>
-            <a:r>
-              <a:rPr lang="en-GB" sz="1600" dirty="0" err="1">
-                <a:latin typeface="Courier New" panose="02070309020205020404" pitchFamily="49" charset="0"/>
-                <a:cs typeface="Courier New" panose="02070309020205020404" pitchFamily="49" charset="0"/>
-              </a:rPr>
-              <a:t>autouse</a:t>
-            </a:r>
-            <a:r>
-              <a:rPr lang="en-GB" sz="1600" dirty="0">
-                <a:solidFill>
-                  <a:srgbClr val="333333"/>
-                </a:solidFill>
-                <a:latin typeface="Courier New" panose="02070309020205020404" pitchFamily="49" charset="0"/>
-                <a:cs typeface="Courier New" panose="02070309020205020404" pitchFamily="49" charset="0"/>
-              </a:rPr>
-              <a:t>=</a:t>
-            </a:r>
-            <a:r>
-              <a:rPr lang="en-GB" sz="1600" dirty="0">
-                <a:solidFill>
-                  <a:srgbClr val="007020"/>
-                </a:solidFill>
-                <a:latin typeface="Courier New" panose="02070309020205020404" pitchFamily="49" charset="0"/>
-                <a:cs typeface="Courier New" panose="02070309020205020404" pitchFamily="49" charset="0"/>
-              </a:rPr>
-              <a:t>True</a:t>
-            </a:r>
-            <a:r>
-              <a:rPr lang="en-GB" sz="1600" dirty="0">
-                <a:latin typeface="Courier New" panose="02070309020205020404" pitchFamily="49" charset="0"/>
-                <a:cs typeface="Courier New" panose="02070309020205020404" pitchFamily="49" charset="0"/>
-              </a:rPr>
-              <a:t>)</a:t>
-            </a:r>
-          </a:p>
-          <a:p>
-            <a:r>
-              <a:rPr lang="en-GB" sz="1600" b="1" dirty="0">
-                <a:solidFill>
-                  <a:srgbClr val="008800"/>
-                </a:solidFill>
-                <a:latin typeface="Courier New" panose="02070309020205020404" pitchFamily="49" charset="0"/>
-                <a:cs typeface="Courier New" panose="02070309020205020404" pitchFamily="49" charset="0"/>
-              </a:rPr>
-              <a:t>def</a:t>
-            </a:r>
-            <a:r>
-              <a:rPr lang="en-GB" sz="1600" dirty="0">
-                <a:latin typeface="Courier New" panose="02070309020205020404" pitchFamily="49" charset="0"/>
-                <a:cs typeface="Courier New" panose="02070309020205020404" pitchFamily="49" charset="0"/>
-              </a:rPr>
-              <a:t> </a:t>
-            </a:r>
-            <a:r>
-              <a:rPr lang="en-GB" sz="1600" b="1" dirty="0" err="1">
-                <a:solidFill>
-                  <a:srgbClr val="0066BB"/>
-                </a:solidFill>
-                <a:latin typeface="Courier New" panose="02070309020205020404" pitchFamily="49" charset="0"/>
-                <a:cs typeface="Courier New" panose="02070309020205020404" pitchFamily="49" charset="0"/>
-              </a:rPr>
-              <a:t>set_seed</a:t>
-            </a:r>
-            <a:r>
-              <a:rPr lang="en-GB" sz="1600" dirty="0">
-                <a:latin typeface="Courier New" panose="02070309020205020404" pitchFamily="49" charset="0"/>
-                <a:cs typeface="Courier New" panose="02070309020205020404" pitchFamily="49" charset="0"/>
-              </a:rPr>
-              <a:t>(): </a:t>
-            </a:r>
-          </a:p>
-          <a:p>
-            <a:r>
-              <a:rPr lang="en-GB" sz="1600" b="1" dirty="0">
-                <a:solidFill>
-                  <a:srgbClr val="008800"/>
-                </a:solidFill>
-                <a:latin typeface="Courier New" panose="02070309020205020404" pitchFamily="49" charset="0"/>
-                <a:cs typeface="Courier New" panose="02070309020205020404" pitchFamily="49" charset="0"/>
-              </a:rPr>
-              <a:t>	print</a:t>
-            </a:r>
-            <a:r>
-              <a:rPr lang="en-GB" sz="1600" dirty="0">
-                <a:latin typeface="Courier New" panose="02070309020205020404" pitchFamily="49" charset="0"/>
-                <a:cs typeface="Courier New" panose="02070309020205020404" pitchFamily="49" charset="0"/>
-              </a:rPr>
-              <a:t>(</a:t>
-            </a:r>
-            <a:r>
-              <a:rPr lang="en-GB" sz="1600" dirty="0" err="1">
-                <a:latin typeface="Courier New" panose="02070309020205020404" pitchFamily="49" charset="0"/>
-                <a:cs typeface="Courier New" panose="02070309020205020404" pitchFamily="49" charset="0"/>
-              </a:rPr>
-              <a:t>f'Using</a:t>
-            </a:r>
-            <a:r>
-              <a:rPr lang="en-GB" sz="1600" dirty="0">
-                <a:latin typeface="Courier New" panose="02070309020205020404" pitchFamily="49" charset="0"/>
-                <a:cs typeface="Courier New" panose="02070309020205020404" pitchFamily="49" charset="0"/>
-              </a:rPr>
-              <a:t> seed {SEED}’) </a:t>
-            </a:r>
-          </a:p>
-          <a:p>
-            <a:r>
-              <a:rPr lang="en-GB" sz="1600" dirty="0">
-                <a:latin typeface="Courier New" panose="02070309020205020404" pitchFamily="49" charset="0"/>
-                <a:cs typeface="Courier New" panose="02070309020205020404" pitchFamily="49" charset="0"/>
-              </a:rPr>
-              <a:t>	</a:t>
-            </a:r>
-            <a:r>
-              <a:rPr lang="en-GB" sz="1600" dirty="0" err="1">
-                <a:latin typeface="Courier New" panose="02070309020205020404" pitchFamily="49" charset="0"/>
-                <a:cs typeface="Courier New" panose="02070309020205020404" pitchFamily="49" charset="0"/>
-              </a:rPr>
-              <a:t>np</a:t>
-            </a:r>
-            <a:r>
-              <a:rPr lang="en-GB" sz="1600" dirty="0" err="1">
-                <a:solidFill>
-                  <a:srgbClr val="333333"/>
-                </a:solidFill>
-                <a:latin typeface="Courier New" panose="02070309020205020404" pitchFamily="49" charset="0"/>
-                <a:cs typeface="Courier New" panose="02070309020205020404" pitchFamily="49" charset="0"/>
-              </a:rPr>
-              <a:t>.</a:t>
-            </a:r>
-            <a:r>
-              <a:rPr lang="en-GB" sz="1600" dirty="0" err="1">
-                <a:latin typeface="Courier New" panose="02070309020205020404" pitchFamily="49" charset="0"/>
-                <a:cs typeface="Courier New" panose="02070309020205020404" pitchFamily="49" charset="0"/>
-              </a:rPr>
-              <a:t>random</a:t>
-            </a:r>
-            <a:r>
-              <a:rPr lang="en-GB" sz="1600" dirty="0" err="1">
-                <a:solidFill>
-                  <a:srgbClr val="333333"/>
-                </a:solidFill>
-                <a:latin typeface="Courier New" panose="02070309020205020404" pitchFamily="49" charset="0"/>
-                <a:cs typeface="Courier New" panose="02070309020205020404" pitchFamily="49" charset="0"/>
-              </a:rPr>
-              <a:t>.</a:t>
-            </a:r>
-            <a:r>
-              <a:rPr lang="en-GB" sz="1600" dirty="0" err="1">
-                <a:latin typeface="Courier New" panose="02070309020205020404" pitchFamily="49" charset="0"/>
-                <a:cs typeface="Courier New" panose="02070309020205020404" pitchFamily="49" charset="0"/>
-              </a:rPr>
-              <a:t>seed</a:t>
-            </a:r>
-            <a:r>
-              <a:rPr lang="en-GB" sz="1600" dirty="0">
-                <a:latin typeface="Courier New" panose="02070309020205020404" pitchFamily="49" charset="0"/>
-                <a:cs typeface="Courier New" panose="02070309020205020404" pitchFamily="49" charset="0"/>
-              </a:rPr>
-              <a:t>(SEED)</a:t>
-            </a:r>
-            <a:endParaRPr lang="en-DE" sz="1600" dirty="0">
-              <a:latin typeface="Courier New" panose="02070309020205020404" pitchFamily="49" charset="0"/>
-              <a:cs typeface="Courier New" panose="02070309020205020404" pitchFamily="49" charset="0"/>
-            </a:endParaRPr>
-          </a:p>
-        </p:txBody>
-      </p:sp>
-      <p:sp>
-        <p:nvSpPr>
-          <p:cNvPr id="7" name="TextBox 6">
-            <a:extLst>
-              <a:ext uri="{FF2B5EF4-FFF2-40B4-BE49-F238E27FC236}">
-                <a16:creationId xmlns:a16="http://schemas.microsoft.com/office/drawing/2014/main" id="{8D4696DC-3BCD-5C4B-997F-77F162840A5F}"/>
-              </a:ext>
-            </a:extLst>
-          </p:cNvPr>
-          <p:cNvSpPr txBox="1"/>
-          <p:nvPr/>
-        </p:nvSpPr>
-        <p:spPr>
-          <a:xfrm>
-            <a:off x="3059832" y="2708920"/>
-            <a:ext cx="5373887" cy="830997"/>
-          </a:xfrm>
-          <a:prstGeom prst="rect">
-            <a:avLst/>
-          </a:prstGeom>
-          <a:solidFill>
-            <a:srgbClr val="FFFF00"/>
-          </a:solidFill>
-        </p:spPr>
-        <p:txBody>
-          <a:bodyPr wrap="square" rtlCol="0">
-            <a:spAutoFit/>
-          </a:bodyPr>
-          <a:lstStyle/>
-          <a:p>
-            <a:r>
-              <a:rPr lang="en-CH" dirty="0"/>
-              <a:t>Here as well I think it’s better advice to set up a RandomState per test</a:t>
-            </a:r>
+        <p:style>
+          <a:lnRef idx="2">
+            <a:schemeClr val="accent1">
+              <a:shade val="50000"/>
+            </a:schemeClr>
+          </a:lnRef>
+          <a:fillRef idx="1">
+            <a:schemeClr val="accent1"/>
+          </a:fillRef>
+          <a:effectRef idx="0">
+            <a:schemeClr val="accent1"/>
+          </a:effectRef>
+          <a:fontRef idx="minor">
+            <a:schemeClr val="lt1"/>
+          </a:fontRef>
+        </p:style>
+        <p:txBody>
+          <a:bodyPr rtlCol="0" anchor="ctr"/>
+          <a:lstStyle/>
+          <a:p>
+            <a:pPr algn="ctr"/>
+            <a:endParaRPr lang="en-DE"/>
           </a:p>
         </p:txBody>
       </p:sp>
     </p:spTree>
     <p:extLst>
       <p:ext uri="{BB962C8B-B14F-4D97-AF65-F5344CB8AC3E}">
-        <p14:creationId xmlns:p14="http://schemas.microsoft.com/office/powerpoint/2010/main" val="2023768774"/>
+        <p14:creationId xmlns:p14="http://schemas.microsoft.com/office/powerpoint/2010/main" val="1092565987"/>
       </p:ext>
     </p:extLst>
   </p:cSld>
@@ -9463,7 +9383,7 @@
           <a:p>
             <a:r>
               <a:rPr lang="en-DE" dirty="0"/>
-              <a:t>Fixtures (real solution)</a:t>
+              <a:t>Random Seeds and Reproducibility</a:t>
             </a:r>
           </a:p>
         </p:txBody>
@@ -9490,56 +9410,34 @@
           <a:lstStyle/>
           <a:p>
             <a:r>
-              <a:rPr lang="en-GB" dirty="0">
-                <a:latin typeface="Courier New" panose="02070309020205020404" pitchFamily="49" charset="0"/>
-                <a:cs typeface="Courier New" panose="02070309020205020404" pitchFamily="49" charset="0"/>
-              </a:rPr>
-              <a:t>c</a:t>
-            </a:r>
-            <a:r>
-              <a:rPr lang="en-DE" dirty="0">
-                <a:latin typeface="Courier New" panose="02070309020205020404" pitchFamily="49" charset="0"/>
-                <a:cs typeface="Courier New" panose="02070309020205020404" pitchFamily="49" charset="0"/>
-              </a:rPr>
-              <a:t>onftest.py </a:t>
-            </a:r>
-            <a:r>
               <a:rPr lang="en-DE" dirty="0"/>
-              <a:t>is a magical file! (don’t import it!)</a:t>
+              <a:t>When running fuzzy tests and some test doesn’t pass it is vital to be able to reproduce that test exactly!</a:t>
+            </a:r>
+          </a:p>
+          <a:p>
+            <a:r>
+              <a:rPr lang="en-DE" dirty="0"/>
+              <a:t>Computers produce pseudo-random numbers: setting a seed resets the basis for the random number generator</a:t>
+            </a:r>
+          </a:p>
+          <a:p>
+            <a:r>
+              <a:rPr lang="en-DE" dirty="0"/>
+              <a:t>This is essential for reproducibility</a:t>
             </a:r>
           </a:p>
           <a:p>
             <a:r>
               <a:rPr lang="en-GB" dirty="0"/>
-              <a:t>S</a:t>
+              <a:t>A</a:t>
             </a:r>
             <a:r>
               <a:rPr lang="en-DE" dirty="0"/>
-              <a:t>ome test suites require specific or custom fixtures and plugins. They can be defined in </a:t>
-            </a:r>
-            <a:r>
-              <a:rPr lang="en-DE" dirty="0">
-                <a:latin typeface="Courier New" panose="02070309020205020404" pitchFamily="49" charset="0"/>
-                <a:cs typeface="Courier New" panose="02070309020205020404" pitchFamily="49" charset="0"/>
-              </a:rPr>
-              <a:t>conftest.py</a:t>
-            </a:r>
-          </a:p>
-          <a:p>
-            <a:r>
-              <a:rPr lang="en-DE" dirty="0">
-                <a:latin typeface="Gill Sans MT" panose="020B0502020104020203" pitchFamily="34" charset="77"/>
-                <a:cs typeface="Courier New" panose="02070309020205020404" pitchFamily="49" charset="0"/>
-              </a:rPr>
-              <a:t>See the file in the repo you forked. The functions defined there select a seed for each test and allow you to pass a seed on the commandline using </a:t>
-            </a:r>
-            <a:r>
-              <a:rPr lang="en-DE" dirty="0">
-                <a:latin typeface="Courier New" panose="02070309020205020404" pitchFamily="49" charset="0"/>
-                <a:cs typeface="Courier New" panose="02070309020205020404" pitchFamily="49" charset="0"/>
-              </a:rPr>
-              <a:t>–seed 123</a:t>
-            </a:r>
+              <a:t>t a minimum, you should manually set the seed for your fuzzy test</a:t>
+            </a:r>
+          </a:p>
+          <a:p>
+            <a:endParaRPr lang="en-DE" dirty="0"/>
           </a:p>
         </p:txBody>
       </p:sp>
@@ -9601,10 +9499,104 @@
           </a:p>
         </p:txBody>
       </p:sp>
+      <p:sp>
+        <p:nvSpPr>
+          <p:cNvPr id="6" name="TextBox 5">
+            <a:extLst>
+              <a:ext uri="{FF2B5EF4-FFF2-40B4-BE49-F238E27FC236}">
+                <a16:creationId xmlns:a16="http://schemas.microsoft.com/office/drawing/2014/main" id="{E13E255F-F5D9-744B-9D99-5CA2F4AA59DD}"/>
+              </a:ext>
+            </a:extLst>
+          </p:cNvPr>
+          <p:cNvSpPr txBox="1"/>
+          <p:nvPr/>
+        </p:nvSpPr>
+        <p:spPr>
+          <a:xfrm>
+            <a:off x="759630" y="4490406"/>
+            <a:ext cx="7927170" cy="1200329"/>
+          </a:xfrm>
+          <a:prstGeom prst="rect">
+            <a:avLst/>
+          </a:prstGeom>
+          <a:noFill/>
+        </p:spPr>
+        <p:txBody>
+          <a:bodyPr wrap="none" rtlCol="0">
+            <a:spAutoFit/>
+          </a:bodyPr>
+          <a:lstStyle/>
+          <a:p>
+            <a:r>
+              <a:rPr lang="en-GB" dirty="0">
+                <a:latin typeface="Courier New" panose="02070309020205020404" pitchFamily="49" charset="0"/>
+                <a:cs typeface="Courier New" panose="02070309020205020404" pitchFamily="49" charset="0"/>
+              </a:rPr>
+              <a:t>SEED </a:t>
+            </a:r>
+            <a:r>
+              <a:rPr lang="en-GB" dirty="0">
+                <a:solidFill>
+                  <a:srgbClr val="333333"/>
+                </a:solidFill>
+                <a:latin typeface="Courier New" panose="02070309020205020404" pitchFamily="49" charset="0"/>
+                <a:cs typeface="Courier New" panose="02070309020205020404" pitchFamily="49" charset="0"/>
+              </a:rPr>
+              <a:t>=</a:t>
+            </a:r>
+            <a:r>
+              <a:rPr lang="en-GB" dirty="0">
+                <a:latin typeface="Courier New" panose="02070309020205020404" pitchFamily="49" charset="0"/>
+                <a:cs typeface="Courier New" panose="02070309020205020404" pitchFamily="49" charset="0"/>
+              </a:rPr>
+              <a:t> </a:t>
+            </a:r>
+            <a:r>
+              <a:rPr lang="en-GB" b="1" dirty="0">
+                <a:solidFill>
+                  <a:srgbClr val="0000DD"/>
+                </a:solidFill>
+                <a:latin typeface="Courier New" panose="02070309020205020404" pitchFamily="49" charset="0"/>
+                <a:cs typeface="Courier New" panose="02070309020205020404" pitchFamily="49" charset="0"/>
+              </a:rPr>
+              <a:t>42</a:t>
+            </a:r>
+            <a:r>
+              <a:rPr lang="en-GB" dirty="0">
+                <a:latin typeface="Courier New" panose="02070309020205020404" pitchFamily="49" charset="0"/>
+                <a:cs typeface="Courier New" panose="02070309020205020404" pitchFamily="49" charset="0"/>
+              </a:rPr>
+              <a:t> </a:t>
+            </a:r>
+          </a:p>
+          <a:p>
+            <a:r>
+              <a:rPr lang="en-CH">
+                <a:latin typeface="Courier New" panose="02070309020205020404" pitchFamily="49" charset="0"/>
+                <a:cs typeface="Courier New" panose="02070309020205020404" pitchFamily="49" charset="0"/>
+              </a:rPr>
+              <a:t>random_state = np.random.RandomState(SEED)</a:t>
+            </a:r>
+          </a:p>
+          <a:p>
+            <a:r>
+              <a:rPr lang="en-CH">
+                <a:latin typeface="Courier New" panose="02070309020205020404" pitchFamily="49" charset="0"/>
+                <a:cs typeface="Courier New" panose="02070309020205020404" pitchFamily="49" charset="0"/>
+              </a:rPr>
+              <a:t>random_state.rand()</a:t>
+            </a:r>
+            <a:endParaRPr lang="en-CH" dirty="0">
+              <a:latin typeface="Courier New" panose="02070309020205020404" pitchFamily="49" charset="0"/>
+              <a:cs typeface="Courier New" panose="02070309020205020404" pitchFamily="49" charset="0"/>
+            </a:endParaRPr>
+          </a:p>
+        </p:txBody>
+      </p:sp>
     </p:spTree>
     <p:extLst>
       <p:ext uri="{BB962C8B-B14F-4D97-AF65-F5344CB8AC3E}">
-        <p14:creationId xmlns:p14="http://schemas.microsoft.com/office/powerpoint/2010/main" val="1127607883"/>
+        <p14:creationId xmlns:p14="http://schemas.microsoft.com/office/powerpoint/2010/main" val="1287686788"/>
       </p:ext>
     </p:extLst>
   </p:cSld>
@@ -9636,7 +9628,7 @@
           <p:cNvPr id="2" name="Title 1">
             <a:extLst>
               <a:ext uri="{FF2B5EF4-FFF2-40B4-BE49-F238E27FC236}">
-                <a16:creationId xmlns:a16="http://schemas.microsoft.com/office/drawing/2014/main" id="{475DAB49-561F-024B-AF4C-BA8A10C46894}"/>
+                <a16:creationId xmlns:a16="http://schemas.microsoft.com/office/drawing/2014/main" id="{1D4EF265-BE39-9143-ACA3-F64DC2A5DE1D}"/>
               </a:ext>
             </a:extLst>
           </p:cNvPr>
@@ -9654,7 +9646,7 @@
           <a:p>
             <a:r>
               <a:rPr lang="en-DE" dirty="0"/>
-              <a:t>Hands On!</a:t>
+              <a:t>A Pytest Solution?</a:t>
             </a:r>
           </a:p>
         </p:txBody>
@@ -9664,7 +9656,7 @@
           <p:cNvPr id="3" name="Content Placeholder 2">
             <a:extLst>
               <a:ext uri="{FF2B5EF4-FFF2-40B4-BE49-F238E27FC236}">
-                <a16:creationId xmlns:a16="http://schemas.microsoft.com/office/drawing/2014/main" id="{DA4DEA4B-4889-794D-92F4-077D71E7009B}"/>
+                <a16:creationId xmlns:a16="http://schemas.microsoft.com/office/drawing/2014/main" id="{0F26FFFB-9D64-EE4D-A985-F51537481E3C}"/>
               </a:ext>
             </a:extLst>
           </p:cNvPr>
@@ -9682,11 +9674,56 @@
           <a:p>
             <a:r>
               <a:rPr lang="en-DE" dirty="0"/>
-              <a:t>Add a conftest.py file to set a random seed before each run and make the failure reproducible</a:t>
-            </a:r>
-          </a:p>
-          <a:p>
-            <a:endParaRPr lang="en-DE" dirty="0"/>
+              <a:t>This is not so prominent in the docs, because non-scientific coding uses fuzzy testing more rarely</a:t>
+            </a:r>
+          </a:p>
+          <a:p>
+            <a:r>
+              <a:rPr lang="en-DE" dirty="0"/>
+              <a:t>In scientific coding, when you deal with randomness it is very relevant</a:t>
+            </a:r>
+          </a:p>
+          <a:p>
+            <a:r>
+              <a:rPr lang="en-DE" dirty="0"/>
+              <a:t>What do we want?</a:t>
+            </a:r>
+          </a:p>
+          <a:p>
+            <a:pPr lvl="1"/>
+            <a:r>
+              <a:rPr lang="en-DE" dirty="0"/>
+              <a:t>For each (fuzzy) test there should be a seed</a:t>
+            </a:r>
+          </a:p>
+          <a:p>
+            <a:pPr lvl="1"/>
+            <a:r>
+              <a:rPr lang="en-DE" dirty="0"/>
+              <a:t>For each run of the test, the seed should be different</a:t>
+            </a:r>
+          </a:p>
+          <a:p>
+            <a:pPr lvl="1"/>
+            <a:r>
+              <a:rPr lang="en-GB" dirty="0"/>
+              <a:t>T</a:t>
+            </a:r>
+            <a:r>
+              <a:rPr lang="en-DE" dirty="0"/>
+              <a:t>hat seed should be printed with the test result</a:t>
+            </a:r>
+          </a:p>
+          <a:p>
+            <a:pPr lvl="1"/>
+            <a:r>
+              <a:rPr lang="en-GB" dirty="0"/>
+              <a:t>I</a:t>
+            </a:r>
+            <a:r>
+              <a:rPr lang="en-DE" dirty="0"/>
+              <a:t>t needs to be possible to explicitely run the test again with that seed!</a:t>
+            </a:r>
           </a:p>
         </p:txBody>
       </p:sp>
@@ -9695,7 +9732,7 @@
           <p:cNvPr id="4" name="Date Placeholder 3">
             <a:extLst>
               <a:ext uri="{FF2B5EF4-FFF2-40B4-BE49-F238E27FC236}">
-                <a16:creationId xmlns:a16="http://schemas.microsoft.com/office/drawing/2014/main" id="{12B552E7-3766-9546-8268-91FA68499160}"/>
+                <a16:creationId xmlns:a16="http://schemas.microsoft.com/office/drawing/2014/main" id="{71EA0052-A922-3C42-A831-D015ED172EB5}"/>
               </a:ext>
             </a:extLst>
           </p:cNvPr>
@@ -9724,7 +9761,7 @@
           <p:cNvPr id="5" name="Footer Placeholder 4">
             <a:extLst>
               <a:ext uri="{FF2B5EF4-FFF2-40B4-BE49-F238E27FC236}">
-                <a16:creationId xmlns:a16="http://schemas.microsoft.com/office/drawing/2014/main" id="{08E7166C-2C8A-1048-8FB2-2D9870472E1B}"/>
+                <a16:creationId xmlns:a16="http://schemas.microsoft.com/office/drawing/2014/main" id="{462DA3B7-CEDF-984B-A832-8462FC4C75F4}"/>
               </a:ext>
             </a:extLst>
           </p:cNvPr>
@@ -9751,7 +9788,7 @@
     </p:spTree>
     <p:extLst>
       <p:ext uri="{BB962C8B-B14F-4D97-AF65-F5344CB8AC3E}">
-        <p14:creationId xmlns:p14="http://schemas.microsoft.com/office/powerpoint/2010/main" val="3745928773"/>
+        <p14:creationId xmlns:p14="http://schemas.microsoft.com/office/powerpoint/2010/main" val="2169386763"/>
       </p:ext>
     </p:extLst>
   </p:cSld>
@@ -9783,7 +9820,7 @@
           <p:cNvPr id="2" name="Title 1">
             <a:extLst>
               <a:ext uri="{FF2B5EF4-FFF2-40B4-BE49-F238E27FC236}">
-                <a16:creationId xmlns:a16="http://schemas.microsoft.com/office/drawing/2014/main" id="{8D384E67-972B-4444-94C5-AB4C4F8FF551}"/>
+                <a16:creationId xmlns:a16="http://schemas.microsoft.com/office/drawing/2014/main" id="{B9A2DE47-1C1F-A04E-97D5-37CEEC485E77}"/>
               </a:ext>
             </a:extLst>
           </p:cNvPr>
@@ -9800,111 +9837,28 @@
           <a:lstStyle/>
           <a:p>
             <a:r>
-              <a:rPr lang="en-DE" dirty="0"/>
-              <a:t>Excursion: Logistic Function again</a:t>
-            </a:r>
-          </a:p>
-        </p:txBody>
-      </p:sp>
-      <p:sp>
-        <p:nvSpPr>
-          <p:cNvPr id="3" name="Content Placeholder 2">
+              <a:rPr lang="de-DE" dirty="0" err="1"/>
+              <a:t>Pytest</a:t>
+            </a:r>
+            <a:endParaRPr lang="en-DE" dirty="0"/>
+          </a:p>
+        </p:txBody>
+      </p:sp>
+      <p:pic>
+        <p:nvPicPr>
+          <p:cNvPr id="7" name="Content Placeholder 6" descr="Diagram&#10;&#10;Description automatically generated">
             <a:extLst>
               <a:ext uri="{FF2B5EF4-FFF2-40B4-BE49-F238E27FC236}">
-                <a16:creationId xmlns:a16="http://schemas.microsoft.com/office/drawing/2014/main" id="{9CD5F79E-C156-9E48-ABC1-9FFF0B500A12}"/>
-              </a:ext>
-            </a:extLst>
-          </p:cNvPr>
-          <p:cNvSpPr>
-            <a:spLocks noGrp="1"/>
-          </p:cNvSpPr>
-          <p:nvPr>
-            <p:ph sz="quarter" idx="1"/>
-          </p:nvPr>
-        </p:nvSpPr>
-        <p:spPr/>
-        <p:txBody>
-          <a:bodyPr/>
-          <a:lstStyle/>
-          <a:p>
-            <a:r>
-              <a:rPr lang="en-DE" dirty="0"/>
-              <a:t>Between r=3 and r=4 the logistic function has some interesting behavior.  </a:t>
-            </a:r>
-          </a:p>
-        </p:txBody>
-      </p:sp>
-      <p:sp>
-        <p:nvSpPr>
-          <p:cNvPr id="4" name="Date Placeholder 3">
-            <a:extLst>
-              <a:ext uri="{FF2B5EF4-FFF2-40B4-BE49-F238E27FC236}">
-                <a16:creationId xmlns:a16="http://schemas.microsoft.com/office/drawing/2014/main" id="{D37E2BF9-93FB-A647-B9E1-C1C9D1A0B24B}"/>
-              </a:ext>
-            </a:extLst>
-          </p:cNvPr>
-          <p:cNvSpPr>
-            <a:spLocks noGrp="1"/>
-          </p:cNvSpPr>
-          <p:nvPr>
-            <p:ph type="dt" sz="half" idx="10"/>
-          </p:nvPr>
-        </p:nvSpPr>
-        <p:spPr/>
-        <p:txBody>
-          <a:bodyPr/>
-          <a:lstStyle/>
-          <a:p>
-            <a:r>
-              <a:rPr lang="en-US" sz="1000"/>
-              <a:t>August 2019, CC BY-SA 4.0</a:t>
-            </a:r>
-            <a:endParaRPr lang="en-US" sz="1000" dirty="0"/>
-          </a:p>
-        </p:txBody>
-      </p:sp>
-      <p:sp>
-        <p:nvSpPr>
-          <p:cNvPr id="5" name="Footer Placeholder 4">
-            <a:extLst>
-              <a:ext uri="{FF2B5EF4-FFF2-40B4-BE49-F238E27FC236}">
-                <a16:creationId xmlns:a16="http://schemas.microsoft.com/office/drawing/2014/main" id="{ECC6A13F-8C48-754A-A1B4-50115AD2A9E2}"/>
-              </a:ext>
-            </a:extLst>
-          </p:cNvPr>
-          <p:cNvSpPr>
-            <a:spLocks noGrp="1"/>
-          </p:cNvSpPr>
-          <p:nvPr>
-            <p:ph type="ftr" sz="quarter" idx="11"/>
-          </p:nvPr>
-        </p:nvSpPr>
-        <p:spPr/>
-        <p:txBody>
-          <a:bodyPr/>
-          <a:lstStyle/>
-          <a:p>
-            <a:r>
-              <a:rPr lang="en-US"/>
-              <a:t>Testing scientific code, v12.0</a:t>
-            </a:r>
-            <a:endParaRPr lang="en-US" dirty="0"/>
-          </a:p>
-        </p:txBody>
-      </p:sp>
-      <p:pic>
-        <p:nvPicPr>
-          <p:cNvPr id="7" name="Picture 6" descr="Chart, line chart, histogram&#10;&#10;Description automatically generated">
-            <a:extLst>
-              <a:ext uri="{FF2B5EF4-FFF2-40B4-BE49-F238E27FC236}">
-                <a16:creationId xmlns:a16="http://schemas.microsoft.com/office/drawing/2014/main" id="{F036AB42-F4CD-9E47-B359-0988CAA45E25}"/>
+                <a16:creationId xmlns:a16="http://schemas.microsoft.com/office/drawing/2014/main" id="{F4D4503A-473B-6745-8A43-903382FAA9A8}"/>
               </a:ext>
             </a:extLst>
           </p:cNvPr>
           <p:cNvPicPr>
-            <a:picLocks noChangeAspect="1"/>
+            <a:picLocks noGrp="1" noChangeAspect="1"/>
           </p:cNvPicPr>
-          <p:nvPr/>
+          <p:nvPr>
+            <p:ph sz="quarter" idx="1"/>
+          </p:nvPr>
         </p:nvPicPr>
         <p:blipFill>
           <a:blip r:embed="rId2">
@@ -9920,55 +9874,73 @@
         </p:blipFill>
         <p:spPr>
           <a:xfrm>
-            <a:off x="0" y="2492896"/>
-            <a:ext cx="9144000" cy="3048000"/>
+            <a:off x="-1" y="1772816"/>
+            <a:ext cx="9037873" cy="3240360"/>
           </a:xfrm>
-          <a:prstGeom prst="rect">
-            <a:avLst/>
-          </a:prstGeom>
         </p:spPr>
       </p:pic>
       <p:sp>
         <p:nvSpPr>
-          <p:cNvPr id="8" name="TextBox 7">
+          <p:cNvPr id="4" name="Date Placeholder 3">
             <a:extLst>
               <a:ext uri="{FF2B5EF4-FFF2-40B4-BE49-F238E27FC236}">
-                <a16:creationId xmlns:a16="http://schemas.microsoft.com/office/drawing/2014/main" id="{C3C07F4E-ED34-3F4F-98DA-46242DF9DE1F}"/>
+                <a16:creationId xmlns:a16="http://schemas.microsoft.com/office/drawing/2014/main" id="{46438E85-9FAB-4049-8FF4-09F6264FBD34}"/>
               </a:ext>
             </a:extLst>
           </p:cNvPr>
-          <p:cNvSpPr txBox="1"/>
-          <p:nvPr/>
-        </p:nvSpPr>
-        <p:spPr>
-          <a:xfrm>
-            <a:off x="5867224" y="245345"/>
-            <a:ext cx="2737224" cy="461665"/>
-          </a:xfrm>
-          <a:prstGeom prst="rect">
-            <a:avLst/>
-          </a:prstGeom>
-          <a:solidFill>
-            <a:srgbClr val="FFFF00"/>
-          </a:solidFill>
-        </p:spPr>
-        <p:txBody>
-          <a:bodyPr wrap="square" rtlCol="0">
-            <a:spAutoFit/>
-          </a:bodyPr>
-          <a:lstStyle/>
-          <a:p>
-            <a:r>
-              <a:rPr lang="en-CH" dirty="0"/>
-              <a:t>TODO update</a:t>
-            </a:r>
+          <p:cNvSpPr>
+            <a:spLocks noGrp="1"/>
+          </p:cNvSpPr>
+          <p:nvPr>
+            <p:ph type="dt" sz="half" idx="10"/>
+          </p:nvPr>
+        </p:nvSpPr>
+        <p:spPr/>
+        <p:txBody>
+          <a:bodyPr/>
+          <a:lstStyle/>
+          <a:p>
+            <a:r>
+              <a:rPr lang="en-US" sz="1000"/>
+              <a:t>August 2019, CC BY-SA 4.0</a:t>
+            </a:r>
+            <a:endParaRPr lang="en-US" sz="1000" dirty="0"/>
+          </a:p>
+        </p:txBody>
+      </p:sp>
+      <p:sp>
+        <p:nvSpPr>
+          <p:cNvPr id="5" name="Footer Placeholder 4">
+            <a:extLst>
+              <a:ext uri="{FF2B5EF4-FFF2-40B4-BE49-F238E27FC236}">
+                <a16:creationId xmlns:a16="http://schemas.microsoft.com/office/drawing/2014/main" id="{7CF39C76-5345-E04A-A993-6C001FDB8A5E}"/>
+              </a:ext>
+            </a:extLst>
+          </p:cNvPr>
+          <p:cNvSpPr>
+            <a:spLocks noGrp="1"/>
+          </p:cNvSpPr>
+          <p:nvPr>
+            <p:ph type="ftr" sz="quarter" idx="11"/>
+          </p:nvPr>
+        </p:nvSpPr>
+        <p:spPr/>
+        <p:txBody>
+          <a:bodyPr/>
+          <a:lstStyle/>
+          <a:p>
+            <a:r>
+              <a:rPr lang="en-US"/>
+              <a:t>Testing scientific code, v12.0</a:t>
+            </a:r>
+            <a:endParaRPr lang="en-US" dirty="0"/>
           </a:p>
         </p:txBody>
       </p:sp>
     </p:spTree>
     <p:extLst>
       <p:ext uri="{BB962C8B-B14F-4D97-AF65-F5344CB8AC3E}">
-        <p14:creationId xmlns:p14="http://schemas.microsoft.com/office/powerpoint/2010/main" val="3536970543"/>
+        <p14:creationId xmlns:p14="http://schemas.microsoft.com/office/powerpoint/2010/main" val="1310172764"/>
       </p:ext>
     </p:extLst>
   </p:cSld>
@@ -10000,7 +9972,7 @@
           <p:cNvPr id="2" name="Title 1">
             <a:extLst>
               <a:ext uri="{FF2B5EF4-FFF2-40B4-BE49-F238E27FC236}">
-                <a16:creationId xmlns:a16="http://schemas.microsoft.com/office/drawing/2014/main" id="{17302981-F94F-A249-BC9B-F13990960BC7}"/>
+                <a16:creationId xmlns:a16="http://schemas.microsoft.com/office/drawing/2014/main" id="{70998DF7-5638-9045-BD48-E426C93887A9}"/>
               </a:ext>
             </a:extLst>
           </p:cNvPr>
@@ -10018,7 +9990,7 @@
           <a:p>
             <a:r>
               <a:rPr lang="en-DE" dirty="0"/>
-              <a:t>Hands On!</a:t>
+              <a:t>Fixtures (minimal solution)</a:t>
             </a:r>
           </a:p>
         </p:txBody>
@@ -10028,7 +10000,7 @@
           <p:cNvPr id="3" name="Content Placeholder 2">
             <a:extLst>
               <a:ext uri="{FF2B5EF4-FFF2-40B4-BE49-F238E27FC236}">
-                <a16:creationId xmlns:a16="http://schemas.microsoft.com/office/drawing/2014/main" id="{3DB7FD7E-7D51-DE46-A976-F503A61DC9AE}"/>
+                <a16:creationId xmlns:a16="http://schemas.microsoft.com/office/drawing/2014/main" id="{A88E4B5F-912F-5243-875B-22AD058AD69D}"/>
               </a:ext>
             </a:extLst>
           </p:cNvPr>
@@ -10039,48 +10011,52 @@
             <p:ph sz="quarter" idx="1"/>
           </p:nvPr>
         </p:nvSpPr>
-        <p:spPr/>
-        <p:txBody>
-          <a:bodyPr/>
-          <a:lstStyle/>
-          <a:p>
-            <a:pPr marL="0" indent="0">
-              <a:buNone/>
-            </a:pPr>
-            <a:r>
-              <a:rPr lang="en-GB" b="1" dirty="0"/>
-              <a:t>## Exercise 4:</a:t>
-            </a:r>
-            <a:endParaRPr lang="en-GB" dirty="0"/>
+        <p:spPr>
+          <a:xfrm>
+            <a:off x="457200" y="1219200"/>
+            <a:ext cx="8229600" cy="2209800"/>
+          </a:xfrm>
+        </p:spPr>
+        <p:txBody>
+          <a:bodyPr>
+            <a:normAutofit lnSpcReduction="10000"/>
+          </a:bodyPr>
+          <a:lstStyle/>
+          <a:p>
+            <a:r>
+              <a:rPr lang="en-DE" dirty="0"/>
+              <a:t>Fixtures are functions that are run before the tests are executed</a:t>
+            </a:r>
           </a:p>
           <a:p>
             <a:r>
               <a:rPr lang="en-GB" dirty="0"/>
-              <a:t>r values or 3 &lt; r &gt; 4 have some interesting properties. A chaotic trajectory doesn't diverge but also doesn't converge. Write a test that checks that after a lot (e.g. 100000) of iterations the last 100 are all different. Use r=3.8.</a:t>
-            </a:r>
-          </a:p>
-          <a:p>
-            <a:pPr marL="0" indent="0">
-              <a:buNone/>
-            </a:pPr>
-            <a:r>
-              <a:rPr lang="en-GB" b="1" dirty="0"/>
-              <a:t>## Exercise 4.2:</a:t>
-            </a:r>
-            <a:endParaRPr lang="en-GB" dirty="0"/>
+              <a:t>W</a:t>
+            </a:r>
+            <a:r>
+              <a:rPr lang="en-DE" dirty="0"/>
+              <a:t>ith autouse, it is executed once before each test</a:t>
+            </a:r>
           </a:p>
           <a:p>
             <a:r>
               <a:rPr lang="en-GB" dirty="0"/>
-              <a:t>parametrize your test with some other r values: like 3.001, and 3.453. Your test should fail. Why? Use the plotting function `</a:t>
-            </a:r>
-            <a:r>
-              <a:rPr lang="en-GB" dirty="0" err="1"/>
-              <a:t>plot_trajectory</a:t>
-            </a:r>
-            <a:r>
-              <a:rPr lang="en-GB" dirty="0"/>
-              <a:t>` to find out what is going on.</a:t>
+              <a:t>T</a:t>
+            </a:r>
+            <a:r>
+              <a:rPr lang="en-DE" dirty="0"/>
+              <a:t>hey are defined in a file called </a:t>
+            </a:r>
+            <a:r>
+              <a:rPr lang="en-DE" dirty="0">
+                <a:latin typeface="Courier New" panose="02070309020205020404" pitchFamily="49" charset="0"/>
+                <a:cs typeface="Courier New" panose="02070309020205020404" pitchFamily="49" charset="0"/>
+              </a:rPr>
+              <a:t>conftest.py</a:t>
+            </a:r>
+            <a:r>
+              <a:rPr lang="en-DE" dirty="0"/>
+              <a:t>, in the same directory as the tests</a:t>
             </a:r>
           </a:p>
         </p:txBody>
@@ -10090,7 +10066,7 @@
           <p:cNvPr id="4" name="Date Placeholder 3">
             <a:extLst>
               <a:ext uri="{FF2B5EF4-FFF2-40B4-BE49-F238E27FC236}">
-                <a16:creationId xmlns:a16="http://schemas.microsoft.com/office/drawing/2014/main" id="{CD5FBE21-0F92-FA46-ACF2-3BC7B31C2383}"/>
+                <a16:creationId xmlns:a16="http://schemas.microsoft.com/office/drawing/2014/main" id="{067BFEB4-E600-9048-875D-D20F2AC618F0}"/>
               </a:ext>
             </a:extLst>
           </p:cNvPr>
@@ -10119,7 +10095,7 @@
           <p:cNvPr id="5" name="Footer Placeholder 4">
             <a:extLst>
               <a:ext uri="{FF2B5EF4-FFF2-40B4-BE49-F238E27FC236}">
-                <a16:creationId xmlns:a16="http://schemas.microsoft.com/office/drawing/2014/main" id="{AF990240-FAC2-D149-9680-983A5A144787}"/>
+                <a16:creationId xmlns:a16="http://schemas.microsoft.com/office/drawing/2014/main" id="{D0EDE482-0C99-974F-9192-67416059FE1C}"/>
               </a:ext>
             </a:extLst>
           </p:cNvPr>
@@ -10148,7 +10124,7 @@
           <p:cNvPr id="6" name="TextBox 5">
             <a:extLst>
               <a:ext uri="{FF2B5EF4-FFF2-40B4-BE49-F238E27FC236}">
-                <a16:creationId xmlns:a16="http://schemas.microsoft.com/office/drawing/2014/main" id="{8027FE58-96EA-CD4F-8865-65E8EE397445}"/>
+                <a16:creationId xmlns:a16="http://schemas.microsoft.com/office/drawing/2014/main" id="{611C5DE2-1B21-D540-9A4E-7F245A136CC9}"/>
               </a:ext>
             </a:extLst>
           </p:cNvPr>
@@ -10157,8 +10133,492 @@
         </p:nvSpPr>
         <p:spPr>
           <a:xfrm>
-            <a:off x="5867224" y="245345"/>
-            <a:ext cx="2737224" cy="461665"/>
+            <a:off x="1835696" y="3578736"/>
+            <a:ext cx="5616624" cy="2308324"/>
+          </a:xfrm>
+          <a:prstGeom prst="rect">
+            <a:avLst/>
+          </a:prstGeom>
+          <a:noFill/>
+        </p:spPr>
+        <p:txBody>
+          <a:bodyPr wrap="square" rtlCol="0">
+            <a:spAutoFit/>
+          </a:bodyPr>
+          <a:lstStyle/>
+          <a:p>
+            <a:r>
+              <a:rPr lang="en-GB" sz="1600" b="1" dirty="0">
+                <a:solidFill>
+                  <a:srgbClr val="008800"/>
+                </a:solidFill>
+                <a:latin typeface="Courier New" panose="02070309020205020404" pitchFamily="49" charset="0"/>
+                <a:cs typeface="Courier New" panose="02070309020205020404" pitchFamily="49" charset="0"/>
+              </a:rPr>
+              <a:t>import</a:t>
+            </a:r>
+            <a:r>
+              <a:rPr lang="en-GB" sz="1600" dirty="0">
+                <a:latin typeface="Courier New" panose="02070309020205020404" pitchFamily="49" charset="0"/>
+                <a:cs typeface="Courier New" panose="02070309020205020404" pitchFamily="49" charset="0"/>
+              </a:rPr>
+              <a:t> </a:t>
+            </a:r>
+            <a:r>
+              <a:rPr lang="en-GB" sz="1600" b="1" dirty="0" err="1">
+                <a:solidFill>
+                  <a:srgbClr val="0E84B5"/>
+                </a:solidFill>
+                <a:latin typeface="Courier New" panose="02070309020205020404" pitchFamily="49" charset="0"/>
+                <a:cs typeface="Courier New" panose="02070309020205020404" pitchFamily="49" charset="0"/>
+              </a:rPr>
+              <a:t>numpy</a:t>
+            </a:r>
+            <a:r>
+              <a:rPr lang="en-GB" sz="1600" dirty="0">
+                <a:latin typeface="Courier New" panose="02070309020205020404" pitchFamily="49" charset="0"/>
+                <a:cs typeface="Courier New" panose="02070309020205020404" pitchFamily="49" charset="0"/>
+              </a:rPr>
+              <a:t> </a:t>
+            </a:r>
+            <a:r>
+              <a:rPr lang="en-GB" sz="1600" b="1" dirty="0">
+                <a:solidFill>
+                  <a:srgbClr val="008800"/>
+                </a:solidFill>
+                <a:latin typeface="Courier New" panose="02070309020205020404" pitchFamily="49" charset="0"/>
+                <a:cs typeface="Courier New" panose="02070309020205020404" pitchFamily="49" charset="0"/>
+              </a:rPr>
+              <a:t>as</a:t>
+            </a:r>
+            <a:r>
+              <a:rPr lang="en-GB" sz="1600" dirty="0">
+                <a:latin typeface="Courier New" panose="02070309020205020404" pitchFamily="49" charset="0"/>
+                <a:cs typeface="Courier New" panose="02070309020205020404" pitchFamily="49" charset="0"/>
+              </a:rPr>
+              <a:t> </a:t>
+            </a:r>
+            <a:r>
+              <a:rPr lang="en-GB" sz="1600" b="1" dirty="0">
+                <a:solidFill>
+                  <a:srgbClr val="0E84B5"/>
+                </a:solidFill>
+                <a:latin typeface="Courier New" panose="02070309020205020404" pitchFamily="49" charset="0"/>
+                <a:cs typeface="Courier New" panose="02070309020205020404" pitchFamily="49" charset="0"/>
+              </a:rPr>
+              <a:t>np</a:t>
+            </a:r>
+            <a:r>
+              <a:rPr lang="en-GB" sz="1600" dirty="0">
+                <a:latin typeface="Courier New" panose="02070309020205020404" pitchFamily="49" charset="0"/>
+                <a:cs typeface="Courier New" panose="02070309020205020404" pitchFamily="49" charset="0"/>
+              </a:rPr>
+              <a:t> </a:t>
+            </a:r>
+          </a:p>
+          <a:p>
+            <a:r>
+              <a:rPr lang="en-GB" sz="1600" b="1" dirty="0">
+                <a:solidFill>
+                  <a:srgbClr val="008800"/>
+                </a:solidFill>
+                <a:latin typeface="Courier New" panose="02070309020205020404" pitchFamily="49" charset="0"/>
+                <a:cs typeface="Courier New" panose="02070309020205020404" pitchFamily="49" charset="0"/>
+              </a:rPr>
+              <a:t>import</a:t>
+            </a:r>
+            <a:r>
+              <a:rPr lang="en-GB" sz="1600" dirty="0">
+                <a:latin typeface="Courier New" panose="02070309020205020404" pitchFamily="49" charset="0"/>
+                <a:cs typeface="Courier New" panose="02070309020205020404" pitchFamily="49" charset="0"/>
+              </a:rPr>
+              <a:t> </a:t>
+            </a:r>
+            <a:r>
+              <a:rPr lang="en-GB" sz="1600" b="1" dirty="0" err="1">
+                <a:solidFill>
+                  <a:srgbClr val="0E84B5"/>
+                </a:solidFill>
+                <a:latin typeface="Courier New" panose="02070309020205020404" pitchFamily="49" charset="0"/>
+                <a:cs typeface="Courier New" panose="02070309020205020404" pitchFamily="49" charset="0"/>
+              </a:rPr>
+              <a:t>pytest</a:t>
+            </a:r>
+            <a:r>
+              <a:rPr lang="en-GB" sz="1600" dirty="0">
+                <a:latin typeface="Courier New" panose="02070309020205020404" pitchFamily="49" charset="0"/>
+                <a:cs typeface="Courier New" panose="02070309020205020404" pitchFamily="49" charset="0"/>
+              </a:rPr>
+              <a:t> </a:t>
+            </a:r>
+          </a:p>
+          <a:p>
+            <a:r>
+              <a:rPr lang="en-GB" sz="1600" dirty="0">
+                <a:solidFill>
+                  <a:srgbClr val="888888"/>
+                </a:solidFill>
+                <a:latin typeface="Courier New" panose="02070309020205020404" pitchFamily="49" charset="0"/>
+                <a:cs typeface="Courier New" panose="02070309020205020404" pitchFamily="49" charset="0"/>
+              </a:rPr>
+              <a:t># set the random seed for once here</a:t>
+            </a:r>
+            <a:r>
+              <a:rPr lang="en-GB" sz="1600" dirty="0">
+                <a:latin typeface="Courier New" panose="02070309020205020404" pitchFamily="49" charset="0"/>
+                <a:cs typeface="Courier New" panose="02070309020205020404" pitchFamily="49" charset="0"/>
+              </a:rPr>
+              <a:t> </a:t>
+            </a:r>
+          </a:p>
+          <a:p>
+            <a:r>
+              <a:rPr lang="en-GB" sz="1600" dirty="0">
+                <a:latin typeface="Courier New" panose="02070309020205020404" pitchFamily="49" charset="0"/>
+                <a:cs typeface="Courier New" panose="02070309020205020404" pitchFamily="49" charset="0"/>
+              </a:rPr>
+              <a:t>SEED </a:t>
+            </a:r>
+            <a:r>
+              <a:rPr lang="en-GB" sz="1600" dirty="0">
+                <a:solidFill>
+                  <a:srgbClr val="333333"/>
+                </a:solidFill>
+                <a:latin typeface="Courier New" panose="02070309020205020404" pitchFamily="49" charset="0"/>
+                <a:cs typeface="Courier New" panose="02070309020205020404" pitchFamily="49" charset="0"/>
+              </a:rPr>
+              <a:t>=</a:t>
+            </a:r>
+            <a:r>
+              <a:rPr lang="en-GB" sz="1600" dirty="0">
+                <a:latin typeface="Courier New" panose="02070309020205020404" pitchFamily="49" charset="0"/>
+                <a:cs typeface="Courier New" panose="02070309020205020404" pitchFamily="49" charset="0"/>
+              </a:rPr>
+              <a:t> </a:t>
+            </a:r>
+            <a:r>
+              <a:rPr lang="en-GB" sz="1600" dirty="0" err="1">
+                <a:latin typeface="Courier New" panose="02070309020205020404" pitchFamily="49" charset="0"/>
+                <a:cs typeface="Courier New" panose="02070309020205020404" pitchFamily="49" charset="0"/>
+              </a:rPr>
+              <a:t>np</a:t>
+            </a:r>
+            <a:r>
+              <a:rPr lang="en-GB" sz="1600" dirty="0" err="1">
+                <a:solidFill>
+                  <a:srgbClr val="333333"/>
+                </a:solidFill>
+                <a:latin typeface="Courier New" panose="02070309020205020404" pitchFamily="49" charset="0"/>
+                <a:cs typeface="Courier New" panose="02070309020205020404" pitchFamily="49" charset="0"/>
+              </a:rPr>
+              <a:t>.</a:t>
+            </a:r>
+            <a:r>
+              <a:rPr lang="en-GB" sz="1600" dirty="0" err="1">
+                <a:latin typeface="Courier New" panose="02070309020205020404" pitchFamily="49" charset="0"/>
+                <a:cs typeface="Courier New" panose="02070309020205020404" pitchFamily="49" charset="0"/>
+              </a:rPr>
+              <a:t>random</a:t>
+            </a:r>
+            <a:r>
+              <a:rPr lang="en-GB" sz="1600" dirty="0" err="1">
+                <a:solidFill>
+                  <a:srgbClr val="333333"/>
+                </a:solidFill>
+                <a:latin typeface="Courier New" panose="02070309020205020404" pitchFamily="49" charset="0"/>
+                <a:cs typeface="Courier New" panose="02070309020205020404" pitchFamily="49" charset="0"/>
+              </a:rPr>
+              <a:t>.</a:t>
+            </a:r>
+            <a:r>
+              <a:rPr lang="en-GB" sz="1600" dirty="0" err="1">
+                <a:latin typeface="Courier New" panose="02070309020205020404" pitchFamily="49" charset="0"/>
+                <a:cs typeface="Courier New" panose="02070309020205020404" pitchFamily="49" charset="0"/>
+              </a:rPr>
+              <a:t>randint</a:t>
+            </a:r>
+            <a:r>
+              <a:rPr lang="en-GB" sz="1600" dirty="0">
+                <a:latin typeface="Courier New" panose="02070309020205020404" pitchFamily="49" charset="0"/>
+                <a:cs typeface="Courier New" panose="02070309020205020404" pitchFamily="49" charset="0"/>
+              </a:rPr>
+              <a:t>(</a:t>
+            </a:r>
+            <a:r>
+              <a:rPr lang="en-GB" sz="1600" b="1" dirty="0">
+                <a:solidFill>
+                  <a:srgbClr val="0000DD"/>
+                </a:solidFill>
+                <a:latin typeface="Courier New" panose="02070309020205020404" pitchFamily="49" charset="0"/>
+                <a:cs typeface="Courier New" panose="02070309020205020404" pitchFamily="49" charset="0"/>
+              </a:rPr>
+              <a:t>0</a:t>
+            </a:r>
+            <a:r>
+              <a:rPr lang="en-GB" sz="1600" dirty="0">
+                <a:latin typeface="Courier New" panose="02070309020205020404" pitchFamily="49" charset="0"/>
+                <a:cs typeface="Courier New" panose="02070309020205020404" pitchFamily="49" charset="0"/>
+              </a:rPr>
+              <a:t>,</a:t>
+            </a:r>
+            <a:r>
+              <a:rPr lang="en-GB" sz="1600" b="1" dirty="0">
+                <a:solidFill>
+                  <a:srgbClr val="0000DD"/>
+                </a:solidFill>
+                <a:latin typeface="Courier New" panose="02070309020205020404" pitchFamily="49" charset="0"/>
+                <a:cs typeface="Courier New" panose="02070309020205020404" pitchFamily="49" charset="0"/>
+              </a:rPr>
+              <a:t>2</a:t>
+            </a:r>
+            <a:r>
+              <a:rPr lang="en-GB" sz="1600" dirty="0">
+                <a:solidFill>
+                  <a:srgbClr val="333333"/>
+                </a:solidFill>
+                <a:latin typeface="Courier New" panose="02070309020205020404" pitchFamily="49" charset="0"/>
+                <a:cs typeface="Courier New" panose="02070309020205020404" pitchFamily="49" charset="0"/>
+              </a:rPr>
+              <a:t>**</a:t>
+            </a:r>
+            <a:r>
+              <a:rPr lang="en-GB" sz="1600" b="1" dirty="0">
+                <a:solidFill>
+                  <a:srgbClr val="0000DD"/>
+                </a:solidFill>
+                <a:latin typeface="Courier New" panose="02070309020205020404" pitchFamily="49" charset="0"/>
+                <a:cs typeface="Courier New" panose="02070309020205020404" pitchFamily="49" charset="0"/>
+              </a:rPr>
+              <a:t>31</a:t>
+            </a:r>
+            <a:r>
+              <a:rPr lang="en-GB" sz="1600" dirty="0">
+                <a:latin typeface="Courier New" panose="02070309020205020404" pitchFamily="49" charset="0"/>
+                <a:cs typeface="Courier New" panose="02070309020205020404" pitchFamily="49" charset="0"/>
+              </a:rPr>
+              <a:t>) </a:t>
+            </a:r>
+          </a:p>
+          <a:p>
+            <a:endParaRPr lang="en-GB" sz="1600" b="1" dirty="0">
+              <a:solidFill>
+                <a:srgbClr val="555555"/>
+              </a:solidFill>
+              <a:latin typeface="Courier New" panose="02070309020205020404" pitchFamily="49" charset="0"/>
+              <a:cs typeface="Courier New" panose="02070309020205020404" pitchFamily="49" charset="0"/>
+            </a:endParaRPr>
+          </a:p>
+          <a:p>
+            <a:r>
+              <a:rPr lang="en-GB" sz="1600" b="1" dirty="0">
+                <a:solidFill>
+                  <a:srgbClr val="555555"/>
+                </a:solidFill>
+                <a:latin typeface="Courier New" panose="02070309020205020404" pitchFamily="49" charset="0"/>
+                <a:cs typeface="Courier New" panose="02070309020205020404" pitchFamily="49" charset="0"/>
+              </a:rPr>
+              <a:t>@</a:t>
+            </a:r>
+            <a:r>
+              <a:rPr lang="en-GB" sz="1600" b="1" dirty="0" err="1">
+                <a:solidFill>
+                  <a:srgbClr val="555555"/>
+                </a:solidFill>
+                <a:latin typeface="Courier New" panose="02070309020205020404" pitchFamily="49" charset="0"/>
+                <a:cs typeface="Courier New" panose="02070309020205020404" pitchFamily="49" charset="0"/>
+              </a:rPr>
+              <a:t>pytest.fixture</a:t>
+            </a:r>
+            <a:r>
+              <a:rPr lang="en-GB" sz="1600" dirty="0">
+                <a:latin typeface="Courier New" panose="02070309020205020404" pitchFamily="49" charset="0"/>
+                <a:cs typeface="Courier New" panose="02070309020205020404" pitchFamily="49" charset="0"/>
+              </a:rPr>
+              <a:t>(</a:t>
+            </a:r>
+            <a:r>
+              <a:rPr lang="en-GB" sz="1600" dirty="0" err="1">
+                <a:latin typeface="Courier New" panose="02070309020205020404" pitchFamily="49" charset="0"/>
+                <a:cs typeface="Courier New" panose="02070309020205020404" pitchFamily="49" charset="0"/>
+              </a:rPr>
+              <a:t>autouse</a:t>
+            </a:r>
+            <a:r>
+              <a:rPr lang="en-GB" sz="1600" dirty="0">
+                <a:solidFill>
+                  <a:srgbClr val="333333"/>
+                </a:solidFill>
+                <a:latin typeface="Courier New" panose="02070309020205020404" pitchFamily="49" charset="0"/>
+                <a:cs typeface="Courier New" panose="02070309020205020404" pitchFamily="49" charset="0"/>
+              </a:rPr>
+              <a:t>=</a:t>
+            </a:r>
+            <a:r>
+              <a:rPr lang="en-GB" sz="1600" dirty="0">
+                <a:solidFill>
+                  <a:srgbClr val="007020"/>
+                </a:solidFill>
+                <a:latin typeface="Courier New" panose="02070309020205020404" pitchFamily="49" charset="0"/>
+                <a:cs typeface="Courier New" panose="02070309020205020404" pitchFamily="49" charset="0"/>
+              </a:rPr>
+              <a:t>True</a:t>
+            </a:r>
+            <a:r>
+              <a:rPr lang="en-GB" sz="1600" dirty="0">
+                <a:latin typeface="Courier New" panose="02070309020205020404" pitchFamily="49" charset="0"/>
+                <a:cs typeface="Courier New" panose="02070309020205020404" pitchFamily="49" charset="0"/>
+              </a:rPr>
+              <a:t>)</a:t>
+            </a:r>
+          </a:p>
+          <a:p>
+            <a:r>
+              <a:rPr lang="en-GB" sz="1600" b="1" dirty="0">
+                <a:solidFill>
+                  <a:srgbClr val="008800"/>
+                </a:solidFill>
+                <a:latin typeface="Courier New" panose="02070309020205020404" pitchFamily="49" charset="0"/>
+                <a:cs typeface="Courier New" panose="02070309020205020404" pitchFamily="49" charset="0"/>
+              </a:rPr>
+              <a:t>def</a:t>
+            </a:r>
+            <a:r>
+              <a:rPr lang="en-GB" sz="1600" dirty="0">
+                <a:latin typeface="Courier New" panose="02070309020205020404" pitchFamily="49" charset="0"/>
+                <a:cs typeface="Courier New" panose="02070309020205020404" pitchFamily="49" charset="0"/>
+              </a:rPr>
+              <a:t> </a:t>
+            </a:r>
+            <a:r>
+              <a:rPr lang="en-GB" sz="1600" b="1" dirty="0" err="1">
+                <a:solidFill>
+                  <a:srgbClr val="0066BB"/>
+                </a:solidFill>
+                <a:latin typeface="Courier New" panose="02070309020205020404" pitchFamily="49" charset="0"/>
+                <a:cs typeface="Courier New" panose="02070309020205020404" pitchFamily="49" charset="0"/>
+              </a:rPr>
+              <a:t>set_seed</a:t>
+            </a:r>
+            <a:r>
+              <a:rPr lang="en-GB" sz="1600" dirty="0">
+                <a:latin typeface="Courier New" panose="02070309020205020404" pitchFamily="49" charset="0"/>
+                <a:cs typeface="Courier New" panose="02070309020205020404" pitchFamily="49" charset="0"/>
+              </a:rPr>
+              <a:t>(): </a:t>
+            </a:r>
+          </a:p>
+          <a:p>
+            <a:r>
+              <a:rPr lang="en-GB" sz="1600" b="1" dirty="0">
+                <a:solidFill>
+                  <a:srgbClr val="008800"/>
+                </a:solidFill>
+                <a:latin typeface="Courier New" panose="02070309020205020404" pitchFamily="49" charset="0"/>
+                <a:cs typeface="Courier New" panose="02070309020205020404" pitchFamily="49" charset="0"/>
+              </a:rPr>
+              <a:t>	print</a:t>
+            </a:r>
+            <a:r>
+              <a:rPr lang="en-GB" sz="1600" dirty="0">
+                <a:latin typeface="Courier New" panose="02070309020205020404" pitchFamily="49" charset="0"/>
+                <a:cs typeface="Courier New" panose="02070309020205020404" pitchFamily="49" charset="0"/>
+              </a:rPr>
+              <a:t>(</a:t>
+            </a:r>
+            <a:r>
+              <a:rPr lang="en-GB" sz="1600" dirty="0" err="1">
+                <a:latin typeface="Courier New" panose="02070309020205020404" pitchFamily="49" charset="0"/>
+                <a:cs typeface="Courier New" panose="02070309020205020404" pitchFamily="49" charset="0"/>
+              </a:rPr>
+              <a:t>f'Using</a:t>
+            </a:r>
+            <a:r>
+              <a:rPr lang="en-GB" sz="1600" dirty="0">
+                <a:latin typeface="Courier New" panose="02070309020205020404" pitchFamily="49" charset="0"/>
+                <a:cs typeface="Courier New" panose="02070309020205020404" pitchFamily="49" charset="0"/>
+              </a:rPr>
+              <a:t> seed {SEED}’) </a:t>
+            </a:r>
+          </a:p>
+          <a:p>
+            <a:r>
+              <a:rPr lang="en-GB" sz="1600" dirty="0">
+                <a:latin typeface="Courier New" panose="02070309020205020404" pitchFamily="49" charset="0"/>
+                <a:cs typeface="Courier New" panose="02070309020205020404" pitchFamily="49" charset="0"/>
+              </a:rPr>
+              <a:t>	</a:t>
+            </a:r>
+            <a:r>
+              <a:rPr lang="en-GB" sz="1600" dirty="0" err="1">
+                <a:latin typeface="Courier New" panose="02070309020205020404" pitchFamily="49" charset="0"/>
+                <a:cs typeface="Courier New" panose="02070309020205020404" pitchFamily="49" charset="0"/>
+              </a:rPr>
+              <a:t>np</a:t>
+            </a:r>
+            <a:r>
+              <a:rPr lang="en-GB" sz="1600" dirty="0" err="1">
+                <a:solidFill>
+                  <a:srgbClr val="333333"/>
+                </a:solidFill>
+                <a:latin typeface="Courier New" panose="02070309020205020404" pitchFamily="49" charset="0"/>
+                <a:cs typeface="Courier New" panose="02070309020205020404" pitchFamily="49" charset="0"/>
+              </a:rPr>
+              <a:t>.</a:t>
+            </a:r>
+            <a:r>
+              <a:rPr lang="en-GB" sz="1600" dirty="0" err="1">
+                <a:latin typeface="Courier New" panose="02070309020205020404" pitchFamily="49" charset="0"/>
+                <a:cs typeface="Courier New" panose="02070309020205020404" pitchFamily="49" charset="0"/>
+              </a:rPr>
+              <a:t>random</a:t>
+            </a:r>
+            <a:r>
+              <a:rPr lang="en-GB" sz="1600" dirty="0" err="1">
+                <a:solidFill>
+                  <a:srgbClr val="333333"/>
+                </a:solidFill>
+                <a:latin typeface="Courier New" panose="02070309020205020404" pitchFamily="49" charset="0"/>
+                <a:cs typeface="Courier New" panose="02070309020205020404" pitchFamily="49" charset="0"/>
+              </a:rPr>
+              <a:t>.</a:t>
+            </a:r>
+            <a:r>
+              <a:rPr lang="en-GB" sz="1600" dirty="0" err="1">
+                <a:latin typeface="Courier New" panose="02070309020205020404" pitchFamily="49" charset="0"/>
+                <a:cs typeface="Courier New" panose="02070309020205020404" pitchFamily="49" charset="0"/>
+              </a:rPr>
+              <a:t>seed</a:t>
+            </a:r>
+            <a:r>
+              <a:rPr lang="en-GB" sz="1600" dirty="0">
+                <a:latin typeface="Courier New" panose="02070309020205020404" pitchFamily="49" charset="0"/>
+                <a:cs typeface="Courier New" panose="02070309020205020404" pitchFamily="49" charset="0"/>
+              </a:rPr>
+              <a:t>(SEED)</a:t>
+            </a:r>
+            <a:endParaRPr lang="en-DE" sz="1600" dirty="0">
+              <a:latin typeface="Courier New" panose="02070309020205020404" pitchFamily="49" charset="0"/>
+              <a:cs typeface="Courier New" panose="02070309020205020404" pitchFamily="49" charset="0"/>
+            </a:endParaRPr>
+          </a:p>
+        </p:txBody>
+      </p:sp>
+      <p:sp>
+        <p:nvSpPr>
+          <p:cNvPr id="7" name="TextBox 6">
+            <a:extLst>
+              <a:ext uri="{FF2B5EF4-FFF2-40B4-BE49-F238E27FC236}">
+                <a16:creationId xmlns:a16="http://schemas.microsoft.com/office/drawing/2014/main" id="{8D4696DC-3BCD-5C4B-997F-77F162840A5F}"/>
+              </a:ext>
+            </a:extLst>
+          </p:cNvPr>
+          <p:cNvSpPr txBox="1"/>
+          <p:nvPr/>
+        </p:nvSpPr>
+        <p:spPr>
+          <a:xfrm>
+            <a:off x="3635896" y="0"/>
+            <a:ext cx="5373887" cy="2677656"/>
           </a:xfrm>
           <a:prstGeom prst="rect">
             <a:avLst/>
@@ -10175,15 +10635,137 @@
           <a:p>
             <a:r>
               <a:rPr lang="en-CH" dirty="0"/>
-              <a:t>TODO update</a:t>
-            </a:r>
+              <a:t>Here as well I think it’s better advice to set up a RandomState </a:t>
+            </a:r>
+            <a:r>
+              <a:rPr lang="en-CH"/>
+              <a:t>per test</a:t>
+            </a:r>
+            <a:endParaRPr lang="de-DE" dirty="0"/>
+          </a:p>
+          <a:p>
+            <a:endParaRPr lang="de-DE" dirty="0"/>
+          </a:p>
+          <a:p>
+            <a:endParaRPr lang="de-DE" dirty="0"/>
+          </a:p>
+          <a:p>
+            <a:r>
+              <a:rPr lang="de-DE" dirty="0"/>
+              <a:t>Talk </a:t>
+            </a:r>
+            <a:r>
+              <a:rPr lang="de-DE" dirty="0" err="1"/>
+              <a:t>about</a:t>
+            </a:r>
+            <a:r>
+              <a:rPr lang="de-DE" dirty="0"/>
+              <a:t> </a:t>
+            </a:r>
+            <a:r>
+              <a:rPr lang="de-DE" dirty="0" err="1"/>
+              <a:t>this</a:t>
+            </a:r>
+            <a:r>
+              <a:rPr lang="de-DE" dirty="0"/>
+              <a:t>: Tiziano ist </a:t>
+            </a:r>
+            <a:r>
+              <a:rPr lang="de-DE" dirty="0" err="1"/>
+              <a:t>kind</a:t>
+            </a:r>
+            <a:r>
+              <a:rPr lang="de-DE" dirty="0"/>
+              <a:t> </a:t>
+            </a:r>
+            <a:r>
+              <a:rPr lang="de-DE" dirty="0" err="1"/>
+              <a:t>of</a:t>
+            </a:r>
+            <a:r>
+              <a:rPr lang="de-DE" dirty="0"/>
+              <a:t> </a:t>
+            </a:r>
+            <a:r>
+              <a:rPr lang="de-DE" dirty="0" err="1"/>
+              <a:t>neat</a:t>
+            </a:r>
+            <a:r>
+              <a:rPr lang="de-DE" dirty="0"/>
+              <a:t>, </a:t>
+            </a:r>
+            <a:r>
+              <a:rPr lang="de-DE" dirty="0" err="1"/>
+              <a:t>we</a:t>
+            </a:r>
+            <a:r>
+              <a:rPr lang="de-DE" dirty="0"/>
+              <a:t> </a:t>
+            </a:r>
+            <a:r>
+              <a:rPr lang="de-DE" dirty="0" err="1"/>
+              <a:t>use</a:t>
+            </a:r>
+            <a:r>
+              <a:rPr lang="de-DE" dirty="0"/>
+              <a:t> </a:t>
+            </a:r>
+            <a:r>
+              <a:rPr lang="de-DE" dirty="0" err="1"/>
+              <a:t>it</a:t>
+            </a:r>
+            <a:r>
+              <a:rPr lang="de-DE" dirty="0"/>
+              <a:t> in </a:t>
+            </a:r>
+            <a:r>
+              <a:rPr lang="de-DE" dirty="0" err="1"/>
+              <a:t>pelita</a:t>
+            </a:r>
+            <a:r>
+              <a:rPr lang="de-DE" dirty="0"/>
+              <a:t>, Tiziano </a:t>
+            </a:r>
+            <a:r>
+              <a:rPr lang="de-DE" dirty="0" err="1"/>
+              <a:t>wanted</a:t>
+            </a:r>
+            <a:r>
+              <a:rPr lang="de-DE" dirty="0"/>
+              <a:t> </a:t>
+            </a:r>
+            <a:r>
+              <a:rPr lang="de-DE" dirty="0" err="1"/>
+              <a:t>to</a:t>
+            </a:r>
+            <a:r>
+              <a:rPr lang="de-DE" dirty="0"/>
+              <a:t> </a:t>
+            </a:r>
+            <a:r>
+              <a:rPr lang="de-DE" dirty="0" err="1"/>
+              <a:t>see</a:t>
+            </a:r>
+            <a:r>
+              <a:rPr lang="de-DE" dirty="0"/>
+              <a:t> </a:t>
+            </a:r>
+            <a:r>
+              <a:rPr lang="de-DE" dirty="0" err="1"/>
+              <a:t>it</a:t>
+            </a:r>
+            <a:r>
+              <a:rPr lang="de-DE" dirty="0"/>
+              <a:t>…</a:t>
+            </a:r>
+            <a:endParaRPr lang="en-CH" dirty="0"/>
           </a:p>
         </p:txBody>
       </p:sp>
     </p:spTree>
     <p:extLst>
       <p:ext uri="{BB962C8B-B14F-4D97-AF65-F5344CB8AC3E}">
-        <p14:creationId xmlns:p14="http://schemas.microsoft.com/office/powerpoint/2010/main" val="1094217260"/>
+        <p14:creationId xmlns:p14="http://schemas.microsoft.com/office/powerpoint/2010/main" val="2023768774"/>
       </p:ext>
     </p:extLst>
   </p:cSld>
@@ -10215,7 +10797,7 @@
           <p:cNvPr id="2" name="Title 1">
             <a:extLst>
               <a:ext uri="{FF2B5EF4-FFF2-40B4-BE49-F238E27FC236}">
-                <a16:creationId xmlns:a16="http://schemas.microsoft.com/office/drawing/2014/main" id="{87005CDB-6463-B741-94CA-651D12044853}"/>
+                <a16:creationId xmlns:a16="http://schemas.microsoft.com/office/drawing/2014/main" id="{70998DF7-5638-9045-BD48-E426C93887A9}"/>
               </a:ext>
             </a:extLst>
           </p:cNvPr>
@@ -10233,7 +10815,7 @@
           <a:p>
             <a:r>
               <a:rPr lang="en-DE" dirty="0"/>
-              <a:t>Marking tests (xfail)</a:t>
+              <a:t>Fixtures (real solution)</a:t>
             </a:r>
           </a:p>
         </p:txBody>
@@ -10243,7 +10825,7 @@
           <p:cNvPr id="3" name="Content Placeholder 2">
             <a:extLst>
               <a:ext uri="{FF2B5EF4-FFF2-40B4-BE49-F238E27FC236}">
-                <a16:creationId xmlns:a16="http://schemas.microsoft.com/office/drawing/2014/main" id="{7E728BE7-2DBF-E146-89FA-99BFF5729CAD}"/>
+                <a16:creationId xmlns:a16="http://schemas.microsoft.com/office/drawing/2014/main" id="{A88E4B5F-912F-5243-875B-22AD058AD69D}"/>
               </a:ext>
             </a:extLst>
           </p:cNvPr>
@@ -10254,41 +10836,62 @@
             <p:ph sz="quarter" idx="1"/>
           </p:nvPr>
         </p:nvSpPr>
-        <p:spPr>
-          <a:xfrm>
-            <a:off x="457200" y="1219200"/>
-            <a:ext cx="8229600" cy="2137792"/>
-          </a:xfrm>
-        </p:spPr>
-        <p:txBody>
-          <a:bodyPr>
-            <a:normAutofit fontScale="92500" lnSpcReduction="10000"/>
-          </a:bodyPr>
-          <a:lstStyle/>
+        <p:spPr/>
+        <p:txBody>
+          <a:bodyPr/>
+          <a:lstStyle/>
+          <a:p>
+            <a:r>
+              <a:rPr lang="en-GB" dirty="0">
+                <a:latin typeface="Courier New" panose="02070309020205020404" pitchFamily="49" charset="0"/>
+                <a:cs typeface="Courier New" panose="02070309020205020404" pitchFamily="49" charset="0"/>
+              </a:rPr>
+              <a:t>c</a:t>
+            </a:r>
+            <a:r>
+              <a:rPr lang="en-DE" dirty="0">
+                <a:latin typeface="Courier New" panose="02070309020205020404" pitchFamily="49" charset="0"/>
+                <a:cs typeface="Courier New" panose="02070309020205020404" pitchFamily="49" charset="0"/>
+              </a:rPr>
+              <a:t>onftest.py </a:t>
+            </a:r>
+            <a:r>
+              <a:rPr lang="en-DE" dirty="0"/>
+              <a:t>is a magical file! (don’t import it!)</a:t>
+            </a:r>
+          </a:p>
           <a:p>
             <a:r>
               <a:rPr lang="en-GB" dirty="0"/>
-              <a:t>Aside from parametrize, there are some other built in markers</a:t>
-            </a:r>
-          </a:p>
-          <a:p>
-            <a:r>
-              <a:rPr lang="en-GB" dirty="0"/>
-              <a:t>Sometimes you have a test that fails, but for good reason or you just want to deal with it later… </a:t>
-            </a:r>
-          </a:p>
-          <a:p>
-            <a:r>
-              <a:rPr lang="en-GB" dirty="0"/>
-              <a:t>expected failure</a:t>
-            </a:r>
-          </a:p>
-          <a:p>
-            <a:r>
-              <a:rPr lang="en-GB" dirty="0"/>
-              <a:t>Outputs an “x” (or “X”) in place of the “.”</a:t>
-            </a:r>
-            <a:endParaRPr lang="en-DE" dirty="0"/>
+              <a:t>S</a:t>
+            </a:r>
+            <a:r>
+              <a:rPr lang="en-DE" dirty="0"/>
+              <a:t>ome test suites require specific or custom fixtures and plugins. They can be defined in </a:t>
+            </a:r>
+            <a:r>
+              <a:rPr lang="en-DE" dirty="0">
+                <a:latin typeface="Courier New" panose="02070309020205020404" pitchFamily="49" charset="0"/>
+                <a:cs typeface="Courier New" panose="02070309020205020404" pitchFamily="49" charset="0"/>
+              </a:rPr>
+              <a:t>conftest.py</a:t>
+            </a:r>
+          </a:p>
+          <a:p>
+            <a:r>
+              <a:rPr lang="en-DE" dirty="0">
+                <a:latin typeface="Gill Sans MT" panose="020B0502020104020203" pitchFamily="34" charset="77"/>
+                <a:cs typeface="Courier New" panose="02070309020205020404" pitchFamily="49" charset="0"/>
+              </a:rPr>
+              <a:t>See the file in the repo you forked. The functions defined there select a seed for each test and allow you to pass a seed on the commandline using </a:t>
+            </a:r>
+            <a:r>
+              <a:rPr lang="en-DE" dirty="0">
+                <a:latin typeface="Courier New" panose="02070309020205020404" pitchFamily="49" charset="0"/>
+                <a:cs typeface="Courier New" panose="02070309020205020404" pitchFamily="49" charset="0"/>
+              </a:rPr>
+              <a:t>–seed 123</a:t>
+            </a:r>
           </a:p>
         </p:txBody>
       </p:sp>
@@ -10297,7 +10900,7 @@
           <p:cNvPr id="4" name="Date Placeholder 3">
             <a:extLst>
               <a:ext uri="{FF2B5EF4-FFF2-40B4-BE49-F238E27FC236}">
-                <a16:creationId xmlns:a16="http://schemas.microsoft.com/office/drawing/2014/main" id="{EB90D210-69C2-254F-A712-34EDC8A34BCE}"/>
+                <a16:creationId xmlns:a16="http://schemas.microsoft.com/office/drawing/2014/main" id="{067BFEB4-E600-9048-875D-D20F2AC618F0}"/>
               </a:ext>
             </a:extLst>
           </p:cNvPr>
@@ -10326,7 +10929,7 @@
           <p:cNvPr id="5" name="Footer Placeholder 4">
             <a:extLst>
               <a:ext uri="{FF2B5EF4-FFF2-40B4-BE49-F238E27FC236}">
-                <a16:creationId xmlns:a16="http://schemas.microsoft.com/office/drawing/2014/main" id="{61CF89F0-6046-F74F-9841-B0C36739D201}"/>
+                <a16:creationId xmlns:a16="http://schemas.microsoft.com/office/drawing/2014/main" id="{D0EDE482-0C99-974F-9192-67416059FE1C}"/>
               </a:ext>
             </a:extLst>
           </p:cNvPr>
@@ -10350,196 +10953,10 @@
           </a:p>
         </p:txBody>
       </p:sp>
-      <p:sp>
-        <p:nvSpPr>
-          <p:cNvPr id="6" name="Rectangle 5">
-            <a:extLst>
-              <a:ext uri="{FF2B5EF4-FFF2-40B4-BE49-F238E27FC236}">
-                <a16:creationId xmlns:a16="http://schemas.microsoft.com/office/drawing/2014/main" id="{E239EA3C-046A-4340-B98A-74523E6444C4}"/>
-              </a:ext>
-            </a:extLst>
-          </p:cNvPr>
-          <p:cNvSpPr/>
-          <p:nvPr/>
-        </p:nvSpPr>
-        <p:spPr>
-          <a:xfrm>
-            <a:off x="222756" y="3861048"/>
-            <a:ext cx="8856984" cy="1446550"/>
-          </a:xfrm>
-          <a:prstGeom prst="rect">
-            <a:avLst/>
-          </a:prstGeom>
-        </p:spPr>
-        <p:txBody>
-          <a:bodyPr wrap="square">
-            <a:spAutoFit/>
-          </a:bodyPr>
-          <a:lstStyle/>
-          <a:p>
-            <a:r>
-              <a:rPr lang="en-GB" sz="2200" b="1" dirty="0">
-                <a:solidFill>
-                  <a:srgbClr val="555555"/>
-                </a:solidFill>
-                <a:latin typeface="Courier New" panose="02070309020205020404" pitchFamily="49" charset="0"/>
-                <a:cs typeface="Courier New" panose="02070309020205020404" pitchFamily="49" charset="0"/>
-              </a:rPr>
-              <a:t>@</a:t>
-            </a:r>
-            <a:r>
-              <a:rPr lang="en-GB" sz="2200" b="1" dirty="0" err="1">
-                <a:solidFill>
-                  <a:srgbClr val="555555"/>
-                </a:solidFill>
-                <a:latin typeface="Courier New" panose="02070309020205020404" pitchFamily="49" charset="0"/>
-                <a:cs typeface="Courier New" panose="02070309020205020404" pitchFamily="49" charset="0"/>
-              </a:rPr>
-              <a:t>pytest.mark.xfail</a:t>
-            </a:r>
-            <a:endParaRPr lang="en-GB" sz="2200" b="1" dirty="0">
-              <a:solidFill>
-                <a:srgbClr val="555555"/>
-              </a:solidFill>
-              <a:latin typeface="Courier New" panose="02070309020205020404" pitchFamily="49" charset="0"/>
-              <a:cs typeface="Courier New" panose="02070309020205020404" pitchFamily="49" charset="0"/>
-            </a:endParaRPr>
-          </a:p>
-          <a:p>
-            <a:r>
-              <a:rPr lang="en-GB" sz="2200" b="1" dirty="0">
-                <a:solidFill>
-                  <a:srgbClr val="555555"/>
-                </a:solidFill>
-                <a:latin typeface="Courier New" panose="02070309020205020404" pitchFamily="49" charset="0"/>
-                <a:cs typeface="Courier New" panose="02070309020205020404" pitchFamily="49" charset="0"/>
-              </a:rPr>
-              <a:t>@</a:t>
-            </a:r>
-            <a:r>
-              <a:rPr lang="en-GB" sz="2200" b="1" dirty="0" err="1">
-                <a:solidFill>
-                  <a:srgbClr val="555555"/>
-                </a:solidFill>
-                <a:latin typeface="Courier New" panose="02070309020205020404" pitchFamily="49" charset="0"/>
-                <a:cs typeface="Courier New" panose="02070309020205020404" pitchFamily="49" charset="0"/>
-              </a:rPr>
-              <a:t>pytest.mark.parametrize</a:t>
-            </a:r>
-            <a:r>
-              <a:rPr lang="en-GB" sz="2200" dirty="0">
-                <a:latin typeface="Courier New" panose="02070309020205020404" pitchFamily="49" charset="0"/>
-                <a:cs typeface="Courier New" panose="02070309020205020404" pitchFamily="49" charset="0"/>
-              </a:rPr>
-              <a:t>("r", [</a:t>
-            </a:r>
-            <a:r>
-              <a:rPr lang="en-GB" sz="2200" b="1" dirty="0">
-                <a:solidFill>
-                  <a:srgbClr val="6600EE"/>
-                </a:solidFill>
-                <a:latin typeface="Courier New" panose="02070309020205020404" pitchFamily="49" charset="0"/>
-                <a:cs typeface="Courier New" panose="02070309020205020404" pitchFamily="49" charset="0"/>
-              </a:rPr>
-              <a:t>3.8</a:t>
-            </a:r>
-            <a:r>
-              <a:rPr lang="en-GB" sz="2200" dirty="0">
-                <a:latin typeface="Courier New" panose="02070309020205020404" pitchFamily="49" charset="0"/>
-                <a:cs typeface="Courier New" panose="02070309020205020404" pitchFamily="49" charset="0"/>
-              </a:rPr>
-              <a:t>, </a:t>
-            </a:r>
-            <a:r>
-              <a:rPr lang="en-GB" sz="2200" b="1" dirty="0">
-                <a:solidFill>
-                  <a:srgbClr val="6600EE"/>
-                </a:solidFill>
-                <a:latin typeface="Courier New" panose="02070309020205020404" pitchFamily="49" charset="0"/>
-                <a:cs typeface="Courier New" panose="02070309020205020404" pitchFamily="49" charset="0"/>
-              </a:rPr>
-              <a:t>3.001</a:t>
-            </a:r>
-            <a:r>
-              <a:rPr lang="en-GB" sz="2200" dirty="0">
-                <a:latin typeface="Courier New" panose="02070309020205020404" pitchFamily="49" charset="0"/>
-                <a:cs typeface="Courier New" panose="02070309020205020404" pitchFamily="49" charset="0"/>
-              </a:rPr>
-              <a:t>, </a:t>
-            </a:r>
-            <a:r>
-              <a:rPr lang="en-GB" sz="2200" b="1" dirty="0">
-                <a:solidFill>
-                  <a:srgbClr val="6600EE"/>
-                </a:solidFill>
-                <a:latin typeface="Courier New" panose="02070309020205020404" pitchFamily="49" charset="0"/>
-                <a:cs typeface="Courier New" panose="02070309020205020404" pitchFamily="49" charset="0"/>
-              </a:rPr>
-              <a:t>3.453</a:t>
-            </a:r>
-            <a:r>
-              <a:rPr lang="en-GB" sz="2200" dirty="0">
-                <a:latin typeface="Courier New" panose="02070309020205020404" pitchFamily="49" charset="0"/>
-                <a:cs typeface="Courier New" panose="02070309020205020404" pitchFamily="49" charset="0"/>
-              </a:rPr>
-              <a:t>])</a:t>
-            </a:r>
-          </a:p>
-          <a:p>
-            <a:r>
-              <a:rPr lang="en-GB" sz="2200" b="1" dirty="0">
-                <a:solidFill>
-                  <a:srgbClr val="008800"/>
-                </a:solidFill>
-                <a:latin typeface="Courier New" panose="02070309020205020404" pitchFamily="49" charset="0"/>
-                <a:cs typeface="Courier New" panose="02070309020205020404" pitchFamily="49" charset="0"/>
-              </a:rPr>
-              <a:t>def</a:t>
-            </a:r>
-            <a:r>
-              <a:rPr lang="en-GB" sz="2200" dirty="0">
-                <a:latin typeface="Courier New" panose="02070309020205020404" pitchFamily="49" charset="0"/>
-                <a:cs typeface="Courier New" panose="02070309020205020404" pitchFamily="49" charset="0"/>
-              </a:rPr>
-              <a:t> </a:t>
-            </a:r>
-            <a:r>
-              <a:rPr lang="en-GB" sz="2200" b="1" dirty="0" err="1">
-                <a:solidFill>
-                  <a:srgbClr val="0066BB"/>
-                </a:solidFill>
-                <a:latin typeface="Courier New" panose="02070309020205020404" pitchFamily="49" charset="0"/>
-                <a:cs typeface="Courier New" panose="02070309020205020404" pitchFamily="49" charset="0"/>
-              </a:rPr>
-              <a:t>test_aperiodic</a:t>
-            </a:r>
-            <a:r>
-              <a:rPr lang="en-GB" sz="2200" dirty="0">
-                <a:latin typeface="Courier New" panose="02070309020205020404" pitchFamily="49" charset="0"/>
-                <a:cs typeface="Courier New" panose="02070309020205020404" pitchFamily="49" charset="0"/>
-              </a:rPr>
-              <a:t>(r):</a:t>
-            </a:r>
-          </a:p>
-          <a:p>
-            <a:r>
-              <a:rPr lang="en-GB" sz="2200" dirty="0">
-                <a:latin typeface="Courier New" panose="02070309020205020404" pitchFamily="49" charset="0"/>
-                <a:cs typeface="Courier New" panose="02070309020205020404" pitchFamily="49" charset="0"/>
-              </a:rPr>
-              <a:t>	...</a:t>
-            </a:r>
-            <a:endParaRPr lang="en-DE" sz="2200" dirty="0">
-              <a:latin typeface="Courier New" panose="02070309020205020404" pitchFamily="49" charset="0"/>
-              <a:cs typeface="Courier New" panose="02070309020205020404" pitchFamily="49" charset="0"/>
-            </a:endParaRPr>
-          </a:p>
-        </p:txBody>
-      </p:sp>
     </p:spTree>
     <p:extLst>
       <p:ext uri="{BB962C8B-B14F-4D97-AF65-F5344CB8AC3E}">
-        <p14:creationId xmlns:p14="http://schemas.microsoft.com/office/powerpoint/2010/main" val="3757634505"/>
+        <p14:creationId xmlns:p14="http://schemas.microsoft.com/office/powerpoint/2010/main" val="1127607883"/>
       </p:ext>
     </p:extLst>
   </p:cSld>
@@ -10571,7 +10988,7 @@
           <p:cNvPr id="2" name="Title 1">
             <a:extLst>
               <a:ext uri="{FF2B5EF4-FFF2-40B4-BE49-F238E27FC236}">
-                <a16:creationId xmlns:a16="http://schemas.microsoft.com/office/drawing/2014/main" id="{87005CDB-6463-B741-94CA-651D12044853}"/>
+                <a16:creationId xmlns:a16="http://schemas.microsoft.com/office/drawing/2014/main" id="{475DAB49-561F-024B-AF4C-BA8A10C46894}"/>
               </a:ext>
             </a:extLst>
           </p:cNvPr>
@@ -10589,7 +11006,7 @@
           <a:p>
             <a:r>
               <a:rPr lang="en-DE" dirty="0"/>
-              <a:t>Marking tests (skip)</a:t>
+              <a:t>Hands On!</a:t>
             </a:r>
           </a:p>
         </p:txBody>
@@ -10599,7 +11016,7 @@
           <p:cNvPr id="3" name="Content Placeholder 2">
             <a:extLst>
               <a:ext uri="{FF2B5EF4-FFF2-40B4-BE49-F238E27FC236}">
-                <a16:creationId xmlns:a16="http://schemas.microsoft.com/office/drawing/2014/main" id="{7E728BE7-2DBF-E146-89FA-99BFF5729CAD}"/>
+                <a16:creationId xmlns:a16="http://schemas.microsoft.com/office/drawing/2014/main" id="{DA4DEA4B-4889-794D-92F4-077D71E7009B}"/>
               </a:ext>
             </a:extLst>
           </p:cNvPr>
@@ -10610,26 +11027,39 @@
             <p:ph sz="quarter" idx="1"/>
           </p:nvPr>
         </p:nvSpPr>
-        <p:spPr>
-          <a:xfrm>
-            <a:off x="457200" y="1219200"/>
-            <a:ext cx="8229600" cy="1705744"/>
-          </a:xfrm>
-        </p:spPr>
+        <p:spPr/>
         <p:txBody>
           <a:bodyPr/>
           <a:lstStyle/>
           <a:p>
+            <a:pPr marL="274320" lvl="1" indent="0">
+              <a:buNone/>
+            </a:pPr>
+            <a:r>
+              <a:rPr lang="en-DE" dirty="0"/>
+              <a:t>a) Add a conftest.py file to set a random seed before each run and make the failure reproducible</a:t>
+            </a:r>
+          </a:p>
+          <a:p>
+            <a:pPr marL="274320" lvl="1" indent="0">
+              <a:buNone/>
+            </a:pPr>
+            <a:endParaRPr lang="en-DE" dirty="0"/>
+          </a:p>
+          <a:p>
+            <a:pPr marL="274320" lvl="1" indent="0">
+              <a:buNone/>
+            </a:pPr>
             <a:r>
               <a:rPr lang="en-GB" dirty="0"/>
-              <a:t>If that test takes a long time to run, you could also skip it!</a:t>
-            </a:r>
-          </a:p>
-          <a:p>
-            <a:r>
-              <a:rPr lang="en-GB" dirty="0"/>
-              <a:t>skip</a:t>
-            </a:r>
+              <a:t>b) C</a:t>
+            </a:r>
+            <a:r>
+              <a:rPr lang="en-DE" dirty="0"/>
+              <a:t>heck that the console output of pytest now includes the seed!</a:t>
+            </a:r>
+          </a:p>
+          <a:p>
             <a:endParaRPr lang="en-DE" dirty="0"/>
           </a:p>
         </p:txBody>
@@ -10639,7 +11069,7 @@
           <p:cNvPr id="4" name="Date Placeholder 3">
             <a:extLst>
               <a:ext uri="{FF2B5EF4-FFF2-40B4-BE49-F238E27FC236}">
-                <a16:creationId xmlns:a16="http://schemas.microsoft.com/office/drawing/2014/main" id="{EB90D210-69C2-254F-A712-34EDC8A34BCE}"/>
+                <a16:creationId xmlns:a16="http://schemas.microsoft.com/office/drawing/2014/main" id="{12B552E7-3766-9546-8268-91FA68499160}"/>
               </a:ext>
             </a:extLst>
           </p:cNvPr>
@@ -10668,7 +11098,7 @@
           <p:cNvPr id="5" name="Footer Placeholder 4">
             <a:extLst>
               <a:ext uri="{FF2B5EF4-FFF2-40B4-BE49-F238E27FC236}">
-                <a16:creationId xmlns:a16="http://schemas.microsoft.com/office/drawing/2014/main" id="{61CF89F0-6046-F74F-9841-B0C36739D201}"/>
+                <a16:creationId xmlns:a16="http://schemas.microsoft.com/office/drawing/2014/main" id="{08E7166C-2C8A-1048-8FB2-2D9870472E1B}"/>
               </a:ext>
             </a:extLst>
           </p:cNvPr>
@@ -10694,10 +11124,10 @@
       </p:sp>
       <p:sp>
         <p:nvSpPr>
-          <p:cNvPr id="6" name="Rectangle 5">
+          <p:cNvPr id="7" name="Rectangle 6">
             <a:extLst>
               <a:ext uri="{FF2B5EF4-FFF2-40B4-BE49-F238E27FC236}">
-                <a16:creationId xmlns:a16="http://schemas.microsoft.com/office/drawing/2014/main" id="{E239EA3C-046A-4340-B98A-74523E6444C4}"/>
+                <a16:creationId xmlns:a16="http://schemas.microsoft.com/office/drawing/2014/main" id="{2D6A44A9-3CE8-3642-8635-D941699C48FF}"/>
               </a:ext>
             </a:extLst>
           </p:cNvPr>
@@ -10706,205 +11136,137 @@
         </p:nvSpPr>
         <p:spPr>
           <a:xfrm>
-            <a:off x="179512" y="3356992"/>
-            <a:ext cx="8856984" cy="1323439"/>
+            <a:off x="0" y="0"/>
+            <a:ext cx="9144000" cy="6858000"/>
+          </a:xfrm>
+          <a:prstGeom prst="rect">
+            <a:avLst/>
+          </a:prstGeom>
+          <a:noFill/>
+          <a:ln w="165100">
+            <a:solidFill>
+              <a:srgbClr val="00B050"/>
+            </a:solidFill>
+            <a:miter lim="800000"/>
+          </a:ln>
+        </p:spPr>
+        <p:style>
+          <a:lnRef idx="2">
+            <a:schemeClr val="accent1">
+              <a:shade val="50000"/>
+            </a:schemeClr>
+          </a:lnRef>
+          <a:fillRef idx="1">
+            <a:schemeClr val="accent1"/>
+          </a:fillRef>
+          <a:effectRef idx="0">
+            <a:schemeClr val="accent1"/>
+          </a:effectRef>
+          <a:fontRef idx="minor">
+            <a:schemeClr val="lt1"/>
+          </a:fontRef>
+        </p:style>
+        <p:txBody>
+          <a:bodyPr rtlCol="0" anchor="ctr"/>
+          <a:lstStyle/>
+          <a:p>
+            <a:pPr algn="ctr"/>
+            <a:endParaRPr lang="en-DE"/>
+          </a:p>
+        </p:txBody>
+      </p:sp>
+      <p:pic>
+        <p:nvPicPr>
+          <p:cNvPr id="9" name="Picture 8">
+            <a:extLst>
+              <a:ext uri="{FF2B5EF4-FFF2-40B4-BE49-F238E27FC236}">
+                <a16:creationId xmlns:a16="http://schemas.microsoft.com/office/drawing/2014/main" id="{4975D263-7566-784F-96BF-BF732437D75F}"/>
+              </a:ext>
+            </a:extLst>
+          </p:cNvPr>
+          <p:cNvPicPr>
+            <a:picLocks noChangeAspect="1"/>
+          </p:cNvPicPr>
+          <p:nvPr/>
+        </p:nvPicPr>
+        <p:blipFill>
+          <a:blip r:embed="rId2">
+            <a:extLst>
+              <a:ext uri="{28A0092B-C50C-407E-A947-70E740481C1C}">
+                <a14:useLocalDpi xmlns:a14="http://schemas.microsoft.com/office/drawing/2010/main" val="0"/>
+              </a:ext>
+            </a:extLst>
+          </a:blip>
+          <a:stretch>
+            <a:fillRect/>
+          </a:stretch>
+        </p:blipFill>
+        <p:spPr>
+          <a:xfrm>
+            <a:off x="269776" y="3829181"/>
+            <a:ext cx="8604448" cy="823955"/>
           </a:xfrm>
           <a:prstGeom prst="rect">
             <a:avLst/>
           </a:prstGeom>
         </p:spPr>
-        <p:txBody>
-          <a:bodyPr wrap="square">
-            <a:spAutoFit/>
-          </a:bodyPr>
-          <a:lstStyle/>
-          <a:p>
-            <a:r>
-              <a:rPr lang="en-GB" sz="2000" b="1" dirty="0">
-                <a:solidFill>
-                  <a:srgbClr val="555555"/>
-                </a:solidFill>
-                <a:latin typeface="Courier New" panose="02070309020205020404" pitchFamily="49" charset="0"/>
-                <a:cs typeface="Courier New" panose="02070309020205020404" pitchFamily="49" charset="0"/>
-              </a:rPr>
-              <a:t>@</a:t>
-            </a:r>
-            <a:r>
-              <a:rPr lang="en-GB" sz="2000" b="1" dirty="0" err="1">
-                <a:solidFill>
-                  <a:srgbClr val="555555"/>
-                </a:solidFill>
-                <a:latin typeface="Courier New" panose="02070309020205020404" pitchFamily="49" charset="0"/>
-                <a:cs typeface="Courier New" panose="02070309020205020404" pitchFamily="49" charset="0"/>
-              </a:rPr>
-              <a:t>pytest.mark.skip</a:t>
-            </a:r>
-            <a:r>
-              <a:rPr lang="en-GB" sz="2000" b="1" dirty="0">
-                <a:solidFill>
-                  <a:srgbClr val="555555"/>
-                </a:solidFill>
-                <a:latin typeface="Courier New" panose="02070309020205020404" pitchFamily="49" charset="0"/>
-                <a:cs typeface="Courier New" panose="02070309020205020404" pitchFamily="49" charset="0"/>
-              </a:rPr>
-              <a:t>(</a:t>
-            </a:r>
-            <a:r>
-              <a:rPr lang="en-GB" sz="2000" dirty="0">
-                <a:solidFill>
-                  <a:srgbClr val="555555"/>
-                </a:solidFill>
-                <a:latin typeface="Courier New" panose="02070309020205020404" pitchFamily="49" charset="0"/>
-                <a:cs typeface="Courier New" panose="02070309020205020404" pitchFamily="49" charset="0"/>
-              </a:rPr>
-              <a:t>reason=“some values of r oscillate!”</a:t>
-            </a:r>
-            <a:r>
-              <a:rPr lang="en-GB" sz="2000" b="1" dirty="0">
-                <a:solidFill>
-                  <a:srgbClr val="555555"/>
-                </a:solidFill>
-                <a:latin typeface="Courier New" panose="02070309020205020404" pitchFamily="49" charset="0"/>
-                <a:cs typeface="Courier New" panose="02070309020205020404" pitchFamily="49" charset="0"/>
-              </a:rPr>
-              <a:t>)</a:t>
-            </a:r>
-          </a:p>
-          <a:p>
-            <a:r>
-              <a:rPr lang="en-GB" sz="2000" b="1" dirty="0">
-                <a:solidFill>
-                  <a:srgbClr val="555555"/>
-                </a:solidFill>
-                <a:latin typeface="Courier New" panose="02070309020205020404" pitchFamily="49" charset="0"/>
-                <a:cs typeface="Courier New" panose="02070309020205020404" pitchFamily="49" charset="0"/>
-              </a:rPr>
-              <a:t>@</a:t>
-            </a:r>
-            <a:r>
-              <a:rPr lang="en-GB" sz="2000" b="1" dirty="0" err="1">
-                <a:solidFill>
-                  <a:srgbClr val="555555"/>
-                </a:solidFill>
-                <a:latin typeface="Courier New" panose="02070309020205020404" pitchFamily="49" charset="0"/>
-                <a:cs typeface="Courier New" panose="02070309020205020404" pitchFamily="49" charset="0"/>
-              </a:rPr>
-              <a:t>pytest.mark.parametrize</a:t>
-            </a:r>
-            <a:r>
-              <a:rPr lang="en-GB" sz="2000" dirty="0">
-                <a:latin typeface="Courier New" panose="02070309020205020404" pitchFamily="49" charset="0"/>
-                <a:cs typeface="Courier New" panose="02070309020205020404" pitchFamily="49" charset="0"/>
-              </a:rPr>
-              <a:t>("r", [</a:t>
-            </a:r>
-            <a:r>
-              <a:rPr lang="en-GB" sz="2000" b="1" dirty="0">
-                <a:solidFill>
-                  <a:srgbClr val="6600EE"/>
-                </a:solidFill>
-                <a:latin typeface="Courier New" panose="02070309020205020404" pitchFamily="49" charset="0"/>
-                <a:cs typeface="Courier New" panose="02070309020205020404" pitchFamily="49" charset="0"/>
-              </a:rPr>
-              <a:t>3.8</a:t>
-            </a:r>
-            <a:r>
-              <a:rPr lang="en-GB" sz="2000" dirty="0">
-                <a:latin typeface="Courier New" panose="02070309020205020404" pitchFamily="49" charset="0"/>
-                <a:cs typeface="Courier New" panose="02070309020205020404" pitchFamily="49" charset="0"/>
-              </a:rPr>
-              <a:t>, </a:t>
-            </a:r>
-            <a:r>
-              <a:rPr lang="en-GB" sz="2000" b="1" dirty="0">
-                <a:solidFill>
-                  <a:srgbClr val="6600EE"/>
-                </a:solidFill>
-                <a:latin typeface="Courier New" panose="02070309020205020404" pitchFamily="49" charset="0"/>
-                <a:cs typeface="Courier New" panose="02070309020205020404" pitchFamily="49" charset="0"/>
-              </a:rPr>
-              <a:t>3.001</a:t>
-            </a:r>
-            <a:r>
-              <a:rPr lang="en-GB" sz="2000" dirty="0">
-                <a:latin typeface="Courier New" panose="02070309020205020404" pitchFamily="49" charset="0"/>
-                <a:cs typeface="Courier New" panose="02070309020205020404" pitchFamily="49" charset="0"/>
-              </a:rPr>
-              <a:t>, </a:t>
-            </a:r>
-            <a:r>
-              <a:rPr lang="en-GB" sz="2000" b="1" dirty="0">
-                <a:solidFill>
-                  <a:srgbClr val="6600EE"/>
-                </a:solidFill>
-                <a:latin typeface="Courier New" panose="02070309020205020404" pitchFamily="49" charset="0"/>
-                <a:cs typeface="Courier New" panose="02070309020205020404" pitchFamily="49" charset="0"/>
-              </a:rPr>
-              <a:t>3.453</a:t>
-            </a:r>
-            <a:r>
-              <a:rPr lang="en-GB" sz="2000" dirty="0">
-                <a:latin typeface="Courier New" panose="02070309020205020404" pitchFamily="49" charset="0"/>
-                <a:cs typeface="Courier New" panose="02070309020205020404" pitchFamily="49" charset="0"/>
-              </a:rPr>
-              <a:t>])</a:t>
-            </a:r>
-          </a:p>
-          <a:p>
-            <a:r>
-              <a:rPr lang="en-GB" sz="2000" b="1" dirty="0">
-                <a:solidFill>
-                  <a:srgbClr val="008800"/>
-                </a:solidFill>
-                <a:latin typeface="Courier New" panose="02070309020205020404" pitchFamily="49" charset="0"/>
-                <a:cs typeface="Courier New" panose="02070309020205020404" pitchFamily="49" charset="0"/>
-              </a:rPr>
-              <a:t>def</a:t>
-            </a:r>
-            <a:r>
-              <a:rPr lang="en-GB" sz="2000" dirty="0">
-                <a:latin typeface="Courier New" panose="02070309020205020404" pitchFamily="49" charset="0"/>
-                <a:cs typeface="Courier New" panose="02070309020205020404" pitchFamily="49" charset="0"/>
-              </a:rPr>
-              <a:t> </a:t>
-            </a:r>
-            <a:r>
-              <a:rPr lang="en-GB" sz="2000" b="1" dirty="0" err="1">
-                <a:solidFill>
-                  <a:srgbClr val="0066BB"/>
-                </a:solidFill>
-                <a:latin typeface="Courier New" panose="02070309020205020404" pitchFamily="49" charset="0"/>
-                <a:cs typeface="Courier New" panose="02070309020205020404" pitchFamily="49" charset="0"/>
-              </a:rPr>
-              <a:t>test_aperiodic</a:t>
-            </a:r>
-            <a:r>
-              <a:rPr lang="en-GB" sz="2000" dirty="0">
-                <a:latin typeface="Courier New" panose="02070309020205020404" pitchFamily="49" charset="0"/>
-                <a:cs typeface="Courier New" panose="02070309020205020404" pitchFamily="49" charset="0"/>
-              </a:rPr>
-              <a:t>(r):</a:t>
-            </a:r>
-          </a:p>
-          <a:p>
-            <a:r>
-              <a:rPr lang="en-GB" sz="2000" dirty="0">
-                <a:latin typeface="Courier New" panose="02070309020205020404" pitchFamily="49" charset="0"/>
-                <a:cs typeface="Courier New" panose="02070309020205020404" pitchFamily="49" charset="0"/>
-              </a:rPr>
-              <a:t>	...</a:t>
-            </a:r>
-            <a:endParaRPr lang="en-DE" sz="2000" dirty="0">
-              <a:latin typeface="Courier New" panose="02070309020205020404" pitchFamily="49" charset="0"/>
-              <a:cs typeface="Courier New" panose="02070309020205020404" pitchFamily="49" charset="0"/>
-            </a:endParaRPr>
+      </p:pic>
+      <p:sp>
+        <p:nvSpPr>
+          <p:cNvPr id="10" name="Rectangle 9">
+            <a:extLst>
+              <a:ext uri="{FF2B5EF4-FFF2-40B4-BE49-F238E27FC236}">
+                <a16:creationId xmlns:a16="http://schemas.microsoft.com/office/drawing/2014/main" id="{4A7EB49F-093E-6249-81F1-35AF341FFFC8}"/>
+              </a:ext>
+            </a:extLst>
+          </p:cNvPr>
+          <p:cNvSpPr/>
+          <p:nvPr/>
+        </p:nvSpPr>
+        <p:spPr>
+          <a:xfrm>
+            <a:off x="323528" y="4437113"/>
+            <a:ext cx="2448272" cy="216024"/>
+          </a:xfrm>
+          <a:prstGeom prst="rect">
+            <a:avLst/>
+          </a:prstGeom>
+          <a:noFill/>
+          <a:ln w="44450">
+            <a:solidFill>
+              <a:srgbClr val="C00000"/>
+            </a:solidFill>
+          </a:ln>
+        </p:spPr>
+        <p:style>
+          <a:lnRef idx="2">
+            <a:schemeClr val="accent1">
+              <a:shade val="50000"/>
+            </a:schemeClr>
+          </a:lnRef>
+          <a:fillRef idx="1">
+            <a:schemeClr val="accent1"/>
+          </a:fillRef>
+          <a:effectRef idx="0">
+            <a:schemeClr val="accent1"/>
+          </a:effectRef>
+          <a:fontRef idx="minor">
+            <a:schemeClr val="lt1"/>
+          </a:fontRef>
+        </p:style>
+        <p:txBody>
+          <a:bodyPr rtlCol="0" anchor="ctr"/>
+          <a:lstStyle/>
+          <a:p>
+            <a:pPr algn="ctr"/>
+            <a:endParaRPr lang="en-DE"/>
           </a:p>
         </p:txBody>
       </p:sp>
     </p:spTree>
     <p:extLst>
       <p:ext uri="{BB962C8B-B14F-4D97-AF65-F5344CB8AC3E}">
-        <p14:creationId xmlns:p14="http://schemas.microsoft.com/office/powerpoint/2010/main" val="114089050"/>
+        <p14:creationId xmlns:p14="http://schemas.microsoft.com/office/powerpoint/2010/main" val="3745928773"/>
       </p:ext>
     </p:extLst>
   </p:cSld>
@@ -10933,62 +11295,38 @@
       </p:grpSpPr>
       <p:sp>
         <p:nvSpPr>
-          <p:cNvPr id="8" name="Rectangle 7">
+          <p:cNvPr id="2" name="Title 1">
             <a:extLst>
               <a:ext uri="{FF2B5EF4-FFF2-40B4-BE49-F238E27FC236}">
-                <a16:creationId xmlns:a16="http://schemas.microsoft.com/office/drawing/2014/main" id="{E70779E2-5350-864A-850F-9F70861EFBFC}"/>
+                <a16:creationId xmlns:a16="http://schemas.microsoft.com/office/drawing/2014/main" id="{119B2992-BD89-A94D-88E8-9EFBC30B7665}"/>
               </a:ext>
             </a:extLst>
           </p:cNvPr>
-          <p:cNvSpPr/>
-          <p:nvPr/>
-        </p:nvSpPr>
-        <p:spPr>
-          <a:xfrm>
-            <a:off x="1403648" y="5072602"/>
-            <a:ext cx="6408712" cy="1132395"/>
-          </a:xfrm>
-          <a:prstGeom prst="rect">
-            <a:avLst/>
-          </a:prstGeom>
-          <a:solidFill>
-            <a:schemeClr val="tx1">
-              <a:lumMod val="75000"/>
-              <a:lumOff val="25000"/>
-            </a:schemeClr>
-          </a:solidFill>
-        </p:spPr>
-        <p:style>
-          <a:lnRef idx="2">
-            <a:schemeClr val="dk1">
-              <a:shade val="50000"/>
-            </a:schemeClr>
-          </a:lnRef>
-          <a:fillRef idx="1">
-            <a:schemeClr val="dk1"/>
-          </a:fillRef>
-          <a:effectRef idx="0">
-            <a:schemeClr val="dk1"/>
-          </a:effectRef>
-          <a:fontRef idx="minor">
-            <a:schemeClr val="lt1"/>
-          </a:fontRef>
-        </p:style>
-        <p:txBody>
-          <a:bodyPr rtlCol="0" anchor="ctr"/>
-          <a:lstStyle/>
-          <a:p>
-            <a:pPr algn="ctr"/>
-            <a:endParaRPr lang="en-DE" dirty="0"/>
-          </a:p>
-        </p:txBody>
-      </p:sp>
-      <p:sp>
-        <p:nvSpPr>
-          <p:cNvPr id="2" name="Title 1">
+          <p:cNvSpPr>
+            <a:spLocks noGrp="1"/>
+          </p:cNvSpPr>
+          <p:nvPr>
+            <p:ph type="title"/>
+          </p:nvPr>
+        </p:nvSpPr>
+        <p:spPr/>
+        <p:txBody>
+          <a:bodyPr/>
+          <a:lstStyle/>
+          <a:p>
+            <a:r>
+              <a:rPr lang="en-DE" dirty="0"/>
+              <a:t>Excursion: Logistic Equation</a:t>
+            </a:r>
+          </a:p>
+        </p:txBody>
+      </p:sp>
+      <p:sp>
+        <p:nvSpPr>
+          <p:cNvPr id="4" name="Date Placeholder 3">
             <a:extLst>
               <a:ext uri="{FF2B5EF4-FFF2-40B4-BE49-F238E27FC236}">
-                <a16:creationId xmlns:a16="http://schemas.microsoft.com/office/drawing/2014/main" id="{87005CDB-6463-B741-94CA-651D12044853}"/>
+                <a16:creationId xmlns:a16="http://schemas.microsoft.com/office/drawing/2014/main" id="{689657ED-340B-344D-8E50-384F485C723D}"/>
               </a:ext>
             </a:extLst>
           </p:cNvPr>
@@ -10996,7 +11334,7 @@
             <a:spLocks noGrp="1"/>
           </p:cNvSpPr>
           <p:nvPr>
-            <p:ph type="title"/>
+            <p:ph type="dt" sz="half" idx="10"/>
           </p:nvPr>
         </p:nvSpPr>
         <p:spPr/>
@@ -11005,18 +11343,19 @@
           <a:lstStyle/>
           <a:p>
             <a:r>
-              <a:rPr lang="en-DE" dirty="0"/>
-              <a:t>Marking tests with custom markers</a:t>
-            </a:r>
-          </a:p>
-        </p:txBody>
-      </p:sp>
-      <p:sp>
-        <p:nvSpPr>
-          <p:cNvPr id="3" name="Content Placeholder 2">
+              <a:rPr lang="en-US" sz="1000"/>
+              <a:t>August 2019, CC BY-SA 4.0</a:t>
+            </a:r>
+            <a:endParaRPr lang="en-US" sz="1000" dirty="0"/>
+          </a:p>
+        </p:txBody>
+      </p:sp>
+      <p:sp>
+        <p:nvSpPr>
+          <p:cNvPr id="5" name="Footer Placeholder 4">
             <a:extLst>
               <a:ext uri="{FF2B5EF4-FFF2-40B4-BE49-F238E27FC236}">
-                <a16:creationId xmlns:a16="http://schemas.microsoft.com/office/drawing/2014/main" id="{7E728BE7-2DBF-E146-89FA-99BFF5729CAD}"/>
+                <a16:creationId xmlns:a16="http://schemas.microsoft.com/office/drawing/2014/main" id="{137E53EC-FF27-AE43-B32D-458EC3E04061}"/>
               </a:ext>
             </a:extLst>
           </p:cNvPr>
@@ -11024,353 +11363,200 @@
             <a:spLocks noGrp="1"/>
           </p:cNvSpPr>
           <p:nvPr>
-            <p:ph sz="quarter" idx="1"/>
-          </p:nvPr>
-        </p:nvSpPr>
-        <p:spPr>
-          <a:xfrm>
-            <a:off x="457200" y="1219200"/>
-            <a:ext cx="8229600" cy="2137792"/>
-          </a:xfrm>
-        </p:spPr>
-        <p:txBody>
-          <a:bodyPr>
-            <a:normAutofit fontScale="92500" lnSpcReduction="10000"/>
-          </a:bodyPr>
-          <a:lstStyle/>
-          <a:p>
-            <a:r>
-              <a:rPr lang="en-GB" dirty="0"/>
-              <a:t>If you have lots of tests, you can categorize them with your own markers</a:t>
-            </a:r>
-          </a:p>
-          <a:p>
-            <a:r>
-              <a:rPr lang="en-GB" dirty="0"/>
-              <a:t>Example:</a:t>
-            </a:r>
-          </a:p>
-          <a:p>
-            <a:pPr lvl="1"/>
-            <a:r>
-              <a:rPr lang="en-GB" dirty="0"/>
-              <a:t>Smoke tests check for really basic failure: run these frequently</a:t>
-            </a:r>
-          </a:p>
-          <a:p>
-            <a:pPr lvl="1"/>
-            <a:r>
-              <a:rPr lang="en-GB" dirty="0"/>
-              <a:t>O</a:t>
-            </a:r>
-            <a:r>
-              <a:rPr lang="en-DE" dirty="0"/>
-              <a:t>ther tests may be many or too slow to run every time and test for more edge cases</a:t>
-            </a:r>
-          </a:p>
-        </p:txBody>
-      </p:sp>
-      <p:sp>
-        <p:nvSpPr>
-          <p:cNvPr id="4" name="Date Placeholder 3">
+            <p:ph type="ftr" sz="quarter" idx="11"/>
+          </p:nvPr>
+        </p:nvSpPr>
+        <p:spPr/>
+        <p:txBody>
+          <a:bodyPr/>
+          <a:lstStyle/>
+          <a:p>
+            <a:r>
+              <a:rPr lang="en-US"/>
+              <a:t>Testing scientific code, v12.0</a:t>
+            </a:r>
+            <a:endParaRPr lang="en-US" dirty="0"/>
+          </a:p>
+        </p:txBody>
+      </p:sp>
+      <p:pic>
+        <p:nvPicPr>
+          <p:cNvPr id="7" name="Picture 6" descr="Graphical user interface, chart&#10;&#10;Description automatically generated">
             <a:extLst>
               <a:ext uri="{FF2B5EF4-FFF2-40B4-BE49-F238E27FC236}">
-                <a16:creationId xmlns:a16="http://schemas.microsoft.com/office/drawing/2014/main" id="{EB90D210-69C2-254F-A712-34EDC8A34BCE}"/>
+                <a16:creationId xmlns:a16="http://schemas.microsoft.com/office/drawing/2014/main" id="{9B352F8A-71E1-E34C-8FFD-D4EA15F225D9}"/>
               </a:ext>
             </a:extLst>
           </p:cNvPr>
-          <p:cNvSpPr>
-            <a:spLocks noGrp="1"/>
-          </p:cNvSpPr>
-          <p:nvPr>
-            <p:ph type="dt" sz="half" idx="10"/>
-          </p:nvPr>
-        </p:nvSpPr>
-        <p:spPr/>
-        <p:txBody>
-          <a:bodyPr/>
-          <a:lstStyle/>
-          <a:p>
-            <a:r>
-              <a:rPr lang="en-US" sz="1000"/>
-              <a:t>August 2019, CC BY-SA 4.0</a:t>
-            </a:r>
-            <a:endParaRPr lang="en-US" sz="1000" dirty="0"/>
-          </a:p>
-        </p:txBody>
-      </p:sp>
-      <p:sp>
-        <p:nvSpPr>
-          <p:cNvPr id="5" name="Footer Placeholder 4">
+          <p:cNvPicPr>
+            <a:picLocks noChangeAspect="1"/>
+          </p:cNvPicPr>
+          <p:nvPr/>
+        </p:nvPicPr>
+        <p:blipFill rotWithShape="1">
+          <a:blip r:embed="rId2">
             <a:extLst>
-              <a:ext uri="{FF2B5EF4-FFF2-40B4-BE49-F238E27FC236}">
-                <a16:creationId xmlns:a16="http://schemas.microsoft.com/office/drawing/2014/main" id="{61CF89F0-6046-F74F-9841-B0C36739D201}"/>
+              <a:ext uri="{28A0092B-C50C-407E-A947-70E740481C1C}">
+                <a14:useLocalDpi xmlns:a14="http://schemas.microsoft.com/office/drawing/2010/main" val="0"/>
               </a:ext>
             </a:extLst>
-          </p:cNvPr>
-          <p:cNvSpPr>
-            <a:spLocks noGrp="1"/>
-          </p:cNvSpPr>
-          <p:nvPr>
-            <p:ph type="ftr" sz="quarter" idx="11"/>
-          </p:nvPr>
-        </p:nvSpPr>
-        <p:spPr/>
-        <p:txBody>
-          <a:bodyPr/>
-          <a:lstStyle/>
-          <a:p>
-            <a:r>
-              <a:rPr lang="en-US"/>
-              <a:t>Testing scientific code, v12.0</a:t>
-            </a:r>
-            <a:endParaRPr lang="en-US" dirty="0"/>
-          </a:p>
-        </p:txBody>
-      </p:sp>
-      <p:sp>
-        <p:nvSpPr>
-          <p:cNvPr id="6" name="Rectangle 5">
-            <a:extLst>
-              <a:ext uri="{FF2B5EF4-FFF2-40B4-BE49-F238E27FC236}">
-                <a16:creationId xmlns:a16="http://schemas.microsoft.com/office/drawing/2014/main" id="{E239EA3C-046A-4340-B98A-74523E6444C4}"/>
-              </a:ext>
-            </a:extLst>
-          </p:cNvPr>
-          <p:cNvSpPr/>
-          <p:nvPr/>
-        </p:nvSpPr>
+          </a:blip>
+          <a:srcRect l="8089" r="8421"/>
+          <a:stretch/>
+        </p:blipFill>
         <p:spPr>
           <a:xfrm>
-            <a:off x="709064" y="3611039"/>
-            <a:ext cx="7884368" cy="1323439"/>
+            <a:off x="21119" y="1564154"/>
+            <a:ext cx="9108000" cy="2727176"/>
           </a:xfrm>
           <a:prstGeom prst="rect">
             <a:avLst/>
           </a:prstGeom>
         </p:spPr>
-        <p:txBody>
-          <a:bodyPr wrap="square">
-            <a:spAutoFit/>
-          </a:bodyPr>
-          <a:lstStyle/>
-          <a:p>
-            <a:r>
-              <a:rPr lang="en-GB" sz="2000" b="1" dirty="0">
-                <a:solidFill>
-                  <a:srgbClr val="555555"/>
-                </a:solidFill>
-                <a:latin typeface="Courier New" panose="02070309020205020404" pitchFamily="49" charset="0"/>
-                <a:cs typeface="Courier New" panose="02070309020205020404" pitchFamily="49" charset="0"/>
-              </a:rPr>
-              <a:t>@</a:t>
-            </a:r>
-            <a:r>
-              <a:rPr lang="en-GB" sz="2000" b="1" dirty="0" err="1">
-                <a:solidFill>
-                  <a:srgbClr val="555555"/>
-                </a:solidFill>
-                <a:latin typeface="Courier New" panose="02070309020205020404" pitchFamily="49" charset="0"/>
-                <a:cs typeface="Courier New" panose="02070309020205020404" pitchFamily="49" charset="0"/>
-              </a:rPr>
-              <a:t>pytest.mark.smoke</a:t>
-            </a:r>
-            <a:endParaRPr lang="en-GB" sz="2000" b="1" dirty="0">
-              <a:solidFill>
-                <a:srgbClr val="555555"/>
-              </a:solidFill>
-              <a:latin typeface="Courier New" panose="02070309020205020404" pitchFamily="49" charset="0"/>
-              <a:cs typeface="Courier New" panose="02070309020205020404" pitchFamily="49" charset="0"/>
-            </a:endParaRPr>
-          </a:p>
-          <a:p>
-            <a:r>
-              <a:rPr lang="en-GB" sz="2000" b="1" dirty="0">
-                <a:solidFill>
-                  <a:srgbClr val="555555"/>
-                </a:solidFill>
-                <a:latin typeface="Courier New" panose="02070309020205020404" pitchFamily="49" charset="0"/>
-                <a:cs typeface="Courier New" panose="02070309020205020404" pitchFamily="49" charset="0"/>
-              </a:rPr>
-              <a:t>@</a:t>
-            </a:r>
-            <a:r>
-              <a:rPr lang="en-GB" sz="2000" b="1" dirty="0" err="1">
-                <a:solidFill>
-                  <a:srgbClr val="555555"/>
-                </a:solidFill>
-                <a:latin typeface="Courier New" panose="02070309020205020404" pitchFamily="49" charset="0"/>
-                <a:cs typeface="Courier New" panose="02070309020205020404" pitchFamily="49" charset="0"/>
-              </a:rPr>
-              <a:t>pytest.mark.parametrize</a:t>
-            </a:r>
-            <a:r>
-              <a:rPr lang="en-GB" sz="2000" dirty="0">
-                <a:latin typeface="Courier New" panose="02070309020205020404" pitchFamily="49" charset="0"/>
-                <a:cs typeface="Courier New" panose="02070309020205020404" pitchFamily="49" charset="0"/>
-              </a:rPr>
-              <a:t>("r", [</a:t>
-            </a:r>
-            <a:r>
-              <a:rPr lang="en-GB" sz="2000" b="1" dirty="0">
-                <a:solidFill>
-                  <a:srgbClr val="6600EE"/>
-                </a:solidFill>
-                <a:latin typeface="Courier New" panose="02070309020205020404" pitchFamily="49" charset="0"/>
-                <a:cs typeface="Courier New" panose="02070309020205020404" pitchFamily="49" charset="0"/>
-              </a:rPr>
-              <a:t>3.8</a:t>
-            </a:r>
-            <a:r>
-              <a:rPr lang="en-GB" sz="2000" dirty="0">
-                <a:latin typeface="Courier New" panose="02070309020205020404" pitchFamily="49" charset="0"/>
-                <a:cs typeface="Courier New" panose="02070309020205020404" pitchFamily="49" charset="0"/>
-              </a:rPr>
-              <a:t>, </a:t>
-            </a:r>
-            <a:r>
-              <a:rPr lang="en-GB" sz="2000" b="1" dirty="0">
-                <a:solidFill>
-                  <a:srgbClr val="6600EE"/>
-                </a:solidFill>
-                <a:latin typeface="Courier New" panose="02070309020205020404" pitchFamily="49" charset="0"/>
-                <a:cs typeface="Courier New" panose="02070309020205020404" pitchFamily="49" charset="0"/>
-              </a:rPr>
-              <a:t>3.001</a:t>
-            </a:r>
-            <a:r>
-              <a:rPr lang="en-GB" sz="2000" dirty="0">
-                <a:latin typeface="Courier New" panose="02070309020205020404" pitchFamily="49" charset="0"/>
-                <a:cs typeface="Courier New" panose="02070309020205020404" pitchFamily="49" charset="0"/>
-              </a:rPr>
-              <a:t>, </a:t>
-            </a:r>
-            <a:r>
-              <a:rPr lang="en-GB" sz="2000" b="1" dirty="0">
-                <a:solidFill>
-                  <a:srgbClr val="6600EE"/>
-                </a:solidFill>
-                <a:latin typeface="Courier New" panose="02070309020205020404" pitchFamily="49" charset="0"/>
-                <a:cs typeface="Courier New" panose="02070309020205020404" pitchFamily="49" charset="0"/>
-              </a:rPr>
-              <a:t>3.453</a:t>
-            </a:r>
-            <a:r>
-              <a:rPr lang="en-GB" sz="2000" dirty="0">
-                <a:latin typeface="Courier New" panose="02070309020205020404" pitchFamily="49" charset="0"/>
-                <a:cs typeface="Courier New" panose="02070309020205020404" pitchFamily="49" charset="0"/>
-              </a:rPr>
-              <a:t>])</a:t>
-            </a:r>
-          </a:p>
-          <a:p>
-            <a:r>
-              <a:rPr lang="en-GB" sz="2000" b="1" dirty="0">
-                <a:solidFill>
-                  <a:srgbClr val="008800"/>
-                </a:solidFill>
-                <a:latin typeface="Courier New" panose="02070309020205020404" pitchFamily="49" charset="0"/>
-                <a:cs typeface="Courier New" panose="02070309020205020404" pitchFamily="49" charset="0"/>
-              </a:rPr>
-              <a:t>def</a:t>
-            </a:r>
-            <a:r>
-              <a:rPr lang="en-GB" sz="2000" dirty="0">
-                <a:latin typeface="Courier New" panose="02070309020205020404" pitchFamily="49" charset="0"/>
-                <a:cs typeface="Courier New" panose="02070309020205020404" pitchFamily="49" charset="0"/>
-              </a:rPr>
-              <a:t> </a:t>
-            </a:r>
-            <a:r>
-              <a:rPr lang="en-GB" sz="2000" b="1" dirty="0" err="1">
-                <a:solidFill>
-                  <a:srgbClr val="0066BB"/>
-                </a:solidFill>
-                <a:latin typeface="Courier New" panose="02070309020205020404" pitchFamily="49" charset="0"/>
-                <a:cs typeface="Courier New" panose="02070309020205020404" pitchFamily="49" charset="0"/>
-              </a:rPr>
-              <a:t>test_aperiodic</a:t>
-            </a:r>
-            <a:r>
-              <a:rPr lang="en-GB" sz="2000" dirty="0">
-                <a:latin typeface="Courier New" panose="02070309020205020404" pitchFamily="49" charset="0"/>
-                <a:cs typeface="Courier New" panose="02070309020205020404" pitchFamily="49" charset="0"/>
-              </a:rPr>
-              <a:t>(r):</a:t>
-            </a:r>
-          </a:p>
-          <a:p>
-            <a:r>
-              <a:rPr lang="en-GB" sz="2000" dirty="0">
-                <a:latin typeface="Courier New" panose="02070309020205020404" pitchFamily="49" charset="0"/>
-                <a:cs typeface="Courier New" panose="02070309020205020404" pitchFamily="49" charset="0"/>
-              </a:rPr>
-              <a:t>	...</a:t>
-            </a:r>
-            <a:endParaRPr lang="en-DE" sz="2000" dirty="0">
-              <a:latin typeface="Courier New" panose="02070309020205020404" pitchFamily="49" charset="0"/>
-              <a:cs typeface="Courier New" panose="02070309020205020404" pitchFamily="49" charset="0"/>
-            </a:endParaRPr>
-          </a:p>
-        </p:txBody>
-      </p:sp>
-      <p:sp>
-        <p:nvSpPr>
-          <p:cNvPr id="7" name="TextBox 6">
+      </p:pic>
+      <p:sp>
+        <p:nvSpPr>
+          <p:cNvPr id="8" name="Content Placeholder 2">
             <a:extLst>
               <a:ext uri="{FF2B5EF4-FFF2-40B4-BE49-F238E27FC236}">
-                <a16:creationId xmlns:a16="http://schemas.microsoft.com/office/drawing/2014/main" id="{D972F30D-0D6B-4C4C-B6B7-2E9C84733A93}"/>
+                <a16:creationId xmlns:a16="http://schemas.microsoft.com/office/drawing/2014/main" id="{6CF4E620-F8C4-C043-A008-D66A605D3CCC}"/>
               </a:ext>
             </a:extLst>
           </p:cNvPr>
-          <p:cNvSpPr txBox="1"/>
-          <p:nvPr/>
+          <p:cNvSpPr>
+            <a:spLocks noGrp="1"/>
+          </p:cNvSpPr>
+          <p:nvPr>
+            <p:ph sz="quarter" idx="1"/>
+          </p:nvPr>
         </p:nvSpPr>
         <p:spPr>
           <a:xfrm>
-            <a:off x="1403648" y="5188525"/>
-            <a:ext cx="6083717" cy="830997"/>
+            <a:off x="457200" y="4571608"/>
+            <a:ext cx="8229600" cy="1891248"/>
           </a:xfrm>
-          <a:prstGeom prst="rect">
-            <a:avLst/>
-          </a:prstGeom>
-          <a:noFill/>
         </p:spPr>
         <p:txBody>
-          <a:bodyPr wrap="none" rtlCol="0">
-            <a:spAutoFit/>
+          <a:bodyPr>
+            <a:normAutofit/>
           </a:bodyPr>
           <a:lstStyle/>
           <a:p>
             <a:r>
-              <a:rPr lang="en-DE" dirty="0">
-                <a:solidFill>
-                  <a:srgbClr val="00B050"/>
-                </a:solidFill>
-                <a:latin typeface="Courier New" panose="02070309020205020404" pitchFamily="49" charset="0"/>
-                <a:cs typeface="Courier New" panose="02070309020205020404" pitchFamily="49" charset="0"/>
-              </a:rPr>
-              <a:t>&gt; pytest –m smoke</a:t>
-            </a:r>
-          </a:p>
-          <a:p>
-            <a:r>
-              <a:rPr lang="en-DE" dirty="0">
-                <a:solidFill>
-                  <a:srgbClr val="00B050"/>
-                </a:solidFill>
-                <a:latin typeface="Courier New" panose="02070309020205020404" pitchFamily="49" charset="0"/>
-                <a:cs typeface="Courier New" panose="02070309020205020404" pitchFamily="49" charset="0"/>
-              </a:rPr>
-              <a:t>&gt; pytest –m ”smoke and not slow”</a:t>
-            </a:r>
+              <a:rPr lang="de-DE" dirty="0" err="1"/>
+              <a:t>Between</a:t>
+            </a:r>
+            <a:r>
+              <a:rPr lang="de-DE" dirty="0"/>
+              <a:t> </a:t>
+            </a:r>
+            <a:r>
+              <a:rPr lang="de-DE" dirty="0" err="1"/>
+              <a:t>r</a:t>
+            </a:r>
+            <a:r>
+              <a:rPr lang="de-DE" dirty="0"/>
+              <a:t>=3 </a:t>
+            </a:r>
+            <a:r>
+              <a:rPr lang="de-DE" dirty="0" err="1"/>
+              <a:t>and</a:t>
+            </a:r>
+            <a:r>
+              <a:rPr lang="de-DE" dirty="0"/>
+              <a:t> </a:t>
+            </a:r>
+            <a:r>
+              <a:rPr lang="de-DE" dirty="0" err="1"/>
+              <a:t>r</a:t>
+            </a:r>
+            <a:r>
+              <a:rPr lang="de-DE" dirty="0"/>
+              <a:t>=4 </a:t>
+            </a:r>
+            <a:r>
+              <a:rPr lang="de-DE" dirty="0" err="1"/>
+              <a:t>the</a:t>
+            </a:r>
+            <a:r>
+              <a:rPr lang="de-DE" dirty="0"/>
+              <a:t> </a:t>
+            </a:r>
+            <a:r>
+              <a:rPr lang="de-DE" dirty="0" err="1"/>
+              <a:t>logistic</a:t>
+            </a:r>
+            <a:r>
+              <a:rPr lang="de-DE" dirty="0"/>
+              <a:t> </a:t>
+            </a:r>
+            <a:r>
+              <a:rPr lang="de-DE" dirty="0" err="1"/>
+              <a:t>function</a:t>
+            </a:r>
+            <a:r>
+              <a:rPr lang="de-DE" dirty="0"/>
+              <a:t> </a:t>
+            </a:r>
+            <a:r>
+              <a:rPr lang="de-DE" dirty="0" err="1"/>
+              <a:t>has</a:t>
+            </a:r>
+            <a:r>
+              <a:rPr lang="de-DE" dirty="0"/>
+              <a:t> a </a:t>
+            </a:r>
+            <a:r>
+              <a:rPr lang="de-DE" dirty="0" err="1"/>
+              <a:t>range</a:t>
+            </a:r>
+            <a:r>
+              <a:rPr lang="de-DE" dirty="0"/>
+              <a:t> </a:t>
+            </a:r>
+            <a:r>
+              <a:rPr lang="de-DE" dirty="0" err="1"/>
+              <a:t>of</a:t>
+            </a:r>
+            <a:r>
+              <a:rPr lang="de-DE" dirty="0"/>
+              <a:t> </a:t>
+            </a:r>
+            <a:r>
+              <a:rPr lang="de-DE" dirty="0" err="1"/>
+              <a:t>behaviors</a:t>
+            </a:r>
+            <a:endParaRPr lang="de-DE" dirty="0"/>
+          </a:p>
+          <a:p>
+            <a:r>
+              <a:rPr lang="de-DE" dirty="0" err="1">
+                <a:cs typeface="Courier New" panose="02070309020205020404" pitchFamily="49" charset="0"/>
+              </a:rPr>
+              <a:t>Periodic</a:t>
+            </a:r>
+            <a:r>
+              <a:rPr lang="de-DE" dirty="0">
+                <a:cs typeface="Courier New" panose="02070309020205020404" pitchFamily="49" charset="0"/>
+              </a:rPr>
+              <a:t> vs. </a:t>
+            </a:r>
+            <a:r>
+              <a:rPr lang="de-DE" dirty="0" err="1">
+                <a:cs typeface="Courier New" panose="02070309020205020404" pitchFamily="49" charset="0"/>
+              </a:rPr>
+              <a:t>chaotic</a:t>
+            </a:r>
+            <a:endParaRPr lang="de-DE" dirty="0">
+              <a:cs typeface="Courier New" panose="02070309020205020404" pitchFamily="49" charset="0"/>
+            </a:endParaRPr>
           </a:p>
         </p:txBody>
       </p:sp>
     </p:spTree>
     <p:extLst>
       <p:ext uri="{BB962C8B-B14F-4D97-AF65-F5344CB8AC3E}">
-        <p14:creationId xmlns:p14="http://schemas.microsoft.com/office/powerpoint/2010/main" val="4266619671"/>
+        <p14:creationId xmlns:p14="http://schemas.microsoft.com/office/powerpoint/2010/main" val="2542260443"/>
       </p:ext>
     </p:extLst>
   </p:cSld>
@@ -11485,10 +11671,10 @@
       </p:sp>
       <p:pic>
         <p:nvPicPr>
-          <p:cNvPr id="7" name="Picture 6" descr="Chart&#10;&#10;Description automatically generated">
+          <p:cNvPr id="6" name="Picture 5" descr="A picture containing chart&#10;&#10;Description automatically generated">
             <a:extLst>
               <a:ext uri="{FF2B5EF4-FFF2-40B4-BE49-F238E27FC236}">
-                <a16:creationId xmlns:a16="http://schemas.microsoft.com/office/drawing/2014/main" id="{9A71879B-1C04-2E41-ACC8-3A6D53766A57}"/>
+                <a16:creationId xmlns:a16="http://schemas.microsoft.com/office/drawing/2014/main" id="{68EADA29-EF24-B448-9A94-D3393232E364}"/>
               </a:ext>
             </a:extLst>
           </p:cNvPr>
@@ -11497,7 +11683,7 @@
           </p:cNvPicPr>
           <p:nvPr/>
         </p:nvPicPr>
-        <p:blipFill>
+        <p:blipFill rotWithShape="1">
           <a:blip r:embed="rId2">
             <a:extLst>
               <a:ext uri="{28A0092B-C50C-407E-A947-70E740481C1C}">
@@ -11505,14 +11691,13 @@
               </a:ext>
             </a:extLst>
           </a:blip>
-          <a:stretch>
-            <a:fillRect/>
-          </a:stretch>
+          <a:srcRect l="10239" t="9642" r="8659" b="5315"/>
+          <a:stretch/>
         </p:blipFill>
         <p:spPr>
           <a:xfrm>
-            <a:off x="53752" y="1132482"/>
-            <a:ext cx="9036496" cy="4518248"/>
+            <a:off x="120866" y="1340768"/>
+            <a:ext cx="8927659" cy="4680520"/>
           </a:xfrm>
           <a:prstGeom prst="rect">
             <a:avLst/>
@@ -11637,10 +11822,10 @@
       </p:sp>
       <p:pic>
         <p:nvPicPr>
-          <p:cNvPr id="6" name="Picture 5" descr="Chart&#10;&#10;Description automatically generated">
+          <p:cNvPr id="7" name="Picture 6" descr="Chart, histogram&#10;&#10;Description automatically generated">
             <a:extLst>
               <a:ext uri="{FF2B5EF4-FFF2-40B4-BE49-F238E27FC236}">
-                <a16:creationId xmlns:a16="http://schemas.microsoft.com/office/drawing/2014/main" id="{095BE9D7-1CF5-354F-9363-1D7C5E47A2B9}"/>
+                <a16:creationId xmlns:a16="http://schemas.microsoft.com/office/drawing/2014/main" id="{0C911BAD-9B2F-784D-97A2-7CC3A112C5E9}"/>
               </a:ext>
             </a:extLst>
           </p:cNvPr>
@@ -11649,7 +11834,7 @@
           </p:cNvPicPr>
           <p:nvPr/>
         </p:nvPicPr>
-        <p:blipFill>
+        <p:blipFill rotWithShape="1">
           <a:blip r:embed="rId2">
             <a:extLst>
               <a:ext uri="{28A0092B-C50C-407E-A947-70E740481C1C}">
@@ -11657,14 +11842,217 @@
               </a:ext>
             </a:extLst>
           </a:blip>
-          <a:stretch>
-            <a:fillRect/>
-          </a:stretch>
+          <a:srcRect l="8380" t="7183" r="5947" b="7144"/>
+          <a:stretch/>
         </p:blipFill>
         <p:spPr>
           <a:xfrm>
-            <a:off x="0" y="1177794"/>
-            <a:ext cx="9144000" cy="4572000"/>
+            <a:off x="216000" y="1188000"/>
+            <a:ext cx="4788000" cy="4788000"/>
+          </a:xfrm>
+          <a:prstGeom prst="rect">
+            <a:avLst/>
+          </a:prstGeom>
+        </p:spPr>
+      </p:pic>
+      <p:sp>
+        <p:nvSpPr>
+          <p:cNvPr id="8" name="Content Placeholder 2">
+            <a:extLst>
+              <a:ext uri="{FF2B5EF4-FFF2-40B4-BE49-F238E27FC236}">
+                <a16:creationId xmlns:a16="http://schemas.microsoft.com/office/drawing/2014/main" id="{13DBA389-D643-8C45-81FE-F404FC79E1D0}"/>
+              </a:ext>
+            </a:extLst>
+          </p:cNvPr>
+          <p:cNvSpPr>
+            <a:spLocks noGrp="1"/>
+          </p:cNvSpPr>
+          <p:nvPr>
+            <p:ph sz="quarter" idx="1"/>
+          </p:nvPr>
+        </p:nvSpPr>
+        <p:spPr>
+          <a:xfrm>
+            <a:off x="4860032" y="1334046"/>
+            <a:ext cx="4067968" cy="4248472"/>
+          </a:xfrm>
+        </p:spPr>
+        <p:txBody>
+          <a:bodyPr>
+            <a:normAutofit/>
+          </a:bodyPr>
+          <a:lstStyle/>
+          <a:p>
+            <a:r>
+              <a:rPr lang="de-DE" dirty="0"/>
+              <a:t>Sensitive </a:t>
+            </a:r>
+            <a:r>
+              <a:rPr lang="de-DE" dirty="0" err="1"/>
+              <a:t>Dependence</a:t>
+            </a:r>
+            <a:r>
+              <a:rPr lang="de-DE" dirty="0"/>
+              <a:t> on Initial </a:t>
+            </a:r>
+            <a:r>
+              <a:rPr lang="de-DE" dirty="0" err="1"/>
+              <a:t>Conditions</a:t>
+            </a:r>
+            <a:r>
+              <a:rPr lang="de-DE" dirty="0"/>
+              <a:t> (SDIC)</a:t>
+            </a:r>
+          </a:p>
+          <a:p>
+            <a:r>
+              <a:rPr lang="de-DE" dirty="0">
+                <a:cs typeface="Courier New" panose="02070309020205020404" pitchFamily="49" charset="0"/>
+              </a:rPr>
+              <a:t>Even </a:t>
+            </a:r>
+            <a:r>
+              <a:rPr lang="de-DE" dirty="0" err="1">
+                <a:cs typeface="Courier New" panose="02070309020205020404" pitchFamily="49" charset="0"/>
+              </a:rPr>
+              <a:t>seeds</a:t>
+            </a:r>
+            <a:r>
+              <a:rPr lang="de-DE" dirty="0">
+                <a:cs typeface="Courier New" panose="02070309020205020404" pitchFamily="49" charset="0"/>
+              </a:rPr>
+              <a:t> </a:t>
+            </a:r>
+            <a:r>
+              <a:rPr lang="de-DE" dirty="0" err="1">
+                <a:cs typeface="Courier New" panose="02070309020205020404" pitchFamily="49" charset="0"/>
+              </a:rPr>
+              <a:t>that</a:t>
+            </a:r>
+            <a:r>
+              <a:rPr lang="de-DE" dirty="0">
+                <a:cs typeface="Courier New" panose="02070309020205020404" pitchFamily="49" charset="0"/>
+              </a:rPr>
+              <a:t> </a:t>
+            </a:r>
+            <a:r>
+              <a:rPr lang="de-DE" dirty="0" err="1">
+                <a:cs typeface="Courier New" panose="02070309020205020404" pitchFamily="49" charset="0"/>
+              </a:rPr>
+              <a:t>are</a:t>
+            </a:r>
+            <a:r>
+              <a:rPr lang="de-DE" dirty="0">
+                <a:cs typeface="Courier New" panose="02070309020205020404" pitchFamily="49" charset="0"/>
+              </a:rPr>
+              <a:t> </a:t>
+            </a:r>
+            <a:r>
+              <a:rPr lang="de-DE" dirty="0" err="1">
+                <a:cs typeface="Courier New" panose="02070309020205020404" pitchFamily="49" charset="0"/>
+              </a:rPr>
+              <a:t>very</a:t>
+            </a:r>
+            <a:r>
+              <a:rPr lang="de-DE" dirty="0">
+                <a:cs typeface="Courier New" panose="02070309020205020404" pitchFamily="49" charset="0"/>
+              </a:rPr>
+              <a:t> </a:t>
+            </a:r>
+            <a:r>
+              <a:rPr lang="de-DE" dirty="0" err="1">
+                <a:cs typeface="Courier New" panose="02070309020205020404" pitchFamily="49" charset="0"/>
+              </a:rPr>
+              <a:t>close</a:t>
+            </a:r>
+            <a:r>
+              <a:rPr lang="de-DE" dirty="0">
+                <a:cs typeface="Courier New" panose="02070309020205020404" pitchFamily="49" charset="0"/>
+              </a:rPr>
+              <a:t>, </a:t>
+            </a:r>
+            <a:r>
+              <a:rPr lang="de-DE" dirty="0" err="1">
+                <a:cs typeface="Courier New" panose="02070309020205020404" pitchFamily="49" charset="0"/>
+              </a:rPr>
+              <a:t>quickly</a:t>
+            </a:r>
+            <a:r>
+              <a:rPr lang="de-DE" dirty="0">
+                <a:cs typeface="Courier New" panose="02070309020205020404" pitchFamily="49" charset="0"/>
+              </a:rPr>
+              <a:t> find </a:t>
+            </a:r>
+            <a:r>
+              <a:rPr lang="de-DE" dirty="0" err="1">
+                <a:cs typeface="Courier New" panose="02070309020205020404" pitchFamily="49" charset="0"/>
+              </a:rPr>
+              <a:t>completely</a:t>
+            </a:r>
+            <a:r>
+              <a:rPr lang="de-DE" dirty="0">
+                <a:cs typeface="Courier New" panose="02070309020205020404" pitchFamily="49" charset="0"/>
+              </a:rPr>
+              <a:t> different </a:t>
+            </a:r>
+            <a:r>
+              <a:rPr lang="de-DE" dirty="0" err="1">
+                <a:cs typeface="Courier New" panose="02070309020205020404" pitchFamily="49" charset="0"/>
+              </a:rPr>
+              <a:t>itineraries</a:t>
+            </a:r>
+            <a:endParaRPr lang="de-DE" dirty="0">
+              <a:cs typeface="Courier New" panose="02070309020205020404" pitchFamily="49" charset="0"/>
+            </a:endParaRPr>
+          </a:p>
+          <a:p>
+            <a:r>
+              <a:rPr lang="de-DE" dirty="0">
+                <a:cs typeface="Courier New" panose="02070309020205020404" pitchFamily="49" charset="0"/>
+              </a:rPr>
+              <a:t>Butterfly </a:t>
+            </a:r>
+            <a:r>
+              <a:rPr lang="de-DE" dirty="0" err="1">
+                <a:cs typeface="Courier New" panose="02070309020205020404" pitchFamily="49" charset="0"/>
+              </a:rPr>
+              <a:t>effect</a:t>
+            </a:r>
+            <a:endParaRPr lang="de-DE" dirty="0">
+              <a:cs typeface="Courier New" panose="02070309020205020404" pitchFamily="49" charset="0"/>
+            </a:endParaRPr>
+          </a:p>
+        </p:txBody>
+      </p:sp>
+      <p:pic>
+        <p:nvPicPr>
+          <p:cNvPr id="10" name="Picture 9" descr="Background pattern&#10;&#10;Description automatically generated with low confidence">
+            <a:extLst>
+              <a:ext uri="{FF2B5EF4-FFF2-40B4-BE49-F238E27FC236}">
+                <a16:creationId xmlns:a16="http://schemas.microsoft.com/office/drawing/2014/main" id="{5EC068AC-3398-8F4C-AEFC-4D81FF82EDB6}"/>
+              </a:ext>
+            </a:extLst>
+          </p:cNvPr>
+          <p:cNvPicPr>
+            <a:picLocks noChangeAspect="1"/>
+          </p:cNvPicPr>
+          <p:nvPr/>
+        </p:nvPicPr>
+        <p:blipFill rotWithShape="1">
+          <a:blip r:embed="rId3">
+            <a:extLst>
+              <a:ext uri="{28A0092B-C50C-407E-A947-70E740481C1C}">
+                <a14:useLocalDpi xmlns:a14="http://schemas.microsoft.com/office/drawing/2010/main" val="0"/>
+              </a:ext>
+            </a:extLst>
+          </a:blip>
+          <a:srcRect t="17604" b="2214"/>
+          <a:stretch/>
+        </p:blipFill>
+        <p:spPr>
+          <a:xfrm>
+            <a:off x="5638800" y="3715005"/>
+            <a:ext cx="3505200" cy="2988000"/>
           </a:xfrm>
           <a:prstGeom prst="rect">
             <a:avLst/>
@@ -11674,7 +12062,7 @@
     </p:spTree>
     <p:extLst>
       <p:ext uri="{BB962C8B-B14F-4D97-AF65-F5344CB8AC3E}">
-        <p14:creationId xmlns:p14="http://schemas.microsoft.com/office/powerpoint/2010/main" val="2542260443"/>
+        <p14:creationId xmlns:p14="http://schemas.microsoft.com/office/powerpoint/2010/main" val="1281055550"/>
       </p:ext>
     </p:extLst>
   </p:cSld>
@@ -11745,10 +12133,15 @@
             <p:ph sz="quarter" idx="1"/>
           </p:nvPr>
         </p:nvSpPr>
-        <p:spPr/>
+        <p:spPr>
+          <a:xfrm>
+            <a:off x="179512" y="1219200"/>
+            <a:ext cx="8892480" cy="5018112"/>
+          </a:xfrm>
+        </p:spPr>
         <p:txBody>
           <a:bodyPr>
-            <a:normAutofit fontScale="55000" lnSpcReduction="20000"/>
+            <a:normAutofit fontScale="92500" lnSpcReduction="10000"/>
           </a:bodyPr>
           <a:lstStyle/>
           <a:p>
@@ -11756,42 +12149,87 @@
               <a:buNone/>
             </a:pPr>
             <a:r>
-              <a:rPr lang="en-GB" b="1" dirty="0"/>
-              <a:t>## Exercise 4.3:</a:t>
-            </a:r>
-            <a:endParaRPr lang="en-GB" dirty="0"/>
-          </a:p>
-          <a:p>
-            <a:r>
               <a:rPr lang="en-GB" dirty="0"/>
-              <a:t>Mark the `</a:t>
-            </a:r>
-            <a:r>
-              <a:rPr lang="en-GB" dirty="0" err="1"/>
-              <a:t>test_aperiodic</a:t>
-            </a:r>
-            <a:r>
-              <a:rPr lang="en-GB" dirty="0"/>
-              <a:t>` function as expected to fail!</a:t>
-            </a:r>
-          </a:p>
-          <a:p>
-            <a:pPr marL="0" indent="0">
+              <a:t>Some r values for 3 &lt; r &lt; 4 have some interesting properties: a chaotic trajectory neither diverges nor converges.</a:t>
+            </a:r>
+          </a:p>
+          <a:p>
+            <a:pPr marL="274320" lvl="1" indent="0">
               <a:buNone/>
             </a:pPr>
             <a:br>
               <a:rPr lang="en-GB" dirty="0"/>
             </a:br>
             <a:r>
-              <a:rPr lang="en-GB" b="1" dirty="0"/>
-              <a:t>## Exercise 5:</a:t>
+              <a:rPr lang="en-GB" dirty="0"/>
+              <a:t>a) Use the </a:t>
+            </a:r>
+            <a:r>
+              <a:rPr lang="en-GB" dirty="0" err="1">
+                <a:latin typeface="Courier New" panose="02070309020205020404" pitchFamily="49" charset="0"/>
+                <a:cs typeface="Courier New" panose="02070309020205020404" pitchFamily="49" charset="0"/>
+              </a:rPr>
+              <a:t>plot_bifurcation</a:t>
+            </a:r>
+            <a:r>
+              <a:rPr lang="en-GB" dirty="0"/>
+              <a:t> function from the </a:t>
+            </a:r>
+            <a:r>
+              <a:rPr lang="en-GB" dirty="0" err="1">
+                <a:latin typeface="Courier New" panose="02070309020205020404" pitchFamily="49" charset="0"/>
+                <a:cs typeface="Courier New" panose="02070309020205020404" pitchFamily="49" charset="0"/>
+              </a:rPr>
+              <a:t>plot_logfun</a:t>
+            </a:r>
+            <a:r>
+              <a:rPr lang="en-GB" dirty="0"/>
+              <a:t> module using your implementation of </a:t>
+            </a:r>
+            <a:r>
+              <a:rPr lang="en-GB" dirty="0">
+                <a:latin typeface="Courier New" panose="02070309020205020404" pitchFamily="49" charset="0"/>
+                <a:cs typeface="Courier New" panose="02070309020205020404" pitchFamily="49" charset="0"/>
+              </a:rPr>
+              <a:t>f</a:t>
+            </a:r>
+            <a:r>
+              <a:rPr lang="en-GB" dirty="0"/>
+              <a:t> and </a:t>
+            </a:r>
+            <a:r>
+              <a:rPr lang="en-GB" dirty="0" err="1">
+                <a:latin typeface="Courier New" panose="02070309020205020404" pitchFamily="49" charset="0"/>
+                <a:cs typeface="Courier New" panose="02070309020205020404" pitchFamily="49" charset="0"/>
+              </a:rPr>
+              <a:t>iterate_f</a:t>
+            </a:r>
+            <a:r>
+              <a:rPr lang="en-GB" dirty="0"/>
+              <a:t> to look at the bifurcation diagram. The script generates an output image, </a:t>
+            </a:r>
+            <a:r>
+              <a:rPr lang="en-GB" dirty="0" err="1">
+                <a:latin typeface="Courier New" panose="02070309020205020404" pitchFamily="49" charset="0"/>
+                <a:cs typeface="Courier New" panose="02070309020205020404" pitchFamily="49" charset="0"/>
+              </a:rPr>
+              <a:t>bifurcation_diagram.png</a:t>
             </a:r>
             <a:endParaRPr lang="en-GB" dirty="0"/>
           </a:p>
           <a:p>
+            <a:pPr marL="274320" lvl="1" indent="0">
+              <a:buNone/>
+            </a:pPr>
+            <a:endParaRPr lang="en-GB" dirty="0"/>
+          </a:p>
+          <a:p>
+            <a:pPr marL="274320" lvl="1" indent="0">
+              <a:buNone/>
+            </a:pPr>
             <a:r>
               <a:rPr lang="en-GB" dirty="0"/>
-              <a:t>To test chaotic </a:t>
+              <a:t>b) Write a test that checks for chaotic </a:t>
             </a:r>
             <a:r>
               <a:rPr lang="en-GB" dirty="0" err="1"/>
@@ -11799,61 +12237,78 @@
             </a:r>
             <a:r>
               <a:rPr lang="en-GB" dirty="0"/>
-              <a:t> we will need to be a bit more advanced.</a:t>
-            </a:r>
-          </a:p>
-          <a:p>
+              <a:t> when </a:t>
+            </a:r>
+            <a:r>
+              <a:rPr lang="en-GB" dirty="0">
+                <a:latin typeface="Courier New" panose="02070309020205020404" pitchFamily="49" charset="0"/>
+                <a:cs typeface="Courier New" panose="02070309020205020404" pitchFamily="49" charset="0"/>
+              </a:rPr>
+              <a:t>r=3.8</a:t>
+            </a:r>
             <a:r>
               <a:rPr lang="en-GB" dirty="0"/>
-              <a:t>Let's test that what we're seeing is actually chaos:</a:t>
-            </a:r>
-          </a:p>
-          <a:p>
-            <a:pPr lvl="1"/>
+              <a:t>. Run the logistic map for 100000 iterations and verify the conditions for chaotic </a:t>
+            </a:r>
+            <a:r>
+              <a:rPr lang="en-GB" dirty="0" err="1"/>
+              <a:t>behavior</a:t>
+            </a:r>
             <a:r>
               <a:rPr lang="en-GB" dirty="0"/>
-              <a:t> orbits </a:t>
-            </a:r>
-            <a:r>
-              <a:rPr lang="en-GB" dirty="0" err="1"/>
-              <a:t>mus</a:t>
-            </a:r>
-            <a:r>
+              <a:t>:</a:t>
+            </a:r>
+            <a:br>
               <a:rPr lang="en-GB" dirty="0"/>
-              <a:t> be bounded, i.e. not diverge: you can use your divergence code for this</a:t>
-            </a:r>
-          </a:p>
-          <a:p>
-            <a:pPr lvl="1"/>
+            </a:br>
+            <a:endParaRPr lang="en-GB" dirty="0"/>
+          </a:p>
+          <a:p>
+            <a:pPr marL="548640" lvl="2" indent="0">
+              <a:buNone/>
+            </a:pPr>
             <a:r>
               <a:rPr lang="en-GB" dirty="0"/>
-              <a:t> orbits must be aperiodic, i.e. only values of r that pass the </a:t>
-            </a:r>
-            <a:r>
-              <a:rPr lang="en-GB" dirty="0" err="1"/>
-              <a:t>test_aperiodic</a:t>
-            </a:r>
+              <a:t>1) The function is deterministic: </a:t>
+            </a:r>
+            <a:r>
+              <a:rPr lang="en-GB" i="1" dirty="0"/>
+              <a:t>this does not need to be tested in this case</a:t>
+            </a:r>
+          </a:p>
+          <a:p>
+            <a:pPr marL="548640" lvl="2" indent="0">
+              <a:buNone/>
+            </a:pPr>
             <a:r>
               <a:rPr lang="en-GB" dirty="0"/>
-              <a:t> function can qualify</a:t>
-            </a:r>
-          </a:p>
-          <a:p>
-            <a:pPr lvl="1"/>
+              <a:t>2) Orbits must be bounded: check that all values are between 0 and 1</a:t>
+            </a:r>
+          </a:p>
+          <a:p>
+            <a:pPr marL="548640" lvl="2" indent="0">
+              <a:buNone/>
+            </a:pPr>
             <a:r>
               <a:rPr lang="en-GB" dirty="0"/>
-              <a:t> sensitive dependence on initial conditions</a:t>
-            </a:r>
-          </a:p>
-          <a:p>
-            <a:pPr lvl="1"/>
+              <a:t>3) Orbits must be aperiodic: check that the last 1000 values are all different</a:t>
+            </a:r>
+          </a:p>
+          <a:p>
+            <a:pPr marL="548640" lvl="2" indent="0">
+              <a:buNone/>
+            </a:pPr>
             <a:r>
               <a:rPr lang="en-GB" dirty="0"/>
-              <a:t> it has to be deterministic</a:t>
-            </a:r>
-          </a:p>
-          <a:p>
-            <a:pPr marL="0" indent="0">
+              <a:t>4) Sensitive dependence on initial conditions: </a:t>
+            </a:r>
+            <a:r>
+              <a:rPr lang="en-GB" i="1" dirty="0"/>
+              <a:t>this is the bonus exercise (in readme)</a:t>
+            </a:r>
+          </a:p>
+          <a:p>
+            <a:pPr marL="274320" lvl="1" indent="0">
               <a:buNone/>
             </a:pPr>
             <a:br>
@@ -11861,42 +12316,7 @@
             </a:br>
             <a:r>
               <a:rPr lang="en-GB" dirty="0"/>
-              <a:t>We already established the first two. Lets write tests for the last two!</a:t>
-            </a:r>
-          </a:p>
-          <a:p>
-            <a:pPr marL="0" indent="0">
-              <a:buNone/>
-            </a:pPr>
-            <a:r>
-              <a:rPr lang="en-GB" b="1" dirty="0"/>
-              <a:t>## Exercise 5.1:</a:t>
-            </a:r>
-            <a:endParaRPr lang="en-GB" dirty="0"/>
-          </a:p>
-          <a:p>
-            <a:r>
-              <a:rPr lang="en-GB" dirty="0"/>
-              <a:t>Look at the bifurcation plot and single trajectory plot and pick an r value that you think will likely yield chaos. Then write a test to verify that the trajectory is deterministic.</a:t>
-            </a:r>
-          </a:p>
-          <a:p>
-            <a:pPr marL="0" indent="0">
-              <a:buNone/>
-            </a:pPr>
-            <a:br>
-              <a:rPr lang="en-GB" dirty="0"/>
-            </a:br>
-            <a:r>
-              <a:rPr lang="en-GB" b="1" dirty="0"/>
-              <a:t>## Exercise 5.2:</a:t>
-            </a:r>
-            <a:endParaRPr lang="en-GB" dirty="0"/>
-          </a:p>
-          <a:p>
-            <a:r>
-              <a:rPr lang="en-GB" dirty="0"/>
-              <a:t>For the same r value, test the sensitive dependence on initial conditions, or the butterfly effect. </a:t>
+              <a:t>The test should check conditions 2) and 3)!</a:t>
             </a:r>
           </a:p>
         </p:txBody>
@@ -11961,38 +12381,54 @@
       </p:sp>
       <p:sp>
         <p:nvSpPr>
-          <p:cNvPr id="6" name="TextBox 5">
+          <p:cNvPr id="7" name="Rectangle 6">
             <a:extLst>
               <a:ext uri="{FF2B5EF4-FFF2-40B4-BE49-F238E27FC236}">
-                <a16:creationId xmlns:a16="http://schemas.microsoft.com/office/drawing/2014/main" id="{3274CF38-6E41-F345-A4CD-FAF678078795}"/>
+                <a16:creationId xmlns:a16="http://schemas.microsoft.com/office/drawing/2014/main" id="{5596E544-3B56-EF46-8DC8-4A94BEABEDCA}"/>
               </a:ext>
             </a:extLst>
           </p:cNvPr>
-          <p:cNvSpPr txBox="1"/>
+          <p:cNvSpPr/>
           <p:nvPr/>
         </p:nvSpPr>
         <p:spPr>
           <a:xfrm>
-            <a:off x="5867224" y="245345"/>
-            <a:ext cx="2737224" cy="461665"/>
+            <a:off x="0" y="0"/>
+            <a:ext cx="9144000" cy="6858000"/>
           </a:xfrm>
           <a:prstGeom prst="rect">
             <a:avLst/>
           </a:prstGeom>
-          <a:solidFill>
-            <a:srgbClr val="FFFF00"/>
-          </a:solidFill>
+          <a:noFill/>
+          <a:ln w="165100">
+            <a:solidFill>
+              <a:srgbClr val="00B050"/>
+            </a:solidFill>
+            <a:miter lim="800000"/>
+          </a:ln>
         </p:spPr>
-        <p:txBody>
-          <a:bodyPr wrap="square" rtlCol="0">
-            <a:spAutoFit/>
-          </a:bodyPr>
-          <a:lstStyle/>
-          <a:p>
-            <a:r>
-              <a:rPr lang="en-CH" dirty="0"/>
-              <a:t>TODO update</a:t>
-            </a:r>
+        <p:style>
+          <a:lnRef idx="2">
+            <a:schemeClr val="accent1">
+              <a:shade val="50000"/>
+            </a:schemeClr>
+          </a:lnRef>
+          <a:fillRef idx="1">
+            <a:schemeClr val="accent1"/>
+          </a:fillRef>
+          <a:effectRef idx="0">
+            <a:schemeClr val="accent1"/>
+          </a:effectRef>
+          <a:fontRef idx="minor">
+            <a:schemeClr val="lt1"/>
+          </a:fontRef>
+        </p:style>
+        <p:txBody>
+          <a:bodyPr rtlCol="0" anchor="ctr"/>
+          <a:lstStyle/>
+          <a:p>
+            <a:pPr algn="ctr"/>
+            <a:endParaRPr lang="en-DE"/>
           </a:p>
         </p:txBody>
       </p:sp>
@@ -12191,340 +12627,6 @@
 </file>
 
 <file path=ppt/slides/slide30.xml><?xml version="1.0" encoding="utf-8"?>
-<p:sld xmlns:a="http://schemas.openxmlformats.org/drawingml/2006/main" xmlns:r="http://schemas.openxmlformats.org/officeDocument/2006/relationships" xmlns:p="http://schemas.openxmlformats.org/presentationml/2006/main">
-  <p:cSld>
-    <p:spTree>
-      <p:nvGrpSpPr>
-        <p:cNvPr id="1" name=""/>
-        <p:cNvGrpSpPr/>
-        <p:nvPr/>
-      </p:nvGrpSpPr>
-      <p:grpSpPr>
-        <a:xfrm>
-          <a:off x="0" y="0"/>
-          <a:ext cx="0" cy="0"/>
-          <a:chOff x="0" y="0"/>
-          <a:chExt cx="0" cy="0"/>
-        </a:xfrm>
-      </p:grpSpPr>
-      <p:sp>
-        <p:nvSpPr>
-          <p:cNvPr id="2" name="Title 1">
-            <a:extLst>
-              <a:ext uri="{FF2B5EF4-FFF2-40B4-BE49-F238E27FC236}">
-                <a16:creationId xmlns:a16="http://schemas.microsoft.com/office/drawing/2014/main" id="{B9A2DE47-1C1F-A04E-97D5-37CEEC485E77}"/>
-              </a:ext>
-            </a:extLst>
-          </p:cNvPr>
-          <p:cNvSpPr>
-            <a:spLocks noGrp="1"/>
-          </p:cNvSpPr>
-          <p:nvPr>
-            <p:ph type="title"/>
-          </p:nvPr>
-        </p:nvSpPr>
-        <p:spPr/>
-        <p:txBody>
-          <a:bodyPr/>
-          <a:lstStyle/>
-          <a:p>
-            <a:r>
-              <a:rPr lang="de-DE" dirty="0" err="1"/>
-              <a:t>Pytest</a:t>
-            </a:r>
-            <a:endParaRPr lang="en-DE" dirty="0"/>
-          </a:p>
-        </p:txBody>
-      </p:sp>
-      <p:pic>
-        <p:nvPicPr>
-          <p:cNvPr id="7" name="Content Placeholder 6" descr="Diagram&#10;&#10;Description automatically generated">
-            <a:extLst>
-              <a:ext uri="{FF2B5EF4-FFF2-40B4-BE49-F238E27FC236}">
-                <a16:creationId xmlns:a16="http://schemas.microsoft.com/office/drawing/2014/main" id="{F4D4503A-473B-6745-8A43-903382FAA9A8}"/>
-              </a:ext>
-            </a:extLst>
-          </p:cNvPr>
-          <p:cNvPicPr>
-            <a:picLocks noGrp="1" noChangeAspect="1"/>
-          </p:cNvPicPr>
-          <p:nvPr>
-            <p:ph sz="quarter" idx="1"/>
-          </p:nvPr>
-        </p:nvPicPr>
-        <p:blipFill>
-          <a:blip r:embed="rId2">
-            <a:extLst>
-              <a:ext uri="{28A0092B-C50C-407E-A947-70E740481C1C}">
-                <a14:useLocalDpi xmlns:a14="http://schemas.microsoft.com/office/drawing/2010/main" val="0"/>
-              </a:ext>
-            </a:extLst>
-          </a:blip>
-          <a:stretch>
-            <a:fillRect/>
-          </a:stretch>
-        </p:blipFill>
-        <p:spPr>
-          <a:xfrm>
-            <a:off x="-1" y="1772816"/>
-            <a:ext cx="9037873" cy="3240360"/>
-          </a:xfrm>
-        </p:spPr>
-      </p:pic>
-      <p:sp>
-        <p:nvSpPr>
-          <p:cNvPr id="4" name="Date Placeholder 3">
-            <a:extLst>
-              <a:ext uri="{FF2B5EF4-FFF2-40B4-BE49-F238E27FC236}">
-                <a16:creationId xmlns:a16="http://schemas.microsoft.com/office/drawing/2014/main" id="{46438E85-9FAB-4049-8FF4-09F6264FBD34}"/>
-              </a:ext>
-            </a:extLst>
-          </p:cNvPr>
-          <p:cNvSpPr>
-            <a:spLocks noGrp="1"/>
-          </p:cNvSpPr>
-          <p:nvPr>
-            <p:ph type="dt" sz="half" idx="10"/>
-          </p:nvPr>
-        </p:nvSpPr>
-        <p:spPr/>
-        <p:txBody>
-          <a:bodyPr/>
-          <a:lstStyle/>
-          <a:p>
-            <a:r>
-              <a:rPr lang="en-US" sz="1000"/>
-              <a:t>August 2019, CC BY-SA 4.0</a:t>
-            </a:r>
-            <a:endParaRPr lang="en-US" sz="1000" dirty="0"/>
-          </a:p>
-        </p:txBody>
-      </p:sp>
-      <p:sp>
-        <p:nvSpPr>
-          <p:cNvPr id="5" name="Footer Placeholder 4">
-            <a:extLst>
-              <a:ext uri="{FF2B5EF4-FFF2-40B4-BE49-F238E27FC236}">
-                <a16:creationId xmlns:a16="http://schemas.microsoft.com/office/drawing/2014/main" id="{7CF39C76-5345-E04A-A993-6C001FDB8A5E}"/>
-              </a:ext>
-            </a:extLst>
-          </p:cNvPr>
-          <p:cNvSpPr>
-            <a:spLocks noGrp="1"/>
-          </p:cNvSpPr>
-          <p:nvPr>
-            <p:ph type="ftr" sz="quarter" idx="11"/>
-          </p:nvPr>
-        </p:nvSpPr>
-        <p:spPr/>
-        <p:txBody>
-          <a:bodyPr/>
-          <a:lstStyle/>
-          <a:p>
-            <a:r>
-              <a:rPr lang="en-US"/>
-              <a:t>Testing scientific code, v12.0</a:t>
-            </a:r>
-            <a:endParaRPr lang="en-US" dirty="0"/>
-          </a:p>
-        </p:txBody>
-      </p:sp>
-    </p:spTree>
-    <p:extLst>
-      <p:ext uri="{BB962C8B-B14F-4D97-AF65-F5344CB8AC3E}">
-        <p14:creationId xmlns:p14="http://schemas.microsoft.com/office/powerpoint/2010/main" val="1310172764"/>
-      </p:ext>
-    </p:extLst>
-  </p:cSld>
-  <p:clrMapOvr>
-    <a:masterClrMapping/>
-  </p:clrMapOvr>
-</p:sld>
-</file>
-
-<file path=ppt/slides/slide31.xml><?xml version="1.0" encoding="utf-8"?>
-<p:sld xmlns:a="http://schemas.openxmlformats.org/drawingml/2006/main" xmlns:r="http://schemas.openxmlformats.org/officeDocument/2006/relationships" xmlns:p="http://schemas.openxmlformats.org/presentationml/2006/main">
-  <p:cSld>
-    <p:spTree>
-      <p:nvGrpSpPr>
-        <p:cNvPr id="1" name=""/>
-        <p:cNvGrpSpPr/>
-        <p:nvPr/>
-      </p:nvGrpSpPr>
-      <p:grpSpPr>
-        <a:xfrm>
-          <a:off x="0" y="0"/>
-          <a:ext cx="0" cy="0"/>
-          <a:chOff x="0" y="0"/>
-          <a:chExt cx="0" cy="0"/>
-        </a:xfrm>
-      </p:grpSpPr>
-      <p:sp>
-        <p:nvSpPr>
-          <p:cNvPr id="2" name="Title 1">
-            <a:extLst>
-              <a:ext uri="{FF2B5EF4-FFF2-40B4-BE49-F238E27FC236}">
-                <a16:creationId xmlns:a16="http://schemas.microsoft.com/office/drawing/2014/main" id="{B9A2DE47-1C1F-A04E-97D5-37CEEC485E77}"/>
-              </a:ext>
-            </a:extLst>
-          </p:cNvPr>
-          <p:cNvSpPr>
-            <a:spLocks noGrp="1"/>
-          </p:cNvSpPr>
-          <p:nvPr>
-            <p:ph type="title"/>
-          </p:nvPr>
-        </p:nvSpPr>
-        <p:spPr/>
-        <p:txBody>
-          <a:bodyPr/>
-          <a:lstStyle/>
-          <a:p>
-            <a:r>
-              <a:rPr lang="en-GB" dirty="0"/>
-              <a:t>I</a:t>
-            </a:r>
-            <a:r>
-              <a:rPr lang="en-DE" dirty="0"/>
-              <a:t>nsert CI slides here?!</a:t>
-            </a:r>
-          </a:p>
-        </p:txBody>
-      </p:sp>
-      <p:sp>
-        <p:nvSpPr>
-          <p:cNvPr id="3" name="Content Placeholder 2">
-            <a:extLst>
-              <a:ext uri="{FF2B5EF4-FFF2-40B4-BE49-F238E27FC236}">
-                <a16:creationId xmlns:a16="http://schemas.microsoft.com/office/drawing/2014/main" id="{3A75D9AA-E51D-5648-8471-894B79EB1085}"/>
-              </a:ext>
-            </a:extLst>
-          </p:cNvPr>
-          <p:cNvSpPr>
-            <a:spLocks noGrp="1"/>
-          </p:cNvSpPr>
-          <p:nvPr>
-            <p:ph sz="quarter" idx="1"/>
-          </p:nvPr>
-        </p:nvSpPr>
-        <p:spPr/>
-        <p:txBody>
-          <a:bodyPr/>
-          <a:lstStyle/>
-          <a:p>
-            <a:endParaRPr lang="en-DE" dirty="0"/>
-          </a:p>
-        </p:txBody>
-      </p:sp>
-      <p:sp>
-        <p:nvSpPr>
-          <p:cNvPr id="4" name="Date Placeholder 3">
-            <a:extLst>
-              <a:ext uri="{FF2B5EF4-FFF2-40B4-BE49-F238E27FC236}">
-                <a16:creationId xmlns:a16="http://schemas.microsoft.com/office/drawing/2014/main" id="{46438E85-9FAB-4049-8FF4-09F6264FBD34}"/>
-              </a:ext>
-            </a:extLst>
-          </p:cNvPr>
-          <p:cNvSpPr>
-            <a:spLocks noGrp="1"/>
-          </p:cNvSpPr>
-          <p:nvPr>
-            <p:ph type="dt" sz="half" idx="10"/>
-          </p:nvPr>
-        </p:nvSpPr>
-        <p:spPr/>
-        <p:txBody>
-          <a:bodyPr/>
-          <a:lstStyle/>
-          <a:p>
-            <a:r>
-              <a:rPr lang="en-US" sz="1000"/>
-              <a:t>August 2019, CC BY-SA 4.0</a:t>
-            </a:r>
-            <a:endParaRPr lang="en-US" sz="1000" dirty="0"/>
-          </a:p>
-        </p:txBody>
-      </p:sp>
-      <p:sp>
-        <p:nvSpPr>
-          <p:cNvPr id="5" name="Footer Placeholder 4">
-            <a:extLst>
-              <a:ext uri="{FF2B5EF4-FFF2-40B4-BE49-F238E27FC236}">
-                <a16:creationId xmlns:a16="http://schemas.microsoft.com/office/drawing/2014/main" id="{7CF39C76-5345-E04A-A993-6C001FDB8A5E}"/>
-              </a:ext>
-            </a:extLst>
-          </p:cNvPr>
-          <p:cNvSpPr>
-            <a:spLocks noGrp="1"/>
-          </p:cNvSpPr>
-          <p:nvPr>
-            <p:ph type="ftr" sz="quarter" idx="11"/>
-          </p:nvPr>
-        </p:nvSpPr>
-        <p:spPr/>
-        <p:txBody>
-          <a:bodyPr/>
-          <a:lstStyle/>
-          <a:p>
-            <a:r>
-              <a:rPr lang="en-US"/>
-              <a:t>Testing scientific code, v12.0</a:t>
-            </a:r>
-            <a:endParaRPr lang="en-US" dirty="0"/>
-          </a:p>
-        </p:txBody>
-      </p:sp>
-      <p:sp>
-        <p:nvSpPr>
-          <p:cNvPr id="6" name="TextBox 5">
-            <a:extLst>
-              <a:ext uri="{FF2B5EF4-FFF2-40B4-BE49-F238E27FC236}">
-                <a16:creationId xmlns:a16="http://schemas.microsoft.com/office/drawing/2014/main" id="{3728B2C9-4A24-A74C-B52D-43E1709D046F}"/>
-              </a:ext>
-            </a:extLst>
-          </p:cNvPr>
-          <p:cNvSpPr txBox="1"/>
-          <p:nvPr/>
-        </p:nvSpPr>
-        <p:spPr>
-          <a:xfrm>
-            <a:off x="5652120" y="260648"/>
-            <a:ext cx="2737224" cy="1938992"/>
-          </a:xfrm>
-          <a:prstGeom prst="rect">
-            <a:avLst/>
-          </a:prstGeom>
-          <a:solidFill>
-            <a:srgbClr val="FFFF00"/>
-          </a:solidFill>
-        </p:spPr>
-        <p:txBody>
-          <a:bodyPr wrap="square" rtlCol="0">
-            <a:spAutoFit/>
-          </a:bodyPr>
-          <a:lstStyle/>
-          <a:p>
-            <a:r>
-              <a:rPr lang="en-CH" dirty="0"/>
-              <a:t>I suggest concluding testing, and do CI as a separate 45min session</a:t>
-            </a:r>
-          </a:p>
-        </p:txBody>
-      </p:sp>
-    </p:spTree>
-    <p:extLst>
-      <p:ext uri="{BB962C8B-B14F-4D97-AF65-F5344CB8AC3E}">
-        <p14:creationId xmlns:p14="http://schemas.microsoft.com/office/powerpoint/2010/main" val="3696737961"/>
-      </p:ext>
-    </p:extLst>
-  </p:cSld>
-  <p:clrMapOvr>
-    <a:masterClrMapping/>
-  </p:clrMapOvr>
-</p:sld>
-</file>
-
-<file path=ppt/slides/slide32.xml><?xml version="1.0" encoding="utf-8"?>
 <p:sld xmlns:a="http://schemas.openxmlformats.org/drawingml/2006/main" xmlns:r="http://schemas.openxmlformats.org/officeDocument/2006/relationships" xmlns:p="http://schemas.openxmlformats.org/presentationml/2006/main">
   <p:cSld>
     <p:spTree>
@@ -12959,7 +13061,7 @@
 </p:sld>
 </file>
 
-<file path=ppt/slides/slide33.xml><?xml version="1.0" encoding="utf-8"?>
+<file path=ppt/slides/slide31.xml><?xml version="1.0" encoding="utf-8"?>
 <p:sld xmlns:a="http://schemas.openxmlformats.org/drawingml/2006/main" xmlns:r="http://schemas.openxmlformats.org/officeDocument/2006/relationships" xmlns:p="http://schemas.openxmlformats.org/presentationml/2006/main">
   <p:cSld>
     <p:spTree>
@@ -13256,6 +13358,318 @@
 </p:sld>
 </file>
 
+<file path=ppt/slides/slide32.xml><?xml version="1.0" encoding="utf-8"?>
+<p:sld xmlns:a="http://schemas.openxmlformats.org/drawingml/2006/main" xmlns:r="http://schemas.openxmlformats.org/officeDocument/2006/relationships" xmlns:p="http://schemas.openxmlformats.org/presentationml/2006/main">
+  <p:cSld>
+    <p:spTree>
+      <p:nvGrpSpPr>
+        <p:cNvPr id="1" name=""/>
+        <p:cNvGrpSpPr/>
+        <p:nvPr/>
+      </p:nvGrpSpPr>
+      <p:grpSpPr>
+        <a:xfrm>
+          <a:off x="0" y="0"/>
+          <a:ext cx="0" cy="0"/>
+          <a:chOff x="0" y="0"/>
+          <a:chExt cx="0" cy="0"/>
+        </a:xfrm>
+      </p:grpSpPr>
+      <p:sp>
+        <p:nvSpPr>
+          <p:cNvPr id="2" name="Title 1"/>
+          <p:cNvSpPr>
+            <a:spLocks noGrp="1"/>
+          </p:cNvSpPr>
+          <p:nvPr>
+            <p:ph type="title"/>
+          </p:nvPr>
+        </p:nvSpPr>
+        <p:spPr/>
+        <p:txBody>
+          <a:bodyPr/>
+          <a:lstStyle/>
+          <a:p>
+            <a:r>
+              <a:rPr lang="en-US" dirty="0"/>
+              <a:t>Hands-on! </a:t>
+            </a:r>
+            <a:r>
+              <a:rPr lang="en-US" dirty="0">
+                <a:highlight>
+                  <a:srgbClr val="FFFF00"/>
+                </a:highlight>
+              </a:rPr>
+              <a:t>(Still do this? Time?)</a:t>
+            </a:r>
+          </a:p>
+        </p:txBody>
+      </p:sp>
+      <p:sp>
+        <p:nvSpPr>
+          <p:cNvPr id="3" name="Content Placeholder 2"/>
+          <p:cNvSpPr>
+            <a:spLocks noGrp="1"/>
+          </p:cNvSpPr>
+          <p:nvPr>
+            <p:ph sz="quarter" idx="1"/>
+          </p:nvPr>
+        </p:nvSpPr>
+        <p:spPr/>
+        <p:txBody>
+          <a:bodyPr/>
+          <a:lstStyle/>
+          <a:p>
+            <a:r>
+              <a:rPr lang="en-US" dirty="0"/>
+              <a:t>Submit a Pull Request for Issue #7 on GitHub</a:t>
+            </a:r>
+            <a:br>
+              <a:rPr lang="en-US" dirty="0"/>
+            </a:br>
+            <a:r>
+              <a:rPr lang="en-US" dirty="0">
+                <a:hlinkClick r:id="rId2"/>
+              </a:rPr>
+              <a:t>https://github.com/ASPP/2019-camerino-testing-debugging</a:t>
+            </a:r>
+            <a:endParaRPr lang="en-US" dirty="0"/>
+          </a:p>
+          <a:p>
+            <a:endParaRPr lang="en-US" dirty="0"/>
+          </a:p>
+          <a:p>
+            <a:pPr lvl="1"/>
+            <a:r>
+              <a:rPr lang="en-US" dirty="0"/>
+              <a:t>Check out and update the master branch</a:t>
+            </a:r>
+          </a:p>
+          <a:p>
+            <a:pPr lvl="1"/>
+            <a:r>
+              <a:rPr lang="en-US" dirty="0"/>
+              <a:t>Create a branch with a new, unique name </a:t>
+            </a:r>
+          </a:p>
+          <a:p>
+            <a:pPr lvl="1"/>
+            <a:r>
+              <a:rPr lang="en-US" dirty="0"/>
+              <a:t>Solve and create a PR as you </a:t>
+            </a:r>
+            <a:r>
+              <a:rPr lang="en-US"/>
+              <a:t>did before</a:t>
+            </a:r>
+            <a:endParaRPr lang="en-US" dirty="0"/>
+          </a:p>
+          <a:p>
+            <a:pPr marL="274320" lvl="1" indent="0">
+              <a:buNone/>
+            </a:pPr>
+            <a:endParaRPr lang="en-US"/>
+          </a:p>
+        </p:txBody>
+      </p:sp>
+      <p:sp>
+        <p:nvSpPr>
+          <p:cNvPr id="6" name="Date Placeholder 5"/>
+          <p:cNvSpPr>
+            <a:spLocks noGrp="1"/>
+          </p:cNvSpPr>
+          <p:nvPr>
+            <p:ph type="dt" sz="half" idx="10"/>
+          </p:nvPr>
+        </p:nvSpPr>
+        <p:spPr/>
+        <p:txBody>
+          <a:bodyPr/>
+          <a:lstStyle/>
+          <a:p>
+            <a:r>
+              <a:rPr lang="en-US"/>
+              <a:t>August 2019, CC BY-SA 4.0</a:t>
+            </a:r>
+          </a:p>
+        </p:txBody>
+      </p:sp>
+      <p:sp>
+        <p:nvSpPr>
+          <p:cNvPr id="7" name="Footer Placeholder 6"/>
+          <p:cNvSpPr>
+            <a:spLocks noGrp="1"/>
+          </p:cNvSpPr>
+          <p:nvPr>
+            <p:ph type="ftr" sz="quarter" idx="11"/>
+          </p:nvPr>
+        </p:nvSpPr>
+        <p:spPr/>
+        <p:txBody>
+          <a:bodyPr/>
+          <a:lstStyle/>
+          <a:p>
+            <a:r>
+              <a:rPr lang="en-US"/>
+              <a:t>Testing scientific code, v12.0</a:t>
+            </a:r>
+          </a:p>
+        </p:txBody>
+      </p:sp>
+    </p:spTree>
+    <p:extLst>
+      <p:ext uri="{BB962C8B-B14F-4D97-AF65-F5344CB8AC3E}">
+        <p14:creationId xmlns:p14="http://schemas.microsoft.com/office/powerpoint/2010/main" val="1252037126"/>
+      </p:ext>
+    </p:extLst>
+  </p:cSld>
+  <p:clrMapOvr>
+    <a:masterClrMapping/>
+  </p:clrMapOvr>
+</p:sld>
+</file>
+
+<file path=ppt/slides/slide33.xml><?xml version="1.0" encoding="utf-8"?>
+<p:sld xmlns:a="http://schemas.openxmlformats.org/drawingml/2006/main" xmlns:r="http://schemas.openxmlformats.org/officeDocument/2006/relationships" xmlns:p="http://schemas.openxmlformats.org/presentationml/2006/main">
+  <p:cSld>
+    <p:spTree>
+      <p:nvGrpSpPr>
+        <p:cNvPr id="1" name=""/>
+        <p:cNvGrpSpPr/>
+        <p:nvPr/>
+      </p:nvGrpSpPr>
+      <p:grpSpPr>
+        <a:xfrm>
+          <a:off x="0" y="0"/>
+          <a:ext cx="0" cy="0"/>
+          <a:chOff x="0" y="0"/>
+          <a:chExt cx="0" cy="0"/>
+        </a:xfrm>
+      </p:grpSpPr>
+      <p:sp>
+        <p:nvSpPr>
+          <p:cNvPr id="5" name="Title 4"/>
+          <p:cNvSpPr>
+            <a:spLocks noGrp="1"/>
+          </p:cNvSpPr>
+          <p:nvPr>
+            <p:ph type="title"/>
+          </p:nvPr>
+        </p:nvSpPr>
+        <p:spPr/>
+        <p:txBody>
+          <a:bodyPr/>
+          <a:lstStyle/>
+          <a:p>
+            <a:r>
+              <a:rPr lang="en-US" dirty="0"/>
+              <a:t>Testing is good for your self-esteem</a:t>
+            </a:r>
+          </a:p>
+        </p:txBody>
+      </p:sp>
+      <p:sp>
+        <p:nvSpPr>
+          <p:cNvPr id="6" name="Content Placeholder 5"/>
+          <p:cNvSpPr>
+            <a:spLocks noGrp="1"/>
+          </p:cNvSpPr>
+          <p:nvPr>
+            <p:ph sz="quarter" idx="1"/>
+          </p:nvPr>
+        </p:nvSpPr>
+        <p:spPr/>
+        <p:txBody>
+          <a:bodyPr/>
+          <a:lstStyle/>
+          <a:p>
+            <a:r>
+              <a:rPr lang="en-US" dirty="0"/>
+              <a:t>Immediately: Always be confident that your results are correct, whether your approach works of not</a:t>
+            </a:r>
+          </a:p>
+          <a:p>
+            <a:r>
+              <a:rPr lang="en-US" dirty="0"/>
+              <a:t>In the future: save your future self some trouble!</a:t>
+            </a:r>
+          </a:p>
+          <a:p>
+            <a:r>
+              <a:rPr lang="en-US" dirty="0"/>
+              <a:t>If you are left thinking “it’s cool but I cannot test </a:t>
+            </a:r>
+            <a:r>
+              <a:rPr lang="en-US" i="1" dirty="0"/>
+              <a:t>my</a:t>
+            </a:r>
+            <a:r>
+              <a:rPr lang="en-US" dirty="0"/>
+              <a:t> code because XYZ”, talk to me during the week and I’ll show you how to do it ;-)</a:t>
+            </a:r>
+          </a:p>
+          <a:p>
+            <a:endParaRPr lang="en-US" dirty="0"/>
+          </a:p>
+        </p:txBody>
+      </p:sp>
+      <p:sp>
+        <p:nvSpPr>
+          <p:cNvPr id="4" name="Date Placeholder 3"/>
+          <p:cNvSpPr>
+            <a:spLocks noGrp="1"/>
+          </p:cNvSpPr>
+          <p:nvPr>
+            <p:ph type="dt" sz="half" idx="10"/>
+          </p:nvPr>
+        </p:nvSpPr>
+        <p:spPr/>
+        <p:txBody>
+          <a:bodyPr/>
+          <a:lstStyle/>
+          <a:p>
+            <a:r>
+              <a:rPr lang="en-US"/>
+              <a:t>August 2019, CC BY-SA 4.0</a:t>
+            </a:r>
+          </a:p>
+        </p:txBody>
+      </p:sp>
+      <p:sp>
+        <p:nvSpPr>
+          <p:cNvPr id="7" name="Footer Placeholder 6"/>
+          <p:cNvSpPr>
+            <a:spLocks noGrp="1"/>
+          </p:cNvSpPr>
+          <p:nvPr>
+            <p:ph type="ftr" sz="quarter" idx="11"/>
+          </p:nvPr>
+        </p:nvSpPr>
+        <p:spPr/>
+        <p:txBody>
+          <a:bodyPr/>
+          <a:lstStyle/>
+          <a:p>
+            <a:r>
+              <a:rPr lang="en-US"/>
+              <a:t>Testing scientific code, v12.0</a:t>
+            </a:r>
+          </a:p>
+        </p:txBody>
+      </p:sp>
+    </p:spTree>
+    <p:extLst>
+      <p:ext uri="{BB962C8B-B14F-4D97-AF65-F5344CB8AC3E}">
+        <p14:creationId xmlns:p14="http://schemas.microsoft.com/office/powerpoint/2010/main" val="55267331"/>
+      </p:ext>
+    </p:extLst>
+  </p:cSld>
+  <p:clrMapOvr>
+    <a:masterClrMapping/>
+  </p:clrMapOvr>
+</p:sld>
+</file>
+
 <file path=ppt/slides/slide34.xml><?xml version="1.0" encoding="utf-8"?>
 <p:sld xmlns:a="http://schemas.openxmlformats.org/drawingml/2006/main" xmlns:r="http://schemas.openxmlformats.org/officeDocument/2006/relationships" xmlns:p="http://schemas.openxmlformats.org/presentationml/2006/main">
   <p:cSld>
@@ -13289,318 +13703,6 @@
           <a:lstStyle/>
           <a:p>
             <a:r>
-              <a:rPr lang="en-US" dirty="0"/>
-              <a:t>Hands-on! </a:t>
-            </a:r>
-            <a:r>
-              <a:rPr lang="en-US" dirty="0">
-                <a:highlight>
-                  <a:srgbClr val="FFFF00"/>
-                </a:highlight>
-              </a:rPr>
-              <a:t>(Still do this? Time?)</a:t>
-            </a:r>
-          </a:p>
-        </p:txBody>
-      </p:sp>
-      <p:sp>
-        <p:nvSpPr>
-          <p:cNvPr id="3" name="Content Placeholder 2"/>
-          <p:cNvSpPr>
-            <a:spLocks noGrp="1"/>
-          </p:cNvSpPr>
-          <p:nvPr>
-            <p:ph sz="quarter" idx="1"/>
-          </p:nvPr>
-        </p:nvSpPr>
-        <p:spPr/>
-        <p:txBody>
-          <a:bodyPr/>
-          <a:lstStyle/>
-          <a:p>
-            <a:r>
-              <a:rPr lang="en-US" dirty="0"/>
-              <a:t>Submit a Pull Request for Issue #7 on GitHub</a:t>
-            </a:r>
-            <a:br>
-              <a:rPr lang="en-US" dirty="0"/>
-            </a:br>
-            <a:r>
-              <a:rPr lang="en-US" dirty="0">
-                <a:hlinkClick r:id="rId2"/>
-              </a:rPr>
-              <a:t>https://github.com/ASPP/2019-camerino-testing-debugging</a:t>
-            </a:r>
-            <a:endParaRPr lang="en-US" dirty="0"/>
-          </a:p>
-          <a:p>
-            <a:endParaRPr lang="en-US" dirty="0"/>
-          </a:p>
-          <a:p>
-            <a:pPr lvl="1"/>
-            <a:r>
-              <a:rPr lang="en-US" dirty="0"/>
-              <a:t>Check out and update the master branch</a:t>
-            </a:r>
-          </a:p>
-          <a:p>
-            <a:pPr lvl="1"/>
-            <a:r>
-              <a:rPr lang="en-US" dirty="0"/>
-              <a:t>Create a branch with a new, unique name </a:t>
-            </a:r>
-          </a:p>
-          <a:p>
-            <a:pPr lvl="1"/>
-            <a:r>
-              <a:rPr lang="en-US" dirty="0"/>
-              <a:t>Solve and create a PR as you </a:t>
-            </a:r>
-            <a:r>
-              <a:rPr lang="en-US"/>
-              <a:t>did before</a:t>
-            </a:r>
-            <a:endParaRPr lang="en-US" dirty="0"/>
-          </a:p>
-          <a:p>
-            <a:pPr marL="274320" lvl="1" indent="0">
-              <a:buNone/>
-            </a:pPr>
-            <a:endParaRPr lang="en-US"/>
-          </a:p>
-        </p:txBody>
-      </p:sp>
-      <p:sp>
-        <p:nvSpPr>
-          <p:cNvPr id="6" name="Date Placeholder 5"/>
-          <p:cNvSpPr>
-            <a:spLocks noGrp="1"/>
-          </p:cNvSpPr>
-          <p:nvPr>
-            <p:ph type="dt" sz="half" idx="10"/>
-          </p:nvPr>
-        </p:nvSpPr>
-        <p:spPr/>
-        <p:txBody>
-          <a:bodyPr/>
-          <a:lstStyle/>
-          <a:p>
-            <a:r>
-              <a:rPr lang="en-US"/>
-              <a:t>August 2019, CC BY-SA 4.0</a:t>
-            </a:r>
-          </a:p>
-        </p:txBody>
-      </p:sp>
-      <p:sp>
-        <p:nvSpPr>
-          <p:cNvPr id="7" name="Footer Placeholder 6"/>
-          <p:cNvSpPr>
-            <a:spLocks noGrp="1"/>
-          </p:cNvSpPr>
-          <p:nvPr>
-            <p:ph type="ftr" sz="quarter" idx="11"/>
-          </p:nvPr>
-        </p:nvSpPr>
-        <p:spPr/>
-        <p:txBody>
-          <a:bodyPr/>
-          <a:lstStyle/>
-          <a:p>
-            <a:r>
-              <a:rPr lang="en-US"/>
-              <a:t>Testing scientific code, v12.0</a:t>
-            </a:r>
-          </a:p>
-        </p:txBody>
-      </p:sp>
-    </p:spTree>
-    <p:extLst>
-      <p:ext uri="{BB962C8B-B14F-4D97-AF65-F5344CB8AC3E}">
-        <p14:creationId xmlns:p14="http://schemas.microsoft.com/office/powerpoint/2010/main" val="1252037126"/>
-      </p:ext>
-    </p:extLst>
-  </p:cSld>
-  <p:clrMapOvr>
-    <a:masterClrMapping/>
-  </p:clrMapOvr>
-</p:sld>
-</file>
-
-<file path=ppt/slides/slide35.xml><?xml version="1.0" encoding="utf-8"?>
-<p:sld xmlns:a="http://schemas.openxmlformats.org/drawingml/2006/main" xmlns:r="http://schemas.openxmlformats.org/officeDocument/2006/relationships" xmlns:p="http://schemas.openxmlformats.org/presentationml/2006/main">
-  <p:cSld>
-    <p:spTree>
-      <p:nvGrpSpPr>
-        <p:cNvPr id="1" name=""/>
-        <p:cNvGrpSpPr/>
-        <p:nvPr/>
-      </p:nvGrpSpPr>
-      <p:grpSpPr>
-        <a:xfrm>
-          <a:off x="0" y="0"/>
-          <a:ext cx="0" cy="0"/>
-          <a:chOff x="0" y="0"/>
-          <a:chExt cx="0" cy="0"/>
-        </a:xfrm>
-      </p:grpSpPr>
-      <p:sp>
-        <p:nvSpPr>
-          <p:cNvPr id="5" name="Title 4"/>
-          <p:cNvSpPr>
-            <a:spLocks noGrp="1"/>
-          </p:cNvSpPr>
-          <p:nvPr>
-            <p:ph type="title"/>
-          </p:nvPr>
-        </p:nvSpPr>
-        <p:spPr/>
-        <p:txBody>
-          <a:bodyPr/>
-          <a:lstStyle/>
-          <a:p>
-            <a:r>
-              <a:rPr lang="en-US" dirty="0"/>
-              <a:t>Testing is good for your self-esteem</a:t>
-            </a:r>
-          </a:p>
-        </p:txBody>
-      </p:sp>
-      <p:sp>
-        <p:nvSpPr>
-          <p:cNvPr id="6" name="Content Placeholder 5"/>
-          <p:cNvSpPr>
-            <a:spLocks noGrp="1"/>
-          </p:cNvSpPr>
-          <p:nvPr>
-            <p:ph sz="quarter" idx="1"/>
-          </p:nvPr>
-        </p:nvSpPr>
-        <p:spPr/>
-        <p:txBody>
-          <a:bodyPr/>
-          <a:lstStyle/>
-          <a:p>
-            <a:r>
-              <a:rPr lang="en-US" dirty="0"/>
-              <a:t>Immediately: Always be confident that your results are correct, whether your approach works of not</a:t>
-            </a:r>
-          </a:p>
-          <a:p>
-            <a:r>
-              <a:rPr lang="en-US" dirty="0"/>
-              <a:t>In the future: save your future self some trouble!</a:t>
-            </a:r>
-          </a:p>
-          <a:p>
-            <a:r>
-              <a:rPr lang="en-US" dirty="0"/>
-              <a:t>If you are left thinking “it’s cool but I cannot test </a:t>
-            </a:r>
-            <a:r>
-              <a:rPr lang="en-US" i="1" dirty="0"/>
-              <a:t>my</a:t>
-            </a:r>
-            <a:r>
-              <a:rPr lang="en-US" dirty="0"/>
-              <a:t> code because XYZ”, talk to me during the week and I’ll show you how to do it ;-)</a:t>
-            </a:r>
-          </a:p>
-          <a:p>
-            <a:endParaRPr lang="en-US" dirty="0"/>
-          </a:p>
-        </p:txBody>
-      </p:sp>
-      <p:sp>
-        <p:nvSpPr>
-          <p:cNvPr id="4" name="Date Placeholder 3"/>
-          <p:cNvSpPr>
-            <a:spLocks noGrp="1"/>
-          </p:cNvSpPr>
-          <p:nvPr>
-            <p:ph type="dt" sz="half" idx="10"/>
-          </p:nvPr>
-        </p:nvSpPr>
-        <p:spPr/>
-        <p:txBody>
-          <a:bodyPr/>
-          <a:lstStyle/>
-          <a:p>
-            <a:r>
-              <a:rPr lang="en-US"/>
-              <a:t>August 2019, CC BY-SA 4.0</a:t>
-            </a:r>
-          </a:p>
-        </p:txBody>
-      </p:sp>
-      <p:sp>
-        <p:nvSpPr>
-          <p:cNvPr id="7" name="Footer Placeholder 6"/>
-          <p:cNvSpPr>
-            <a:spLocks noGrp="1"/>
-          </p:cNvSpPr>
-          <p:nvPr>
-            <p:ph type="ftr" sz="quarter" idx="11"/>
-          </p:nvPr>
-        </p:nvSpPr>
-        <p:spPr/>
-        <p:txBody>
-          <a:bodyPr/>
-          <a:lstStyle/>
-          <a:p>
-            <a:r>
-              <a:rPr lang="en-US"/>
-              <a:t>Testing scientific code, v12.0</a:t>
-            </a:r>
-          </a:p>
-        </p:txBody>
-      </p:sp>
-    </p:spTree>
-    <p:extLst>
-      <p:ext uri="{BB962C8B-B14F-4D97-AF65-F5344CB8AC3E}">
-        <p14:creationId xmlns:p14="http://schemas.microsoft.com/office/powerpoint/2010/main" val="55267331"/>
-      </p:ext>
-    </p:extLst>
-  </p:cSld>
-  <p:clrMapOvr>
-    <a:masterClrMapping/>
-  </p:clrMapOvr>
-</p:sld>
-</file>
-
-<file path=ppt/slides/slide36.xml><?xml version="1.0" encoding="utf-8"?>
-<p:sld xmlns:a="http://schemas.openxmlformats.org/drawingml/2006/main" xmlns:r="http://schemas.openxmlformats.org/officeDocument/2006/relationships" xmlns:p="http://schemas.openxmlformats.org/presentationml/2006/main">
-  <p:cSld>
-    <p:spTree>
-      <p:nvGrpSpPr>
-        <p:cNvPr id="1" name=""/>
-        <p:cNvGrpSpPr/>
-        <p:nvPr/>
-      </p:nvGrpSpPr>
-      <p:grpSpPr>
-        <a:xfrm>
-          <a:off x="0" y="0"/>
-          <a:ext cx="0" cy="0"/>
-          <a:chOff x="0" y="0"/>
-          <a:chExt cx="0" cy="0"/>
-        </a:xfrm>
-      </p:grpSpPr>
-      <p:sp>
-        <p:nvSpPr>
-          <p:cNvPr id="2" name="Title 1"/>
-          <p:cNvSpPr>
-            <a:spLocks noGrp="1"/>
-          </p:cNvSpPr>
-          <p:nvPr>
-            <p:ph type="title"/>
-          </p:nvPr>
-        </p:nvSpPr>
-        <p:spPr/>
-        <p:txBody>
-          <a:bodyPr/>
-          <a:lstStyle/>
-          <a:p>
-            <a:r>
               <a:rPr lang="en-GB" dirty="0"/>
               <a:t>Final thoughts</a:t>
             </a:r>
@@ -13703,7 +13805,7 @@
 </p:sld>
 </file>
 
-<file path=ppt/slides/slide37.xml><?xml version="1.0" encoding="utf-8"?>
+<file path=ppt/slides/slide35.xml><?xml version="1.0" encoding="utf-8"?>
 <p:sld xmlns:a="http://schemas.openxmlformats.org/drawingml/2006/main" xmlns:r="http://schemas.openxmlformats.org/officeDocument/2006/relationships" xmlns:p="http://schemas.openxmlformats.org/presentationml/2006/main">
   <p:cSld>
     <p:spTree>
@@ -13873,7 +13975,7 @@
 </p:sld>
 </file>
 
-<file path=ppt/slides/slide38.xml><?xml version="1.0" encoding="utf-8"?>
+<file path=ppt/slides/slide36.xml><?xml version="1.0" encoding="utf-8"?>
 <p:sld xmlns:a="http://schemas.openxmlformats.org/drawingml/2006/main" xmlns:r="http://schemas.openxmlformats.org/officeDocument/2006/relationships" xmlns:p="http://schemas.openxmlformats.org/presentationml/2006/main">
   <p:cSld>
     <p:spTree>
@@ -13972,7 +14074,7 @@
 </p:sld>
 </file>
 
-<file path=ppt/slides/slide39.xml><?xml version="1.0" encoding="utf-8"?>
+<file path=ppt/slides/slide37.xml><?xml version="1.0" encoding="utf-8"?>
 <p:sld xmlns:a="http://schemas.openxmlformats.org/drawingml/2006/main" xmlns:r="http://schemas.openxmlformats.org/officeDocument/2006/relationships" xmlns:p="http://schemas.openxmlformats.org/presentationml/2006/main">
   <p:cSld>
     <p:spTree>
@@ -17312,7 +17414,7 @@
           <p:cNvPr id="2" name="Title 1">
             <a:extLst>
               <a:ext uri="{FF2B5EF4-FFF2-40B4-BE49-F238E27FC236}">
-                <a16:creationId xmlns:a16="http://schemas.microsoft.com/office/drawing/2014/main" id="{87005CDB-6463-B741-94CA-651D12044853}"/>
+                <a16:creationId xmlns:a16="http://schemas.microsoft.com/office/drawing/2014/main" id="{B20CC58F-E090-D34D-85F4-0A7380E0CEC3}"/>
               </a:ext>
             </a:extLst>
           </p:cNvPr>
@@ -17330,172 +17432,50 @@
           <a:p>
             <a:r>
               <a:rPr lang="en-DE" dirty="0"/>
-              <a:t>Excursion: </a:t>
-            </a:r>
-            <a:r>
-              <a:rPr lang="en-DE"/>
-              <a:t>Logistic </a:t>
-            </a:r>
-            <a:r>
-              <a:rPr lang="en-US" dirty="0"/>
-              <a:t>Map</a:t>
-            </a:r>
-            <a:endParaRPr lang="en-DE" dirty="0"/>
-          </a:p>
-        </p:txBody>
-      </p:sp>
-      <mc:AlternateContent xmlns:mc="http://schemas.openxmlformats.org/markup-compatibility/2006" xmlns:a14="http://schemas.microsoft.com/office/drawing/2010/main">
-        <mc:Choice Requires="a14">
-          <p:sp>
-            <p:nvSpPr>
-              <p:cNvPr id="3" name="Content Placeholder 2">
-                <a:extLst>
-                  <a:ext uri="{FF2B5EF4-FFF2-40B4-BE49-F238E27FC236}">
-                    <a16:creationId xmlns:a16="http://schemas.microsoft.com/office/drawing/2014/main" id="{7E728BE7-2DBF-E146-89FA-99BFF5729CAD}"/>
-                  </a:ext>
-                </a:extLst>
-              </p:cNvPr>
-              <p:cNvSpPr>
-                <a:spLocks noGrp="1"/>
-              </p:cNvSpPr>
-              <p:nvPr>
-                <p:ph sz="quarter" idx="1"/>
-              </p:nvPr>
-            </p:nvSpPr>
-            <p:spPr/>
-            <p:txBody>
-              <a:bodyPr/>
-              <a:lstStyle/>
-              <a:p>
-                <a:r>
-                  <a:rPr lang="en-DE" dirty="0"/>
-                  <a:t>Sometimes as a simple model for population growth</a:t>
-                </a:r>
-              </a:p>
-              <a:p>
-                <a14:m>
-                  <m:oMath xmlns:m="http://schemas.openxmlformats.org/officeDocument/2006/math">
-                    <m:r>
-                      <m:rPr>
-                        <m:sty m:val="p"/>
-                      </m:rPr>
-                      <a:rPr lang="de-DE">
-                        <a:latin typeface="Cambria Math" panose="02040503050406030204" pitchFamily="18" charset="0"/>
-                      </a:rPr>
-                      <m:t>f</m:t>
-                    </m:r>
-                    <m:d>
-                      <m:dPr>
-                        <m:ctrlPr>
-                          <a:rPr lang="de-DE" i="1">
-                            <a:latin typeface="Cambria Math" panose="02040503050406030204" pitchFamily="18" charset="0"/>
-                          </a:rPr>
-                        </m:ctrlPr>
-                      </m:dPr>
-                      <m:e>
-                        <m:r>
-                          <a:rPr lang="de-DE" i="1">
-                            <a:latin typeface="Cambria Math" panose="02040503050406030204" pitchFamily="18" charset="0"/>
-                          </a:rPr>
-                          <m:t>𝑥</m:t>
-                        </m:r>
-                      </m:e>
-                    </m:d>
-                    <m:r>
-                      <a:rPr lang="de-DE">
-                        <a:latin typeface="Cambria Math" panose="02040503050406030204" pitchFamily="18" charset="0"/>
-                      </a:rPr>
-                      <m:t>=</m:t>
-                    </m:r>
-                    <m:r>
-                      <a:rPr lang="de-DE" i="1">
-                        <a:latin typeface="Cambria Math" panose="02040503050406030204" pitchFamily="18" charset="0"/>
-                      </a:rPr>
-                      <m:t>𝑟</m:t>
-                    </m:r>
-                    <m:r>
-                      <a:rPr lang="de-DE" i="1">
-                        <a:latin typeface="Cambria Math" panose="02040503050406030204" pitchFamily="18" charset="0"/>
-                      </a:rPr>
-                      <m:t>∗</m:t>
-                    </m:r>
-                    <m:r>
-                      <a:rPr lang="de-DE" i="1">
-                        <a:latin typeface="Cambria Math" panose="02040503050406030204" pitchFamily="18" charset="0"/>
-                      </a:rPr>
-                      <m:t>𝑥</m:t>
-                    </m:r>
-                    <m:r>
-                      <a:rPr lang="de-DE" i="1">
-                        <a:latin typeface="Cambria Math" panose="02040503050406030204" pitchFamily="18" charset="0"/>
-                      </a:rPr>
-                      <m:t>∗(1−</m:t>
-                    </m:r>
-                    <m:r>
-                      <a:rPr lang="de-DE" i="1">
-                        <a:latin typeface="Cambria Math" panose="02040503050406030204" pitchFamily="18" charset="0"/>
-                      </a:rPr>
-                      <m:t>𝑥</m:t>
-                    </m:r>
-                    <m:r>
-                      <a:rPr lang="de-DE" i="1">
-                        <a:latin typeface="Cambria Math" panose="02040503050406030204" pitchFamily="18" charset="0"/>
-                      </a:rPr>
-                      <m:t>)</m:t>
-                    </m:r>
-                  </m:oMath>
-                </a14:m>
-                <a:endParaRPr lang="en-US" dirty="0"/>
-              </a:p>
-            </p:txBody>
-          </p:sp>
-        </mc:Choice>
-        <mc:Fallback xmlns="">
-          <p:sp>
-            <p:nvSpPr>
-              <p:cNvPr id="3" name="Content Placeholder 2">
-                <a:extLst>
-                  <a:ext uri="{FF2B5EF4-FFF2-40B4-BE49-F238E27FC236}">
-                    <a16:creationId xmlns:a16="http://schemas.microsoft.com/office/drawing/2014/main" id="{7E728BE7-2DBF-E146-89FA-99BFF5729CAD}"/>
-                  </a:ext>
-                </a:extLst>
-              </p:cNvPr>
-              <p:cNvSpPr>
-                <a:spLocks noGrp="1" noRot="1" noChangeAspect="1" noMove="1" noResize="1" noEditPoints="1" noAdjustHandles="1" noChangeArrowheads="1" noChangeShapeType="1" noTextEdit="1"/>
-              </p:cNvSpPr>
-              <p:nvPr>
-                <p:ph sz="quarter" idx="1"/>
-              </p:nvPr>
-            </p:nvSpPr>
-            <p:spPr>
-              <a:blipFill>
-                <a:blip r:embed="rId2"/>
-                <a:stretch>
-                  <a:fillRect l="-617" t="-1028"/>
-                </a:stretch>
-              </a:blipFill>
-            </p:spPr>
-            <p:txBody>
-              <a:bodyPr/>
-              <a:lstStyle/>
-              <a:p>
-                <a:r>
-                  <a:rPr lang="en-DE">
-                    <a:noFill/>
-                  </a:rPr>
-                  <a:t> </a:t>
-                </a:r>
-              </a:p>
-            </p:txBody>
-          </p:sp>
-        </mc:Fallback>
-      </mc:AlternateContent>
+              <a:t>Parametrize</a:t>
+            </a:r>
+          </a:p>
+        </p:txBody>
+      </p:sp>
+      <p:sp>
+        <p:nvSpPr>
+          <p:cNvPr id="3" name="Content Placeholder 2">
+            <a:extLst>
+              <a:ext uri="{FF2B5EF4-FFF2-40B4-BE49-F238E27FC236}">
+                <a16:creationId xmlns:a16="http://schemas.microsoft.com/office/drawing/2014/main" id="{53185C21-F79C-E449-A60A-2B23A19C4CE5}"/>
+              </a:ext>
+            </a:extLst>
+          </p:cNvPr>
+          <p:cNvSpPr>
+            <a:spLocks noGrp="1"/>
+          </p:cNvSpPr>
+          <p:nvPr>
+            <p:ph sz="quarter" idx="1"/>
+          </p:nvPr>
+        </p:nvSpPr>
+        <p:spPr>
+          <a:xfrm>
+            <a:off x="457200" y="1219200"/>
+            <a:ext cx="8229600" cy="990600"/>
+          </a:xfrm>
+        </p:spPr>
+        <p:txBody>
+          <a:bodyPr/>
+          <a:lstStyle/>
+          <a:p>
+            <a:r>
+              <a:rPr lang="en-DE" dirty="0"/>
+              <a:t>… is also useful when you want to test different cases and their outcomes!</a:t>
+            </a:r>
+          </a:p>
+        </p:txBody>
+      </p:sp>
       <p:sp>
         <p:nvSpPr>
           <p:cNvPr id="4" name="Date Placeholder 3">
             <a:extLst>
               <a:ext uri="{FF2B5EF4-FFF2-40B4-BE49-F238E27FC236}">
-                <a16:creationId xmlns:a16="http://schemas.microsoft.com/office/drawing/2014/main" id="{EB90D210-69C2-254F-A712-34EDC8A34BCE}"/>
+                <a16:creationId xmlns:a16="http://schemas.microsoft.com/office/drawing/2014/main" id="{37E2CDE8-4AD6-914B-AEE9-DA0E40FD163E}"/>
               </a:ext>
             </a:extLst>
           </p:cNvPr>
@@ -17524,7 +17504,7 @@
           <p:cNvPr id="5" name="Footer Placeholder 4">
             <a:extLst>
               <a:ext uri="{FF2B5EF4-FFF2-40B4-BE49-F238E27FC236}">
-                <a16:creationId xmlns:a16="http://schemas.microsoft.com/office/drawing/2014/main" id="{61CF89F0-6046-F74F-9841-B0C36739D201}"/>
+                <a16:creationId xmlns:a16="http://schemas.microsoft.com/office/drawing/2014/main" id="{35A6C6E4-EB1C-F64A-947A-925A661434EA}"/>
               </a:ext>
             </a:extLst>
           </p:cNvPr>
@@ -17548,46 +17528,301 @@
           </a:p>
         </p:txBody>
       </p:sp>
-      <p:pic>
-        <p:nvPicPr>
-          <p:cNvPr id="7" name="Picture 6" descr="Chart&#10;&#10;Description automatically generated with medium confidence">
+      <p:sp>
+        <p:nvSpPr>
+          <p:cNvPr id="6" name="TextBox 5">
             <a:extLst>
               <a:ext uri="{FF2B5EF4-FFF2-40B4-BE49-F238E27FC236}">
-                <a16:creationId xmlns:a16="http://schemas.microsoft.com/office/drawing/2014/main" id="{0EBD0823-BA5A-3744-838B-4DFEF83CDFAA}"/>
+                <a16:creationId xmlns:a16="http://schemas.microsoft.com/office/drawing/2014/main" id="{0113DD6C-E1D1-F34C-BC47-6E4C8852B03D}"/>
               </a:ext>
             </a:extLst>
           </p:cNvPr>
-          <p:cNvPicPr>
-            <a:picLocks noChangeAspect="1"/>
-          </p:cNvPicPr>
+          <p:cNvSpPr txBox="1"/>
           <p:nvPr/>
-        </p:nvPicPr>
-        <p:blipFill>
-          <a:blip r:embed="rId3">
-            <a:extLst>
-              <a:ext uri="{28A0092B-C50C-407E-A947-70E740481C1C}">
-                <a14:useLocalDpi xmlns:a14="http://schemas.microsoft.com/office/drawing/2010/main" val="0"/>
-              </a:ext>
-            </a:extLst>
-          </a:blip>
-          <a:stretch>
-            <a:fillRect/>
-          </a:stretch>
-        </p:blipFill>
+        </p:nvSpPr>
         <p:spPr>
           <a:xfrm>
-            <a:off x="687524" y="2348684"/>
-            <a:ext cx="7768952" cy="3884476"/>
+            <a:off x="323528" y="2636913"/>
+            <a:ext cx="8712968" cy="2308324"/>
           </a:xfrm>
           <a:prstGeom prst="rect">
             <a:avLst/>
           </a:prstGeom>
+          <a:noFill/>
         </p:spPr>
-      </p:pic>
+        <p:txBody>
+          <a:bodyPr wrap="square" rtlCol="0">
+            <a:spAutoFit/>
+          </a:bodyPr>
+          <a:lstStyle/>
+          <a:p>
+            <a:r>
+              <a:rPr lang="en-GB" sz="1600" b="1" dirty="0">
+                <a:solidFill>
+                  <a:srgbClr val="555555"/>
+                </a:solidFill>
+                <a:latin typeface="Courier New" panose="02070309020205020404" pitchFamily="49" charset="0"/>
+                <a:cs typeface="Courier New" panose="02070309020205020404" pitchFamily="49" charset="0"/>
+              </a:rPr>
+              <a:t>@</a:t>
+            </a:r>
+            <a:r>
+              <a:rPr lang="en-GB" sz="1600" b="1" dirty="0" err="1">
+                <a:solidFill>
+                  <a:srgbClr val="555555"/>
+                </a:solidFill>
+                <a:latin typeface="Courier New" panose="02070309020205020404" pitchFamily="49" charset="0"/>
+                <a:cs typeface="Courier New" panose="02070309020205020404" pitchFamily="49" charset="0"/>
+              </a:rPr>
+              <a:t>pytest.mark.parametrize</a:t>
+            </a:r>
+            <a:r>
+              <a:rPr lang="en-GB" sz="1600" dirty="0">
+                <a:latin typeface="Courier New" panose="02070309020205020404" pitchFamily="49" charset="0"/>
+                <a:cs typeface="Courier New" panose="02070309020205020404" pitchFamily="49" charset="0"/>
+              </a:rPr>
+              <a:t>("string, expected", </a:t>
+            </a:r>
+          </a:p>
+          <a:p>
+            <a:r>
+              <a:rPr lang="en-GB" sz="1600" dirty="0">
+                <a:latin typeface="Courier New" panose="02070309020205020404" pitchFamily="49" charset="0"/>
+                <a:cs typeface="Courier New" panose="02070309020205020404" pitchFamily="49" charset="0"/>
+              </a:rPr>
+              <a:t>			   [('</a:t>
+            </a:r>
+            <a:r>
+              <a:rPr lang="en-GB" sz="1600" dirty="0" err="1">
+                <a:latin typeface="Courier New" panose="02070309020205020404" pitchFamily="49" charset="0"/>
+                <a:cs typeface="Courier New" panose="02070309020205020404" pitchFamily="49" charset="0"/>
+              </a:rPr>
+              <a:t>HeLlO</a:t>
+            </a:r>
+            <a:r>
+              <a:rPr lang="en-GB" sz="1600" dirty="0">
+                <a:latin typeface="Courier New" panose="02070309020205020404" pitchFamily="49" charset="0"/>
+                <a:cs typeface="Courier New" panose="02070309020205020404" pitchFamily="49" charset="0"/>
+              </a:rPr>
+              <a:t> </a:t>
+            </a:r>
+            <a:r>
+              <a:rPr lang="en-GB" sz="1600" dirty="0" err="1">
+                <a:latin typeface="Courier New" panose="02070309020205020404" pitchFamily="49" charset="0"/>
+                <a:cs typeface="Courier New" panose="02070309020205020404" pitchFamily="49" charset="0"/>
+              </a:rPr>
+              <a:t>wOrld</a:t>
+            </a:r>
+            <a:r>
+              <a:rPr lang="en-GB" sz="1600" dirty="0">
+                <a:latin typeface="Courier New" panose="02070309020205020404" pitchFamily="49" charset="0"/>
+                <a:cs typeface="Courier New" panose="02070309020205020404" pitchFamily="49" charset="0"/>
+              </a:rPr>
+              <a:t>', 'hello world’), </a:t>
+            </a:r>
+          </a:p>
+          <a:p>
+            <a:r>
+              <a:rPr lang="en-GB" sz="1600" dirty="0">
+                <a:latin typeface="Courier New" panose="02070309020205020404" pitchFamily="49" charset="0"/>
+                <a:cs typeface="Courier New" panose="02070309020205020404" pitchFamily="49" charset="0"/>
+              </a:rPr>
+              <a:t>			    ('hi', 'hi’), </a:t>
+            </a:r>
+          </a:p>
+          <a:p>
+            <a:r>
+              <a:rPr lang="en-GB" sz="1600" dirty="0">
+                <a:latin typeface="Courier New" panose="02070309020205020404" pitchFamily="49" charset="0"/>
+                <a:cs typeface="Courier New" panose="02070309020205020404" pitchFamily="49" charset="0"/>
+              </a:rPr>
+              <a:t>                           ('','')])</a:t>
+            </a:r>
+          </a:p>
+          <a:p>
+            <a:r>
+              <a:rPr lang="en-GB" sz="1600" b="1" dirty="0">
+                <a:solidFill>
+                  <a:srgbClr val="008800"/>
+                </a:solidFill>
+                <a:latin typeface="Courier New" panose="02070309020205020404" pitchFamily="49" charset="0"/>
+                <a:cs typeface="Courier New" panose="02070309020205020404" pitchFamily="49" charset="0"/>
+              </a:rPr>
+              <a:t>def</a:t>
+            </a:r>
+            <a:r>
+              <a:rPr lang="en-GB" sz="1600" dirty="0">
+                <a:latin typeface="Courier New" panose="02070309020205020404" pitchFamily="49" charset="0"/>
+                <a:cs typeface="Courier New" panose="02070309020205020404" pitchFamily="49" charset="0"/>
+              </a:rPr>
+              <a:t> </a:t>
+            </a:r>
+            <a:r>
+              <a:rPr lang="en-GB" sz="1600" b="1" dirty="0" err="1">
+                <a:solidFill>
+                  <a:srgbClr val="0066BB"/>
+                </a:solidFill>
+                <a:latin typeface="Courier New" panose="02070309020205020404" pitchFamily="49" charset="0"/>
+                <a:cs typeface="Courier New" panose="02070309020205020404" pitchFamily="49" charset="0"/>
+              </a:rPr>
+              <a:t>test_lower</a:t>
+            </a:r>
+            <a:r>
+              <a:rPr lang="en-GB" sz="1600" dirty="0">
+                <a:latin typeface="Courier New" panose="02070309020205020404" pitchFamily="49" charset="0"/>
+                <a:cs typeface="Courier New" panose="02070309020205020404" pitchFamily="49" charset="0"/>
+              </a:rPr>
+              <a:t>(string, expected): </a:t>
+            </a:r>
+          </a:p>
+          <a:p>
+            <a:r>
+              <a:rPr lang="en-GB" sz="1600" dirty="0">
+                <a:solidFill>
+                  <a:srgbClr val="888888"/>
+                </a:solidFill>
+                <a:latin typeface="Courier New" panose="02070309020205020404" pitchFamily="49" charset="0"/>
+                <a:cs typeface="Courier New" panose="02070309020205020404" pitchFamily="49" charset="0"/>
+              </a:rPr>
+              <a:t>	# When</a:t>
+            </a:r>
+            <a:br>
+              <a:rPr lang="en-GB" sz="1600" dirty="0">
+                <a:solidFill>
+                  <a:srgbClr val="888888"/>
+                </a:solidFill>
+                <a:latin typeface="Courier New" panose="02070309020205020404" pitchFamily="49" charset="0"/>
+                <a:cs typeface="Courier New" panose="02070309020205020404" pitchFamily="49" charset="0"/>
+              </a:rPr>
+            </a:br>
+            <a:r>
+              <a:rPr lang="en-GB" sz="1600" dirty="0">
+                <a:latin typeface="Courier New" panose="02070309020205020404" pitchFamily="49" charset="0"/>
+                <a:cs typeface="Courier New" panose="02070309020205020404" pitchFamily="49" charset="0"/>
+              </a:rPr>
+              <a:t> 	output </a:t>
+            </a:r>
+            <a:r>
+              <a:rPr lang="en-GB" sz="1600" dirty="0">
+                <a:solidFill>
+                  <a:srgbClr val="333333"/>
+                </a:solidFill>
+                <a:latin typeface="Courier New" panose="02070309020205020404" pitchFamily="49" charset="0"/>
+                <a:cs typeface="Courier New" panose="02070309020205020404" pitchFamily="49" charset="0"/>
+              </a:rPr>
+              <a:t>=</a:t>
+            </a:r>
+            <a:r>
+              <a:rPr lang="en-GB" sz="1600" dirty="0">
+                <a:latin typeface="Courier New" panose="02070309020205020404" pitchFamily="49" charset="0"/>
+                <a:cs typeface="Courier New" panose="02070309020205020404" pitchFamily="49" charset="0"/>
+              </a:rPr>
+              <a:t> </a:t>
+            </a:r>
+            <a:r>
+              <a:rPr lang="en-GB" sz="1600" dirty="0" err="1">
+                <a:latin typeface="Courier New" panose="02070309020205020404" pitchFamily="49" charset="0"/>
+                <a:cs typeface="Courier New" panose="02070309020205020404" pitchFamily="49" charset="0"/>
+              </a:rPr>
+              <a:t>string</a:t>
+            </a:r>
+            <a:r>
+              <a:rPr lang="en-GB" sz="1600" dirty="0" err="1">
+                <a:solidFill>
+                  <a:srgbClr val="333333"/>
+                </a:solidFill>
+                <a:latin typeface="Courier New" panose="02070309020205020404" pitchFamily="49" charset="0"/>
+                <a:cs typeface="Courier New" panose="02070309020205020404" pitchFamily="49" charset="0"/>
+              </a:rPr>
+              <a:t>.</a:t>
+            </a:r>
+            <a:r>
+              <a:rPr lang="en-GB" sz="1600" dirty="0" err="1">
+                <a:latin typeface="Courier New" panose="02070309020205020404" pitchFamily="49" charset="0"/>
+                <a:cs typeface="Courier New" panose="02070309020205020404" pitchFamily="49" charset="0"/>
+              </a:rPr>
+              <a:t>lower</a:t>
+            </a:r>
+            <a:r>
+              <a:rPr lang="en-GB" sz="1600" dirty="0">
+                <a:latin typeface="Courier New" panose="02070309020205020404" pitchFamily="49" charset="0"/>
+                <a:cs typeface="Courier New" panose="02070309020205020404" pitchFamily="49" charset="0"/>
+              </a:rPr>
+              <a:t>() </a:t>
+            </a:r>
+          </a:p>
+          <a:p>
+            <a:r>
+              <a:rPr lang="en-GB" sz="1600" dirty="0">
+                <a:solidFill>
+                  <a:srgbClr val="888888"/>
+                </a:solidFill>
+                <a:latin typeface="Courier New" panose="02070309020205020404" pitchFamily="49" charset="0"/>
+                <a:cs typeface="Courier New" panose="02070309020205020404" pitchFamily="49" charset="0"/>
+              </a:rPr>
+              <a:t>	# Then</a:t>
+            </a:r>
+            <a:br>
+              <a:rPr lang="en-GB" sz="1600" dirty="0">
+                <a:solidFill>
+                  <a:srgbClr val="888888"/>
+                </a:solidFill>
+                <a:latin typeface="Courier New" panose="02070309020205020404" pitchFamily="49" charset="0"/>
+                <a:cs typeface="Courier New" panose="02070309020205020404" pitchFamily="49" charset="0"/>
+              </a:rPr>
+            </a:br>
+            <a:r>
+              <a:rPr lang="en-GB" sz="1600" dirty="0">
+                <a:latin typeface="Courier New" panose="02070309020205020404" pitchFamily="49" charset="0"/>
+                <a:cs typeface="Courier New" panose="02070309020205020404" pitchFamily="49" charset="0"/>
+              </a:rPr>
+              <a:t> 	</a:t>
+            </a:r>
+            <a:r>
+              <a:rPr lang="en-GB" sz="1600" b="1" dirty="0">
+                <a:solidFill>
+                  <a:srgbClr val="008800"/>
+                </a:solidFill>
+                <a:latin typeface="Courier New" panose="02070309020205020404" pitchFamily="49" charset="0"/>
+                <a:cs typeface="Courier New" panose="02070309020205020404" pitchFamily="49" charset="0"/>
+              </a:rPr>
+              <a:t>assert</a:t>
+            </a:r>
+            <a:r>
+              <a:rPr lang="en-GB" sz="1600" dirty="0">
+                <a:latin typeface="Courier New" panose="02070309020205020404" pitchFamily="49" charset="0"/>
+                <a:cs typeface="Courier New" panose="02070309020205020404" pitchFamily="49" charset="0"/>
+              </a:rPr>
+              <a:t> output </a:t>
+            </a:r>
+            <a:r>
+              <a:rPr lang="en-GB" sz="1600" dirty="0">
+                <a:solidFill>
+                  <a:srgbClr val="333333"/>
+                </a:solidFill>
+                <a:latin typeface="Courier New" panose="02070309020205020404" pitchFamily="49" charset="0"/>
+                <a:cs typeface="Courier New" panose="02070309020205020404" pitchFamily="49" charset="0"/>
+              </a:rPr>
+              <a:t>==</a:t>
+            </a:r>
+            <a:r>
+              <a:rPr lang="en-GB" sz="1600" dirty="0">
+                <a:latin typeface="Courier New" panose="02070309020205020404" pitchFamily="49" charset="0"/>
+                <a:cs typeface="Courier New" panose="02070309020205020404" pitchFamily="49" charset="0"/>
+              </a:rPr>
+              <a:t> expected</a:t>
+            </a:r>
+            <a:endParaRPr lang="en-DE" sz="1600" dirty="0">
+              <a:latin typeface="Courier New" panose="02070309020205020404" pitchFamily="49" charset="0"/>
+              <a:cs typeface="Courier New" panose="02070309020205020404" pitchFamily="49" charset="0"/>
+            </a:endParaRPr>
+          </a:p>
+        </p:txBody>
+      </p:sp>
     </p:spTree>
     <p:extLst>
       <p:ext uri="{BB962C8B-B14F-4D97-AF65-F5344CB8AC3E}">
-        <p14:creationId xmlns:p14="http://schemas.microsoft.com/office/powerpoint/2010/main" val="987225325"/>
+        <p14:creationId xmlns:p14="http://schemas.microsoft.com/office/powerpoint/2010/main" val="4047186870"/>
       </p:ext>
     </p:extLst>
   </p:cSld>

--- a/testing_part2.pptx
+++ b/testing_part2.pptx
@@ -6427,13 +6427,13 @@
               </a:ext>
             </a:extLst>
           </a:blip>
-          <a:srcRect l="8003" r="7754"/>
+          <a:srcRect l="8003" t="6362" r="7754"/>
           <a:stretch/>
         </p:blipFill>
         <p:spPr>
           <a:xfrm>
-            <a:off x="198000" y="2708920"/>
-            <a:ext cx="8748000" cy="3461494"/>
+            <a:off x="198000" y="2929136"/>
+            <a:ext cx="8748000" cy="3241278"/>
           </a:xfrm>
           <a:prstGeom prst="rect">
             <a:avLst/>
@@ -6628,13 +6628,13 @@
               </a:ext>
             </a:extLst>
           </a:blip>
-          <a:srcRect l="8003" r="7754"/>
+          <a:srcRect l="8003" t="6629" r="7754"/>
           <a:stretch/>
         </p:blipFill>
         <p:spPr>
           <a:xfrm>
-            <a:off x="198000" y="2695466"/>
-            <a:ext cx="8748000" cy="3461494"/>
+            <a:off x="198000" y="2924944"/>
+            <a:ext cx="8748000" cy="3232016"/>
           </a:xfrm>
           <a:prstGeom prst="rect">
             <a:avLst/>
@@ -6720,7 +6720,17 @@
             </a:pPr>
             <a:r>
               <a:rPr lang="en-GB" dirty="0"/>
-              <a:t>First fork the repo XY on GitHub and clone your own copy!</a:t>
+              <a:t>First fork the repo </a:t>
+            </a:r>
+            <a:r>
+              <a:rPr lang="en-US" dirty="0">
+                <a:hlinkClick r:id="rId2"/>
+              </a:rPr>
+              <a:t>https://github.com/ASPP/2021-bordeaux-testing-project</a:t>
+            </a:r>
+            <a:r>
+              <a:rPr lang="en-GB" dirty="0"/>
+              <a:t> on GitHub and clone your own copy!</a:t>
             </a:r>
           </a:p>
           <a:p>
@@ -6729,7 +6739,7 @@
             </a:pPr>
             <a:r>
               <a:rPr lang="en-GB" dirty="0"/>
-              <a:t>a) Implement the logistic function f(𝑥)=𝑟∗𝑥∗(1−𝑥) . Use `@parametrize` to test the function for the following cases:</a:t>
+              <a:t>a) Implement the logistic map f(𝑥)=𝑟∗𝑥∗(1−𝑥) . Use `@parametrize` to test the function for the following cases:</a:t>
             </a:r>
           </a:p>
           <a:p>
@@ -10551,8 +10561,13 @@
           <a:p>
             <a:r>
               <a:rPr lang="en-DE" dirty="0"/>
-              <a:t>A Pytest Solution?</a:t>
-            </a:r>
+              <a:t>A </a:t>
+            </a:r>
+            <a:r>
+              <a:rPr lang="en-DE"/>
+              <a:t>Pytest Solution</a:t>
+            </a:r>
+            <a:endParaRPr lang="en-DE" dirty="0"/>
           </a:p>
         </p:txBody>
       </p:sp>
@@ -10924,23 +10939,13 @@
         </p:spPr>
         <p:txBody>
           <a:bodyPr>
-            <a:normAutofit lnSpcReduction="10000"/>
+            <a:normAutofit/>
           </a:bodyPr>
           <a:lstStyle/>
           <a:p>
             <a:r>
               <a:rPr lang="en-DE" dirty="0"/>
               <a:t>Fixtures are functions that are run before the tests are executed</a:t>
-            </a:r>
-          </a:p>
-          <a:p>
-            <a:r>
-              <a:rPr lang="en-GB" dirty="0"/>
-              <a:t>W</a:t>
-            </a:r>
-            <a:r>
-              <a:rPr lang="en-DE" dirty="0"/>
-              <a:t>ith autouse, it is executed once before each test</a:t>
             </a:r>
           </a:p>
           <a:p>
@@ -12310,7 +12315,7 @@
             </a:r>
             <a:r>
               <a:rPr lang="de-DE" dirty="0" err="1"/>
-              <a:t>function</a:t>
+              <a:t>map</a:t>
             </a:r>
             <a:r>
               <a:rPr lang="de-DE" dirty="0"/>

--- a/testing_part2.pptx
+++ b/testing_part2.pptx
@@ -323,7 +323,7 @@
             <a:fld id="{80AC11AF-147E-0A48-A5B0-8DA858D84551}" type="datetimeFigureOut">
               <a:rPr lang="en-US" smtClean="0"/>
               <a:pPr/>
-              <a:t>8/23/21</a:t>
+              <a:t>8/24/21</a:t>
             </a:fld>
             <a:endParaRPr lang="en-US"/>
           </a:p>
@@ -8255,7 +8255,7 @@
             <a:pPr lvl="1"/>
             <a:r>
               <a:rPr lang="en-US" dirty="0"/>
-              <a:t>E.g., linear regression: generate data as   y = a*x + b + noise</a:t>
+              <a:t>E.g., linear regression: generate data as   y = a * x + b + noise</a:t>
             </a:r>
             <a:br>
               <a:rPr lang="en-US" dirty="0"/>
@@ -9076,7 +9076,7 @@
           <a:p>
             <a:r>
               <a:rPr lang="en-US" dirty="0"/>
-              <a:t>In most numerical algorithm, this will cover only over-simplified situations; in some, it is impossible</a:t>
+              <a:t>In most numerical algorithms, this will cover only over-simplified situations; in some, it is impossible</a:t>
             </a:r>
           </a:p>
           <a:p>
@@ -9575,7 +9575,7 @@
                 <a:latin typeface="Courier New"/>
                 <a:cs typeface="Courier New"/>
               </a:rPr>
-              <a:t>isclose</a:t>
+              <a:t>np.isclose</a:t>
             </a:r>
             <a:r>
               <a:rPr lang="en-US" sz="1400" dirty="0">
@@ -13506,7 +13506,15 @@
           <a:p>
             <a:r>
               <a:rPr lang="en-US" dirty="0"/>
-              <a:t>Immediately: Always be confident that your results are correct, whether your approach works of not</a:t>
+              <a:t>Immediately</a:t>
+            </a:r>
+            <a:r>
+              <a:rPr lang="en-US"/>
+              <a:t>:  Always </a:t>
+            </a:r>
+            <a:r>
+              <a:rPr lang="en-US" dirty="0"/>
+              <a:t>be confident that your results are correct, whether your approach works of not</a:t>
             </a:r>
           </a:p>
           <a:p>

--- a/testing_part2.pptx
+++ b/testing_part2.pptx
@@ -323,7 +323,7 @@
             <a:fld id="{80AC11AF-147E-0A48-A5B0-8DA858D84551}" type="datetimeFigureOut">
               <a:rPr lang="en-US" smtClean="0"/>
               <a:pPr/>
-              <a:t>8/24/21</a:t>
+              <a:t>8/24/22</a:t>
             </a:fld>
             <a:endParaRPr lang="en-US"/>
           </a:p>
@@ -963,6 +963,249 @@
         </p:nvSpPr>
         <p:spPr/>
         <p:txBody>
+          <a:bodyPr>
+            <a:normAutofit/>
+          </a:bodyPr>
+          <a:lstStyle/>
+          <a:p>
+            <a:pPr marL="228600" indent="-228600">
+              <a:buAutoNum type="arabicParenR"/>
+            </a:pPr>
+            <a:r>
+              <a:rPr lang="en-US" dirty="0"/>
+              <a:t>In textbooks about testing you</a:t>
+            </a:r>
+            <a:r>
+              <a:rPr lang="en-US" baseline="0" dirty="0"/>
+              <a:t> will read that tests should always be deterministic</a:t>
+            </a:r>
+          </a:p>
+          <a:p>
+            <a:pPr marL="228600" indent="-228600">
+              <a:buAutoNum type="arabicParenR"/>
+            </a:pPr>
+            <a:r>
+              <a:rPr lang="en-US" baseline="0" dirty="0"/>
+              <a:t>For example, if you want to test a function that computes the Fourier components of a signal: one can define simple deterministic cases (single sine wave), but it’s not general enough</a:t>
+            </a:r>
+            <a:br>
+              <a:rPr lang="en-US" baseline="0" dirty="0"/>
+            </a:br>
+            <a:endParaRPr lang="en-US" baseline="0" dirty="0"/>
+          </a:p>
+          <a:p>
+            <a:pPr marL="228600" indent="-228600">
+              <a:buNone/>
+            </a:pPr>
+            <a:r>
+              <a:rPr lang="en-US" baseline="0" dirty="0"/>
+              <a:t>GOOD EXAMPLE: better is random mixtures of sine waves, colored noise, signal with stationary statistics =&gt; compute the </a:t>
+            </a:r>
+            <a:r>
+              <a:rPr lang="en-US" baseline="0" dirty="0" err="1"/>
+              <a:t>eigenvalues</a:t>
+            </a:r>
+            <a:r>
+              <a:rPr lang="en-US" baseline="0" dirty="0"/>
+              <a:t> of the covariance matrix</a:t>
+            </a:r>
+          </a:p>
+          <a:p>
+            <a:pPr marL="228600" indent="-228600">
+              <a:buNone/>
+            </a:pPr>
+            <a:endParaRPr lang="en-US" dirty="0"/>
+          </a:p>
+        </p:txBody>
+      </p:sp>
+      <p:sp>
+        <p:nvSpPr>
+          <p:cNvPr id="4" name="Slide Number Placeholder 3"/>
+          <p:cNvSpPr>
+            <a:spLocks noGrp="1"/>
+          </p:cNvSpPr>
+          <p:nvPr>
+            <p:ph type="sldNum" sz="quarter" idx="10"/>
+          </p:nvPr>
+        </p:nvSpPr>
+        <p:spPr/>
+        <p:txBody>
+          <a:bodyPr/>
+          <a:lstStyle/>
+          <a:p>
+            <a:fld id="{99B30722-7DAA-4E93-8206-71F83E275281}" type="slidenum">
+              <a:rPr lang="en-US" smtClean="0"/>
+              <a:pPr/>
+              <a:t>20</a:t>
+            </a:fld>
+            <a:endParaRPr lang="en-US"/>
+          </a:p>
+        </p:txBody>
+      </p:sp>
+    </p:spTree>
+  </p:cSld>
+  <p:clrMapOvr>
+    <a:masterClrMapping/>
+  </p:clrMapOvr>
+</p:notes>
+</file>
+
+<file path=ppt/notesSlides/notesSlide11.xml><?xml version="1.0" encoding="utf-8"?>
+<p:notes xmlns:a="http://schemas.openxmlformats.org/drawingml/2006/main" xmlns:r="http://schemas.openxmlformats.org/officeDocument/2006/relationships" xmlns:p="http://schemas.openxmlformats.org/presentationml/2006/main">
+  <p:cSld>
+    <p:spTree>
+      <p:nvGrpSpPr>
+        <p:cNvPr id="1" name=""/>
+        <p:cNvGrpSpPr/>
+        <p:nvPr/>
+      </p:nvGrpSpPr>
+      <p:grpSpPr>
+        <a:xfrm>
+          <a:off x="0" y="0"/>
+          <a:ext cx="0" cy="0"/>
+          <a:chOff x="0" y="0"/>
+          <a:chExt cx="0" cy="0"/>
+        </a:xfrm>
+      </p:grpSpPr>
+      <p:sp>
+        <p:nvSpPr>
+          <p:cNvPr id="2" name="Slide Image Placeholder 1"/>
+          <p:cNvSpPr>
+            <a:spLocks noGrp="1" noRot="1" noChangeAspect="1"/>
+          </p:cNvSpPr>
+          <p:nvPr>
+            <p:ph type="sldImg"/>
+          </p:nvPr>
+        </p:nvSpPr>
+        <p:spPr/>
+      </p:sp>
+      <p:sp>
+        <p:nvSpPr>
+          <p:cNvPr id="3" name="Notes Placeholder 2"/>
+          <p:cNvSpPr>
+            <a:spLocks noGrp="1"/>
+          </p:cNvSpPr>
+          <p:nvPr>
+            <p:ph type="body" idx="1"/>
+          </p:nvPr>
+        </p:nvSpPr>
+        <p:spPr/>
+        <p:txBody>
+          <a:bodyPr/>
+          <a:lstStyle/>
+          <a:p>
+            <a:r>
+              <a:rPr lang="en-CH"/>
+              <a:t>numpy.random.RandomState!</a:t>
+            </a:r>
+          </a:p>
+          <a:p>
+            <a:endParaRPr lang="en-CH"/>
+          </a:p>
+          <a:p>
+            <a:r>
+              <a:rPr lang="en-CH"/>
+              <a:t>random_state = np.random.RandomState(SEED)</a:t>
+            </a:r>
+          </a:p>
+          <a:p>
+            <a:r>
+              <a:rPr lang="en-CH"/>
+              <a:t>random_state.rand()</a:t>
+            </a:r>
+          </a:p>
+          <a:p>
+            <a:endParaRPr lang="en-CH"/>
+          </a:p>
+          <a:p>
+            <a:r>
+              <a:rPr lang="en-CH"/>
+              <a:t>otherwise using the global seed, if any external library uses np.random it can screw up the determinism</a:t>
+            </a:r>
+          </a:p>
+          <a:p>
+            <a:endParaRPr lang="en-DE" dirty="0"/>
+          </a:p>
+        </p:txBody>
+      </p:sp>
+      <p:sp>
+        <p:nvSpPr>
+          <p:cNvPr id="4" name="Slide Number Placeholder 3"/>
+          <p:cNvSpPr>
+            <a:spLocks noGrp="1"/>
+          </p:cNvSpPr>
+          <p:nvPr>
+            <p:ph type="sldNum" sz="quarter" idx="5"/>
+          </p:nvPr>
+        </p:nvSpPr>
+        <p:spPr/>
+        <p:txBody>
+          <a:bodyPr/>
+          <a:lstStyle/>
+          <a:p>
+            <a:fld id="{99B30722-7DAA-4E93-8206-71F83E275281}" type="slidenum">
+              <a:rPr lang="en-US" smtClean="0"/>
+              <a:pPr/>
+              <a:t>23</a:t>
+            </a:fld>
+            <a:endParaRPr lang="en-US"/>
+          </a:p>
+        </p:txBody>
+      </p:sp>
+    </p:spTree>
+    <p:extLst>
+      <p:ext uri="{BB962C8B-B14F-4D97-AF65-F5344CB8AC3E}">
+        <p14:creationId xmlns:p14="http://schemas.microsoft.com/office/powerpoint/2010/main" val="2584346042"/>
+      </p:ext>
+    </p:extLst>
+  </p:cSld>
+  <p:clrMapOvr>
+    <a:masterClrMapping/>
+  </p:clrMapOvr>
+</p:notes>
+</file>
+
+<file path=ppt/notesSlides/notesSlide12.xml><?xml version="1.0" encoding="utf-8"?>
+<p:notes xmlns:a="http://schemas.openxmlformats.org/drawingml/2006/main" xmlns:r="http://schemas.openxmlformats.org/officeDocument/2006/relationships" xmlns:p="http://schemas.openxmlformats.org/presentationml/2006/main">
+  <p:cSld>
+    <p:spTree>
+      <p:nvGrpSpPr>
+        <p:cNvPr id="1" name=""/>
+        <p:cNvGrpSpPr/>
+        <p:nvPr/>
+      </p:nvGrpSpPr>
+      <p:grpSpPr>
+        <a:xfrm>
+          <a:off x="0" y="0"/>
+          <a:ext cx="0" cy="0"/>
+          <a:chOff x="0" y="0"/>
+          <a:chExt cx="0" cy="0"/>
+        </a:xfrm>
+      </p:grpSpPr>
+      <p:sp>
+        <p:nvSpPr>
+          <p:cNvPr id="2" name="Slide Image Placeholder 1"/>
+          <p:cNvSpPr>
+            <a:spLocks noGrp="1" noRot="1" noChangeAspect="1"/>
+          </p:cNvSpPr>
+          <p:nvPr>
+            <p:ph type="sldImg"/>
+          </p:nvPr>
+        </p:nvSpPr>
+        <p:spPr/>
+      </p:sp>
+      <p:sp>
+        <p:nvSpPr>
+          <p:cNvPr id="3" name="Notes Placeholder 2"/>
+          <p:cNvSpPr>
+            <a:spLocks noGrp="1"/>
+          </p:cNvSpPr>
+          <p:nvPr>
+            <p:ph type="body" idx="1"/>
+          </p:nvPr>
+        </p:nvSpPr>
+        <p:spPr/>
+        <p:txBody>
           <a:bodyPr/>
           <a:lstStyle/>
           <a:p>
@@ -1063,7 +1306,7 @@
 </p:notes>
 </file>
 
-<file path=ppt/notesSlides/notesSlide11.xml><?xml version="1.0" encoding="utf-8"?>
+<file path=ppt/notesSlides/notesSlide13.xml><?xml version="1.0" encoding="utf-8"?>
 <p:notes xmlns:a="http://schemas.openxmlformats.org/drawingml/2006/main" xmlns:r="http://schemas.openxmlformats.org/officeDocument/2006/relationships" xmlns:p="http://schemas.openxmlformats.org/presentationml/2006/main">
   <p:cSld>
     <p:spTree>
@@ -1588,41 +1831,10 @@
         </p:nvSpPr>
         <p:spPr/>
         <p:txBody>
-          <a:bodyPr>
-            <a:normAutofit/>
-          </a:bodyPr>
-          <a:lstStyle/>
-          <a:p>
-            <a:pPr marL="228600" indent="-228600">
-              <a:buAutoNum type="arabicParenR"/>
-            </a:pPr>
-            <a:r>
-              <a:rPr lang="en-US" baseline="0" dirty="0"/>
-              <a:t>…</a:t>
-            </a:r>
-          </a:p>
-          <a:p>
-            <a:pPr marL="228600" indent="-228600">
-              <a:buAutoNum type="arabicParenR"/>
-            </a:pPr>
-            <a:r>
-              <a:rPr lang="en-US" baseline="0" dirty="0"/>
-              <a:t>There is no general rule for testing these algorithm, for each specific algorithm there are usually validation cases (</a:t>
-            </a:r>
-            <a:r>
-              <a:rPr lang="en-US" baseline="0" dirty="0" err="1"/>
-              <a:t>e.g</a:t>
-            </a:r>
-            <a:r>
-              <a:rPr lang="en-US" baseline="0" dirty="0"/>
-              <a:t>, a classifier might be validated using two classes of very different objects)</a:t>
-            </a:r>
-          </a:p>
-          <a:p>
-            <a:pPr marL="228600" indent="-228600">
-              <a:buNone/>
-            </a:pPr>
-            <a:endParaRPr lang="en-US" baseline="0" dirty="0"/>
+          <a:bodyPr/>
+          <a:lstStyle/>
+          <a:p>
+            <a:endParaRPr lang="en-DE" dirty="0"/>
           </a:p>
         </p:txBody>
       </p:sp>
@@ -1633,7 +1845,7 @@
             <a:spLocks noGrp="1"/>
           </p:cNvSpPr>
           <p:nvPr>
-            <p:ph type="sldNum" sz="quarter" idx="10"/>
+            <p:ph type="sldNum" sz="quarter" idx="5"/>
           </p:nvPr>
         </p:nvSpPr>
         <p:spPr/>
@@ -1644,7 +1856,7 @@
             <a:fld id="{99B30722-7DAA-4E93-8206-71F83E275281}" type="slidenum">
               <a:rPr lang="en-US" smtClean="0"/>
               <a:pPr/>
-              <a:t>18</a:t>
+              <a:t>10</a:t>
             </a:fld>
             <a:endParaRPr lang="en-US"/>
           </a:p>
@@ -1653,7 +1865,7 @@
     </p:spTree>
     <p:extLst>
       <p:ext uri="{BB962C8B-B14F-4D97-AF65-F5344CB8AC3E}">
-        <p14:creationId xmlns:p14="http://schemas.microsoft.com/office/powerpoint/2010/main" val="2412660269"/>
+        <p14:creationId xmlns:p14="http://schemas.microsoft.com/office/powerpoint/2010/main" val="2253093478"/>
       </p:ext>
     </p:extLst>
   </p:cSld>
@@ -1704,12 +1916,50 @@
         </p:nvSpPr>
         <p:spPr/>
         <p:txBody>
-          <a:bodyPr>
-            <a:normAutofit/>
-          </a:bodyPr>
-          <a:lstStyle/>
-          <a:p>
-            <a:endParaRPr lang="en-GB" dirty="0"/>
+          <a:bodyPr/>
+          <a:lstStyle/>
+          <a:p>
+            <a:pPr marL="0" marR="0" lvl="0" indent="0" algn="l" defTabSz="914400" rtl="0" eaLnBrk="1" fontAlgn="base" latinLnBrk="0" hangingPunct="1">
+              <a:lnSpc>
+                <a:spcPct val="100000"/>
+              </a:lnSpc>
+              <a:spcBef>
+                <a:spcPct val="30000"/>
+              </a:spcBef>
+              <a:spcAft>
+                <a:spcPct val="0"/>
+              </a:spcAft>
+              <a:buClrTx/>
+              <a:buSzTx/>
+              <a:buFontTx/>
+              <a:buNone/>
+              <a:tabLst/>
+              <a:defRPr/>
+            </a:pPr>
+            <a:r>
+              <a:rPr lang="en-GB" dirty="0"/>
+              <a:t>where </a:t>
+            </a:r>
+            <a:r>
+              <a:rPr lang="en-GB" i="1" dirty="0" err="1">
+                <a:effectLst/>
+              </a:rPr>
+              <a:t>x</a:t>
+            </a:r>
+            <a:r>
+              <a:rPr lang="en-GB" i="1" baseline="-25000" dirty="0" err="1">
+                <a:effectLst/>
+              </a:rPr>
+              <a:t>n</a:t>
+            </a:r>
+            <a:r>
+              <a:rPr lang="en-GB" dirty="0"/>
+              <a:t> is a number between zero and one, that represents the ratio of existing population to the maximum possible population</a:t>
+            </a:r>
+            <a:endParaRPr lang="en-DE" dirty="0"/>
+          </a:p>
+          <a:p>
+            <a:endParaRPr lang="en-DE" dirty="0"/>
           </a:p>
         </p:txBody>
       </p:sp>
@@ -1720,7 +1970,7 @@
             <a:spLocks noGrp="1"/>
           </p:cNvSpPr>
           <p:nvPr>
-            <p:ph type="sldNum" sz="quarter" idx="10"/>
+            <p:ph type="sldNum" sz="quarter" idx="5"/>
           </p:nvPr>
         </p:nvSpPr>
         <p:spPr/>
@@ -1728,19 +1978,19 @@
           <a:bodyPr/>
           <a:lstStyle/>
           <a:p>
-            <a:fld id="{5F378627-E3FE-44FD-B5FA-4582AC800163}" type="slidenum">
-              <a:rPr lang="en-GB" smtClean="0"/>
+            <a:fld id="{99B30722-7DAA-4E93-8206-71F83E275281}" type="slidenum">
+              <a:rPr lang="en-US" smtClean="0"/>
               <a:pPr/>
-              <a:t>19</a:t>
+              <a:t>11</a:t>
             </a:fld>
-            <a:endParaRPr lang="en-GB"/>
+            <a:endParaRPr lang="en-US"/>
           </a:p>
         </p:txBody>
       </p:sp>
     </p:spTree>
     <p:extLst>
       <p:ext uri="{BB962C8B-B14F-4D97-AF65-F5344CB8AC3E}">
-        <p14:creationId xmlns:p14="http://schemas.microsoft.com/office/powerpoint/2010/main" val="549102933"/>
+        <p14:creationId xmlns:p14="http://schemas.microsoft.com/office/powerpoint/2010/main" val="2686043601"/>
       </p:ext>
     </p:extLst>
   </p:cSld>
@@ -1800,12 +2050,8 @@
               <a:buAutoNum type="arabicParenR"/>
             </a:pPr>
             <a:r>
-              <a:rPr lang="en-US" dirty="0"/>
-              <a:t>In textbooks about testing you</a:t>
-            </a:r>
-            <a:r>
               <a:rPr lang="en-US" baseline="0" dirty="0"/>
-              <a:t> will read that tests should always be deterministic</a:t>
+              <a:t>…</a:t>
             </a:r>
           </a:p>
           <a:p>
@@ -1814,35 +2060,22 @@
             </a:pPr>
             <a:r>
               <a:rPr lang="en-US" baseline="0" dirty="0"/>
-              <a:t>For example, if you want to test a function that computes the Fourier components of a signal: one can define simple deterministic cases (single sine wave), but it’s not general enough</a:t>
-            </a:r>
-            <a:br>
+              <a:t>There is no general rule for testing these algorithm, for each specific algorithm there are usually validation cases (</a:t>
+            </a:r>
+            <a:r>
+              <a:rPr lang="en-US" baseline="0" dirty="0" err="1"/>
+              <a:t>e.g</a:t>
+            </a:r>
+            <a:r>
               <a:rPr lang="en-US" baseline="0" dirty="0"/>
-            </a:br>
-            <a:endParaRPr lang="en-US" baseline="0" dirty="0"/>
+              <a:t>, a classifier might be validated using two classes of very different objects)</a:t>
+            </a:r>
           </a:p>
           <a:p>
             <a:pPr marL="228600" indent="-228600">
               <a:buNone/>
             </a:pPr>
-            <a:r>
-              <a:rPr lang="en-US" baseline="0" dirty="0"/>
-              <a:t>GOOD EXAMPLE: better is random mixtures of sine waves, colored noise, signal with stationary statistics =&gt; compute the </a:t>
-            </a:r>
-            <a:r>
-              <a:rPr lang="en-US" baseline="0" dirty="0" err="1"/>
-              <a:t>eigenvalues</a:t>
-            </a:r>
-            <a:r>
-              <a:rPr lang="en-US" baseline="0" dirty="0"/>
-              <a:t> of the covariance matrix</a:t>
-            </a:r>
-          </a:p>
-          <a:p>
-            <a:pPr marL="228600" indent="-228600">
-              <a:buNone/>
-            </a:pPr>
-            <a:endParaRPr lang="en-US" dirty="0"/>
+            <a:endParaRPr lang="en-US" baseline="0" dirty="0"/>
           </a:p>
         </p:txBody>
       </p:sp>
@@ -1864,13 +2097,18 @@
             <a:fld id="{99B30722-7DAA-4E93-8206-71F83E275281}" type="slidenum">
               <a:rPr lang="en-US" smtClean="0"/>
               <a:pPr/>
-              <a:t>20</a:t>
+              <a:t>18</a:t>
             </a:fld>
             <a:endParaRPr lang="en-US"/>
           </a:p>
         </p:txBody>
       </p:sp>
     </p:spTree>
+    <p:extLst>
+      <p:ext uri="{BB962C8B-B14F-4D97-AF65-F5344CB8AC3E}">
+        <p14:creationId xmlns:p14="http://schemas.microsoft.com/office/powerpoint/2010/main" val="2412660269"/>
+      </p:ext>
+    </p:extLst>
   </p:cSld>
   <p:clrMapOvr>
     <a:masterClrMapping/>
@@ -1919,71 +2157,43 @@
         </p:nvSpPr>
         <p:spPr/>
         <p:txBody>
+          <a:bodyPr>
+            <a:normAutofit/>
+          </a:bodyPr>
+          <a:lstStyle/>
+          <a:p>
+            <a:endParaRPr lang="en-GB" dirty="0"/>
+          </a:p>
+        </p:txBody>
+      </p:sp>
+      <p:sp>
+        <p:nvSpPr>
+          <p:cNvPr id="4" name="Slide Number Placeholder 3"/>
+          <p:cNvSpPr>
+            <a:spLocks noGrp="1"/>
+          </p:cNvSpPr>
+          <p:nvPr>
+            <p:ph type="sldNum" sz="quarter" idx="10"/>
+          </p:nvPr>
+        </p:nvSpPr>
+        <p:spPr/>
+        <p:txBody>
           <a:bodyPr/>
           <a:lstStyle/>
           <a:p>
-            <a:r>
-              <a:rPr lang="en-CH"/>
-              <a:t>numpy.random.RandomState!</a:t>
-            </a:r>
-          </a:p>
-          <a:p>
-            <a:endParaRPr lang="en-CH"/>
-          </a:p>
-          <a:p>
-            <a:r>
-              <a:rPr lang="en-CH"/>
-              <a:t>random_state = np.random.RandomState(SEED)</a:t>
-            </a:r>
-          </a:p>
-          <a:p>
-            <a:r>
-              <a:rPr lang="en-CH"/>
-              <a:t>random_state.rand()</a:t>
-            </a:r>
-          </a:p>
-          <a:p>
-            <a:endParaRPr lang="en-CH"/>
-          </a:p>
-          <a:p>
-            <a:r>
-              <a:rPr lang="en-CH"/>
-              <a:t>otherwise using the global seed, if any external library uses np.random it can screw up the determinism</a:t>
-            </a:r>
-          </a:p>
-          <a:p>
-            <a:endParaRPr lang="en-DE" dirty="0"/>
-          </a:p>
-        </p:txBody>
-      </p:sp>
-      <p:sp>
-        <p:nvSpPr>
-          <p:cNvPr id="4" name="Slide Number Placeholder 3"/>
-          <p:cNvSpPr>
-            <a:spLocks noGrp="1"/>
-          </p:cNvSpPr>
-          <p:nvPr>
-            <p:ph type="sldNum" sz="quarter" idx="5"/>
-          </p:nvPr>
-        </p:nvSpPr>
-        <p:spPr/>
-        <p:txBody>
-          <a:bodyPr/>
-          <a:lstStyle/>
-          <a:p>
-            <a:fld id="{99B30722-7DAA-4E93-8206-71F83E275281}" type="slidenum">
-              <a:rPr lang="en-US" smtClean="0"/>
+            <a:fld id="{5F378627-E3FE-44FD-B5FA-4582AC800163}" type="slidenum">
+              <a:rPr lang="en-GB" smtClean="0"/>
               <a:pPr/>
-              <a:t>23</a:t>
+              <a:t>19</a:t>
             </a:fld>
-            <a:endParaRPr lang="en-US"/>
+            <a:endParaRPr lang="en-GB"/>
           </a:p>
         </p:txBody>
       </p:sp>
     </p:spTree>
     <p:extLst>
       <p:ext uri="{BB962C8B-B14F-4D97-AF65-F5344CB8AC3E}">
-        <p14:creationId xmlns:p14="http://schemas.microsoft.com/office/powerpoint/2010/main" val="2584346042"/>
+        <p14:creationId xmlns:p14="http://schemas.microsoft.com/office/powerpoint/2010/main" val="549102933"/>
       </p:ext>
     </p:extLst>
   </p:cSld>
@@ -5950,7 +6160,7 @@
           <p:nvPr/>
         </p:nvPicPr>
         <p:blipFill rotWithShape="1">
-          <a:blip r:embed="rId2">
+          <a:blip r:embed="rId3">
             <a:extLst>
               <a:ext uri="{28A0092B-C50C-407E-A947-70E740481C1C}">
                 <a14:useLocalDpi xmlns:a14="http://schemas.microsoft.com/office/drawing/2010/main" val="0"/>
@@ -5985,7 +6195,7 @@
           <p:nvPr/>
         </p:nvPicPr>
         <p:blipFill>
-          <a:blip r:embed="rId3">
+          <a:blip r:embed="rId4">
             <a:extLst>
               <a:ext uri="{28A0092B-C50C-407E-A947-70E740481C1C}">
                 <a14:useLocalDpi xmlns:a14="http://schemas.microsoft.com/office/drawing/2010/main" val="0"/>
@@ -6326,7 +6536,7 @@
                 <a:ext cx="8229600" cy="1633736"/>
               </a:xfrm>
               <a:blipFill>
-                <a:blip r:embed="rId2"/>
+                <a:blip r:embed="rId3"/>
                 <a:stretch>
                   <a:fillRect l="-617" t="-3101" b="-775"/>
                 </a:stretch>
@@ -6420,7 +6630,7 @@
           <p:nvPr/>
         </p:nvPicPr>
         <p:blipFill rotWithShape="1">
-          <a:blip r:embed="rId3">
+          <a:blip r:embed="rId4">
             <a:extLst>
               <a:ext uri="{28A0092B-C50C-407E-A947-70E740481C1C}">
                 <a14:useLocalDpi xmlns:a14="http://schemas.microsoft.com/office/drawing/2010/main" val="0"/>
@@ -6726,11 +6936,17 @@
               <a:rPr lang="en-US" dirty="0">
                 <a:hlinkClick r:id="rId2"/>
               </a:rPr>
-              <a:t>https://github.com/ASPP/2021-bordeaux-testing-project</a:t>
+              <a:t>https://github.com/ASPP/</a:t>
+            </a:r>
+            <a:r>
+              <a:rPr lang="en-US" dirty="0">
+                <a:hlinkClick r:id="rId3"/>
+              </a:rPr>
+              <a:t>2022-bilbao-testing-project </a:t>
             </a:r>
             <a:r>
               <a:rPr lang="en-GB" dirty="0"/>
-              <a:t> on GitHub and clone your own copy!</a:t>
+              <a:t>on GitHub and clone your own copy!</a:t>
             </a:r>
           </a:p>
           <a:p>
@@ -7781,24 +7997,52 @@
         <p:spPr>
           <a:xfrm>
             <a:off x="457200" y="1219200"/>
-            <a:ext cx="8229600" cy="2137792"/>
+            <a:ext cx="8229600" cy="2425824"/>
           </a:xfrm>
         </p:spPr>
         <p:txBody>
           <a:bodyPr>
-            <a:normAutofit fontScale="92500" lnSpcReduction="10000"/>
+            <a:normAutofit fontScale="85000" lnSpcReduction="10000"/>
           </a:bodyPr>
           <a:lstStyle/>
           <a:p>
             <a:r>
               <a:rPr lang="en-GB" dirty="0"/>
-              <a:t>If you have lots of tests, you can categorize them with your own markers</a:t>
-            </a:r>
-          </a:p>
-          <a:p>
+              <a:t>If you have lots of tests, you can categorize them with your own markers </a:t>
+            </a:r>
+          </a:p>
+          <a:p>
+            <a:pPr lvl="1"/>
             <a:r>
               <a:rPr lang="en-GB" dirty="0"/>
-              <a:t>Example:</a:t>
+              <a:t>although for custom mark names you need to register the marks “</a:t>
+            </a:r>
+            <a:r>
+              <a:rPr lang="en-GB" dirty="0" err="1"/>
+              <a:t>pytest.ini</a:t>
+            </a:r>
+            <a:r>
+              <a:rPr lang="en-GB" dirty="0"/>
+              <a:t>” </a:t>
+            </a:r>
+          </a:p>
+          <a:p>
+            <a:pPr lvl="1"/>
+            <a:r>
+              <a:rPr lang="en-GB" dirty="0">
+                <a:hlinkClick r:id="rId2"/>
+              </a:rPr>
+              <a:t>https://docs.pytest.org/en/7.1.x/example/markers.html#registering-markers</a:t>
+            </a:r>
+            <a:r>
+              <a:rPr lang="en-GB" dirty="0"/>
+              <a:t> </a:t>
+            </a:r>
+          </a:p>
+          <a:p>
+            <a:r>
+              <a:rPr lang="en-GB" dirty="0"/>
+              <a:t>Example: </a:t>
             </a:r>
           </a:p>
           <a:p>
@@ -9160,6 +9404,62 @@
           </a:p>
         </p:txBody>
       </p:sp>
+      <p:sp>
+        <p:nvSpPr>
+          <p:cNvPr id="5" name="Rectangle 4">
+            <a:extLst>
+              <a:ext uri="{FF2B5EF4-FFF2-40B4-BE49-F238E27FC236}">
+                <a16:creationId xmlns:a16="http://schemas.microsoft.com/office/drawing/2014/main" id="{8BFEB122-944D-5F9E-8EE9-133D324ED095}"/>
+              </a:ext>
+            </a:extLst>
+          </p:cNvPr>
+          <p:cNvSpPr/>
+          <p:nvPr/>
+        </p:nvSpPr>
+        <p:spPr>
+          <a:xfrm>
+            <a:off x="6400800" y="260648"/>
+            <a:ext cx="2419672" cy="1080120"/>
+          </a:xfrm>
+          <a:prstGeom prst="rect">
+            <a:avLst/>
+          </a:prstGeom>
+          <a:solidFill>
+            <a:srgbClr val="FFFF00"/>
+          </a:solidFill>
+        </p:spPr>
+        <p:style>
+          <a:lnRef idx="2">
+            <a:schemeClr val="accent1">
+              <a:shade val="50000"/>
+            </a:schemeClr>
+          </a:lnRef>
+          <a:fillRef idx="1">
+            <a:schemeClr val="accent1"/>
+          </a:fillRef>
+          <a:effectRef idx="0">
+            <a:schemeClr val="accent1"/>
+          </a:effectRef>
+          <a:fontRef idx="minor">
+            <a:schemeClr val="lt1"/>
+          </a:fontRef>
+        </p:style>
+        <p:txBody>
+          <a:bodyPr rtlCol="0" anchor="ctr"/>
+          <a:lstStyle/>
+          <a:p>
+            <a:pPr algn="ctr"/>
+            <a:r>
+              <a:rPr lang="en-DE" dirty="0">
+                <a:solidFill>
+                  <a:schemeClr val="tx1"/>
+                </a:solidFill>
+              </a:rPr>
+              <a:t>Skip???</a:t>
+            </a:r>
+          </a:p>
+        </p:txBody>
+      </p:sp>
     </p:spTree>
   </p:cSld>
   <p:clrMapOvr>
@@ -9970,6 +10270,62 @@
           </a:p>
         </p:txBody>
       </p:sp>
+      <p:sp>
+        <p:nvSpPr>
+          <p:cNvPr id="6" name="Rectangle 5">
+            <a:extLst>
+              <a:ext uri="{FF2B5EF4-FFF2-40B4-BE49-F238E27FC236}">
+                <a16:creationId xmlns:a16="http://schemas.microsoft.com/office/drawing/2014/main" id="{2F4F72C5-2CF2-41B5-60DD-7BFFEA2A1590}"/>
+              </a:ext>
+            </a:extLst>
+          </p:cNvPr>
+          <p:cNvSpPr/>
+          <p:nvPr/>
+        </p:nvSpPr>
+        <p:spPr>
+          <a:xfrm>
+            <a:off x="6400800" y="260648"/>
+            <a:ext cx="2419672" cy="1080120"/>
+          </a:xfrm>
+          <a:prstGeom prst="rect">
+            <a:avLst/>
+          </a:prstGeom>
+          <a:solidFill>
+            <a:srgbClr val="FFFF00"/>
+          </a:solidFill>
+        </p:spPr>
+        <p:style>
+          <a:lnRef idx="2">
+            <a:schemeClr val="accent1">
+              <a:shade val="50000"/>
+            </a:schemeClr>
+          </a:lnRef>
+          <a:fillRef idx="1">
+            <a:schemeClr val="accent1"/>
+          </a:fillRef>
+          <a:effectRef idx="0">
+            <a:schemeClr val="accent1"/>
+          </a:effectRef>
+          <a:fontRef idx="minor">
+            <a:schemeClr val="lt1"/>
+          </a:fontRef>
+        </p:style>
+        <p:txBody>
+          <a:bodyPr rtlCol="0" anchor="ctr"/>
+          <a:lstStyle/>
+          <a:p>
+            <a:pPr algn="ctr"/>
+            <a:r>
+              <a:rPr lang="en-DE" dirty="0">
+                <a:solidFill>
+                  <a:schemeClr val="tx1"/>
+                </a:solidFill>
+              </a:rPr>
+              <a:t>Skip???</a:t>
+            </a:r>
+          </a:p>
+        </p:txBody>
+      </p:sp>
     </p:spTree>
     <p:extLst>
       <p:ext uri="{BB962C8B-B14F-4D97-AF65-F5344CB8AC3E}">
@@ -10246,6 +10602,62 @@
           <a:p>
             <a:pPr algn="ctr"/>
             <a:endParaRPr lang="en-DE"/>
+          </a:p>
+        </p:txBody>
+      </p:sp>
+      <p:sp>
+        <p:nvSpPr>
+          <p:cNvPr id="6" name="Rectangle 5">
+            <a:extLst>
+              <a:ext uri="{FF2B5EF4-FFF2-40B4-BE49-F238E27FC236}">
+                <a16:creationId xmlns:a16="http://schemas.microsoft.com/office/drawing/2014/main" id="{0C437A70-C324-7CBD-3220-E71B007D5B20}"/>
+              </a:ext>
+            </a:extLst>
+          </p:cNvPr>
+          <p:cNvSpPr/>
+          <p:nvPr/>
+        </p:nvSpPr>
+        <p:spPr>
+          <a:xfrm>
+            <a:off x="6400800" y="332656"/>
+            <a:ext cx="2419672" cy="1080120"/>
+          </a:xfrm>
+          <a:prstGeom prst="rect">
+            <a:avLst/>
+          </a:prstGeom>
+          <a:solidFill>
+            <a:srgbClr val="FFFF00"/>
+          </a:solidFill>
+        </p:spPr>
+        <p:style>
+          <a:lnRef idx="2">
+            <a:schemeClr val="accent1">
+              <a:shade val="50000"/>
+            </a:schemeClr>
+          </a:lnRef>
+          <a:fillRef idx="1">
+            <a:schemeClr val="accent1"/>
+          </a:fillRef>
+          <a:effectRef idx="0">
+            <a:schemeClr val="accent1"/>
+          </a:effectRef>
+          <a:fontRef idx="minor">
+            <a:schemeClr val="lt1"/>
+          </a:fontRef>
+        </p:style>
+        <p:txBody>
+          <a:bodyPr rtlCol="0" anchor="ctr"/>
+          <a:lstStyle/>
+          <a:p>
+            <a:pPr algn="ctr"/>
+            <a:r>
+              <a:rPr lang="en-DE" dirty="0">
+                <a:solidFill>
+                  <a:schemeClr val="tx1"/>
+                </a:solidFill>
+              </a:rPr>
+              <a:t>Skip???</a:t>
+            </a:r>
           </a:p>
         </p:txBody>
       </p:sp>
@@ -14391,7 +14803,7 @@
           <a:lstStyle/>
           <a:p>
             <a:r>
-              <a:rPr lang="en-US" sz="1400">
+              <a:rPr lang="en-US" sz="1400" dirty="0">
                 <a:solidFill>
                   <a:srgbClr val="7F007F"/>
                 </a:solidFill>
@@ -14402,7 +14814,7 @@
               <a:t>def</a:t>
             </a:r>
             <a:r>
-              <a:rPr lang="en-US" sz="1400">
+              <a:rPr lang="en-US" sz="1400" dirty="0">
                 <a:solidFill>
                   <a:srgbClr val="000000"/>
                 </a:solidFill>
@@ -14413,7 +14825,7 @@
               <a:t> </a:t>
             </a:r>
             <a:r>
-              <a:rPr lang="en-US" sz="1400">
+              <a:rPr lang="en-US" sz="1400" dirty="0" err="1">
                 <a:solidFill>
                   <a:srgbClr val="0000FF"/>
                 </a:solidFill>
@@ -14424,7 +14836,7 @@
               <a:t>test_lower</a:t>
             </a:r>
             <a:r>
-              <a:rPr lang="en-US" sz="1400">
+              <a:rPr lang="en-US" sz="1400" dirty="0">
                 <a:solidFill>
                   <a:srgbClr val="000000"/>
                 </a:solidFill>
@@ -14435,7 +14847,7 @@
               <a:t>():</a:t>
             </a:r>
             <a:br>
-              <a:rPr lang="en-US" sz="1400">
+              <a:rPr lang="en-US" sz="1400" dirty="0">
                 <a:solidFill>
                   <a:srgbClr val="000000"/>
                 </a:solidFill>
@@ -14445,7 +14857,7 @@
               </a:rPr>
             </a:br>
             <a:r>
-              <a:rPr lang="en-US" sz="1400">
+              <a:rPr lang="en-US" sz="1400" dirty="0">
                 <a:solidFill>
                   <a:srgbClr val="000000"/>
                 </a:solidFill>
@@ -14456,7 +14868,7 @@
               <a:t>    </a:t>
             </a:r>
             <a:r>
-              <a:rPr lang="en-US" sz="1400">
+              <a:rPr lang="en-US" sz="1400" dirty="0">
                 <a:solidFill>
                   <a:srgbClr val="B22222"/>
                 </a:solidFill>
@@ -14467,7 +14879,7 @@
               <a:t># Given</a:t>
             </a:r>
             <a:br>
-              <a:rPr lang="en-US" sz="1400">
+              <a:rPr lang="en-US" sz="1400" dirty="0">
                 <a:solidFill>
                   <a:srgbClr val="B22222"/>
                 </a:solidFill>
@@ -14477,7 +14889,7 @@
               </a:rPr>
             </a:br>
             <a:r>
-              <a:rPr lang="en-US" sz="1400">
+              <a:rPr lang="en-US" sz="1400" dirty="0">
                 <a:solidFill>
                   <a:srgbClr val="000000"/>
                 </a:solidFill>
@@ -14488,7 +14900,7 @@
               <a:t>    string = </a:t>
             </a:r>
             <a:r>
-              <a:rPr lang="en-US" sz="1400">
+              <a:rPr lang="en-US" sz="1400" dirty="0">
                 <a:solidFill>
                   <a:srgbClr val="8B2252"/>
                 </a:solidFill>
@@ -14496,31 +14908,32 @@
                 <a:latin typeface="Courier New"/>
                 <a:cs typeface="Courier New"/>
               </a:rPr>
-              <a:t>'HeLlO wOrld'</a:t>
-            </a:r>
-            <a:br>
-              <a:rPr lang="en-US" sz="1400">
-                <a:solidFill>
-                  <a:srgbClr val="000000"/>
+              <a:t>'</a:t>
+            </a:r>
+            <a:r>
+              <a:rPr lang="en-US" sz="1400" dirty="0" err="1">
+                <a:solidFill>
+                  <a:srgbClr val="8B2252"/>
                 </a:solidFill>
                 <a:effectLst/>
                 <a:latin typeface="Courier New"/>
                 <a:cs typeface="Courier New"/>
               </a:rPr>
-            </a:br>
-            <a:r>
-              <a:rPr lang="en-US" sz="1400">
-                <a:solidFill>
-                  <a:srgbClr val="000000"/>
+              <a:t>HeLlO</a:t>
+            </a:r>
+            <a:r>
+              <a:rPr lang="en-US" sz="1400" dirty="0">
+                <a:solidFill>
+                  <a:srgbClr val="8B2252"/>
                 </a:solidFill>
                 <a:effectLst/>
                 <a:latin typeface="Courier New"/>
                 <a:cs typeface="Courier New"/>
               </a:rPr>
-              <a:t>    expected = </a:t>
-            </a:r>
-            <a:r>
-              <a:rPr lang="en-US" sz="1400">
+              <a:t> </a:t>
+            </a:r>
+            <a:r>
+              <a:rPr lang="en-US" sz="1400" dirty="0" err="1">
                 <a:solidFill>
                   <a:srgbClr val="8B2252"/>
                 </a:solidFill>
@@ -14528,20 +14941,21 @@
                 <a:latin typeface="Courier New"/>
                 <a:cs typeface="Courier New"/>
               </a:rPr>
-              <a:t>'hello world'</a:t>
-            </a:r>
-            <a:br>
-              <a:rPr lang="en-US" sz="1400">
-                <a:solidFill>
-                  <a:srgbClr val="000000"/>
+              <a:t>wOrld</a:t>
+            </a:r>
+            <a:r>
+              <a:rPr lang="en-US" sz="1400" dirty="0">
+                <a:solidFill>
+                  <a:srgbClr val="8B2252"/>
                 </a:solidFill>
                 <a:effectLst/>
                 <a:latin typeface="Courier New"/>
                 <a:cs typeface="Courier New"/>
               </a:rPr>
-            </a:br>
+              <a:t>'</a:t>
+            </a:r>
             <a:br>
-              <a:rPr lang="en-US" sz="1400">
+              <a:rPr lang="en-US" sz="1400" dirty="0">
                 <a:solidFill>
                   <a:srgbClr val="000000"/>
                 </a:solidFill>
@@ -14551,7 +14965,7 @@
               </a:rPr>
             </a:br>
             <a:r>
-              <a:rPr lang="en-US" sz="1400">
+              <a:rPr lang="en-US" sz="1400" dirty="0">
                 <a:solidFill>
                   <a:srgbClr val="000000"/>
                 </a:solidFill>
@@ -14559,31 +14973,31 @@
                 <a:latin typeface="Courier New"/>
                 <a:cs typeface="Courier New"/>
               </a:rPr>
-              <a:t>    </a:t>
-            </a:r>
-            <a:r>
-              <a:rPr lang="en-US" sz="1400">
-                <a:solidFill>
-                  <a:srgbClr val="B22222"/>
+              <a:t>    expected = </a:t>
+            </a:r>
+            <a:r>
+              <a:rPr lang="en-US" sz="1400" dirty="0">
+                <a:solidFill>
+                  <a:srgbClr val="8B2252"/>
                 </a:solidFill>
                 <a:effectLst/>
                 <a:latin typeface="Courier New"/>
                 <a:cs typeface="Courier New"/>
               </a:rPr>
-              <a:t># When</a:t>
+              <a:t>'hello world'</a:t>
             </a:r>
             <a:br>
-              <a:rPr lang="en-US" sz="1400">
-                <a:solidFill>
-                  <a:srgbClr val="B22222"/>
+              <a:rPr lang="en-US" sz="1400" dirty="0">
+                <a:solidFill>
+                  <a:srgbClr val="000000"/>
                 </a:solidFill>
                 <a:effectLst/>
                 <a:latin typeface="Courier New"/>
                 <a:cs typeface="Courier New"/>
               </a:rPr>
             </a:br>
-            <a:r>
-              <a:rPr lang="en-US" sz="1400">
+            <a:br>
+              <a:rPr lang="en-US" sz="1400" dirty="0">
                 <a:solidFill>
                   <a:srgbClr val="000000"/>
                 </a:solidFill>
@@ -14591,10 +15005,9 @@
                 <a:latin typeface="Courier New"/>
                 <a:cs typeface="Courier New"/>
               </a:rPr>
-              <a:t>    output = string.lower()</a:t>
-            </a:r>
-            <a:br>
-              <a:rPr lang="en-US" sz="1400">
+            </a:br>
+            <a:r>
+              <a:rPr lang="en-US" sz="1400" dirty="0">
                 <a:solidFill>
                   <a:srgbClr val="000000"/>
                 </a:solidFill>
@@ -14602,51 +15015,53 @@
                 <a:latin typeface="Courier New"/>
                 <a:cs typeface="Courier New"/>
               </a:rPr>
-            </a:br>
-            <a:br>
-              <a:rPr lang="en-US" sz="1400">
-                <a:solidFill>
-                  <a:srgbClr val="000000"/>
+              <a:t>    </a:t>
+            </a:r>
+            <a:r>
+              <a:rPr lang="en-US" sz="1400" dirty="0">
+                <a:solidFill>
+                  <a:srgbClr val="B22222"/>
                 </a:solidFill>
                 <a:effectLst/>
                 <a:latin typeface="Courier New"/>
                 <a:cs typeface="Courier New"/>
               </a:rPr>
-            </a:br>
-            <a:r>
-              <a:rPr lang="en-US" sz="1400">
-                <a:solidFill>
-                  <a:srgbClr val="000000"/>
+              <a:t># When</a:t>
+            </a:r>
+            <a:br>
+              <a:rPr lang="en-US" sz="1400" dirty="0">
+                <a:solidFill>
+                  <a:srgbClr val="B22222"/>
                 </a:solidFill>
                 <a:effectLst/>
                 <a:latin typeface="Courier New"/>
                 <a:cs typeface="Courier New"/>
               </a:rPr>
-              <a:t>    </a:t>
-            </a:r>
-            <a:r>
-              <a:rPr lang="en-US" sz="1400">
-                <a:solidFill>
-                  <a:srgbClr val="B22222"/>
+            </a:br>
+            <a:r>
+              <a:rPr lang="en-US" sz="1400" dirty="0">
+                <a:solidFill>
+                  <a:srgbClr val="000000"/>
                 </a:solidFill>
                 <a:effectLst/>
                 <a:latin typeface="Courier New"/>
                 <a:cs typeface="Courier New"/>
               </a:rPr>
-              <a:t># Then</a:t>
-            </a:r>
-            <a:br>
-              <a:rPr lang="en-US" sz="1400">
-                <a:solidFill>
-                  <a:srgbClr val="B22222"/>
+              <a:t>    output = </a:t>
+            </a:r>
+            <a:r>
+              <a:rPr lang="en-US" sz="1400" dirty="0" err="1">
+                <a:solidFill>
+                  <a:srgbClr val="000000"/>
                 </a:solidFill>
                 <a:effectLst/>
                 <a:latin typeface="Courier New"/>
                 <a:cs typeface="Courier New"/>
               </a:rPr>
-            </a:br>
-            <a:r>
-              <a:rPr lang="en-US" sz="1400">
+              <a:t>string.lower</a:t>
+            </a:r>
+            <a:r>
+              <a:rPr lang="en-US" sz="1400" dirty="0">
                 <a:solidFill>
                   <a:srgbClr val="000000"/>
                 </a:solidFill>
@@ -14654,21 +15069,20 @@
                 <a:latin typeface="Courier New"/>
                 <a:cs typeface="Courier New"/>
               </a:rPr>
-              <a:t>    </a:t>
-            </a:r>
-            <a:r>
-              <a:rPr lang="en-US" sz="1400">
-                <a:solidFill>
-                  <a:srgbClr val="7F007F"/>
+              <a:t>()</a:t>
+            </a:r>
+            <a:br>
+              <a:rPr lang="en-US" sz="1400" dirty="0">
+                <a:solidFill>
+                  <a:srgbClr val="000000"/>
                 </a:solidFill>
                 <a:effectLst/>
                 <a:latin typeface="Courier New"/>
                 <a:cs typeface="Courier New"/>
               </a:rPr>
-              <a:t>assert</a:t>
-            </a:r>
-            <a:r>
-              <a:rPr lang="en-US" sz="1400">
+            </a:br>
+            <a:br>
+              <a:rPr lang="en-US" sz="1400" dirty="0">
                 <a:solidFill>
                   <a:srgbClr val="000000"/>
                 </a:solidFill>
@@ -14676,10 +15090,9 @@
                 <a:latin typeface="Courier New"/>
                 <a:cs typeface="Courier New"/>
               </a:rPr>
-              <a:t> output == expected</a:t>
-            </a:r>
-            <a:br>
-              <a:rPr lang="en-US" sz="1400">
+            </a:br>
+            <a:r>
+              <a:rPr lang="en-US" sz="1400" dirty="0">
                 <a:solidFill>
                   <a:srgbClr val="000000"/>
                 </a:solidFill>
@@ -14687,8 +15100,73 @@
                 <a:latin typeface="Courier New"/>
                 <a:cs typeface="Courier New"/>
               </a:rPr>
+              <a:t>    </a:t>
+            </a:r>
+            <a:r>
+              <a:rPr lang="en-US" sz="1400" dirty="0">
+                <a:solidFill>
+                  <a:srgbClr val="B22222"/>
+                </a:solidFill>
+                <a:effectLst/>
+                <a:latin typeface="Courier New"/>
+                <a:cs typeface="Courier New"/>
+              </a:rPr>
+              <a:t># Then</a:t>
+            </a:r>
+            <a:br>
+              <a:rPr lang="en-US" sz="1400" dirty="0">
+                <a:solidFill>
+                  <a:srgbClr val="B22222"/>
+                </a:solidFill>
+                <a:effectLst/>
+                <a:latin typeface="Courier New"/>
+                <a:cs typeface="Courier New"/>
+              </a:rPr>
             </a:br>
-            <a:endParaRPr lang="en-US" sz="1400">
+            <a:r>
+              <a:rPr lang="en-US" sz="1400" dirty="0">
+                <a:solidFill>
+                  <a:srgbClr val="000000"/>
+                </a:solidFill>
+                <a:effectLst/>
+                <a:latin typeface="Courier New"/>
+                <a:cs typeface="Courier New"/>
+              </a:rPr>
+              <a:t>    </a:t>
+            </a:r>
+            <a:r>
+              <a:rPr lang="en-US" sz="1400" dirty="0">
+                <a:solidFill>
+                  <a:srgbClr val="7F007F"/>
+                </a:solidFill>
+                <a:effectLst/>
+                <a:latin typeface="Courier New"/>
+                <a:cs typeface="Courier New"/>
+              </a:rPr>
+              <a:t>assert</a:t>
+            </a:r>
+            <a:r>
+              <a:rPr lang="en-US" sz="1400" dirty="0">
+                <a:solidFill>
+                  <a:srgbClr val="000000"/>
+                </a:solidFill>
+                <a:effectLst/>
+                <a:latin typeface="Courier New"/>
+                <a:cs typeface="Courier New"/>
+              </a:rPr>
+              <a:t> output == expected</a:t>
+            </a:r>
+            <a:br>
+              <a:rPr lang="en-US" sz="1400" dirty="0">
+                <a:solidFill>
+                  <a:srgbClr val="000000"/>
+                </a:solidFill>
+                <a:effectLst/>
+                <a:latin typeface="Courier New"/>
+                <a:cs typeface="Courier New"/>
+              </a:rPr>
+            </a:br>
+            <a:endParaRPr lang="en-US" sz="1400" dirty="0">
               <a:solidFill>
                 <a:srgbClr val="000000"/>
               </a:solidFill>
